--- a/docs/rag-context-refinement-agent-presentation.pptx
+++ b/docs/rag-context-refinement-agent-presentation.pptx
@@ -116,6 +116,11 @@
       </a:defRPr>
     </a:lvl9pPr>
   </p:defaultTextStyle>
+  <p:extLst>
+    <p:ext uri="{EFAFB233-063F-42B5-8137-9DF3F51BA10A}">
+      <p15:sldGuideLst xmlns:p15="http://schemas.microsoft.com/office/powerpoint/2012/main"/>
+    </p:ext>
+  </p:extLst>
 </p:presentation>
 </file>
 
@@ -574,7 +579,7 @@
           <p:cNvPr id="2" name="Title 1">
             <a:extLst>
               <a:ext uri="{FF2B5EF4-FFF2-40B4-BE49-F238E27FC236}">
-                <a16:creationId xmlns:a16="http://schemas.microsoft.com/office/drawing/2014/main" id="{044A60CC-949B-FAB0-25BE-81D158CA6D9D}"/>
+                <a16:creationId xmlns:a16="http://schemas.microsoft.com/office/drawing/2014/main" xmlns="" id="{044A60CC-949B-FAB0-25BE-81D158CA6D9D}"/>
               </a:ext>
             </a:extLst>
           </p:cNvPr>
@@ -611,7 +616,7 @@
           <p:cNvPr id="3" name="Subtitle 2">
             <a:extLst>
               <a:ext uri="{FF2B5EF4-FFF2-40B4-BE49-F238E27FC236}">
-                <a16:creationId xmlns:a16="http://schemas.microsoft.com/office/drawing/2014/main" id="{EF1D289B-AB3C-0FB2-2718-6246BEC6C6CD}"/>
+                <a16:creationId xmlns:a16="http://schemas.microsoft.com/office/drawing/2014/main" xmlns="" id="{EF1D289B-AB3C-0FB2-2718-6246BEC6C6CD}"/>
               </a:ext>
             </a:extLst>
           </p:cNvPr>
@@ -681,7 +686,7 @@
           <p:cNvPr id="4" name="Date Placeholder 3">
             <a:extLst>
               <a:ext uri="{FF2B5EF4-FFF2-40B4-BE49-F238E27FC236}">
-                <a16:creationId xmlns:a16="http://schemas.microsoft.com/office/drawing/2014/main" id="{07D598FE-A990-4A13-BC58-FD382D85B8F2}"/>
+                <a16:creationId xmlns:a16="http://schemas.microsoft.com/office/drawing/2014/main" xmlns="" id="{07D598FE-A990-4A13-BC58-FD382D85B8F2}"/>
               </a:ext>
             </a:extLst>
           </p:cNvPr>
@@ -710,7 +715,7 @@
           <p:cNvPr id="5" name="Footer Placeholder 4">
             <a:extLst>
               <a:ext uri="{FF2B5EF4-FFF2-40B4-BE49-F238E27FC236}">
-                <a16:creationId xmlns:a16="http://schemas.microsoft.com/office/drawing/2014/main" id="{9DBDD0E0-FADA-2B40-B985-325D179E909C}"/>
+                <a16:creationId xmlns:a16="http://schemas.microsoft.com/office/drawing/2014/main" xmlns="" id="{9DBDD0E0-FADA-2B40-B985-325D179E909C}"/>
               </a:ext>
             </a:extLst>
           </p:cNvPr>
@@ -735,7 +740,7 @@
           <p:cNvPr id="6" name="Slide Number Placeholder 5">
             <a:extLst>
               <a:ext uri="{FF2B5EF4-FFF2-40B4-BE49-F238E27FC236}">
-                <a16:creationId xmlns:a16="http://schemas.microsoft.com/office/drawing/2014/main" id="{088BA687-6633-364F-49F8-76AE05805325}"/>
+                <a16:creationId xmlns:a16="http://schemas.microsoft.com/office/drawing/2014/main" xmlns="" id="{088BA687-6633-364F-49F8-76AE05805325}"/>
               </a:ext>
             </a:extLst>
           </p:cNvPr>
@@ -794,7 +799,7 @@
           <p:cNvPr id="2" name="Title 1">
             <a:extLst>
               <a:ext uri="{FF2B5EF4-FFF2-40B4-BE49-F238E27FC236}">
-                <a16:creationId xmlns:a16="http://schemas.microsoft.com/office/drawing/2014/main" id="{515678E7-FCA9-45F2-FCC5-793AB41D4F47}"/>
+                <a16:creationId xmlns:a16="http://schemas.microsoft.com/office/drawing/2014/main" xmlns="" id="{515678E7-FCA9-45F2-FCC5-793AB41D4F47}"/>
               </a:ext>
             </a:extLst>
           </p:cNvPr>
@@ -822,7 +827,7 @@
           <p:cNvPr id="3" name="Vertical Text Placeholder 2">
             <a:extLst>
               <a:ext uri="{FF2B5EF4-FFF2-40B4-BE49-F238E27FC236}">
-                <a16:creationId xmlns:a16="http://schemas.microsoft.com/office/drawing/2014/main" id="{34A096D9-6EF0-3F83-BEA5-43C842A9954F}"/>
+                <a16:creationId xmlns:a16="http://schemas.microsoft.com/office/drawing/2014/main" xmlns="" id="{34A096D9-6EF0-3F83-BEA5-43C842A9954F}"/>
               </a:ext>
             </a:extLst>
           </p:cNvPr>
@@ -879,7 +884,7 @@
           <p:cNvPr id="4" name="Date Placeholder 3">
             <a:extLst>
               <a:ext uri="{FF2B5EF4-FFF2-40B4-BE49-F238E27FC236}">
-                <a16:creationId xmlns:a16="http://schemas.microsoft.com/office/drawing/2014/main" id="{F3D85A56-0D2F-D33F-82B1-600551CCAE0C}"/>
+                <a16:creationId xmlns:a16="http://schemas.microsoft.com/office/drawing/2014/main" xmlns="" id="{F3D85A56-0D2F-D33F-82B1-600551CCAE0C}"/>
               </a:ext>
             </a:extLst>
           </p:cNvPr>
@@ -908,7 +913,7 @@
           <p:cNvPr id="5" name="Footer Placeholder 4">
             <a:extLst>
               <a:ext uri="{FF2B5EF4-FFF2-40B4-BE49-F238E27FC236}">
-                <a16:creationId xmlns:a16="http://schemas.microsoft.com/office/drawing/2014/main" id="{2D94697D-77C4-7461-C232-85DB25EA3400}"/>
+                <a16:creationId xmlns:a16="http://schemas.microsoft.com/office/drawing/2014/main" xmlns="" id="{2D94697D-77C4-7461-C232-85DB25EA3400}"/>
               </a:ext>
             </a:extLst>
           </p:cNvPr>
@@ -933,7 +938,7 @@
           <p:cNvPr id="6" name="Slide Number Placeholder 5">
             <a:extLst>
               <a:ext uri="{FF2B5EF4-FFF2-40B4-BE49-F238E27FC236}">
-                <a16:creationId xmlns:a16="http://schemas.microsoft.com/office/drawing/2014/main" id="{9AE9DC1C-FB82-0FC6-D6F7-2878690F75F5}"/>
+                <a16:creationId xmlns:a16="http://schemas.microsoft.com/office/drawing/2014/main" xmlns="" id="{9AE9DC1C-FB82-0FC6-D6F7-2878690F75F5}"/>
               </a:ext>
             </a:extLst>
           </p:cNvPr>
@@ -992,7 +997,7 @@
           <p:cNvPr id="2" name="Vertical Title 1">
             <a:extLst>
               <a:ext uri="{FF2B5EF4-FFF2-40B4-BE49-F238E27FC236}">
-                <a16:creationId xmlns:a16="http://schemas.microsoft.com/office/drawing/2014/main" id="{F3F621A4-62DE-CF24-CCA1-5B66AE37D5E0}"/>
+                <a16:creationId xmlns:a16="http://schemas.microsoft.com/office/drawing/2014/main" xmlns="" id="{F3F621A4-62DE-CF24-CCA1-5B66AE37D5E0}"/>
               </a:ext>
             </a:extLst>
           </p:cNvPr>
@@ -1025,7 +1030,7 @@
           <p:cNvPr id="3" name="Vertical Text Placeholder 2">
             <a:extLst>
               <a:ext uri="{FF2B5EF4-FFF2-40B4-BE49-F238E27FC236}">
-                <a16:creationId xmlns:a16="http://schemas.microsoft.com/office/drawing/2014/main" id="{E8A25FF5-5364-23AA-B746-C36898B8250C}"/>
+                <a16:creationId xmlns:a16="http://schemas.microsoft.com/office/drawing/2014/main" xmlns="" id="{E8A25FF5-5364-23AA-B746-C36898B8250C}"/>
               </a:ext>
             </a:extLst>
           </p:cNvPr>
@@ -1087,7 +1092,7 @@
           <p:cNvPr id="4" name="Date Placeholder 3">
             <a:extLst>
               <a:ext uri="{FF2B5EF4-FFF2-40B4-BE49-F238E27FC236}">
-                <a16:creationId xmlns:a16="http://schemas.microsoft.com/office/drawing/2014/main" id="{426F0EDC-0375-776F-7FE5-F2AF48C9FE51}"/>
+                <a16:creationId xmlns:a16="http://schemas.microsoft.com/office/drawing/2014/main" xmlns="" id="{426F0EDC-0375-776F-7FE5-F2AF48C9FE51}"/>
               </a:ext>
             </a:extLst>
           </p:cNvPr>
@@ -1116,7 +1121,7 @@
           <p:cNvPr id="5" name="Footer Placeholder 4">
             <a:extLst>
               <a:ext uri="{FF2B5EF4-FFF2-40B4-BE49-F238E27FC236}">
-                <a16:creationId xmlns:a16="http://schemas.microsoft.com/office/drawing/2014/main" id="{0962B6B3-087D-97F1-7C8E-318294504045}"/>
+                <a16:creationId xmlns:a16="http://schemas.microsoft.com/office/drawing/2014/main" xmlns="" id="{0962B6B3-087D-97F1-7C8E-318294504045}"/>
               </a:ext>
             </a:extLst>
           </p:cNvPr>
@@ -1141,7 +1146,7 @@
           <p:cNvPr id="6" name="Slide Number Placeholder 5">
             <a:extLst>
               <a:ext uri="{FF2B5EF4-FFF2-40B4-BE49-F238E27FC236}">
-                <a16:creationId xmlns:a16="http://schemas.microsoft.com/office/drawing/2014/main" id="{7B35D3FB-4C11-B1FE-10C2-12606A94D343}"/>
+                <a16:creationId xmlns:a16="http://schemas.microsoft.com/office/drawing/2014/main" xmlns="" id="{7B35D3FB-4C11-B1FE-10C2-12606A94D343}"/>
               </a:ext>
             </a:extLst>
           </p:cNvPr>
@@ -1200,7 +1205,7 @@
           <p:cNvPr id="2" name="Title 1">
             <a:extLst>
               <a:ext uri="{FF2B5EF4-FFF2-40B4-BE49-F238E27FC236}">
-                <a16:creationId xmlns:a16="http://schemas.microsoft.com/office/drawing/2014/main" id="{CD579E76-94DA-FC4D-F768-7E239F93BFD1}"/>
+                <a16:creationId xmlns:a16="http://schemas.microsoft.com/office/drawing/2014/main" xmlns="" id="{CD579E76-94DA-FC4D-F768-7E239F93BFD1}"/>
               </a:ext>
             </a:extLst>
           </p:cNvPr>
@@ -1228,7 +1233,7 @@
           <p:cNvPr id="3" name="Content Placeholder 2">
             <a:extLst>
               <a:ext uri="{FF2B5EF4-FFF2-40B4-BE49-F238E27FC236}">
-                <a16:creationId xmlns:a16="http://schemas.microsoft.com/office/drawing/2014/main" id="{AC07A661-79E1-A591-2252-A66C76E186E2}"/>
+                <a16:creationId xmlns:a16="http://schemas.microsoft.com/office/drawing/2014/main" xmlns="" id="{AC07A661-79E1-A591-2252-A66C76E186E2}"/>
               </a:ext>
             </a:extLst>
           </p:cNvPr>
@@ -1285,7 +1290,7 @@
           <p:cNvPr id="4" name="Date Placeholder 3">
             <a:extLst>
               <a:ext uri="{FF2B5EF4-FFF2-40B4-BE49-F238E27FC236}">
-                <a16:creationId xmlns:a16="http://schemas.microsoft.com/office/drawing/2014/main" id="{45C35C6D-86F4-D91A-9382-6E8008494036}"/>
+                <a16:creationId xmlns:a16="http://schemas.microsoft.com/office/drawing/2014/main" xmlns="" id="{45C35C6D-86F4-D91A-9382-6E8008494036}"/>
               </a:ext>
             </a:extLst>
           </p:cNvPr>
@@ -1314,7 +1319,7 @@
           <p:cNvPr id="5" name="Footer Placeholder 4">
             <a:extLst>
               <a:ext uri="{FF2B5EF4-FFF2-40B4-BE49-F238E27FC236}">
-                <a16:creationId xmlns:a16="http://schemas.microsoft.com/office/drawing/2014/main" id="{C7645B3C-0F2C-3C73-8673-77AF3CB1D4BB}"/>
+                <a16:creationId xmlns:a16="http://schemas.microsoft.com/office/drawing/2014/main" xmlns="" id="{C7645B3C-0F2C-3C73-8673-77AF3CB1D4BB}"/>
               </a:ext>
             </a:extLst>
           </p:cNvPr>
@@ -1339,7 +1344,7 @@
           <p:cNvPr id="6" name="Slide Number Placeholder 5">
             <a:extLst>
               <a:ext uri="{FF2B5EF4-FFF2-40B4-BE49-F238E27FC236}">
-                <a16:creationId xmlns:a16="http://schemas.microsoft.com/office/drawing/2014/main" id="{8AE89C1D-6EE3-F581-D778-E8D30DC30A43}"/>
+                <a16:creationId xmlns:a16="http://schemas.microsoft.com/office/drawing/2014/main" xmlns="" id="{8AE89C1D-6EE3-F581-D778-E8D30DC30A43}"/>
               </a:ext>
             </a:extLst>
           </p:cNvPr>
@@ -1398,7 +1403,7 @@
           <p:cNvPr id="2" name="Title 1">
             <a:extLst>
               <a:ext uri="{FF2B5EF4-FFF2-40B4-BE49-F238E27FC236}">
-                <a16:creationId xmlns:a16="http://schemas.microsoft.com/office/drawing/2014/main" id="{A80739E8-07E7-C866-6CBA-01855558250F}"/>
+                <a16:creationId xmlns:a16="http://schemas.microsoft.com/office/drawing/2014/main" xmlns="" id="{A80739E8-07E7-C866-6CBA-01855558250F}"/>
               </a:ext>
             </a:extLst>
           </p:cNvPr>
@@ -1435,7 +1440,7 @@
           <p:cNvPr id="3" name="Text Placeholder 2">
             <a:extLst>
               <a:ext uri="{FF2B5EF4-FFF2-40B4-BE49-F238E27FC236}">
-                <a16:creationId xmlns:a16="http://schemas.microsoft.com/office/drawing/2014/main" id="{74351F24-62FB-7572-F7AD-9970A9BDE478}"/>
+                <a16:creationId xmlns:a16="http://schemas.microsoft.com/office/drawing/2014/main" xmlns="" id="{74351F24-62FB-7572-F7AD-9970A9BDE478}"/>
               </a:ext>
             </a:extLst>
           </p:cNvPr>
@@ -1560,7 +1565,7 @@
           <p:cNvPr id="4" name="Date Placeholder 3">
             <a:extLst>
               <a:ext uri="{FF2B5EF4-FFF2-40B4-BE49-F238E27FC236}">
-                <a16:creationId xmlns:a16="http://schemas.microsoft.com/office/drawing/2014/main" id="{E74445B0-8A6F-6FD4-6971-54F570305ACB}"/>
+                <a16:creationId xmlns:a16="http://schemas.microsoft.com/office/drawing/2014/main" xmlns="" id="{E74445B0-8A6F-6FD4-6971-54F570305ACB}"/>
               </a:ext>
             </a:extLst>
           </p:cNvPr>
@@ -1589,7 +1594,7 @@
           <p:cNvPr id="5" name="Footer Placeholder 4">
             <a:extLst>
               <a:ext uri="{FF2B5EF4-FFF2-40B4-BE49-F238E27FC236}">
-                <a16:creationId xmlns:a16="http://schemas.microsoft.com/office/drawing/2014/main" id="{E3304506-752A-2589-4EA8-C3F48EE5300C}"/>
+                <a16:creationId xmlns:a16="http://schemas.microsoft.com/office/drawing/2014/main" xmlns="" id="{E3304506-752A-2589-4EA8-C3F48EE5300C}"/>
               </a:ext>
             </a:extLst>
           </p:cNvPr>
@@ -1614,7 +1619,7 @@
           <p:cNvPr id="6" name="Slide Number Placeholder 5">
             <a:extLst>
               <a:ext uri="{FF2B5EF4-FFF2-40B4-BE49-F238E27FC236}">
-                <a16:creationId xmlns:a16="http://schemas.microsoft.com/office/drawing/2014/main" id="{184DF55F-4F32-5BB1-9DDD-CA26824905EF}"/>
+                <a16:creationId xmlns:a16="http://schemas.microsoft.com/office/drawing/2014/main" xmlns="" id="{184DF55F-4F32-5BB1-9DDD-CA26824905EF}"/>
               </a:ext>
             </a:extLst>
           </p:cNvPr>
@@ -1673,7 +1678,7 @@
           <p:cNvPr id="2" name="Title 1">
             <a:extLst>
               <a:ext uri="{FF2B5EF4-FFF2-40B4-BE49-F238E27FC236}">
-                <a16:creationId xmlns:a16="http://schemas.microsoft.com/office/drawing/2014/main" id="{99CFE652-BE61-DD21-1027-FADC3724C4AD}"/>
+                <a16:creationId xmlns:a16="http://schemas.microsoft.com/office/drawing/2014/main" xmlns="" id="{99CFE652-BE61-DD21-1027-FADC3724C4AD}"/>
               </a:ext>
             </a:extLst>
           </p:cNvPr>
@@ -1701,7 +1706,7 @@
           <p:cNvPr id="3" name="Content Placeholder 2">
             <a:extLst>
               <a:ext uri="{FF2B5EF4-FFF2-40B4-BE49-F238E27FC236}">
-                <a16:creationId xmlns:a16="http://schemas.microsoft.com/office/drawing/2014/main" id="{4D21250C-2C76-92E1-7B48-D1545444D852}"/>
+                <a16:creationId xmlns:a16="http://schemas.microsoft.com/office/drawing/2014/main" xmlns="" id="{4D21250C-2C76-92E1-7B48-D1545444D852}"/>
               </a:ext>
             </a:extLst>
           </p:cNvPr>
@@ -1763,7 +1768,7 @@
           <p:cNvPr id="4" name="Content Placeholder 3">
             <a:extLst>
               <a:ext uri="{FF2B5EF4-FFF2-40B4-BE49-F238E27FC236}">
-                <a16:creationId xmlns:a16="http://schemas.microsoft.com/office/drawing/2014/main" id="{D323F3FC-7FAC-2E58-2629-554BA9727BCB}"/>
+                <a16:creationId xmlns:a16="http://schemas.microsoft.com/office/drawing/2014/main" xmlns="" id="{D323F3FC-7FAC-2E58-2629-554BA9727BCB}"/>
               </a:ext>
             </a:extLst>
           </p:cNvPr>
@@ -1825,7 +1830,7 @@
           <p:cNvPr id="5" name="Date Placeholder 4">
             <a:extLst>
               <a:ext uri="{FF2B5EF4-FFF2-40B4-BE49-F238E27FC236}">
-                <a16:creationId xmlns:a16="http://schemas.microsoft.com/office/drawing/2014/main" id="{A919E9C9-B7AE-3A3A-4D8C-B7CA38C0458E}"/>
+                <a16:creationId xmlns:a16="http://schemas.microsoft.com/office/drawing/2014/main" xmlns="" id="{A919E9C9-B7AE-3A3A-4D8C-B7CA38C0458E}"/>
               </a:ext>
             </a:extLst>
           </p:cNvPr>
@@ -1854,7 +1859,7 @@
           <p:cNvPr id="6" name="Footer Placeholder 5">
             <a:extLst>
               <a:ext uri="{FF2B5EF4-FFF2-40B4-BE49-F238E27FC236}">
-                <a16:creationId xmlns:a16="http://schemas.microsoft.com/office/drawing/2014/main" id="{7478412B-1833-AEEF-1D1F-84E757F208AD}"/>
+                <a16:creationId xmlns:a16="http://schemas.microsoft.com/office/drawing/2014/main" xmlns="" id="{7478412B-1833-AEEF-1D1F-84E757F208AD}"/>
               </a:ext>
             </a:extLst>
           </p:cNvPr>
@@ -1879,7 +1884,7 @@
           <p:cNvPr id="7" name="Slide Number Placeholder 6">
             <a:extLst>
               <a:ext uri="{FF2B5EF4-FFF2-40B4-BE49-F238E27FC236}">
-                <a16:creationId xmlns:a16="http://schemas.microsoft.com/office/drawing/2014/main" id="{FEA61BED-9C8A-B8C8-B44A-3F9DE6D9DFBE}"/>
+                <a16:creationId xmlns:a16="http://schemas.microsoft.com/office/drawing/2014/main" xmlns="" id="{FEA61BED-9C8A-B8C8-B44A-3F9DE6D9DFBE}"/>
               </a:ext>
             </a:extLst>
           </p:cNvPr>
@@ -1938,7 +1943,7 @@
           <p:cNvPr id="2" name="Title 1">
             <a:extLst>
               <a:ext uri="{FF2B5EF4-FFF2-40B4-BE49-F238E27FC236}">
-                <a16:creationId xmlns:a16="http://schemas.microsoft.com/office/drawing/2014/main" id="{FE2CF521-30CB-5F72-EE3F-A0CF434E7BF0}"/>
+                <a16:creationId xmlns:a16="http://schemas.microsoft.com/office/drawing/2014/main" xmlns="" id="{FE2CF521-30CB-5F72-EE3F-A0CF434E7BF0}"/>
               </a:ext>
             </a:extLst>
           </p:cNvPr>
@@ -1971,7 +1976,7 @@
           <p:cNvPr id="3" name="Text Placeholder 2">
             <a:extLst>
               <a:ext uri="{FF2B5EF4-FFF2-40B4-BE49-F238E27FC236}">
-                <a16:creationId xmlns:a16="http://schemas.microsoft.com/office/drawing/2014/main" id="{1C68B6C3-63F0-0809-A78C-7AC8B0EB64C1}"/>
+                <a16:creationId xmlns:a16="http://schemas.microsoft.com/office/drawing/2014/main" xmlns="" id="{1C68B6C3-63F0-0809-A78C-7AC8B0EB64C1}"/>
               </a:ext>
             </a:extLst>
           </p:cNvPr>
@@ -2042,7 +2047,7 @@
           <p:cNvPr id="4" name="Content Placeholder 3">
             <a:extLst>
               <a:ext uri="{FF2B5EF4-FFF2-40B4-BE49-F238E27FC236}">
-                <a16:creationId xmlns:a16="http://schemas.microsoft.com/office/drawing/2014/main" id="{AB76C20F-17CE-F413-86A6-88DD4BA8E28F}"/>
+                <a16:creationId xmlns:a16="http://schemas.microsoft.com/office/drawing/2014/main" xmlns="" id="{AB76C20F-17CE-F413-86A6-88DD4BA8E28F}"/>
               </a:ext>
             </a:extLst>
           </p:cNvPr>
@@ -2104,7 +2109,7 @@
           <p:cNvPr id="5" name="Text Placeholder 4">
             <a:extLst>
               <a:ext uri="{FF2B5EF4-FFF2-40B4-BE49-F238E27FC236}">
-                <a16:creationId xmlns:a16="http://schemas.microsoft.com/office/drawing/2014/main" id="{B5819689-0E16-E3DA-AC75-0AECA9AFB09E}"/>
+                <a16:creationId xmlns:a16="http://schemas.microsoft.com/office/drawing/2014/main" xmlns="" id="{B5819689-0E16-E3DA-AC75-0AECA9AFB09E}"/>
               </a:ext>
             </a:extLst>
           </p:cNvPr>
@@ -2175,7 +2180,7 @@
           <p:cNvPr id="6" name="Content Placeholder 5">
             <a:extLst>
               <a:ext uri="{FF2B5EF4-FFF2-40B4-BE49-F238E27FC236}">
-                <a16:creationId xmlns:a16="http://schemas.microsoft.com/office/drawing/2014/main" id="{5DA67D62-6845-535F-2531-FC3A4D2E8F9E}"/>
+                <a16:creationId xmlns:a16="http://schemas.microsoft.com/office/drawing/2014/main" xmlns="" id="{5DA67D62-6845-535F-2531-FC3A4D2E8F9E}"/>
               </a:ext>
             </a:extLst>
           </p:cNvPr>
@@ -2237,7 +2242,7 @@
           <p:cNvPr id="7" name="Date Placeholder 6">
             <a:extLst>
               <a:ext uri="{FF2B5EF4-FFF2-40B4-BE49-F238E27FC236}">
-                <a16:creationId xmlns:a16="http://schemas.microsoft.com/office/drawing/2014/main" id="{C07D53AB-8A1B-45D2-4A3E-BD22CE0F622D}"/>
+                <a16:creationId xmlns:a16="http://schemas.microsoft.com/office/drawing/2014/main" xmlns="" id="{C07D53AB-8A1B-45D2-4A3E-BD22CE0F622D}"/>
               </a:ext>
             </a:extLst>
           </p:cNvPr>
@@ -2266,7 +2271,7 @@
           <p:cNvPr id="8" name="Footer Placeholder 7">
             <a:extLst>
               <a:ext uri="{FF2B5EF4-FFF2-40B4-BE49-F238E27FC236}">
-                <a16:creationId xmlns:a16="http://schemas.microsoft.com/office/drawing/2014/main" id="{6962B04F-4DF7-D5F9-6B93-25EA4608F76E}"/>
+                <a16:creationId xmlns:a16="http://schemas.microsoft.com/office/drawing/2014/main" xmlns="" id="{6962B04F-4DF7-D5F9-6B93-25EA4608F76E}"/>
               </a:ext>
             </a:extLst>
           </p:cNvPr>
@@ -2291,7 +2296,7 @@
           <p:cNvPr id="9" name="Slide Number Placeholder 8">
             <a:extLst>
               <a:ext uri="{FF2B5EF4-FFF2-40B4-BE49-F238E27FC236}">
-                <a16:creationId xmlns:a16="http://schemas.microsoft.com/office/drawing/2014/main" id="{038218CB-F96C-5C40-980A-4195C10E80C5}"/>
+                <a16:creationId xmlns:a16="http://schemas.microsoft.com/office/drawing/2014/main" xmlns="" id="{038218CB-F96C-5C40-980A-4195C10E80C5}"/>
               </a:ext>
             </a:extLst>
           </p:cNvPr>
@@ -2350,7 +2355,7 @@
           <p:cNvPr id="2" name="Title 1">
             <a:extLst>
               <a:ext uri="{FF2B5EF4-FFF2-40B4-BE49-F238E27FC236}">
-                <a16:creationId xmlns:a16="http://schemas.microsoft.com/office/drawing/2014/main" id="{E687237E-3B97-E963-A9D0-10477AD2C592}"/>
+                <a16:creationId xmlns:a16="http://schemas.microsoft.com/office/drawing/2014/main" xmlns="" id="{E687237E-3B97-E963-A9D0-10477AD2C592}"/>
               </a:ext>
             </a:extLst>
           </p:cNvPr>
@@ -2378,7 +2383,7 @@
           <p:cNvPr id="3" name="Date Placeholder 2">
             <a:extLst>
               <a:ext uri="{FF2B5EF4-FFF2-40B4-BE49-F238E27FC236}">
-                <a16:creationId xmlns:a16="http://schemas.microsoft.com/office/drawing/2014/main" id="{6724D184-2393-A282-C53B-A45F6258E331}"/>
+                <a16:creationId xmlns:a16="http://schemas.microsoft.com/office/drawing/2014/main" xmlns="" id="{6724D184-2393-A282-C53B-A45F6258E331}"/>
               </a:ext>
             </a:extLst>
           </p:cNvPr>
@@ -2407,7 +2412,7 @@
           <p:cNvPr id="4" name="Footer Placeholder 3">
             <a:extLst>
               <a:ext uri="{FF2B5EF4-FFF2-40B4-BE49-F238E27FC236}">
-                <a16:creationId xmlns:a16="http://schemas.microsoft.com/office/drawing/2014/main" id="{02334108-5476-06BB-C061-FAD8C55CA6ED}"/>
+                <a16:creationId xmlns:a16="http://schemas.microsoft.com/office/drawing/2014/main" xmlns="" id="{02334108-5476-06BB-C061-FAD8C55CA6ED}"/>
               </a:ext>
             </a:extLst>
           </p:cNvPr>
@@ -2432,7 +2437,7 @@
           <p:cNvPr id="5" name="Slide Number Placeholder 4">
             <a:extLst>
               <a:ext uri="{FF2B5EF4-FFF2-40B4-BE49-F238E27FC236}">
-                <a16:creationId xmlns:a16="http://schemas.microsoft.com/office/drawing/2014/main" id="{5A19C6D1-BF4A-ABDA-51A2-3B63E648E0A6}"/>
+                <a16:creationId xmlns:a16="http://schemas.microsoft.com/office/drawing/2014/main" xmlns="" id="{5A19C6D1-BF4A-ABDA-51A2-3B63E648E0A6}"/>
               </a:ext>
             </a:extLst>
           </p:cNvPr>
@@ -2491,7 +2496,7 @@
           <p:cNvPr id="2" name="Date Placeholder 1">
             <a:extLst>
               <a:ext uri="{FF2B5EF4-FFF2-40B4-BE49-F238E27FC236}">
-                <a16:creationId xmlns:a16="http://schemas.microsoft.com/office/drawing/2014/main" id="{743FA7E0-3B38-4B35-206C-1F28EEBA0896}"/>
+                <a16:creationId xmlns:a16="http://schemas.microsoft.com/office/drawing/2014/main" xmlns="" id="{743FA7E0-3B38-4B35-206C-1F28EEBA0896}"/>
               </a:ext>
             </a:extLst>
           </p:cNvPr>
@@ -2520,7 +2525,7 @@
           <p:cNvPr id="3" name="Footer Placeholder 2">
             <a:extLst>
               <a:ext uri="{FF2B5EF4-FFF2-40B4-BE49-F238E27FC236}">
-                <a16:creationId xmlns:a16="http://schemas.microsoft.com/office/drawing/2014/main" id="{20CE74B5-D777-9108-A20D-EB6B14F05253}"/>
+                <a16:creationId xmlns:a16="http://schemas.microsoft.com/office/drawing/2014/main" xmlns="" id="{20CE74B5-D777-9108-A20D-EB6B14F05253}"/>
               </a:ext>
             </a:extLst>
           </p:cNvPr>
@@ -2545,7 +2550,7 @@
           <p:cNvPr id="4" name="Slide Number Placeholder 3">
             <a:extLst>
               <a:ext uri="{FF2B5EF4-FFF2-40B4-BE49-F238E27FC236}">
-                <a16:creationId xmlns:a16="http://schemas.microsoft.com/office/drawing/2014/main" id="{60EAF355-97F1-024D-F0D8-C1CABBAF287F}"/>
+                <a16:creationId xmlns:a16="http://schemas.microsoft.com/office/drawing/2014/main" xmlns="" id="{60EAF355-97F1-024D-F0D8-C1CABBAF287F}"/>
               </a:ext>
             </a:extLst>
           </p:cNvPr>
@@ -2604,7 +2609,7 @@
           <p:cNvPr id="2" name="Title 1">
             <a:extLst>
               <a:ext uri="{FF2B5EF4-FFF2-40B4-BE49-F238E27FC236}">
-                <a16:creationId xmlns:a16="http://schemas.microsoft.com/office/drawing/2014/main" id="{CA8FD936-D79A-CEED-E278-12CE6429BC25}"/>
+                <a16:creationId xmlns:a16="http://schemas.microsoft.com/office/drawing/2014/main" xmlns="" id="{CA8FD936-D79A-CEED-E278-12CE6429BC25}"/>
               </a:ext>
             </a:extLst>
           </p:cNvPr>
@@ -2641,7 +2646,7 @@
           <p:cNvPr id="3" name="Content Placeholder 2">
             <a:extLst>
               <a:ext uri="{FF2B5EF4-FFF2-40B4-BE49-F238E27FC236}">
-                <a16:creationId xmlns:a16="http://schemas.microsoft.com/office/drawing/2014/main" id="{E6E01AF3-2890-0293-3907-4B19BEFF3435}"/>
+                <a16:creationId xmlns:a16="http://schemas.microsoft.com/office/drawing/2014/main" xmlns="" id="{E6E01AF3-2890-0293-3907-4B19BEFF3435}"/>
               </a:ext>
             </a:extLst>
           </p:cNvPr>
@@ -2731,7 +2736,7 @@
           <p:cNvPr id="4" name="Text Placeholder 3">
             <a:extLst>
               <a:ext uri="{FF2B5EF4-FFF2-40B4-BE49-F238E27FC236}">
-                <a16:creationId xmlns:a16="http://schemas.microsoft.com/office/drawing/2014/main" id="{979F58B8-CB50-E240-E42B-866799AB9BBF}"/>
+                <a16:creationId xmlns:a16="http://schemas.microsoft.com/office/drawing/2014/main" xmlns="" id="{979F58B8-CB50-E240-E42B-866799AB9BBF}"/>
               </a:ext>
             </a:extLst>
           </p:cNvPr>
@@ -2802,7 +2807,7 @@
           <p:cNvPr id="5" name="Date Placeholder 4">
             <a:extLst>
               <a:ext uri="{FF2B5EF4-FFF2-40B4-BE49-F238E27FC236}">
-                <a16:creationId xmlns:a16="http://schemas.microsoft.com/office/drawing/2014/main" id="{4EDA7513-68D3-00F6-0D2C-78B588076CA2}"/>
+                <a16:creationId xmlns:a16="http://schemas.microsoft.com/office/drawing/2014/main" xmlns="" id="{4EDA7513-68D3-00F6-0D2C-78B588076CA2}"/>
               </a:ext>
             </a:extLst>
           </p:cNvPr>
@@ -2831,7 +2836,7 @@
           <p:cNvPr id="6" name="Footer Placeholder 5">
             <a:extLst>
               <a:ext uri="{FF2B5EF4-FFF2-40B4-BE49-F238E27FC236}">
-                <a16:creationId xmlns:a16="http://schemas.microsoft.com/office/drawing/2014/main" id="{FCD6E9E3-BA6B-B520-F715-2DC49ED4D8B7}"/>
+                <a16:creationId xmlns:a16="http://schemas.microsoft.com/office/drawing/2014/main" xmlns="" id="{FCD6E9E3-BA6B-B520-F715-2DC49ED4D8B7}"/>
               </a:ext>
             </a:extLst>
           </p:cNvPr>
@@ -2856,7 +2861,7 @@
           <p:cNvPr id="7" name="Slide Number Placeholder 6">
             <a:extLst>
               <a:ext uri="{FF2B5EF4-FFF2-40B4-BE49-F238E27FC236}">
-                <a16:creationId xmlns:a16="http://schemas.microsoft.com/office/drawing/2014/main" id="{6E3AD2C5-E2FF-F64F-B217-D3BD96CA40D7}"/>
+                <a16:creationId xmlns:a16="http://schemas.microsoft.com/office/drawing/2014/main" xmlns="" id="{6E3AD2C5-E2FF-F64F-B217-D3BD96CA40D7}"/>
               </a:ext>
             </a:extLst>
           </p:cNvPr>
@@ -2915,7 +2920,7 @@
           <p:cNvPr id="2" name="Title 1">
             <a:extLst>
               <a:ext uri="{FF2B5EF4-FFF2-40B4-BE49-F238E27FC236}">
-                <a16:creationId xmlns:a16="http://schemas.microsoft.com/office/drawing/2014/main" id="{81614B80-2B45-14DD-DF7A-DCA7030C549B}"/>
+                <a16:creationId xmlns:a16="http://schemas.microsoft.com/office/drawing/2014/main" xmlns="" id="{81614B80-2B45-14DD-DF7A-DCA7030C549B}"/>
               </a:ext>
             </a:extLst>
           </p:cNvPr>
@@ -2952,7 +2957,7 @@
           <p:cNvPr id="3" name="Picture Placeholder 2">
             <a:extLst>
               <a:ext uri="{FF2B5EF4-FFF2-40B4-BE49-F238E27FC236}">
-                <a16:creationId xmlns:a16="http://schemas.microsoft.com/office/drawing/2014/main" id="{F34F7F5C-5D9F-4078-A5AB-305BF43A7CA1}"/>
+                <a16:creationId xmlns:a16="http://schemas.microsoft.com/office/drawing/2014/main" xmlns="" id="{F34F7F5C-5D9F-4078-A5AB-305BF43A7CA1}"/>
               </a:ext>
             </a:extLst>
           </p:cNvPr>
@@ -3019,7 +3024,7 @@
           <p:cNvPr id="4" name="Text Placeholder 3">
             <a:extLst>
               <a:ext uri="{FF2B5EF4-FFF2-40B4-BE49-F238E27FC236}">
-                <a16:creationId xmlns:a16="http://schemas.microsoft.com/office/drawing/2014/main" id="{3D5FE103-8713-C860-39DC-F0302386CAF5}"/>
+                <a16:creationId xmlns:a16="http://schemas.microsoft.com/office/drawing/2014/main" xmlns="" id="{3D5FE103-8713-C860-39DC-F0302386CAF5}"/>
               </a:ext>
             </a:extLst>
           </p:cNvPr>
@@ -3090,7 +3095,7 @@
           <p:cNvPr id="5" name="Date Placeholder 4">
             <a:extLst>
               <a:ext uri="{FF2B5EF4-FFF2-40B4-BE49-F238E27FC236}">
-                <a16:creationId xmlns:a16="http://schemas.microsoft.com/office/drawing/2014/main" id="{0B2E9422-D0A2-F591-2F3A-AA1245174F4A}"/>
+                <a16:creationId xmlns:a16="http://schemas.microsoft.com/office/drawing/2014/main" xmlns="" id="{0B2E9422-D0A2-F591-2F3A-AA1245174F4A}"/>
               </a:ext>
             </a:extLst>
           </p:cNvPr>
@@ -3119,7 +3124,7 @@
           <p:cNvPr id="6" name="Footer Placeholder 5">
             <a:extLst>
               <a:ext uri="{FF2B5EF4-FFF2-40B4-BE49-F238E27FC236}">
-                <a16:creationId xmlns:a16="http://schemas.microsoft.com/office/drawing/2014/main" id="{1BBE4B71-0A2A-8E1F-761A-4754944E15B4}"/>
+                <a16:creationId xmlns:a16="http://schemas.microsoft.com/office/drawing/2014/main" xmlns="" id="{1BBE4B71-0A2A-8E1F-761A-4754944E15B4}"/>
               </a:ext>
             </a:extLst>
           </p:cNvPr>
@@ -3144,7 +3149,7 @@
           <p:cNvPr id="7" name="Slide Number Placeholder 6">
             <a:extLst>
               <a:ext uri="{FF2B5EF4-FFF2-40B4-BE49-F238E27FC236}">
-                <a16:creationId xmlns:a16="http://schemas.microsoft.com/office/drawing/2014/main" id="{1A04ABFC-639C-1B62-B267-C88702C54540}"/>
+                <a16:creationId xmlns:a16="http://schemas.microsoft.com/office/drawing/2014/main" xmlns="" id="{1A04ABFC-639C-1B62-B267-C88702C54540}"/>
               </a:ext>
             </a:extLst>
           </p:cNvPr>
@@ -3208,7 +3213,7 @@
           <p:cNvPr id="2" name="Title Placeholder 1">
             <a:extLst>
               <a:ext uri="{FF2B5EF4-FFF2-40B4-BE49-F238E27FC236}">
-                <a16:creationId xmlns:a16="http://schemas.microsoft.com/office/drawing/2014/main" id="{43904868-A1E0-A412-E2A0-C297B69A4AD1}"/>
+                <a16:creationId xmlns:a16="http://schemas.microsoft.com/office/drawing/2014/main" xmlns="" id="{43904868-A1E0-A412-E2A0-C297B69A4AD1}"/>
               </a:ext>
             </a:extLst>
           </p:cNvPr>
@@ -3246,7 +3251,7 @@
           <p:cNvPr id="3" name="Text Placeholder 2">
             <a:extLst>
               <a:ext uri="{FF2B5EF4-FFF2-40B4-BE49-F238E27FC236}">
-                <a16:creationId xmlns:a16="http://schemas.microsoft.com/office/drawing/2014/main" id="{8E7155D5-7675-D22E-87A6-800376A3CC89}"/>
+                <a16:creationId xmlns:a16="http://schemas.microsoft.com/office/drawing/2014/main" xmlns="" id="{8E7155D5-7675-D22E-87A6-800376A3CC89}"/>
               </a:ext>
             </a:extLst>
           </p:cNvPr>
@@ -3313,7 +3318,7 @@
           <p:cNvPr id="4" name="Date Placeholder 3">
             <a:extLst>
               <a:ext uri="{FF2B5EF4-FFF2-40B4-BE49-F238E27FC236}">
-                <a16:creationId xmlns:a16="http://schemas.microsoft.com/office/drawing/2014/main" id="{BAE1F880-972B-156A-4CB7-48B6E5265EEF}"/>
+                <a16:creationId xmlns:a16="http://schemas.microsoft.com/office/drawing/2014/main" xmlns="" id="{BAE1F880-972B-156A-4CB7-48B6E5265EEF}"/>
               </a:ext>
             </a:extLst>
           </p:cNvPr>
@@ -3360,7 +3365,7 @@
           <p:cNvPr id="5" name="Footer Placeholder 4">
             <a:extLst>
               <a:ext uri="{FF2B5EF4-FFF2-40B4-BE49-F238E27FC236}">
-                <a16:creationId xmlns:a16="http://schemas.microsoft.com/office/drawing/2014/main" id="{457D7A9A-D858-9131-2F26-E6EB0D0A3EE9}"/>
+                <a16:creationId xmlns:a16="http://schemas.microsoft.com/office/drawing/2014/main" xmlns="" id="{457D7A9A-D858-9131-2F26-E6EB0D0A3EE9}"/>
               </a:ext>
             </a:extLst>
           </p:cNvPr>
@@ -3403,7 +3408,7 @@
           <p:cNvPr id="6" name="Slide Number Placeholder 5">
             <a:extLst>
               <a:ext uri="{FF2B5EF4-FFF2-40B4-BE49-F238E27FC236}">
-                <a16:creationId xmlns:a16="http://schemas.microsoft.com/office/drawing/2014/main" id="{A8F495AF-950A-612E-B43B-D0424E1A6BA5}"/>
+                <a16:creationId xmlns:a16="http://schemas.microsoft.com/office/drawing/2014/main" xmlns="" id="{A8F495AF-950A-612E-B43B-D0424E1A6BA5}"/>
               </a:ext>
             </a:extLst>
           </p:cNvPr>
@@ -3771,7 +3776,7 @@
           <p:cNvPr id="4" name="TextBox 3">
             <a:extLst>
               <a:ext uri="{FF2B5EF4-FFF2-40B4-BE49-F238E27FC236}">
-                <a16:creationId xmlns:a16="http://schemas.microsoft.com/office/drawing/2014/main" id="{5B36B212-5413-1E7F-3843-1B549A0D1CCC}"/>
+                <a16:creationId xmlns:a16="http://schemas.microsoft.com/office/drawing/2014/main" xmlns="" id="{5B36B212-5413-1E7F-3843-1B549A0D1CCC}"/>
               </a:ext>
             </a:extLst>
           </p:cNvPr>
@@ -3832,7 +3837,7 @@
           <p:cNvPr id="6" name="TextBox 5">
             <a:extLst>
               <a:ext uri="{FF2B5EF4-FFF2-40B4-BE49-F238E27FC236}">
-                <a16:creationId xmlns:a16="http://schemas.microsoft.com/office/drawing/2014/main" id="{58D32EBE-F1D4-8EB9-98E8-A83FF3CE8ADC}"/>
+                <a16:creationId xmlns:a16="http://schemas.microsoft.com/office/drawing/2014/main" xmlns="" id="{58D32EBE-F1D4-8EB9-98E8-A83FF3CE8ADC}"/>
               </a:ext>
             </a:extLst>
           </p:cNvPr>
@@ -3873,7 +3878,7 @@
           <p:cNvPr id="7" name="TextBox 6">
             <a:extLst>
               <a:ext uri="{FF2B5EF4-FFF2-40B4-BE49-F238E27FC236}">
-                <a16:creationId xmlns:a16="http://schemas.microsoft.com/office/drawing/2014/main" id="{61AD4731-252C-404B-2FAC-49036BE17955}"/>
+                <a16:creationId xmlns:a16="http://schemas.microsoft.com/office/drawing/2014/main" xmlns="" id="{61AD4731-252C-404B-2FAC-49036BE17955}"/>
               </a:ext>
             </a:extLst>
           </p:cNvPr>
@@ -4005,7 +4010,7 @@
           <p:cNvPr id="2" name="TextBox 1">
             <a:extLst>
               <a:ext uri="{FF2B5EF4-FFF2-40B4-BE49-F238E27FC236}">
-                <a16:creationId xmlns:a16="http://schemas.microsoft.com/office/drawing/2014/main" id="{7893D577-6434-E13A-3D1D-9BBB02B98930}"/>
+                <a16:creationId xmlns:a16="http://schemas.microsoft.com/office/drawing/2014/main" xmlns="" id="{7893D577-6434-E13A-3D1D-9BBB02B98930}"/>
               </a:ext>
             </a:extLst>
           </p:cNvPr>
@@ -4037,7 +4042,7 @@
           <p:cNvPr id="4" name="Picture 3">
             <a:extLst>
               <a:ext uri="{FF2B5EF4-FFF2-40B4-BE49-F238E27FC236}">
-                <a16:creationId xmlns:a16="http://schemas.microsoft.com/office/drawing/2014/main" id="{DB2BBBC4-D0A3-AABC-AEE6-FBA941B976C1}"/>
+                <a16:creationId xmlns:a16="http://schemas.microsoft.com/office/drawing/2014/main" xmlns="" id="{DB2BBBC4-D0A3-AABC-AEE6-FBA941B976C1}"/>
               </a:ext>
             </a:extLst>
           </p:cNvPr>
@@ -4067,7 +4072,7 @@
           <p:cNvPr id="6" name="Straight Arrow Connector 5">
             <a:extLst>
               <a:ext uri="{FF2B5EF4-FFF2-40B4-BE49-F238E27FC236}">
-                <a16:creationId xmlns:a16="http://schemas.microsoft.com/office/drawing/2014/main" id="{FCB3DF47-B0EC-BE80-BDE8-1DB2264EA464}"/>
+                <a16:creationId xmlns:a16="http://schemas.microsoft.com/office/drawing/2014/main" xmlns="" id="{FCB3DF47-B0EC-BE80-BDE8-1DB2264EA464}"/>
               </a:ext>
             </a:extLst>
           </p:cNvPr>
@@ -4108,7 +4113,7 @@
           <p:cNvPr id="8" name="TextBox 7">
             <a:extLst>
               <a:ext uri="{FF2B5EF4-FFF2-40B4-BE49-F238E27FC236}">
-                <a16:creationId xmlns:a16="http://schemas.microsoft.com/office/drawing/2014/main" id="{310B956C-EC04-A9CD-4974-09C1CDC69DEB}"/>
+                <a16:creationId xmlns:a16="http://schemas.microsoft.com/office/drawing/2014/main" xmlns="" id="{310B956C-EC04-A9CD-4974-09C1CDC69DEB}"/>
               </a:ext>
             </a:extLst>
           </p:cNvPr>
@@ -4143,7 +4148,7 @@
           <p:cNvPr id="9" name="Rectangle 8">
             <a:extLst>
               <a:ext uri="{FF2B5EF4-FFF2-40B4-BE49-F238E27FC236}">
-                <a16:creationId xmlns:a16="http://schemas.microsoft.com/office/drawing/2014/main" id="{2D009532-1EEA-BB00-B1D9-B81C92F13593}"/>
+                <a16:creationId xmlns:a16="http://schemas.microsoft.com/office/drawing/2014/main" xmlns="" id="{2D009532-1EEA-BB00-B1D9-B81C92F13593}"/>
               </a:ext>
             </a:extLst>
           </p:cNvPr>
@@ -4199,7 +4204,7 @@
           <p:cNvPr id="10" name="Rectangle 9">
             <a:extLst>
               <a:ext uri="{FF2B5EF4-FFF2-40B4-BE49-F238E27FC236}">
-                <a16:creationId xmlns:a16="http://schemas.microsoft.com/office/drawing/2014/main" id="{8B75A8E1-B07C-6867-861B-1E2C3514F676}"/>
+                <a16:creationId xmlns:a16="http://schemas.microsoft.com/office/drawing/2014/main" xmlns="" id="{8B75A8E1-B07C-6867-861B-1E2C3514F676}"/>
               </a:ext>
             </a:extLst>
           </p:cNvPr>
@@ -4255,7 +4260,7 @@
           <p:cNvPr id="11" name="Rectangle 10">
             <a:extLst>
               <a:ext uri="{FF2B5EF4-FFF2-40B4-BE49-F238E27FC236}">
-                <a16:creationId xmlns:a16="http://schemas.microsoft.com/office/drawing/2014/main" id="{4D7DE552-AF83-C250-B682-0052D37EFDEA}"/>
+                <a16:creationId xmlns:a16="http://schemas.microsoft.com/office/drawing/2014/main" xmlns="" id="{4D7DE552-AF83-C250-B682-0052D37EFDEA}"/>
               </a:ext>
             </a:extLst>
           </p:cNvPr>
@@ -4311,7 +4316,7 @@
           <p:cNvPr id="12" name="Rectangle 11">
             <a:extLst>
               <a:ext uri="{FF2B5EF4-FFF2-40B4-BE49-F238E27FC236}">
-                <a16:creationId xmlns:a16="http://schemas.microsoft.com/office/drawing/2014/main" id="{BAACBC14-8A49-465A-7B32-2C5B20B05D31}"/>
+                <a16:creationId xmlns:a16="http://schemas.microsoft.com/office/drawing/2014/main" xmlns="" id="{BAACBC14-8A49-465A-7B32-2C5B20B05D31}"/>
               </a:ext>
             </a:extLst>
           </p:cNvPr>
@@ -4360,7 +4365,7 @@
           <p:cNvPr id="13" name="Rectangle 12">
             <a:extLst>
               <a:ext uri="{FF2B5EF4-FFF2-40B4-BE49-F238E27FC236}">
-                <a16:creationId xmlns:a16="http://schemas.microsoft.com/office/drawing/2014/main" id="{81ECA3B4-CB0F-D732-EF52-77629B334E00}"/>
+                <a16:creationId xmlns:a16="http://schemas.microsoft.com/office/drawing/2014/main" xmlns="" id="{81ECA3B4-CB0F-D732-EF52-77629B334E00}"/>
               </a:ext>
             </a:extLst>
           </p:cNvPr>
@@ -4409,7 +4414,7 @@
           <p:cNvPr id="14" name="Rectangle 13">
             <a:extLst>
               <a:ext uri="{FF2B5EF4-FFF2-40B4-BE49-F238E27FC236}">
-                <a16:creationId xmlns:a16="http://schemas.microsoft.com/office/drawing/2014/main" id="{1D5ED463-B01B-0CCF-46CC-C85ACA9465A3}"/>
+                <a16:creationId xmlns:a16="http://schemas.microsoft.com/office/drawing/2014/main" xmlns="" id="{1D5ED463-B01B-0CCF-46CC-C85ACA9465A3}"/>
               </a:ext>
             </a:extLst>
           </p:cNvPr>
@@ -4458,7 +4463,7 @@
           <p:cNvPr id="15" name="Rectangle 14">
             <a:extLst>
               <a:ext uri="{FF2B5EF4-FFF2-40B4-BE49-F238E27FC236}">
-                <a16:creationId xmlns:a16="http://schemas.microsoft.com/office/drawing/2014/main" id="{E849B9DF-D5C6-B6D9-E48F-C39DB9C79697}"/>
+                <a16:creationId xmlns:a16="http://schemas.microsoft.com/office/drawing/2014/main" xmlns="" id="{E849B9DF-D5C6-B6D9-E48F-C39DB9C79697}"/>
               </a:ext>
             </a:extLst>
           </p:cNvPr>
@@ -4507,7 +4512,7 @@
           <p:cNvPr id="16" name="Rectangle 15">
             <a:extLst>
               <a:ext uri="{FF2B5EF4-FFF2-40B4-BE49-F238E27FC236}">
-                <a16:creationId xmlns:a16="http://schemas.microsoft.com/office/drawing/2014/main" id="{9A684E5D-E250-A19F-18FB-823A43633B93}"/>
+                <a16:creationId xmlns:a16="http://schemas.microsoft.com/office/drawing/2014/main" xmlns="" id="{9A684E5D-E250-A19F-18FB-823A43633B93}"/>
               </a:ext>
             </a:extLst>
           </p:cNvPr>
@@ -4556,7 +4561,7 @@
           <p:cNvPr id="17" name="Rectangle 16">
             <a:extLst>
               <a:ext uri="{FF2B5EF4-FFF2-40B4-BE49-F238E27FC236}">
-                <a16:creationId xmlns:a16="http://schemas.microsoft.com/office/drawing/2014/main" id="{613FD0D1-B217-C6A8-30E3-179A0BF9D17C}"/>
+                <a16:creationId xmlns:a16="http://schemas.microsoft.com/office/drawing/2014/main" xmlns="" id="{613FD0D1-B217-C6A8-30E3-179A0BF9D17C}"/>
               </a:ext>
             </a:extLst>
           </p:cNvPr>
@@ -4605,7 +4610,7 @@
           <p:cNvPr id="18" name="Rectangle 17">
             <a:extLst>
               <a:ext uri="{FF2B5EF4-FFF2-40B4-BE49-F238E27FC236}">
-                <a16:creationId xmlns:a16="http://schemas.microsoft.com/office/drawing/2014/main" id="{F8726049-3B07-812F-059E-6F6D8EEC73E4}"/>
+                <a16:creationId xmlns:a16="http://schemas.microsoft.com/office/drawing/2014/main" xmlns="" id="{F8726049-3B07-812F-059E-6F6D8EEC73E4}"/>
               </a:ext>
             </a:extLst>
           </p:cNvPr>
@@ -4654,7 +4659,7 @@
           <p:cNvPr id="19" name="Rectangle 18">
             <a:extLst>
               <a:ext uri="{FF2B5EF4-FFF2-40B4-BE49-F238E27FC236}">
-                <a16:creationId xmlns:a16="http://schemas.microsoft.com/office/drawing/2014/main" id="{7B205523-0A56-B93A-A664-354A8F0077E9}"/>
+                <a16:creationId xmlns:a16="http://schemas.microsoft.com/office/drawing/2014/main" xmlns="" id="{7B205523-0A56-B93A-A664-354A8F0077E9}"/>
               </a:ext>
             </a:extLst>
           </p:cNvPr>
@@ -4703,7 +4708,7 @@
           <p:cNvPr id="20" name="Rectangle 19">
             <a:extLst>
               <a:ext uri="{FF2B5EF4-FFF2-40B4-BE49-F238E27FC236}">
-                <a16:creationId xmlns:a16="http://schemas.microsoft.com/office/drawing/2014/main" id="{30414525-F474-BB02-F22B-D0E00F012C08}"/>
+                <a16:creationId xmlns:a16="http://schemas.microsoft.com/office/drawing/2014/main" xmlns="" id="{30414525-F474-BB02-F22B-D0E00F012C08}"/>
               </a:ext>
             </a:extLst>
           </p:cNvPr>
@@ -4752,7 +4757,7 @@
           <p:cNvPr id="25" name="Picture 24">
             <a:extLst>
               <a:ext uri="{FF2B5EF4-FFF2-40B4-BE49-F238E27FC236}">
-                <a16:creationId xmlns:a16="http://schemas.microsoft.com/office/drawing/2014/main" id="{6459F8D5-DC78-6A34-7685-96161D08A34B}"/>
+                <a16:creationId xmlns:a16="http://schemas.microsoft.com/office/drawing/2014/main" xmlns="" id="{6459F8D5-DC78-6A34-7685-96161D08A34B}"/>
               </a:ext>
             </a:extLst>
           </p:cNvPr>
@@ -4782,7 +4787,7 @@
           <p:cNvPr id="26" name="Straight Arrow Connector 25">
             <a:extLst>
               <a:ext uri="{FF2B5EF4-FFF2-40B4-BE49-F238E27FC236}">
-                <a16:creationId xmlns:a16="http://schemas.microsoft.com/office/drawing/2014/main" id="{EB967500-CCBD-FAE1-7005-54426B704657}"/>
+                <a16:creationId xmlns:a16="http://schemas.microsoft.com/office/drawing/2014/main" xmlns="" id="{EB967500-CCBD-FAE1-7005-54426B704657}"/>
               </a:ext>
             </a:extLst>
           </p:cNvPr>
@@ -4823,7 +4828,7 @@
           <p:cNvPr id="28" name="Rectangle 27">
             <a:extLst>
               <a:ext uri="{FF2B5EF4-FFF2-40B4-BE49-F238E27FC236}">
-                <a16:creationId xmlns:a16="http://schemas.microsoft.com/office/drawing/2014/main" id="{7DE9B7FF-B378-85D9-9E71-9FA9E18F950A}"/>
+                <a16:creationId xmlns:a16="http://schemas.microsoft.com/office/drawing/2014/main" xmlns="" id="{7DE9B7FF-B378-85D9-9E71-9FA9E18F950A}"/>
               </a:ext>
             </a:extLst>
           </p:cNvPr>
@@ -4882,7 +4887,7 @@
           <p:cNvPr id="29" name="Rectangle 28">
             <a:extLst>
               <a:ext uri="{FF2B5EF4-FFF2-40B4-BE49-F238E27FC236}">
-                <a16:creationId xmlns:a16="http://schemas.microsoft.com/office/drawing/2014/main" id="{09B0F973-2E9F-064A-D5F2-8D2F0F2E1C65}"/>
+                <a16:creationId xmlns:a16="http://schemas.microsoft.com/office/drawing/2014/main" xmlns="" id="{09B0F973-2E9F-064A-D5F2-8D2F0F2E1C65}"/>
               </a:ext>
             </a:extLst>
           </p:cNvPr>
@@ -4941,7 +4946,7 @@
           <p:cNvPr id="30" name="Rectangle 29">
             <a:extLst>
               <a:ext uri="{FF2B5EF4-FFF2-40B4-BE49-F238E27FC236}">
-                <a16:creationId xmlns:a16="http://schemas.microsoft.com/office/drawing/2014/main" id="{EEA94FFF-06D5-D7ED-73D3-9D7380A0EF45}"/>
+                <a16:creationId xmlns:a16="http://schemas.microsoft.com/office/drawing/2014/main" xmlns="" id="{EEA94FFF-06D5-D7ED-73D3-9D7380A0EF45}"/>
               </a:ext>
             </a:extLst>
           </p:cNvPr>
@@ -5000,7 +5005,7 @@
           <p:cNvPr id="31" name="Rectangle 30">
             <a:extLst>
               <a:ext uri="{FF2B5EF4-FFF2-40B4-BE49-F238E27FC236}">
-                <a16:creationId xmlns:a16="http://schemas.microsoft.com/office/drawing/2014/main" id="{28DACC2A-06EC-35B2-C21F-D786FE50BEE0}"/>
+                <a16:creationId xmlns:a16="http://schemas.microsoft.com/office/drawing/2014/main" xmlns="" id="{28DACC2A-06EC-35B2-C21F-D786FE50BEE0}"/>
               </a:ext>
             </a:extLst>
           </p:cNvPr>
@@ -5059,7 +5064,7 @@
           <p:cNvPr id="1029" name="Rectangle: Rounded Corners 1028">
             <a:extLst>
               <a:ext uri="{FF2B5EF4-FFF2-40B4-BE49-F238E27FC236}">
-                <a16:creationId xmlns:a16="http://schemas.microsoft.com/office/drawing/2014/main" id="{3714357A-DE1C-4750-96EF-B676E88C6C76}"/>
+                <a16:creationId xmlns:a16="http://schemas.microsoft.com/office/drawing/2014/main" xmlns="" id="{3714357A-DE1C-4750-96EF-B676E88C6C76}"/>
               </a:ext>
             </a:extLst>
           </p:cNvPr>
@@ -5106,7 +5111,7 @@
           <p:cNvPr id="1030" name="TextBox 1029">
             <a:extLst>
               <a:ext uri="{FF2B5EF4-FFF2-40B4-BE49-F238E27FC236}">
-                <a16:creationId xmlns:a16="http://schemas.microsoft.com/office/drawing/2014/main" id="{C97EA28D-05BA-F0E7-6B03-42387EE7C271}"/>
+                <a16:creationId xmlns:a16="http://schemas.microsoft.com/office/drawing/2014/main" xmlns="" id="{C97EA28D-05BA-F0E7-6B03-42387EE7C271}"/>
               </a:ext>
             </a:extLst>
           </p:cNvPr>
@@ -5141,7 +5146,7 @@
           <p:cNvPr id="1034" name="Group 1033">
             <a:extLst>
               <a:ext uri="{FF2B5EF4-FFF2-40B4-BE49-F238E27FC236}">
-                <a16:creationId xmlns:a16="http://schemas.microsoft.com/office/drawing/2014/main" id="{A7CF4C8A-E0A8-7315-F8D4-84215B3C21DB}"/>
+                <a16:creationId xmlns:a16="http://schemas.microsoft.com/office/drawing/2014/main" xmlns="" id="{A7CF4C8A-E0A8-7315-F8D4-84215B3C21DB}"/>
               </a:ext>
             </a:extLst>
           </p:cNvPr>
@@ -5161,7 +5166,7 @@
             <p:cNvPr id="1024" name="Rectangle 1023">
               <a:extLst>
                 <a:ext uri="{FF2B5EF4-FFF2-40B4-BE49-F238E27FC236}">
-                  <a16:creationId xmlns:a16="http://schemas.microsoft.com/office/drawing/2014/main" id="{7CDD599A-5EAD-86E9-6195-3DE594FFCBF8}"/>
+                  <a16:creationId xmlns:a16="http://schemas.microsoft.com/office/drawing/2014/main" xmlns="" id="{7CDD599A-5EAD-86E9-6195-3DE594FFCBF8}"/>
                 </a:ext>
               </a:extLst>
             </p:cNvPr>
@@ -5217,7 +5222,7 @@
             <p:cNvPr id="1025" name="Rectangle 1024">
               <a:extLst>
                 <a:ext uri="{FF2B5EF4-FFF2-40B4-BE49-F238E27FC236}">
-                  <a16:creationId xmlns:a16="http://schemas.microsoft.com/office/drawing/2014/main" id="{FA815FD6-BDBA-4E46-38CF-5AB843814988}"/>
+                  <a16:creationId xmlns:a16="http://schemas.microsoft.com/office/drawing/2014/main" xmlns="" id="{FA815FD6-BDBA-4E46-38CF-5AB843814988}"/>
                 </a:ext>
               </a:extLst>
             </p:cNvPr>
@@ -5273,7 +5278,7 @@
             <p:cNvPr id="1027" name="Rectangle 1026">
               <a:extLst>
                 <a:ext uri="{FF2B5EF4-FFF2-40B4-BE49-F238E27FC236}">
-                  <a16:creationId xmlns:a16="http://schemas.microsoft.com/office/drawing/2014/main" id="{DBE389C4-DB04-FF86-7715-81018AC659BE}"/>
+                  <a16:creationId xmlns:a16="http://schemas.microsoft.com/office/drawing/2014/main" xmlns="" id="{DBE389C4-DB04-FF86-7715-81018AC659BE}"/>
                 </a:ext>
               </a:extLst>
             </p:cNvPr>
@@ -5329,7 +5334,7 @@
             <p:cNvPr id="1031" name="Rectangle: Rounded Corners 1030">
               <a:extLst>
                 <a:ext uri="{FF2B5EF4-FFF2-40B4-BE49-F238E27FC236}">
-                  <a16:creationId xmlns:a16="http://schemas.microsoft.com/office/drawing/2014/main" id="{55F75CD2-FFD8-9853-354F-B937CB6A3F3C}"/>
+                  <a16:creationId xmlns:a16="http://schemas.microsoft.com/office/drawing/2014/main" xmlns="" id="{55F75CD2-FFD8-9853-354F-B937CB6A3F3C}"/>
                 </a:ext>
               </a:extLst>
             </p:cNvPr>
@@ -5376,7 +5381,7 @@
             <p:cNvPr id="1032" name="Rectangle 1031">
               <a:extLst>
                 <a:ext uri="{FF2B5EF4-FFF2-40B4-BE49-F238E27FC236}">
-                  <a16:creationId xmlns:a16="http://schemas.microsoft.com/office/drawing/2014/main" id="{155114D1-97C9-219F-DB08-114471FD62C9}"/>
+                  <a16:creationId xmlns:a16="http://schemas.microsoft.com/office/drawing/2014/main" xmlns="" id="{155114D1-97C9-219F-DB08-114471FD62C9}"/>
                 </a:ext>
               </a:extLst>
             </p:cNvPr>
@@ -5433,7 +5438,7 @@
           <p:cNvPr id="1035" name="Group 1034">
             <a:extLst>
               <a:ext uri="{FF2B5EF4-FFF2-40B4-BE49-F238E27FC236}">
-                <a16:creationId xmlns:a16="http://schemas.microsoft.com/office/drawing/2014/main" id="{47AB85D2-6513-AECF-3B29-C882A3545E86}"/>
+                <a16:creationId xmlns:a16="http://schemas.microsoft.com/office/drawing/2014/main" xmlns="" id="{47AB85D2-6513-AECF-3B29-C882A3545E86}"/>
               </a:ext>
             </a:extLst>
           </p:cNvPr>
@@ -5453,7 +5458,7 @@
             <p:cNvPr id="1036" name="Rectangle 1035">
               <a:extLst>
                 <a:ext uri="{FF2B5EF4-FFF2-40B4-BE49-F238E27FC236}">
-                  <a16:creationId xmlns:a16="http://schemas.microsoft.com/office/drawing/2014/main" id="{C6DF31CE-67A3-F110-DE0C-1867ED8B7CFF}"/>
+                  <a16:creationId xmlns:a16="http://schemas.microsoft.com/office/drawing/2014/main" xmlns="" id="{C6DF31CE-67A3-F110-DE0C-1867ED8B7CFF}"/>
                 </a:ext>
               </a:extLst>
             </p:cNvPr>
@@ -5509,7 +5514,7 @@
             <p:cNvPr id="1037" name="Rectangle 1036">
               <a:extLst>
                 <a:ext uri="{FF2B5EF4-FFF2-40B4-BE49-F238E27FC236}">
-                  <a16:creationId xmlns:a16="http://schemas.microsoft.com/office/drawing/2014/main" id="{C5455C75-7C85-5134-D27B-106E784D7462}"/>
+                  <a16:creationId xmlns:a16="http://schemas.microsoft.com/office/drawing/2014/main" xmlns="" id="{C5455C75-7C85-5134-D27B-106E784D7462}"/>
                 </a:ext>
               </a:extLst>
             </p:cNvPr>
@@ -5565,7 +5570,7 @@
             <p:cNvPr id="1038" name="Rectangle 1037">
               <a:extLst>
                 <a:ext uri="{FF2B5EF4-FFF2-40B4-BE49-F238E27FC236}">
-                  <a16:creationId xmlns:a16="http://schemas.microsoft.com/office/drawing/2014/main" id="{1A83213E-3ECB-4664-3038-E9FCF5D367D2}"/>
+                  <a16:creationId xmlns:a16="http://schemas.microsoft.com/office/drawing/2014/main" xmlns="" id="{1A83213E-3ECB-4664-3038-E9FCF5D367D2}"/>
                 </a:ext>
               </a:extLst>
             </p:cNvPr>
@@ -5621,7 +5626,7 @@
             <p:cNvPr id="1039" name="Rectangle: Rounded Corners 1038">
               <a:extLst>
                 <a:ext uri="{FF2B5EF4-FFF2-40B4-BE49-F238E27FC236}">
-                  <a16:creationId xmlns:a16="http://schemas.microsoft.com/office/drawing/2014/main" id="{DCC26DC1-D556-5ACE-8D2F-3290128C6A78}"/>
+                  <a16:creationId xmlns:a16="http://schemas.microsoft.com/office/drawing/2014/main" xmlns="" id="{DCC26DC1-D556-5ACE-8D2F-3290128C6A78}"/>
                 </a:ext>
               </a:extLst>
             </p:cNvPr>
@@ -5668,7 +5673,7 @@
             <p:cNvPr id="1040" name="Rectangle 1039">
               <a:extLst>
                 <a:ext uri="{FF2B5EF4-FFF2-40B4-BE49-F238E27FC236}">
-                  <a16:creationId xmlns:a16="http://schemas.microsoft.com/office/drawing/2014/main" id="{1C128A7A-CA7D-AE7D-4CD4-56776A216475}"/>
+                  <a16:creationId xmlns:a16="http://schemas.microsoft.com/office/drawing/2014/main" xmlns="" id="{1C128A7A-CA7D-AE7D-4CD4-56776A216475}"/>
                 </a:ext>
               </a:extLst>
             </p:cNvPr>
@@ -5725,7 +5730,7 @@
           <p:cNvPr id="1041" name="Group 1040">
             <a:extLst>
               <a:ext uri="{FF2B5EF4-FFF2-40B4-BE49-F238E27FC236}">
-                <a16:creationId xmlns:a16="http://schemas.microsoft.com/office/drawing/2014/main" id="{C92D21BE-CAA9-7ABA-4911-095582AB1C41}"/>
+                <a16:creationId xmlns:a16="http://schemas.microsoft.com/office/drawing/2014/main" xmlns="" id="{C92D21BE-CAA9-7ABA-4911-095582AB1C41}"/>
               </a:ext>
             </a:extLst>
           </p:cNvPr>
@@ -5745,7 +5750,7 @@
             <p:cNvPr id="1042" name="Rectangle 1041">
               <a:extLst>
                 <a:ext uri="{FF2B5EF4-FFF2-40B4-BE49-F238E27FC236}">
-                  <a16:creationId xmlns:a16="http://schemas.microsoft.com/office/drawing/2014/main" id="{A0149E90-D4B6-5084-5F39-43DD12E4456C}"/>
+                  <a16:creationId xmlns:a16="http://schemas.microsoft.com/office/drawing/2014/main" xmlns="" id="{A0149E90-D4B6-5084-5F39-43DD12E4456C}"/>
                 </a:ext>
               </a:extLst>
             </p:cNvPr>
@@ -5801,7 +5806,7 @@
             <p:cNvPr id="1043" name="Rectangle 1042">
               <a:extLst>
                 <a:ext uri="{FF2B5EF4-FFF2-40B4-BE49-F238E27FC236}">
-                  <a16:creationId xmlns:a16="http://schemas.microsoft.com/office/drawing/2014/main" id="{EFCA5CFE-65DB-610F-08BD-9481D28A695E}"/>
+                  <a16:creationId xmlns:a16="http://schemas.microsoft.com/office/drawing/2014/main" xmlns="" id="{EFCA5CFE-65DB-610F-08BD-9481D28A695E}"/>
                 </a:ext>
               </a:extLst>
             </p:cNvPr>
@@ -5857,7 +5862,7 @@
             <p:cNvPr id="1044" name="Rectangle 1043">
               <a:extLst>
                 <a:ext uri="{FF2B5EF4-FFF2-40B4-BE49-F238E27FC236}">
-                  <a16:creationId xmlns:a16="http://schemas.microsoft.com/office/drawing/2014/main" id="{D23FD52F-9AA5-361A-4FED-993AFA786B03}"/>
+                  <a16:creationId xmlns:a16="http://schemas.microsoft.com/office/drawing/2014/main" xmlns="" id="{D23FD52F-9AA5-361A-4FED-993AFA786B03}"/>
                 </a:ext>
               </a:extLst>
             </p:cNvPr>
@@ -5913,7 +5918,7 @@
             <p:cNvPr id="1045" name="Rectangle: Rounded Corners 1044">
               <a:extLst>
                 <a:ext uri="{FF2B5EF4-FFF2-40B4-BE49-F238E27FC236}">
-                  <a16:creationId xmlns:a16="http://schemas.microsoft.com/office/drawing/2014/main" id="{8EB82F4E-AE75-5C26-465C-D7FBF50B9C36}"/>
+                  <a16:creationId xmlns:a16="http://schemas.microsoft.com/office/drawing/2014/main" xmlns="" id="{8EB82F4E-AE75-5C26-465C-D7FBF50B9C36}"/>
                 </a:ext>
               </a:extLst>
             </p:cNvPr>
@@ -5960,7 +5965,7 @@
             <p:cNvPr id="1046" name="Rectangle 1045">
               <a:extLst>
                 <a:ext uri="{FF2B5EF4-FFF2-40B4-BE49-F238E27FC236}">
-                  <a16:creationId xmlns:a16="http://schemas.microsoft.com/office/drawing/2014/main" id="{B694CEE0-2CD5-CD75-F5C6-547B72EF5FF5}"/>
+                  <a16:creationId xmlns:a16="http://schemas.microsoft.com/office/drawing/2014/main" xmlns="" id="{B694CEE0-2CD5-CD75-F5C6-547B72EF5FF5}"/>
                 </a:ext>
               </a:extLst>
             </p:cNvPr>
@@ -6017,7 +6022,7 @@
           <p:cNvPr id="1047" name="Group 1046">
             <a:extLst>
               <a:ext uri="{FF2B5EF4-FFF2-40B4-BE49-F238E27FC236}">
-                <a16:creationId xmlns:a16="http://schemas.microsoft.com/office/drawing/2014/main" id="{096EECEA-3E4A-F1D6-1A73-853C637BBCF2}"/>
+                <a16:creationId xmlns:a16="http://schemas.microsoft.com/office/drawing/2014/main" xmlns="" id="{096EECEA-3E4A-F1D6-1A73-853C637BBCF2}"/>
               </a:ext>
             </a:extLst>
           </p:cNvPr>
@@ -6037,7 +6042,7 @@
             <p:cNvPr id="1048" name="Rectangle 1047">
               <a:extLst>
                 <a:ext uri="{FF2B5EF4-FFF2-40B4-BE49-F238E27FC236}">
-                  <a16:creationId xmlns:a16="http://schemas.microsoft.com/office/drawing/2014/main" id="{C49F2BE0-3EC5-3AC4-15FB-FBEE2C802F4F}"/>
+                  <a16:creationId xmlns:a16="http://schemas.microsoft.com/office/drawing/2014/main" xmlns="" id="{C49F2BE0-3EC5-3AC4-15FB-FBEE2C802F4F}"/>
                 </a:ext>
               </a:extLst>
             </p:cNvPr>
@@ -6093,7 +6098,7 @@
             <p:cNvPr id="1049" name="Rectangle 1048">
               <a:extLst>
                 <a:ext uri="{FF2B5EF4-FFF2-40B4-BE49-F238E27FC236}">
-                  <a16:creationId xmlns:a16="http://schemas.microsoft.com/office/drawing/2014/main" id="{C270BB8A-EA9C-5419-DB86-7E23E7D3ABD3}"/>
+                  <a16:creationId xmlns:a16="http://schemas.microsoft.com/office/drawing/2014/main" xmlns="" id="{C270BB8A-EA9C-5419-DB86-7E23E7D3ABD3}"/>
                 </a:ext>
               </a:extLst>
             </p:cNvPr>
@@ -6149,7 +6154,7 @@
             <p:cNvPr id="1050" name="Rectangle 1049">
               <a:extLst>
                 <a:ext uri="{FF2B5EF4-FFF2-40B4-BE49-F238E27FC236}">
-                  <a16:creationId xmlns:a16="http://schemas.microsoft.com/office/drawing/2014/main" id="{BCFE052A-FC4D-E69B-ED05-B79E9DC69788}"/>
+                  <a16:creationId xmlns:a16="http://schemas.microsoft.com/office/drawing/2014/main" xmlns="" id="{BCFE052A-FC4D-E69B-ED05-B79E9DC69788}"/>
                 </a:ext>
               </a:extLst>
             </p:cNvPr>
@@ -6205,7 +6210,7 @@
             <p:cNvPr id="1051" name="Rectangle: Rounded Corners 1050">
               <a:extLst>
                 <a:ext uri="{FF2B5EF4-FFF2-40B4-BE49-F238E27FC236}">
-                  <a16:creationId xmlns:a16="http://schemas.microsoft.com/office/drawing/2014/main" id="{0E75C5D3-9BAD-D20A-416C-A6BFD5BA3C77}"/>
+                  <a16:creationId xmlns:a16="http://schemas.microsoft.com/office/drawing/2014/main" xmlns="" id="{0E75C5D3-9BAD-D20A-416C-A6BFD5BA3C77}"/>
                 </a:ext>
               </a:extLst>
             </p:cNvPr>
@@ -6252,7 +6257,7 @@
             <p:cNvPr id="1052" name="Rectangle 1051">
               <a:extLst>
                 <a:ext uri="{FF2B5EF4-FFF2-40B4-BE49-F238E27FC236}">
-                  <a16:creationId xmlns:a16="http://schemas.microsoft.com/office/drawing/2014/main" id="{EF578E29-BA55-7791-EA67-203CAF3DF356}"/>
+                  <a16:creationId xmlns:a16="http://schemas.microsoft.com/office/drawing/2014/main" xmlns="" id="{EF578E29-BA55-7791-EA67-203CAF3DF356}"/>
                 </a:ext>
               </a:extLst>
             </p:cNvPr>
@@ -6309,7 +6314,7 @@
           <p:cNvPr id="1053" name="Group 1052">
             <a:extLst>
               <a:ext uri="{FF2B5EF4-FFF2-40B4-BE49-F238E27FC236}">
-                <a16:creationId xmlns:a16="http://schemas.microsoft.com/office/drawing/2014/main" id="{6C542CC6-0CD9-4EFF-1D2A-30664AE8CB91}"/>
+                <a16:creationId xmlns:a16="http://schemas.microsoft.com/office/drawing/2014/main" xmlns="" id="{6C542CC6-0CD9-4EFF-1D2A-30664AE8CB91}"/>
               </a:ext>
             </a:extLst>
           </p:cNvPr>
@@ -6329,7 +6334,7 @@
             <p:cNvPr id="1054" name="Rectangle 1053">
               <a:extLst>
                 <a:ext uri="{FF2B5EF4-FFF2-40B4-BE49-F238E27FC236}">
-                  <a16:creationId xmlns:a16="http://schemas.microsoft.com/office/drawing/2014/main" id="{2819D0EC-E390-6D48-D1F9-C0084DCCA3F1}"/>
+                  <a16:creationId xmlns:a16="http://schemas.microsoft.com/office/drawing/2014/main" xmlns="" id="{2819D0EC-E390-6D48-D1F9-C0084DCCA3F1}"/>
                 </a:ext>
               </a:extLst>
             </p:cNvPr>
@@ -6385,7 +6390,7 @@
             <p:cNvPr id="1055" name="Rectangle 1054">
               <a:extLst>
                 <a:ext uri="{FF2B5EF4-FFF2-40B4-BE49-F238E27FC236}">
-                  <a16:creationId xmlns:a16="http://schemas.microsoft.com/office/drawing/2014/main" id="{39ECCC86-67C9-9760-C501-C02520242647}"/>
+                  <a16:creationId xmlns:a16="http://schemas.microsoft.com/office/drawing/2014/main" xmlns="" id="{39ECCC86-67C9-9760-C501-C02520242647}"/>
                 </a:ext>
               </a:extLst>
             </p:cNvPr>
@@ -6441,7 +6446,7 @@
             <p:cNvPr id="1056" name="Rectangle 1055">
               <a:extLst>
                 <a:ext uri="{FF2B5EF4-FFF2-40B4-BE49-F238E27FC236}">
-                  <a16:creationId xmlns:a16="http://schemas.microsoft.com/office/drawing/2014/main" id="{EC364F46-953F-8F0A-8F84-6011BB871742}"/>
+                  <a16:creationId xmlns:a16="http://schemas.microsoft.com/office/drawing/2014/main" xmlns="" id="{EC364F46-953F-8F0A-8F84-6011BB871742}"/>
                 </a:ext>
               </a:extLst>
             </p:cNvPr>
@@ -6497,7 +6502,7 @@
             <p:cNvPr id="1057" name="Rectangle: Rounded Corners 1056">
               <a:extLst>
                 <a:ext uri="{FF2B5EF4-FFF2-40B4-BE49-F238E27FC236}">
-                  <a16:creationId xmlns:a16="http://schemas.microsoft.com/office/drawing/2014/main" id="{87EC690B-CA07-DF05-C2D6-A34AEDFB127A}"/>
+                  <a16:creationId xmlns:a16="http://schemas.microsoft.com/office/drawing/2014/main" xmlns="" id="{87EC690B-CA07-DF05-C2D6-A34AEDFB127A}"/>
                 </a:ext>
               </a:extLst>
             </p:cNvPr>
@@ -6544,7 +6549,7 @@
             <p:cNvPr id="1058" name="Rectangle 1057">
               <a:extLst>
                 <a:ext uri="{FF2B5EF4-FFF2-40B4-BE49-F238E27FC236}">
-                  <a16:creationId xmlns:a16="http://schemas.microsoft.com/office/drawing/2014/main" id="{D918F3E9-B9CD-DEBD-995F-ECF21F7BE4C0}"/>
+                  <a16:creationId xmlns:a16="http://schemas.microsoft.com/office/drawing/2014/main" xmlns="" id="{D918F3E9-B9CD-DEBD-995F-ECF21F7BE4C0}"/>
                 </a:ext>
               </a:extLst>
             </p:cNvPr>
@@ -6601,7 +6606,7 @@
           <p:cNvPr id="1059" name="Group 1058">
             <a:extLst>
               <a:ext uri="{FF2B5EF4-FFF2-40B4-BE49-F238E27FC236}">
-                <a16:creationId xmlns:a16="http://schemas.microsoft.com/office/drawing/2014/main" id="{684B893D-2859-6B58-3B18-A2AB5955A6C3}"/>
+                <a16:creationId xmlns:a16="http://schemas.microsoft.com/office/drawing/2014/main" xmlns="" id="{684B893D-2859-6B58-3B18-A2AB5955A6C3}"/>
               </a:ext>
             </a:extLst>
           </p:cNvPr>
@@ -6621,7 +6626,7 @@
             <p:cNvPr id="1060" name="Rectangle 1059">
               <a:extLst>
                 <a:ext uri="{FF2B5EF4-FFF2-40B4-BE49-F238E27FC236}">
-                  <a16:creationId xmlns:a16="http://schemas.microsoft.com/office/drawing/2014/main" id="{807E5712-0DF5-BE11-C19C-7DDC8F02FE83}"/>
+                  <a16:creationId xmlns:a16="http://schemas.microsoft.com/office/drawing/2014/main" xmlns="" id="{807E5712-0DF5-BE11-C19C-7DDC8F02FE83}"/>
                 </a:ext>
               </a:extLst>
             </p:cNvPr>
@@ -6677,7 +6682,7 @@
             <p:cNvPr id="1061" name="Rectangle 1060">
               <a:extLst>
                 <a:ext uri="{FF2B5EF4-FFF2-40B4-BE49-F238E27FC236}">
-                  <a16:creationId xmlns:a16="http://schemas.microsoft.com/office/drawing/2014/main" id="{CB38C0FA-54CB-1F76-E4DA-03499B19F432}"/>
+                  <a16:creationId xmlns:a16="http://schemas.microsoft.com/office/drawing/2014/main" xmlns="" id="{CB38C0FA-54CB-1F76-E4DA-03499B19F432}"/>
                 </a:ext>
               </a:extLst>
             </p:cNvPr>
@@ -6733,7 +6738,7 @@
             <p:cNvPr id="1062" name="Rectangle 1061">
               <a:extLst>
                 <a:ext uri="{FF2B5EF4-FFF2-40B4-BE49-F238E27FC236}">
-                  <a16:creationId xmlns:a16="http://schemas.microsoft.com/office/drawing/2014/main" id="{60849827-2B80-CB1D-805A-941305DB504E}"/>
+                  <a16:creationId xmlns:a16="http://schemas.microsoft.com/office/drawing/2014/main" xmlns="" id="{60849827-2B80-CB1D-805A-941305DB504E}"/>
                 </a:ext>
               </a:extLst>
             </p:cNvPr>
@@ -6789,7 +6794,7 @@
             <p:cNvPr id="1063" name="Rectangle: Rounded Corners 1062">
               <a:extLst>
                 <a:ext uri="{FF2B5EF4-FFF2-40B4-BE49-F238E27FC236}">
-                  <a16:creationId xmlns:a16="http://schemas.microsoft.com/office/drawing/2014/main" id="{0491A199-251A-217A-69FB-294006F51AF7}"/>
+                  <a16:creationId xmlns:a16="http://schemas.microsoft.com/office/drawing/2014/main" xmlns="" id="{0491A199-251A-217A-69FB-294006F51AF7}"/>
                 </a:ext>
               </a:extLst>
             </p:cNvPr>
@@ -6836,7 +6841,7 @@
             <p:cNvPr id="1064" name="Rectangle 1063">
               <a:extLst>
                 <a:ext uri="{FF2B5EF4-FFF2-40B4-BE49-F238E27FC236}">
-                  <a16:creationId xmlns:a16="http://schemas.microsoft.com/office/drawing/2014/main" id="{E060063C-FF9D-CAD4-4F1A-606A19527FCE}"/>
+                  <a16:creationId xmlns:a16="http://schemas.microsoft.com/office/drawing/2014/main" xmlns="" id="{E060063C-FF9D-CAD4-4F1A-606A19527FCE}"/>
                 </a:ext>
               </a:extLst>
             </p:cNvPr>
@@ -6893,7 +6898,7 @@
           <p:cNvPr id="1065" name="TextBox 1064">
             <a:extLst>
               <a:ext uri="{FF2B5EF4-FFF2-40B4-BE49-F238E27FC236}">
-                <a16:creationId xmlns:a16="http://schemas.microsoft.com/office/drawing/2014/main" id="{2FEBBF37-EF20-597D-D8E7-65996B2012D1}"/>
+                <a16:creationId xmlns:a16="http://schemas.microsoft.com/office/drawing/2014/main" xmlns="" id="{2FEBBF37-EF20-597D-D8E7-65996B2012D1}"/>
               </a:ext>
             </a:extLst>
           </p:cNvPr>
@@ -6932,7 +6937,7 @@
           <p:cNvPr id="1066" name="Straight Arrow Connector 1065">
             <a:extLst>
               <a:ext uri="{FF2B5EF4-FFF2-40B4-BE49-F238E27FC236}">
-                <a16:creationId xmlns:a16="http://schemas.microsoft.com/office/drawing/2014/main" id="{1C10DD5B-9685-7E76-65D3-6C999AE87B85}"/>
+                <a16:creationId xmlns:a16="http://schemas.microsoft.com/office/drawing/2014/main" xmlns="" id="{1C10DD5B-9685-7E76-65D3-6C999AE87B85}"/>
               </a:ext>
             </a:extLst>
           </p:cNvPr>
@@ -6973,7 +6978,7 @@
           <p:cNvPr id="1069" name="TextBox 1068">
             <a:extLst>
               <a:ext uri="{FF2B5EF4-FFF2-40B4-BE49-F238E27FC236}">
-                <a16:creationId xmlns:a16="http://schemas.microsoft.com/office/drawing/2014/main" id="{8A7B7448-6BA7-33B9-A859-675F88502D29}"/>
+                <a16:creationId xmlns:a16="http://schemas.microsoft.com/office/drawing/2014/main" xmlns="" id="{8A7B7448-6BA7-33B9-A859-675F88502D29}"/>
               </a:ext>
             </a:extLst>
           </p:cNvPr>
@@ -7014,7 +7019,7 @@
           <p:cNvPr id="1070" name="TextBox 1069">
             <a:extLst>
               <a:ext uri="{FF2B5EF4-FFF2-40B4-BE49-F238E27FC236}">
-                <a16:creationId xmlns:a16="http://schemas.microsoft.com/office/drawing/2014/main" id="{9C3ED87D-433D-48F3-8183-AFD0A9719B19}"/>
+                <a16:creationId xmlns:a16="http://schemas.microsoft.com/office/drawing/2014/main" xmlns="" id="{9C3ED87D-433D-48F3-8183-AFD0A9719B19}"/>
               </a:ext>
             </a:extLst>
           </p:cNvPr>
@@ -7055,7 +7060,7 @@
           <p:cNvPr id="1071" name="TextBox 1070">
             <a:extLst>
               <a:ext uri="{FF2B5EF4-FFF2-40B4-BE49-F238E27FC236}">
-                <a16:creationId xmlns:a16="http://schemas.microsoft.com/office/drawing/2014/main" id="{08A2536E-3B61-4FA4-46A9-2FAB0A0683A7}"/>
+                <a16:creationId xmlns:a16="http://schemas.microsoft.com/office/drawing/2014/main" xmlns="" id="{08A2536E-3B61-4FA4-46A9-2FAB0A0683A7}"/>
               </a:ext>
             </a:extLst>
           </p:cNvPr>
@@ -7096,7 +7101,7 @@
           <p:cNvPr id="1074" name="TextBox 1073">
             <a:extLst>
               <a:ext uri="{FF2B5EF4-FFF2-40B4-BE49-F238E27FC236}">
-                <a16:creationId xmlns:a16="http://schemas.microsoft.com/office/drawing/2014/main" id="{D7A67576-9619-7994-EC6D-2C0DEB46157B}"/>
+                <a16:creationId xmlns:a16="http://schemas.microsoft.com/office/drawing/2014/main" xmlns="" id="{D7A67576-9619-7994-EC6D-2C0DEB46157B}"/>
               </a:ext>
             </a:extLst>
           </p:cNvPr>
@@ -7646,7 +7651,7 @@
           <p:cNvPr id="47" name="Rectangle: Rounded Corners 46">
             <a:extLst>
               <a:ext uri="{FF2B5EF4-FFF2-40B4-BE49-F238E27FC236}">
-                <a16:creationId xmlns:a16="http://schemas.microsoft.com/office/drawing/2014/main" id="{3F821FBC-49B0-BD42-9415-D8EBBB81935C}"/>
+                <a16:creationId xmlns:a16="http://schemas.microsoft.com/office/drawing/2014/main" xmlns="" id="{3F821FBC-49B0-BD42-9415-D8EBBB81935C}"/>
               </a:ext>
             </a:extLst>
           </p:cNvPr>
@@ -7698,7 +7703,7 @@
           <p:cNvPr id="4" name="TextBox 3">
             <a:extLst>
               <a:ext uri="{FF2B5EF4-FFF2-40B4-BE49-F238E27FC236}">
-                <a16:creationId xmlns:a16="http://schemas.microsoft.com/office/drawing/2014/main" id="{C9FF3A51-5321-A75D-DA04-2DED4272F352}"/>
+                <a16:creationId xmlns:a16="http://schemas.microsoft.com/office/drawing/2014/main" xmlns="" id="{C9FF3A51-5321-A75D-DA04-2DED4272F352}"/>
               </a:ext>
             </a:extLst>
           </p:cNvPr>
@@ -7736,7 +7741,7 @@
           <p:cNvPr id="5" name="TextBox 4">
             <a:extLst>
               <a:ext uri="{FF2B5EF4-FFF2-40B4-BE49-F238E27FC236}">
-                <a16:creationId xmlns:a16="http://schemas.microsoft.com/office/drawing/2014/main" id="{8AD9AB87-B69B-DFAC-5AF5-9188BB731F21}"/>
+                <a16:creationId xmlns:a16="http://schemas.microsoft.com/office/drawing/2014/main" xmlns="" id="{8AD9AB87-B69B-DFAC-5AF5-9188BB731F21}"/>
               </a:ext>
             </a:extLst>
           </p:cNvPr>
@@ -7783,7 +7788,7 @@
           <p:cNvPr id="6" name="TextBox 5">
             <a:extLst>
               <a:ext uri="{FF2B5EF4-FFF2-40B4-BE49-F238E27FC236}">
-                <a16:creationId xmlns:a16="http://schemas.microsoft.com/office/drawing/2014/main" id="{F503F7A2-D285-6817-258A-975F59A5B2B9}"/>
+                <a16:creationId xmlns:a16="http://schemas.microsoft.com/office/drawing/2014/main" xmlns="" id="{F503F7A2-D285-6817-258A-975F59A5B2B9}"/>
               </a:ext>
             </a:extLst>
           </p:cNvPr>
@@ -7830,7 +7835,7 @@
           <p:cNvPr id="7" name="TextBox 6">
             <a:extLst>
               <a:ext uri="{FF2B5EF4-FFF2-40B4-BE49-F238E27FC236}">
-                <a16:creationId xmlns:a16="http://schemas.microsoft.com/office/drawing/2014/main" id="{9CCB59BD-E2EA-EDF9-697B-8FA457FFBC7A}"/>
+                <a16:creationId xmlns:a16="http://schemas.microsoft.com/office/drawing/2014/main" xmlns="" id="{9CCB59BD-E2EA-EDF9-697B-8FA457FFBC7A}"/>
               </a:ext>
             </a:extLst>
           </p:cNvPr>
@@ -7877,7 +7882,7 @@
           <p:cNvPr id="8" name="TextBox 7">
             <a:extLst>
               <a:ext uri="{FF2B5EF4-FFF2-40B4-BE49-F238E27FC236}">
-                <a16:creationId xmlns:a16="http://schemas.microsoft.com/office/drawing/2014/main" id="{F949BE6A-3A9A-852F-A2ED-C11FB923EA3F}"/>
+                <a16:creationId xmlns:a16="http://schemas.microsoft.com/office/drawing/2014/main" xmlns="" id="{F949BE6A-3A9A-852F-A2ED-C11FB923EA3F}"/>
               </a:ext>
             </a:extLst>
           </p:cNvPr>
@@ -7915,7 +7920,7 @@
           <p:cNvPr id="11" name="TextBox 10">
             <a:extLst>
               <a:ext uri="{FF2B5EF4-FFF2-40B4-BE49-F238E27FC236}">
-                <a16:creationId xmlns:a16="http://schemas.microsoft.com/office/drawing/2014/main" id="{517A786D-FD70-8350-918D-7D376311368E}"/>
+                <a16:creationId xmlns:a16="http://schemas.microsoft.com/office/drawing/2014/main" xmlns="" id="{517A786D-FD70-8350-918D-7D376311368E}"/>
               </a:ext>
             </a:extLst>
           </p:cNvPr>
@@ -7967,7 +7972,7 @@
           <p:cNvPr id="12" name="TextBox 11">
             <a:extLst>
               <a:ext uri="{FF2B5EF4-FFF2-40B4-BE49-F238E27FC236}">
-                <a16:creationId xmlns:a16="http://schemas.microsoft.com/office/drawing/2014/main" id="{E5EBC5FF-3F57-C2E4-6A3E-C1A4EE05D77A}"/>
+                <a16:creationId xmlns:a16="http://schemas.microsoft.com/office/drawing/2014/main" xmlns="" id="{E5EBC5FF-3F57-C2E4-6A3E-C1A4EE05D77A}"/>
               </a:ext>
             </a:extLst>
           </p:cNvPr>
@@ -8014,7 +8019,7 @@
           <p:cNvPr id="13" name="TextBox 12">
             <a:extLst>
               <a:ext uri="{FF2B5EF4-FFF2-40B4-BE49-F238E27FC236}">
-                <a16:creationId xmlns:a16="http://schemas.microsoft.com/office/drawing/2014/main" id="{AB21377C-567C-98AE-D934-01725A1F908E}"/>
+                <a16:creationId xmlns:a16="http://schemas.microsoft.com/office/drawing/2014/main" xmlns="" id="{AB21377C-567C-98AE-D934-01725A1F908E}"/>
               </a:ext>
             </a:extLst>
           </p:cNvPr>
@@ -8052,7 +8057,7 @@
           <p:cNvPr id="15" name="Straight Arrow Connector 14">
             <a:extLst>
               <a:ext uri="{FF2B5EF4-FFF2-40B4-BE49-F238E27FC236}">
-                <a16:creationId xmlns:a16="http://schemas.microsoft.com/office/drawing/2014/main" id="{EA1E7AE7-BF61-79D9-9A78-44324E45EA5B}"/>
+                <a16:creationId xmlns:a16="http://schemas.microsoft.com/office/drawing/2014/main" xmlns="" id="{EA1E7AE7-BF61-79D9-9A78-44324E45EA5B}"/>
               </a:ext>
             </a:extLst>
           </p:cNvPr>
@@ -8094,7 +8099,7 @@
           <p:cNvPr id="17" name="Straight Arrow Connector 16">
             <a:extLst>
               <a:ext uri="{FF2B5EF4-FFF2-40B4-BE49-F238E27FC236}">
-                <a16:creationId xmlns:a16="http://schemas.microsoft.com/office/drawing/2014/main" id="{B02AD414-92DA-6F6C-6E0A-5F66C70C0B06}"/>
+                <a16:creationId xmlns:a16="http://schemas.microsoft.com/office/drawing/2014/main" xmlns="" id="{B02AD414-92DA-6F6C-6E0A-5F66C70C0B06}"/>
               </a:ext>
             </a:extLst>
           </p:cNvPr>
@@ -8136,7 +8141,7 @@
           <p:cNvPr id="19" name="Straight Arrow Connector 18">
             <a:extLst>
               <a:ext uri="{FF2B5EF4-FFF2-40B4-BE49-F238E27FC236}">
-                <a16:creationId xmlns:a16="http://schemas.microsoft.com/office/drawing/2014/main" id="{B6E3F129-79D3-6F9A-4988-AA808257E783}"/>
+                <a16:creationId xmlns:a16="http://schemas.microsoft.com/office/drawing/2014/main" xmlns="" id="{B6E3F129-79D3-6F9A-4988-AA808257E783}"/>
               </a:ext>
             </a:extLst>
           </p:cNvPr>
@@ -8177,7 +8182,7 @@
           <p:cNvPr id="21" name="Straight Arrow Connector 20">
             <a:extLst>
               <a:ext uri="{FF2B5EF4-FFF2-40B4-BE49-F238E27FC236}">
-                <a16:creationId xmlns:a16="http://schemas.microsoft.com/office/drawing/2014/main" id="{A00A6EED-F5B0-D64D-06C5-DF923B35950A}"/>
+                <a16:creationId xmlns:a16="http://schemas.microsoft.com/office/drawing/2014/main" xmlns="" id="{A00A6EED-F5B0-D64D-06C5-DF923B35950A}"/>
               </a:ext>
             </a:extLst>
           </p:cNvPr>
@@ -8218,7 +8223,7 @@
           <p:cNvPr id="49" name="Straight Arrow Connector 48">
             <a:extLst>
               <a:ext uri="{FF2B5EF4-FFF2-40B4-BE49-F238E27FC236}">
-                <a16:creationId xmlns:a16="http://schemas.microsoft.com/office/drawing/2014/main" id="{2E05318E-FEC5-D6CC-84FB-80F67A1413F0}"/>
+                <a16:creationId xmlns:a16="http://schemas.microsoft.com/office/drawing/2014/main" xmlns="" id="{2E05318E-FEC5-D6CC-84FB-80F67A1413F0}"/>
               </a:ext>
             </a:extLst>
           </p:cNvPr>
@@ -8259,7 +8264,7 @@
           <p:cNvPr id="51" name="Straight Arrow Connector 50">
             <a:extLst>
               <a:ext uri="{FF2B5EF4-FFF2-40B4-BE49-F238E27FC236}">
-                <a16:creationId xmlns:a16="http://schemas.microsoft.com/office/drawing/2014/main" id="{A9096C41-1CEB-8C0C-CA2C-76A1EE03F123}"/>
+                <a16:creationId xmlns:a16="http://schemas.microsoft.com/office/drawing/2014/main" xmlns="" id="{A9096C41-1CEB-8C0C-CA2C-76A1EE03F123}"/>
               </a:ext>
             </a:extLst>
           </p:cNvPr>
@@ -8301,7 +8306,7 @@
           <p:cNvPr id="55" name="Straight Arrow Connector 54">
             <a:extLst>
               <a:ext uri="{FF2B5EF4-FFF2-40B4-BE49-F238E27FC236}">
-                <a16:creationId xmlns:a16="http://schemas.microsoft.com/office/drawing/2014/main" id="{BA8F84D9-CC7F-D4AC-D5B0-EC39BC0F2555}"/>
+                <a16:creationId xmlns:a16="http://schemas.microsoft.com/office/drawing/2014/main" xmlns="" id="{BA8F84D9-CC7F-D4AC-D5B0-EC39BC0F2555}"/>
               </a:ext>
             </a:extLst>
           </p:cNvPr>
@@ -8343,7 +8348,7 @@
           <p:cNvPr id="22" name="Straight Arrow Connector 21">
             <a:extLst>
               <a:ext uri="{FF2B5EF4-FFF2-40B4-BE49-F238E27FC236}">
-                <a16:creationId xmlns:a16="http://schemas.microsoft.com/office/drawing/2014/main" id="{2292A5AA-34C7-5BDC-9CF0-C554F2D1AEBB}"/>
+                <a16:creationId xmlns:a16="http://schemas.microsoft.com/office/drawing/2014/main" xmlns="" id="{2292A5AA-34C7-5BDC-9CF0-C554F2D1AEBB}"/>
               </a:ext>
             </a:extLst>
           </p:cNvPr>
@@ -8385,7 +8390,7 @@
           <p:cNvPr id="24" name="Oval 23">
             <a:extLst>
               <a:ext uri="{FF2B5EF4-FFF2-40B4-BE49-F238E27FC236}">
-                <a16:creationId xmlns:a16="http://schemas.microsoft.com/office/drawing/2014/main" id="{7AA5DA45-1E41-6040-140D-F15E652299CB}"/>
+                <a16:creationId xmlns:a16="http://schemas.microsoft.com/office/drawing/2014/main" xmlns="" id="{7AA5DA45-1E41-6040-140D-F15E652299CB}"/>
               </a:ext>
             </a:extLst>
           </p:cNvPr>
@@ -8452,7 +8457,7 @@
           <p:cNvPr id="2" name="TextBox 1">
             <a:extLst>
               <a:ext uri="{FF2B5EF4-FFF2-40B4-BE49-F238E27FC236}">
-                <a16:creationId xmlns:a16="http://schemas.microsoft.com/office/drawing/2014/main" id="{711B1A80-5DFC-75E4-1162-3B7510885B48}"/>
+                <a16:creationId xmlns:a16="http://schemas.microsoft.com/office/drawing/2014/main" xmlns="" id="{711B1A80-5DFC-75E4-1162-3B7510885B48}"/>
               </a:ext>
             </a:extLst>
           </p:cNvPr>
@@ -8493,7 +8498,7 @@
           <p:cNvPr id="9" name="Group 8">
             <a:extLst>
               <a:ext uri="{FF2B5EF4-FFF2-40B4-BE49-F238E27FC236}">
-                <a16:creationId xmlns:a16="http://schemas.microsoft.com/office/drawing/2014/main" id="{8A060E19-E064-94CA-A10E-289F5F713C36}"/>
+                <a16:creationId xmlns:a16="http://schemas.microsoft.com/office/drawing/2014/main" xmlns="" id="{8A060E19-E064-94CA-A10E-289F5F713C36}"/>
               </a:ext>
             </a:extLst>
           </p:cNvPr>
@@ -8513,7 +8518,7 @@
             <p:cNvPr id="10" name="Rectangle 9">
               <a:extLst>
                 <a:ext uri="{FF2B5EF4-FFF2-40B4-BE49-F238E27FC236}">
-                  <a16:creationId xmlns:a16="http://schemas.microsoft.com/office/drawing/2014/main" id="{889F1AC4-C43C-53CC-E1C8-FF609C96CE6F}"/>
+                  <a16:creationId xmlns:a16="http://schemas.microsoft.com/office/drawing/2014/main" xmlns="" id="{889F1AC4-C43C-53CC-E1C8-FF609C96CE6F}"/>
                 </a:ext>
               </a:extLst>
             </p:cNvPr>
@@ -8569,7 +8574,7 @@
             <p:cNvPr id="14" name="Rectangle 13">
               <a:extLst>
                 <a:ext uri="{FF2B5EF4-FFF2-40B4-BE49-F238E27FC236}">
-                  <a16:creationId xmlns:a16="http://schemas.microsoft.com/office/drawing/2014/main" id="{FEEDE045-EFF9-02FA-A431-7B2069638B41}"/>
+                  <a16:creationId xmlns:a16="http://schemas.microsoft.com/office/drawing/2014/main" xmlns="" id="{FEEDE045-EFF9-02FA-A431-7B2069638B41}"/>
                 </a:ext>
               </a:extLst>
             </p:cNvPr>
@@ -8625,7 +8630,7 @@
             <p:cNvPr id="16" name="Rectangle 15">
               <a:extLst>
                 <a:ext uri="{FF2B5EF4-FFF2-40B4-BE49-F238E27FC236}">
-                  <a16:creationId xmlns:a16="http://schemas.microsoft.com/office/drawing/2014/main" id="{6F3A9F8A-A8B6-BEE8-E2A3-CFE0172B659F}"/>
+                  <a16:creationId xmlns:a16="http://schemas.microsoft.com/office/drawing/2014/main" xmlns="" id="{6F3A9F8A-A8B6-BEE8-E2A3-CFE0172B659F}"/>
                 </a:ext>
               </a:extLst>
             </p:cNvPr>
@@ -8681,7 +8686,7 @@
             <p:cNvPr id="18" name="Rectangle: Rounded Corners 17">
               <a:extLst>
                 <a:ext uri="{FF2B5EF4-FFF2-40B4-BE49-F238E27FC236}">
-                  <a16:creationId xmlns:a16="http://schemas.microsoft.com/office/drawing/2014/main" id="{A95B332E-2CF2-D987-503C-7C847FA25240}"/>
+                  <a16:creationId xmlns:a16="http://schemas.microsoft.com/office/drawing/2014/main" xmlns="" id="{A95B332E-2CF2-D987-503C-7C847FA25240}"/>
                 </a:ext>
               </a:extLst>
             </p:cNvPr>
@@ -8728,7 +8733,7 @@
             <p:cNvPr id="23" name="Rectangle 22">
               <a:extLst>
                 <a:ext uri="{FF2B5EF4-FFF2-40B4-BE49-F238E27FC236}">
-                  <a16:creationId xmlns:a16="http://schemas.microsoft.com/office/drawing/2014/main" id="{9876E9B4-8E4C-46FE-AA3D-6ABF9D1BA634}"/>
+                  <a16:creationId xmlns:a16="http://schemas.microsoft.com/office/drawing/2014/main" xmlns="" id="{9876E9B4-8E4C-46FE-AA3D-6ABF9D1BA634}"/>
                 </a:ext>
               </a:extLst>
             </p:cNvPr>
@@ -8785,7 +8790,7 @@
           <p:cNvPr id="25" name="TextBox 24">
             <a:extLst>
               <a:ext uri="{FF2B5EF4-FFF2-40B4-BE49-F238E27FC236}">
-                <a16:creationId xmlns:a16="http://schemas.microsoft.com/office/drawing/2014/main" id="{74E7B956-8C4B-EE5B-922C-4E398D0F7A5E}"/>
+                <a16:creationId xmlns:a16="http://schemas.microsoft.com/office/drawing/2014/main" xmlns="" id="{74E7B956-8C4B-EE5B-922C-4E398D0F7A5E}"/>
               </a:ext>
             </a:extLst>
           </p:cNvPr>
@@ -8823,7 +8828,7 @@
           <p:cNvPr id="29" name="TextBox 28">
             <a:extLst>
               <a:ext uri="{FF2B5EF4-FFF2-40B4-BE49-F238E27FC236}">
-                <a16:creationId xmlns:a16="http://schemas.microsoft.com/office/drawing/2014/main" id="{C30A1BAF-22F5-19EC-4F42-EAD1AFB1733B}"/>
+                <a16:creationId xmlns:a16="http://schemas.microsoft.com/office/drawing/2014/main" xmlns="" id="{C30A1BAF-22F5-19EC-4F42-EAD1AFB1733B}"/>
               </a:ext>
             </a:extLst>
           </p:cNvPr>
@@ -8861,7 +8866,7 @@
           <p:cNvPr id="35" name="TextBox 34">
             <a:extLst>
               <a:ext uri="{FF2B5EF4-FFF2-40B4-BE49-F238E27FC236}">
-                <a16:creationId xmlns:a16="http://schemas.microsoft.com/office/drawing/2014/main" id="{1082210E-105E-267D-0209-0AA18AAAF7EC}"/>
+                <a16:creationId xmlns:a16="http://schemas.microsoft.com/office/drawing/2014/main" xmlns="" id="{1082210E-105E-267D-0209-0AA18AAAF7EC}"/>
               </a:ext>
             </a:extLst>
           </p:cNvPr>
@@ -8918,7 +8923,7 @@
           <p:cNvPr id="48" name="TextBox 47">
             <a:extLst>
               <a:ext uri="{FF2B5EF4-FFF2-40B4-BE49-F238E27FC236}">
-                <a16:creationId xmlns:a16="http://schemas.microsoft.com/office/drawing/2014/main" id="{53A8FD36-6AF5-8FF6-1FCE-6308801B5361}"/>
+                <a16:creationId xmlns:a16="http://schemas.microsoft.com/office/drawing/2014/main" xmlns="" id="{53A8FD36-6AF5-8FF6-1FCE-6308801B5361}"/>
               </a:ext>
             </a:extLst>
           </p:cNvPr>
@@ -8986,7 +8991,7 @@
           <p:cNvPr id="34" name="Rectangle: Rounded Corners 33">
             <a:extLst>
               <a:ext uri="{FF2B5EF4-FFF2-40B4-BE49-F238E27FC236}">
-                <a16:creationId xmlns:a16="http://schemas.microsoft.com/office/drawing/2014/main" id="{E23B2844-8087-E524-B81D-0E44C8777311}"/>
+                <a16:creationId xmlns:a16="http://schemas.microsoft.com/office/drawing/2014/main" xmlns="" id="{E23B2844-8087-E524-B81D-0E44C8777311}"/>
               </a:ext>
             </a:extLst>
           </p:cNvPr>
@@ -9035,7 +9040,7 @@
           <p:cNvPr id="47" name="Rectangle: Rounded Corners 46">
             <a:extLst>
               <a:ext uri="{FF2B5EF4-FFF2-40B4-BE49-F238E27FC236}">
-                <a16:creationId xmlns:a16="http://schemas.microsoft.com/office/drawing/2014/main" id="{3F821FBC-49B0-BD42-9415-D8EBBB81935C}"/>
+                <a16:creationId xmlns:a16="http://schemas.microsoft.com/office/drawing/2014/main" xmlns="" id="{3F821FBC-49B0-BD42-9415-D8EBBB81935C}"/>
               </a:ext>
             </a:extLst>
           </p:cNvPr>
@@ -9087,7 +9092,7 @@
           <p:cNvPr id="4" name="TextBox 3">
             <a:extLst>
               <a:ext uri="{FF2B5EF4-FFF2-40B4-BE49-F238E27FC236}">
-                <a16:creationId xmlns:a16="http://schemas.microsoft.com/office/drawing/2014/main" id="{C9FF3A51-5321-A75D-DA04-2DED4272F352}"/>
+                <a16:creationId xmlns:a16="http://schemas.microsoft.com/office/drawing/2014/main" xmlns="" id="{C9FF3A51-5321-A75D-DA04-2DED4272F352}"/>
               </a:ext>
             </a:extLst>
           </p:cNvPr>
@@ -9125,7 +9130,7 @@
           <p:cNvPr id="5" name="TextBox 4">
             <a:extLst>
               <a:ext uri="{FF2B5EF4-FFF2-40B4-BE49-F238E27FC236}">
-                <a16:creationId xmlns:a16="http://schemas.microsoft.com/office/drawing/2014/main" id="{8AD9AB87-B69B-DFAC-5AF5-9188BB731F21}"/>
+                <a16:creationId xmlns:a16="http://schemas.microsoft.com/office/drawing/2014/main" xmlns="" id="{8AD9AB87-B69B-DFAC-5AF5-9188BB731F21}"/>
               </a:ext>
             </a:extLst>
           </p:cNvPr>
@@ -9172,7 +9177,7 @@
           <p:cNvPr id="6" name="TextBox 5">
             <a:extLst>
               <a:ext uri="{FF2B5EF4-FFF2-40B4-BE49-F238E27FC236}">
-                <a16:creationId xmlns:a16="http://schemas.microsoft.com/office/drawing/2014/main" id="{F503F7A2-D285-6817-258A-975F59A5B2B9}"/>
+                <a16:creationId xmlns:a16="http://schemas.microsoft.com/office/drawing/2014/main" xmlns="" id="{F503F7A2-D285-6817-258A-975F59A5B2B9}"/>
               </a:ext>
             </a:extLst>
           </p:cNvPr>
@@ -9219,7 +9224,7 @@
           <p:cNvPr id="7" name="TextBox 6">
             <a:extLst>
               <a:ext uri="{FF2B5EF4-FFF2-40B4-BE49-F238E27FC236}">
-                <a16:creationId xmlns:a16="http://schemas.microsoft.com/office/drawing/2014/main" id="{9CCB59BD-E2EA-EDF9-697B-8FA457FFBC7A}"/>
+                <a16:creationId xmlns:a16="http://schemas.microsoft.com/office/drawing/2014/main" xmlns="" id="{9CCB59BD-E2EA-EDF9-697B-8FA457FFBC7A}"/>
               </a:ext>
             </a:extLst>
           </p:cNvPr>
@@ -9266,7 +9271,7 @@
           <p:cNvPr id="8" name="TextBox 7">
             <a:extLst>
               <a:ext uri="{FF2B5EF4-FFF2-40B4-BE49-F238E27FC236}">
-                <a16:creationId xmlns:a16="http://schemas.microsoft.com/office/drawing/2014/main" id="{F949BE6A-3A9A-852F-A2ED-C11FB923EA3F}"/>
+                <a16:creationId xmlns:a16="http://schemas.microsoft.com/office/drawing/2014/main" xmlns="" id="{F949BE6A-3A9A-852F-A2ED-C11FB923EA3F}"/>
               </a:ext>
             </a:extLst>
           </p:cNvPr>
@@ -9304,7 +9309,7 @@
           <p:cNvPr id="11" name="TextBox 10">
             <a:extLst>
               <a:ext uri="{FF2B5EF4-FFF2-40B4-BE49-F238E27FC236}">
-                <a16:creationId xmlns:a16="http://schemas.microsoft.com/office/drawing/2014/main" id="{517A786D-FD70-8350-918D-7D376311368E}"/>
+                <a16:creationId xmlns:a16="http://schemas.microsoft.com/office/drawing/2014/main" xmlns="" id="{517A786D-FD70-8350-918D-7D376311368E}"/>
               </a:ext>
             </a:extLst>
           </p:cNvPr>
@@ -9356,7 +9361,7 @@
           <p:cNvPr id="12" name="TextBox 11">
             <a:extLst>
               <a:ext uri="{FF2B5EF4-FFF2-40B4-BE49-F238E27FC236}">
-                <a16:creationId xmlns:a16="http://schemas.microsoft.com/office/drawing/2014/main" id="{E5EBC5FF-3F57-C2E4-6A3E-C1A4EE05D77A}"/>
+                <a16:creationId xmlns:a16="http://schemas.microsoft.com/office/drawing/2014/main" xmlns="" id="{E5EBC5FF-3F57-C2E4-6A3E-C1A4EE05D77A}"/>
               </a:ext>
             </a:extLst>
           </p:cNvPr>
@@ -9403,7 +9408,7 @@
           <p:cNvPr id="13" name="TextBox 12">
             <a:extLst>
               <a:ext uri="{FF2B5EF4-FFF2-40B4-BE49-F238E27FC236}">
-                <a16:creationId xmlns:a16="http://schemas.microsoft.com/office/drawing/2014/main" id="{AB21377C-567C-98AE-D934-01725A1F908E}"/>
+                <a16:creationId xmlns:a16="http://schemas.microsoft.com/office/drawing/2014/main" xmlns="" id="{AB21377C-567C-98AE-D934-01725A1F908E}"/>
               </a:ext>
             </a:extLst>
           </p:cNvPr>
@@ -9441,7 +9446,7 @@
           <p:cNvPr id="15" name="Straight Arrow Connector 14">
             <a:extLst>
               <a:ext uri="{FF2B5EF4-FFF2-40B4-BE49-F238E27FC236}">
-                <a16:creationId xmlns:a16="http://schemas.microsoft.com/office/drawing/2014/main" id="{EA1E7AE7-BF61-79D9-9A78-44324E45EA5B}"/>
+                <a16:creationId xmlns:a16="http://schemas.microsoft.com/office/drawing/2014/main" xmlns="" id="{EA1E7AE7-BF61-79D9-9A78-44324E45EA5B}"/>
               </a:ext>
             </a:extLst>
           </p:cNvPr>
@@ -9483,7 +9488,7 @@
           <p:cNvPr id="17" name="Straight Arrow Connector 16">
             <a:extLst>
               <a:ext uri="{FF2B5EF4-FFF2-40B4-BE49-F238E27FC236}">
-                <a16:creationId xmlns:a16="http://schemas.microsoft.com/office/drawing/2014/main" id="{B02AD414-92DA-6F6C-6E0A-5F66C70C0B06}"/>
+                <a16:creationId xmlns:a16="http://schemas.microsoft.com/office/drawing/2014/main" xmlns="" id="{B02AD414-92DA-6F6C-6E0A-5F66C70C0B06}"/>
               </a:ext>
             </a:extLst>
           </p:cNvPr>
@@ -9525,7 +9530,7 @@
           <p:cNvPr id="19" name="Straight Arrow Connector 18">
             <a:extLst>
               <a:ext uri="{FF2B5EF4-FFF2-40B4-BE49-F238E27FC236}">
-                <a16:creationId xmlns:a16="http://schemas.microsoft.com/office/drawing/2014/main" id="{B6E3F129-79D3-6F9A-4988-AA808257E783}"/>
+                <a16:creationId xmlns:a16="http://schemas.microsoft.com/office/drawing/2014/main" xmlns="" id="{B6E3F129-79D3-6F9A-4988-AA808257E783}"/>
               </a:ext>
             </a:extLst>
           </p:cNvPr>
@@ -9566,7 +9571,7 @@
           <p:cNvPr id="21" name="Straight Arrow Connector 20">
             <a:extLst>
               <a:ext uri="{FF2B5EF4-FFF2-40B4-BE49-F238E27FC236}">
-                <a16:creationId xmlns:a16="http://schemas.microsoft.com/office/drawing/2014/main" id="{A00A6EED-F5B0-D64D-06C5-DF923B35950A}"/>
+                <a16:creationId xmlns:a16="http://schemas.microsoft.com/office/drawing/2014/main" xmlns="" id="{A00A6EED-F5B0-D64D-06C5-DF923B35950A}"/>
               </a:ext>
             </a:extLst>
           </p:cNvPr>
@@ -9607,7 +9612,7 @@
           <p:cNvPr id="51" name="Straight Arrow Connector 50">
             <a:extLst>
               <a:ext uri="{FF2B5EF4-FFF2-40B4-BE49-F238E27FC236}">
-                <a16:creationId xmlns:a16="http://schemas.microsoft.com/office/drawing/2014/main" id="{A9096C41-1CEB-8C0C-CA2C-76A1EE03F123}"/>
+                <a16:creationId xmlns:a16="http://schemas.microsoft.com/office/drawing/2014/main" xmlns="" id="{A9096C41-1CEB-8C0C-CA2C-76A1EE03F123}"/>
               </a:ext>
             </a:extLst>
           </p:cNvPr>
@@ -9649,7 +9654,7 @@
           <p:cNvPr id="55" name="Straight Arrow Connector 54">
             <a:extLst>
               <a:ext uri="{FF2B5EF4-FFF2-40B4-BE49-F238E27FC236}">
-                <a16:creationId xmlns:a16="http://schemas.microsoft.com/office/drawing/2014/main" id="{BA8F84D9-CC7F-D4AC-D5B0-EC39BC0F2555}"/>
+                <a16:creationId xmlns:a16="http://schemas.microsoft.com/office/drawing/2014/main" xmlns="" id="{BA8F84D9-CC7F-D4AC-D5B0-EC39BC0F2555}"/>
               </a:ext>
             </a:extLst>
           </p:cNvPr>
@@ -9691,7 +9696,7 @@
           <p:cNvPr id="22" name="Straight Arrow Connector 21">
             <a:extLst>
               <a:ext uri="{FF2B5EF4-FFF2-40B4-BE49-F238E27FC236}">
-                <a16:creationId xmlns:a16="http://schemas.microsoft.com/office/drawing/2014/main" id="{2292A5AA-34C7-5BDC-9CF0-C554F2D1AEBB}"/>
+                <a16:creationId xmlns:a16="http://schemas.microsoft.com/office/drawing/2014/main" xmlns="" id="{2292A5AA-34C7-5BDC-9CF0-C554F2D1AEBB}"/>
               </a:ext>
             </a:extLst>
           </p:cNvPr>
@@ -9733,7 +9738,7 @@
           <p:cNvPr id="24" name="Oval 23">
             <a:extLst>
               <a:ext uri="{FF2B5EF4-FFF2-40B4-BE49-F238E27FC236}">
-                <a16:creationId xmlns:a16="http://schemas.microsoft.com/office/drawing/2014/main" id="{7AA5DA45-1E41-6040-140D-F15E652299CB}"/>
+                <a16:creationId xmlns:a16="http://schemas.microsoft.com/office/drawing/2014/main" xmlns="" id="{7AA5DA45-1E41-6040-140D-F15E652299CB}"/>
               </a:ext>
             </a:extLst>
           </p:cNvPr>
@@ -9800,7 +9805,7 @@
           <p:cNvPr id="2" name="TextBox 1">
             <a:extLst>
               <a:ext uri="{FF2B5EF4-FFF2-40B4-BE49-F238E27FC236}">
-                <a16:creationId xmlns:a16="http://schemas.microsoft.com/office/drawing/2014/main" id="{711B1A80-5DFC-75E4-1162-3B7510885B48}"/>
+                <a16:creationId xmlns:a16="http://schemas.microsoft.com/office/drawing/2014/main" xmlns="" id="{711B1A80-5DFC-75E4-1162-3B7510885B48}"/>
               </a:ext>
             </a:extLst>
           </p:cNvPr>
@@ -9841,7 +9846,7 @@
           <p:cNvPr id="9" name="Group 8">
             <a:extLst>
               <a:ext uri="{FF2B5EF4-FFF2-40B4-BE49-F238E27FC236}">
-                <a16:creationId xmlns:a16="http://schemas.microsoft.com/office/drawing/2014/main" id="{8A060E19-E064-94CA-A10E-289F5F713C36}"/>
+                <a16:creationId xmlns:a16="http://schemas.microsoft.com/office/drawing/2014/main" xmlns="" id="{8A060E19-E064-94CA-A10E-289F5F713C36}"/>
               </a:ext>
             </a:extLst>
           </p:cNvPr>
@@ -9861,7 +9866,7 @@
             <p:cNvPr id="10" name="Rectangle 9">
               <a:extLst>
                 <a:ext uri="{FF2B5EF4-FFF2-40B4-BE49-F238E27FC236}">
-                  <a16:creationId xmlns:a16="http://schemas.microsoft.com/office/drawing/2014/main" id="{889F1AC4-C43C-53CC-E1C8-FF609C96CE6F}"/>
+                  <a16:creationId xmlns:a16="http://schemas.microsoft.com/office/drawing/2014/main" xmlns="" id="{889F1AC4-C43C-53CC-E1C8-FF609C96CE6F}"/>
                 </a:ext>
               </a:extLst>
             </p:cNvPr>
@@ -9917,7 +9922,7 @@
             <p:cNvPr id="14" name="Rectangle 13">
               <a:extLst>
                 <a:ext uri="{FF2B5EF4-FFF2-40B4-BE49-F238E27FC236}">
-                  <a16:creationId xmlns:a16="http://schemas.microsoft.com/office/drawing/2014/main" id="{FEEDE045-EFF9-02FA-A431-7B2069638B41}"/>
+                  <a16:creationId xmlns:a16="http://schemas.microsoft.com/office/drawing/2014/main" xmlns="" id="{FEEDE045-EFF9-02FA-A431-7B2069638B41}"/>
                 </a:ext>
               </a:extLst>
             </p:cNvPr>
@@ -9973,7 +9978,7 @@
             <p:cNvPr id="16" name="Rectangle 15">
               <a:extLst>
                 <a:ext uri="{FF2B5EF4-FFF2-40B4-BE49-F238E27FC236}">
-                  <a16:creationId xmlns:a16="http://schemas.microsoft.com/office/drawing/2014/main" id="{6F3A9F8A-A8B6-BEE8-E2A3-CFE0172B659F}"/>
+                  <a16:creationId xmlns:a16="http://schemas.microsoft.com/office/drawing/2014/main" xmlns="" id="{6F3A9F8A-A8B6-BEE8-E2A3-CFE0172B659F}"/>
                 </a:ext>
               </a:extLst>
             </p:cNvPr>
@@ -10029,7 +10034,7 @@
             <p:cNvPr id="18" name="Rectangle: Rounded Corners 17">
               <a:extLst>
                 <a:ext uri="{FF2B5EF4-FFF2-40B4-BE49-F238E27FC236}">
-                  <a16:creationId xmlns:a16="http://schemas.microsoft.com/office/drawing/2014/main" id="{A95B332E-2CF2-D987-503C-7C847FA25240}"/>
+                  <a16:creationId xmlns:a16="http://schemas.microsoft.com/office/drawing/2014/main" xmlns="" id="{A95B332E-2CF2-D987-503C-7C847FA25240}"/>
                 </a:ext>
               </a:extLst>
             </p:cNvPr>
@@ -10076,7 +10081,7 @@
             <p:cNvPr id="23" name="Rectangle 22">
               <a:extLst>
                 <a:ext uri="{FF2B5EF4-FFF2-40B4-BE49-F238E27FC236}">
-                  <a16:creationId xmlns:a16="http://schemas.microsoft.com/office/drawing/2014/main" id="{9876E9B4-8E4C-46FE-AA3D-6ABF9D1BA634}"/>
+                  <a16:creationId xmlns:a16="http://schemas.microsoft.com/office/drawing/2014/main" xmlns="" id="{9876E9B4-8E4C-46FE-AA3D-6ABF9D1BA634}"/>
                 </a:ext>
               </a:extLst>
             </p:cNvPr>
@@ -10133,7 +10138,7 @@
           <p:cNvPr id="25" name="TextBox 24">
             <a:extLst>
               <a:ext uri="{FF2B5EF4-FFF2-40B4-BE49-F238E27FC236}">
-                <a16:creationId xmlns:a16="http://schemas.microsoft.com/office/drawing/2014/main" id="{74E7B956-8C4B-EE5B-922C-4E398D0F7A5E}"/>
+                <a16:creationId xmlns:a16="http://schemas.microsoft.com/office/drawing/2014/main" xmlns="" id="{74E7B956-8C4B-EE5B-922C-4E398D0F7A5E}"/>
               </a:ext>
             </a:extLst>
           </p:cNvPr>
@@ -10171,7 +10176,7 @@
           <p:cNvPr id="29" name="TextBox 28">
             <a:extLst>
               <a:ext uri="{FF2B5EF4-FFF2-40B4-BE49-F238E27FC236}">
-                <a16:creationId xmlns:a16="http://schemas.microsoft.com/office/drawing/2014/main" id="{C30A1BAF-22F5-19EC-4F42-EAD1AFB1733B}"/>
+                <a16:creationId xmlns:a16="http://schemas.microsoft.com/office/drawing/2014/main" xmlns="" id="{C30A1BAF-22F5-19EC-4F42-EAD1AFB1733B}"/>
               </a:ext>
             </a:extLst>
           </p:cNvPr>
@@ -10209,7 +10214,7 @@
           <p:cNvPr id="35" name="TextBox 34">
             <a:extLst>
               <a:ext uri="{FF2B5EF4-FFF2-40B4-BE49-F238E27FC236}">
-                <a16:creationId xmlns:a16="http://schemas.microsoft.com/office/drawing/2014/main" id="{1082210E-105E-267D-0209-0AA18AAAF7EC}"/>
+                <a16:creationId xmlns:a16="http://schemas.microsoft.com/office/drawing/2014/main" xmlns="" id="{1082210E-105E-267D-0209-0AA18AAAF7EC}"/>
               </a:ext>
             </a:extLst>
           </p:cNvPr>
@@ -10266,7 +10271,7 @@
           <p:cNvPr id="3" name="Oval 2">
             <a:extLst>
               <a:ext uri="{FF2B5EF4-FFF2-40B4-BE49-F238E27FC236}">
-                <a16:creationId xmlns:a16="http://schemas.microsoft.com/office/drawing/2014/main" id="{17865320-5D75-3028-6096-3F8094DF655E}"/>
+                <a16:creationId xmlns:a16="http://schemas.microsoft.com/office/drawing/2014/main" xmlns="" id="{17865320-5D75-3028-6096-3F8094DF655E}"/>
               </a:ext>
             </a:extLst>
           </p:cNvPr>
@@ -10325,7 +10330,7 @@
           <p:cNvPr id="20" name="Straight Arrow Connector 19">
             <a:extLst>
               <a:ext uri="{FF2B5EF4-FFF2-40B4-BE49-F238E27FC236}">
-                <a16:creationId xmlns:a16="http://schemas.microsoft.com/office/drawing/2014/main" id="{BDDD73D9-D590-7740-CCF3-DD9EA3D6C44C}"/>
+                <a16:creationId xmlns:a16="http://schemas.microsoft.com/office/drawing/2014/main" xmlns="" id="{BDDD73D9-D590-7740-CCF3-DD9EA3D6C44C}"/>
               </a:ext>
             </a:extLst>
           </p:cNvPr>
@@ -10366,7 +10371,7 @@
           <p:cNvPr id="26" name="Straight Arrow Connector 25">
             <a:extLst>
               <a:ext uri="{FF2B5EF4-FFF2-40B4-BE49-F238E27FC236}">
-                <a16:creationId xmlns:a16="http://schemas.microsoft.com/office/drawing/2014/main" id="{5F8D3279-8285-63E3-F540-2F9182A5C97D}"/>
+                <a16:creationId xmlns:a16="http://schemas.microsoft.com/office/drawing/2014/main" xmlns="" id="{5F8D3279-8285-63E3-F540-2F9182A5C97D}"/>
               </a:ext>
             </a:extLst>
           </p:cNvPr>
@@ -10407,7 +10412,7 @@
           <p:cNvPr id="27" name="Freeform: Shape 26">
             <a:extLst>
               <a:ext uri="{FF2B5EF4-FFF2-40B4-BE49-F238E27FC236}">
-                <a16:creationId xmlns:a16="http://schemas.microsoft.com/office/drawing/2014/main" id="{C592BCD1-9ACE-D281-939F-400D2873C2CC}"/>
+                <a16:creationId xmlns:a16="http://schemas.microsoft.com/office/drawing/2014/main" xmlns="" id="{C592BCD1-9ACE-D281-939F-400D2873C2CC}"/>
               </a:ext>
             </a:extLst>
           </p:cNvPr>
@@ -10526,7 +10531,7 @@
           <p:cNvPr id="28" name="Straight Arrow Connector 27">
             <a:extLst>
               <a:ext uri="{FF2B5EF4-FFF2-40B4-BE49-F238E27FC236}">
-                <a16:creationId xmlns:a16="http://schemas.microsoft.com/office/drawing/2014/main" id="{B6387863-B079-074E-5D52-F75993D4DFEC}"/>
+                <a16:creationId xmlns:a16="http://schemas.microsoft.com/office/drawing/2014/main" xmlns="" id="{B6387863-B079-074E-5D52-F75993D4DFEC}"/>
               </a:ext>
             </a:extLst>
           </p:cNvPr>
@@ -10567,7 +10572,7 @@
           <p:cNvPr id="30" name="Straight Arrow Connector 29">
             <a:extLst>
               <a:ext uri="{FF2B5EF4-FFF2-40B4-BE49-F238E27FC236}">
-                <a16:creationId xmlns:a16="http://schemas.microsoft.com/office/drawing/2014/main" id="{3A032AAE-BA84-AEF0-3FF5-DB9364010714}"/>
+                <a16:creationId xmlns:a16="http://schemas.microsoft.com/office/drawing/2014/main" xmlns="" id="{3A032AAE-BA84-AEF0-3FF5-DB9364010714}"/>
               </a:ext>
             </a:extLst>
           </p:cNvPr>
@@ -10608,7 +10613,7 @@
           <p:cNvPr id="31" name="Straight Arrow Connector 30">
             <a:extLst>
               <a:ext uri="{FF2B5EF4-FFF2-40B4-BE49-F238E27FC236}">
-                <a16:creationId xmlns:a16="http://schemas.microsoft.com/office/drawing/2014/main" id="{253C744D-9ABA-1A2D-F376-F8969157C169}"/>
+                <a16:creationId xmlns:a16="http://schemas.microsoft.com/office/drawing/2014/main" xmlns="" id="{253C744D-9ABA-1A2D-F376-F8969157C169}"/>
               </a:ext>
             </a:extLst>
           </p:cNvPr>
@@ -10649,7 +10654,7 @@
           <p:cNvPr id="32" name="Straight Arrow Connector 31">
             <a:extLst>
               <a:ext uri="{FF2B5EF4-FFF2-40B4-BE49-F238E27FC236}">
-                <a16:creationId xmlns:a16="http://schemas.microsoft.com/office/drawing/2014/main" id="{A7BAE900-5583-10E3-624F-902944319085}"/>
+                <a16:creationId xmlns:a16="http://schemas.microsoft.com/office/drawing/2014/main" xmlns="" id="{A7BAE900-5583-10E3-624F-902944319085}"/>
               </a:ext>
             </a:extLst>
           </p:cNvPr>
@@ -10691,7 +10696,7 @@
           <p:cNvPr id="33" name="TextBox 32">
             <a:extLst>
               <a:ext uri="{FF2B5EF4-FFF2-40B4-BE49-F238E27FC236}">
-                <a16:creationId xmlns:a16="http://schemas.microsoft.com/office/drawing/2014/main" id="{6E7A59B7-2849-1BEC-D951-A77F3A68F9E6}"/>
+                <a16:creationId xmlns:a16="http://schemas.microsoft.com/office/drawing/2014/main" xmlns="" id="{6E7A59B7-2849-1BEC-D951-A77F3A68F9E6}"/>
               </a:ext>
             </a:extLst>
           </p:cNvPr>
@@ -10747,7 +10752,7 @@
           <p:cNvPr id="37" name="Straight Arrow Connector 36">
             <a:extLst>
               <a:ext uri="{FF2B5EF4-FFF2-40B4-BE49-F238E27FC236}">
-                <a16:creationId xmlns:a16="http://schemas.microsoft.com/office/drawing/2014/main" id="{1A8BC8E6-237C-EB7C-630C-70CB253F73B0}"/>
+                <a16:creationId xmlns:a16="http://schemas.microsoft.com/office/drawing/2014/main" xmlns="" id="{1A8BC8E6-237C-EB7C-630C-70CB253F73B0}"/>
               </a:ext>
             </a:extLst>
           </p:cNvPr>
@@ -10813,6 +10818,3026 @@
           <a:chExt cx="0" cy="0"/>
         </a:xfrm>
       </p:grpSpPr>
+      <p:sp>
+        <p:nvSpPr>
+          <p:cNvPr id="42" name="Freeform 41"/>
+          <p:cNvSpPr/>
+          <p:nvPr/>
+        </p:nvSpPr>
+        <p:spPr>
+          <a:xfrm>
+            <a:off x="6050604" y="3638145"/>
+            <a:ext cx="1167319" cy="223928"/>
+          </a:xfrm>
+          <a:custGeom>
+            <a:avLst/>
+            <a:gdLst>
+              <a:gd name="connsiteX0" fmla="*/ 0 w 1167319"/>
+              <a:gd name="connsiteY0" fmla="*/ 0 h 223928"/>
+              <a:gd name="connsiteX1" fmla="*/ 321013 w 1167319"/>
+              <a:gd name="connsiteY1" fmla="*/ 223736 h 223928"/>
+              <a:gd name="connsiteX2" fmla="*/ 1167319 w 1167319"/>
+              <a:gd name="connsiteY2" fmla="*/ 38910 h 223928"/>
+            </a:gdLst>
+            <a:ahLst/>
+            <a:cxnLst>
+              <a:cxn ang="0">
+                <a:pos x="connsiteX0" y="connsiteY0"/>
+              </a:cxn>
+              <a:cxn ang="0">
+                <a:pos x="connsiteX1" y="connsiteY1"/>
+              </a:cxn>
+              <a:cxn ang="0">
+                <a:pos x="connsiteX2" y="connsiteY2"/>
+              </a:cxn>
+            </a:cxnLst>
+            <a:rect l="l" t="t" r="r" b="b"/>
+            <a:pathLst>
+              <a:path w="1167319" h="223928">
+                <a:moveTo>
+                  <a:pt x="0" y="0"/>
+                </a:moveTo>
+                <a:cubicBezTo>
+                  <a:pt x="63230" y="108625"/>
+                  <a:pt x="126460" y="217251"/>
+                  <a:pt x="321013" y="223736"/>
+                </a:cubicBezTo>
+                <a:cubicBezTo>
+                  <a:pt x="515566" y="230221"/>
+                  <a:pt x="1027889" y="71336"/>
+                  <a:pt x="1167319" y="38910"/>
+                </a:cubicBezTo>
+              </a:path>
+            </a:pathLst>
+          </a:custGeom>
+          <a:noFill/>
+          <a:ln>
+            <a:headEnd type="none" w="med" len="med"/>
+            <a:tailEnd type="triangle" w="med" len="med"/>
+          </a:ln>
+        </p:spPr>
+        <p:style>
+          <a:lnRef idx="2">
+            <a:schemeClr val="accent1">
+              <a:shade val="50000"/>
+            </a:schemeClr>
+          </a:lnRef>
+          <a:fillRef idx="1">
+            <a:schemeClr val="accent1"/>
+          </a:fillRef>
+          <a:effectRef idx="0">
+            <a:schemeClr val="accent1"/>
+          </a:effectRef>
+          <a:fontRef idx="minor">
+            <a:schemeClr val="lt1"/>
+          </a:fontRef>
+        </p:style>
+        <p:txBody>
+          <a:bodyPr rtlCol="0" anchor="ctr"/>
+          <a:lstStyle/>
+          <a:p>
+            <a:pPr algn="ctr"/>
+            <a:endParaRPr lang="en-US"/>
+          </a:p>
+        </p:txBody>
+      </p:sp>
+      <p:sp>
+        <p:nvSpPr>
+          <p:cNvPr id="43" name="Freeform 42"/>
+          <p:cNvSpPr/>
+          <p:nvPr/>
+        </p:nvSpPr>
+        <p:spPr>
+          <a:xfrm>
+            <a:off x="5953328" y="2928026"/>
+            <a:ext cx="1118681" cy="593387"/>
+          </a:xfrm>
+          <a:custGeom>
+            <a:avLst/>
+            <a:gdLst>
+              <a:gd name="connsiteX0" fmla="*/ 0 w 1118681"/>
+              <a:gd name="connsiteY0" fmla="*/ 0 h 593387"/>
+              <a:gd name="connsiteX1" fmla="*/ 505838 w 1118681"/>
+              <a:gd name="connsiteY1" fmla="*/ 486383 h 593387"/>
+              <a:gd name="connsiteX2" fmla="*/ 1118681 w 1118681"/>
+              <a:gd name="connsiteY2" fmla="*/ 593387 h 593387"/>
+            </a:gdLst>
+            <a:ahLst/>
+            <a:cxnLst>
+              <a:cxn ang="0">
+                <a:pos x="connsiteX0" y="connsiteY0"/>
+              </a:cxn>
+              <a:cxn ang="0">
+                <a:pos x="connsiteX1" y="connsiteY1"/>
+              </a:cxn>
+              <a:cxn ang="0">
+                <a:pos x="connsiteX2" y="connsiteY2"/>
+              </a:cxn>
+            </a:cxnLst>
+            <a:rect l="l" t="t" r="r" b="b"/>
+            <a:pathLst>
+              <a:path w="1118681" h="593387">
+                <a:moveTo>
+                  <a:pt x="0" y="0"/>
+                </a:moveTo>
+                <a:cubicBezTo>
+                  <a:pt x="159695" y="193742"/>
+                  <a:pt x="319391" y="387485"/>
+                  <a:pt x="505838" y="486383"/>
+                </a:cubicBezTo>
+                <a:cubicBezTo>
+                  <a:pt x="692285" y="585281"/>
+                  <a:pt x="1118681" y="593387"/>
+                  <a:pt x="1118681" y="593387"/>
+                </a:cubicBezTo>
+              </a:path>
+            </a:pathLst>
+          </a:custGeom>
+          <a:noFill/>
+          <a:ln>
+            <a:headEnd type="none" w="med" len="med"/>
+            <a:tailEnd type="triangle" w="med" len="med"/>
+          </a:ln>
+        </p:spPr>
+        <p:style>
+          <a:lnRef idx="2">
+            <a:schemeClr val="accent1">
+              <a:shade val="50000"/>
+            </a:schemeClr>
+          </a:lnRef>
+          <a:fillRef idx="1">
+            <a:schemeClr val="accent1"/>
+          </a:fillRef>
+          <a:effectRef idx="0">
+            <a:schemeClr val="accent1"/>
+          </a:effectRef>
+          <a:fontRef idx="minor">
+            <a:schemeClr val="lt1"/>
+          </a:fontRef>
+        </p:style>
+        <p:txBody>
+          <a:bodyPr rtlCol="0" anchor="ctr"/>
+          <a:lstStyle/>
+          <a:p>
+            <a:pPr algn="ctr"/>
+            <a:endParaRPr lang="en-US"/>
+          </a:p>
+        </p:txBody>
+      </p:sp>
+      <p:sp>
+        <p:nvSpPr>
+          <p:cNvPr id="44" name="Freeform 43"/>
+          <p:cNvSpPr/>
+          <p:nvPr/>
+        </p:nvSpPr>
+        <p:spPr>
+          <a:xfrm>
+            <a:off x="5875506" y="2237362"/>
+            <a:ext cx="1284051" cy="1167319"/>
+          </a:xfrm>
+          <a:custGeom>
+            <a:avLst/>
+            <a:gdLst>
+              <a:gd name="connsiteX0" fmla="*/ 0 w 1284051"/>
+              <a:gd name="connsiteY0" fmla="*/ 0 h 1167319"/>
+              <a:gd name="connsiteX1" fmla="*/ 787941 w 1284051"/>
+              <a:gd name="connsiteY1" fmla="*/ 933855 h 1167319"/>
+              <a:gd name="connsiteX2" fmla="*/ 1284051 w 1284051"/>
+              <a:gd name="connsiteY2" fmla="*/ 1167319 h 1167319"/>
+            </a:gdLst>
+            <a:ahLst/>
+            <a:cxnLst>
+              <a:cxn ang="0">
+                <a:pos x="connsiteX0" y="connsiteY0"/>
+              </a:cxn>
+              <a:cxn ang="0">
+                <a:pos x="connsiteX1" y="connsiteY1"/>
+              </a:cxn>
+              <a:cxn ang="0">
+                <a:pos x="connsiteX2" y="connsiteY2"/>
+              </a:cxn>
+            </a:cxnLst>
+            <a:rect l="l" t="t" r="r" b="b"/>
+            <a:pathLst>
+              <a:path w="1284051" h="1167319">
+                <a:moveTo>
+                  <a:pt x="0" y="0"/>
+                </a:moveTo>
+                <a:cubicBezTo>
+                  <a:pt x="286966" y="369651"/>
+                  <a:pt x="573933" y="739302"/>
+                  <a:pt x="787941" y="933855"/>
+                </a:cubicBezTo>
+                <a:cubicBezTo>
+                  <a:pt x="1001950" y="1128408"/>
+                  <a:pt x="1143000" y="1147863"/>
+                  <a:pt x="1284051" y="1167319"/>
+                </a:cubicBezTo>
+              </a:path>
+            </a:pathLst>
+          </a:custGeom>
+          <a:noFill/>
+          <a:ln>
+            <a:headEnd type="none" w="med" len="med"/>
+            <a:tailEnd type="triangle" w="med" len="med"/>
+          </a:ln>
+        </p:spPr>
+        <p:style>
+          <a:lnRef idx="2">
+            <a:schemeClr val="accent1">
+              <a:shade val="50000"/>
+            </a:schemeClr>
+          </a:lnRef>
+          <a:fillRef idx="1">
+            <a:schemeClr val="accent1"/>
+          </a:fillRef>
+          <a:effectRef idx="0">
+            <a:schemeClr val="accent1"/>
+          </a:effectRef>
+          <a:fontRef idx="minor">
+            <a:schemeClr val="lt1"/>
+          </a:fontRef>
+        </p:style>
+        <p:txBody>
+          <a:bodyPr rtlCol="0" anchor="ctr"/>
+          <a:lstStyle/>
+          <a:p>
+            <a:pPr algn="ctr"/>
+            <a:endParaRPr lang="en-US"/>
+          </a:p>
+        </p:txBody>
+      </p:sp>
+      <p:sp>
+        <p:nvSpPr>
+          <p:cNvPr id="45" name="Freeform 44"/>
+          <p:cNvSpPr/>
+          <p:nvPr/>
+        </p:nvSpPr>
+        <p:spPr>
+          <a:xfrm>
+            <a:off x="5690681" y="1527243"/>
+            <a:ext cx="1488332" cy="1760706"/>
+          </a:xfrm>
+          <a:custGeom>
+            <a:avLst/>
+            <a:gdLst>
+              <a:gd name="connsiteX0" fmla="*/ 0 w 1488332"/>
+              <a:gd name="connsiteY0" fmla="*/ 0 h 1760706"/>
+              <a:gd name="connsiteX1" fmla="*/ 817123 w 1488332"/>
+              <a:gd name="connsiteY1" fmla="*/ 1235412 h 1760706"/>
+              <a:gd name="connsiteX2" fmla="*/ 1488332 w 1488332"/>
+              <a:gd name="connsiteY2" fmla="*/ 1760706 h 1760706"/>
+            </a:gdLst>
+            <a:ahLst/>
+            <a:cxnLst>
+              <a:cxn ang="0">
+                <a:pos x="connsiteX0" y="connsiteY0"/>
+              </a:cxn>
+              <a:cxn ang="0">
+                <a:pos x="connsiteX1" y="connsiteY1"/>
+              </a:cxn>
+              <a:cxn ang="0">
+                <a:pos x="connsiteX2" y="connsiteY2"/>
+              </a:cxn>
+            </a:cxnLst>
+            <a:rect l="l" t="t" r="r" b="b"/>
+            <a:pathLst>
+              <a:path w="1488332" h="1760706">
+                <a:moveTo>
+                  <a:pt x="0" y="0"/>
+                </a:moveTo>
+                <a:cubicBezTo>
+                  <a:pt x="284534" y="470980"/>
+                  <a:pt x="569068" y="941961"/>
+                  <a:pt x="817123" y="1235412"/>
+                </a:cubicBezTo>
+                <a:cubicBezTo>
+                  <a:pt x="1065178" y="1528863"/>
+                  <a:pt x="1276755" y="1644784"/>
+                  <a:pt x="1488332" y="1760706"/>
+                </a:cubicBezTo>
+              </a:path>
+            </a:pathLst>
+          </a:custGeom>
+          <a:noFill/>
+          <a:ln>
+            <a:headEnd type="none" w="med" len="med"/>
+            <a:tailEnd type="triangle" w="med" len="med"/>
+          </a:ln>
+        </p:spPr>
+        <p:style>
+          <a:lnRef idx="2">
+            <a:schemeClr val="accent1">
+              <a:shade val="50000"/>
+            </a:schemeClr>
+          </a:lnRef>
+          <a:fillRef idx="1">
+            <a:schemeClr val="accent1"/>
+          </a:fillRef>
+          <a:effectRef idx="0">
+            <a:schemeClr val="accent1"/>
+          </a:effectRef>
+          <a:fontRef idx="minor">
+            <a:schemeClr val="lt1"/>
+          </a:fontRef>
+        </p:style>
+        <p:txBody>
+          <a:bodyPr rtlCol="0" anchor="ctr"/>
+          <a:lstStyle/>
+          <a:p>
+            <a:pPr algn="ctr"/>
+            <a:endParaRPr lang="en-US"/>
+          </a:p>
+        </p:txBody>
+      </p:sp>
+      <p:sp>
+        <p:nvSpPr>
+          <p:cNvPr id="2" name="TextBox 1">
+            <a:extLst>
+              <a:ext uri="{FF2B5EF4-FFF2-40B4-BE49-F238E27FC236}">
+                <a16:creationId xmlns:a16="http://schemas.microsoft.com/office/drawing/2014/main" xmlns="" id="{711B1A80-5DFC-75E4-1162-3B7510885B48}"/>
+              </a:ext>
+            </a:extLst>
+          </p:cNvPr>
+          <p:cNvSpPr txBox="1"/>
+          <p:nvPr/>
+        </p:nvSpPr>
+        <p:spPr>
+          <a:xfrm>
+            <a:off x="302261" y="261908"/>
+            <a:ext cx="4382354" cy="523220"/>
+          </a:xfrm>
+          <a:prstGeom prst="rect">
+            <a:avLst/>
+          </a:prstGeom>
+          <a:noFill/>
+        </p:spPr>
+        <p:txBody>
+          <a:bodyPr wrap="none" rtlCol="0">
+            <a:spAutoFit/>
+          </a:bodyPr>
+          <a:lstStyle/>
+          <a:p>
+            <a:r>
+              <a:rPr lang="en-US" sz="2800" u="sng" dirty="0" smtClean="0">
+                <a:solidFill>
+                  <a:schemeClr val="accent1">
+                    <a:lumMod val="75000"/>
+                  </a:schemeClr>
+                </a:solidFill>
+              </a:rPr>
+              <a:t>Context Refinement Agent</a:t>
+            </a:r>
+            <a:endParaRPr lang="en-US" sz="2800" u="sng" dirty="0">
+              <a:solidFill>
+                <a:schemeClr val="accent1">
+                  <a:lumMod val="75000"/>
+                </a:schemeClr>
+              </a:solidFill>
+            </a:endParaRPr>
+          </a:p>
+        </p:txBody>
+      </p:sp>
+      <p:sp>
+        <p:nvSpPr>
+          <p:cNvPr id="3" name="Rectangle: Rounded Corners 33">
+            <a:extLst>
+              <a:ext uri="{FF2B5EF4-FFF2-40B4-BE49-F238E27FC236}">
+                <a16:creationId xmlns:a16="http://schemas.microsoft.com/office/drawing/2014/main" xmlns="" id="{E23B2844-8087-E524-B81D-0E44C8777311}"/>
+              </a:ext>
+            </a:extLst>
+          </p:cNvPr>
+          <p:cNvSpPr/>
+          <p:nvPr/>
+        </p:nvSpPr>
+        <p:spPr>
+          <a:xfrm>
+            <a:off x="3890877" y="4671661"/>
+            <a:ext cx="4035218" cy="1809345"/>
+          </a:xfrm>
+          <a:prstGeom prst="roundRect">
+            <a:avLst/>
+          </a:prstGeom>
+          <a:solidFill>
+            <a:srgbClr val="FFCCFF"/>
+          </a:solidFill>
+        </p:spPr>
+        <p:style>
+          <a:lnRef idx="2">
+            <a:schemeClr val="accent1">
+              <a:shade val="15000"/>
+            </a:schemeClr>
+          </a:lnRef>
+          <a:fillRef idx="1">
+            <a:schemeClr val="accent1"/>
+          </a:fillRef>
+          <a:effectRef idx="0">
+            <a:schemeClr val="accent1"/>
+          </a:effectRef>
+          <a:fontRef idx="minor">
+            <a:schemeClr val="lt1"/>
+          </a:fontRef>
+        </p:style>
+        <p:txBody>
+          <a:bodyPr rtlCol="0" anchor="ctr"/>
+          <a:lstStyle/>
+          <a:p>
+            <a:pPr algn="ctr"/>
+            <a:endParaRPr lang="en-US"/>
+          </a:p>
+        </p:txBody>
+      </p:sp>
+      <p:sp>
+        <p:nvSpPr>
+          <p:cNvPr id="4" name="TextBox 3">
+            <a:extLst>
+              <a:ext uri="{FF2B5EF4-FFF2-40B4-BE49-F238E27FC236}">
+                <a16:creationId xmlns:a16="http://schemas.microsoft.com/office/drawing/2014/main" xmlns="" id="{6E7A59B7-2849-1BEC-D951-A77F3A68F9E6}"/>
+              </a:ext>
+            </a:extLst>
+          </p:cNvPr>
+          <p:cNvSpPr txBox="1"/>
+          <p:nvPr/>
+        </p:nvSpPr>
+        <p:spPr>
+          <a:xfrm>
+            <a:off x="4655245" y="4818293"/>
+            <a:ext cx="2881744" cy="830997"/>
+          </a:xfrm>
+          <a:prstGeom prst="rect">
+            <a:avLst/>
+          </a:prstGeom>
+          <a:noFill/>
+        </p:spPr>
+        <p:txBody>
+          <a:bodyPr wrap="square" rtlCol="0">
+            <a:spAutoFit/>
+          </a:bodyPr>
+          <a:lstStyle/>
+          <a:p>
+            <a:pPr marL="174625" indent="-174625">
+              <a:buFont typeface="Arial" panose="020B0604020202020204" pitchFamily="34" charset="0"/>
+              <a:buChar char="•"/>
+            </a:pPr>
+            <a:r>
+              <a:rPr lang="en-US" sz="1600" dirty="0" smtClean="0">
+                <a:latin typeface="Arial" panose="020B0604020202020204" pitchFamily="34" charset="0"/>
+                <a:cs typeface="Arial" panose="020B0604020202020204" pitchFamily="34" charset="0"/>
+              </a:rPr>
+              <a:t>user question</a:t>
+            </a:r>
+          </a:p>
+          <a:p>
+            <a:pPr marL="174625" indent="-174625">
+              <a:buFont typeface="Arial" panose="020B0604020202020204" pitchFamily="34" charset="0"/>
+              <a:buChar char="•"/>
+            </a:pPr>
+            <a:r>
+              <a:rPr lang="en-US" sz="1600" dirty="0" smtClean="0">
+                <a:latin typeface="Arial" panose="020B0604020202020204" pitchFamily="34" charset="0"/>
+                <a:cs typeface="Arial" panose="020B0604020202020204" pitchFamily="34" charset="0"/>
+              </a:rPr>
+              <a:t>refined knowledge context</a:t>
+            </a:r>
+          </a:p>
+          <a:p>
+            <a:pPr marL="174625" indent="-174625">
+              <a:buFont typeface="Arial" panose="020B0604020202020204" pitchFamily="34" charset="0"/>
+              <a:buChar char="•"/>
+            </a:pPr>
+            <a:r>
+              <a:rPr lang="en-US" sz="1600" dirty="0" smtClean="0">
+                <a:latin typeface="Arial" panose="020B0604020202020204" pitchFamily="34" charset="0"/>
+                <a:cs typeface="Arial" panose="020B0604020202020204" pitchFamily="34" charset="0"/>
+              </a:rPr>
+              <a:t>focus repo</a:t>
+            </a:r>
+            <a:endParaRPr lang="en-US" sz="1600" dirty="0">
+              <a:latin typeface="Arial" panose="020B0604020202020204" pitchFamily="34" charset="0"/>
+              <a:cs typeface="Arial" panose="020B0604020202020204" pitchFamily="34" charset="0"/>
+            </a:endParaRPr>
+          </a:p>
+        </p:txBody>
+      </p:sp>
+      <p:sp>
+        <p:nvSpPr>
+          <p:cNvPr id="5" name="TextBox 4"/>
+          <p:cNvSpPr txBox="1"/>
+          <p:nvPr/>
+        </p:nvSpPr>
+        <p:spPr>
+          <a:xfrm>
+            <a:off x="5044931" y="5880482"/>
+            <a:ext cx="1928733" cy="369332"/>
+          </a:xfrm>
+          <a:prstGeom prst="rect">
+            <a:avLst/>
+          </a:prstGeom>
+          <a:noFill/>
+        </p:spPr>
+        <p:txBody>
+          <a:bodyPr wrap="none" rtlCol="0">
+            <a:spAutoFit/>
+          </a:bodyPr>
+          <a:lstStyle/>
+          <a:p>
+            <a:r>
+              <a:rPr lang="en-US" dirty="0" smtClean="0">
+                <a:solidFill>
+                  <a:srgbClr val="002060"/>
+                </a:solidFill>
+              </a:rPr>
+              <a:t>Scratchpad  (</a:t>
+            </a:r>
+            <a:r>
+              <a:rPr lang="en-US" dirty="0" err="1" smtClean="0">
+                <a:solidFill>
+                  <a:srgbClr val="002060"/>
+                </a:solidFill>
+              </a:rPr>
+              <a:t>ctx</a:t>
+            </a:r>
+            <a:r>
+              <a:rPr lang="en-US" dirty="0" smtClean="0">
+                <a:solidFill>
+                  <a:srgbClr val="002060"/>
+                </a:solidFill>
+              </a:rPr>
+              <a:t>)</a:t>
+            </a:r>
+            <a:endParaRPr lang="en-US" dirty="0">
+              <a:solidFill>
+                <a:srgbClr val="002060"/>
+              </a:solidFill>
+            </a:endParaRPr>
+          </a:p>
+        </p:txBody>
+      </p:sp>
+      <p:sp>
+        <p:nvSpPr>
+          <p:cNvPr id="7" name="TextBox 6"/>
+          <p:cNvSpPr txBox="1"/>
+          <p:nvPr/>
+        </p:nvSpPr>
+        <p:spPr>
+          <a:xfrm>
+            <a:off x="692538" y="5279958"/>
+            <a:ext cx="1877437" cy="369332"/>
+          </a:xfrm>
+          <a:prstGeom prst="rect">
+            <a:avLst/>
+          </a:prstGeom>
+          <a:noFill/>
+        </p:spPr>
+        <p:txBody>
+          <a:bodyPr wrap="none" rtlCol="0">
+            <a:spAutoFit/>
+          </a:bodyPr>
+          <a:lstStyle/>
+          <a:p>
+            <a:r>
+              <a:rPr lang="en-US" dirty="0" smtClean="0"/>
+              <a:t>retrieved chunks</a:t>
+            </a:r>
+            <a:endParaRPr lang="en-US" dirty="0"/>
+          </a:p>
+        </p:txBody>
+      </p:sp>
+      <p:sp>
+        <p:nvSpPr>
+          <p:cNvPr id="8" name="Rounded Rectangle 7"/>
+          <p:cNvSpPr/>
+          <p:nvPr/>
+        </p:nvSpPr>
+        <p:spPr>
+          <a:xfrm>
+            <a:off x="7249069" y="3370080"/>
+            <a:ext cx="1354052" cy="466928"/>
+          </a:xfrm>
+          <a:prstGeom prst="roundRect">
+            <a:avLst/>
+          </a:prstGeom>
+          <a:solidFill>
+            <a:schemeClr val="accent5">
+              <a:lumMod val="40000"/>
+              <a:lumOff val="60000"/>
+            </a:schemeClr>
+          </a:solidFill>
+        </p:spPr>
+        <p:style>
+          <a:lnRef idx="2">
+            <a:schemeClr val="accent1">
+              <a:shade val="50000"/>
+            </a:schemeClr>
+          </a:lnRef>
+          <a:fillRef idx="1">
+            <a:schemeClr val="accent1"/>
+          </a:fillRef>
+          <a:effectRef idx="0">
+            <a:schemeClr val="accent1"/>
+          </a:effectRef>
+          <a:fontRef idx="minor">
+            <a:schemeClr val="lt1"/>
+          </a:fontRef>
+        </p:style>
+        <p:txBody>
+          <a:bodyPr rtlCol="0" anchor="ctr"/>
+          <a:lstStyle/>
+          <a:p>
+            <a:pPr algn="ctr"/>
+            <a:r>
+              <a:rPr lang="en-US" dirty="0" smtClean="0">
+                <a:solidFill>
+                  <a:schemeClr val="tx1"/>
+                </a:solidFill>
+              </a:rPr>
+              <a:t>Evaluator</a:t>
+            </a:r>
+            <a:endParaRPr lang="en-US" dirty="0">
+              <a:solidFill>
+                <a:schemeClr val="tx1"/>
+              </a:solidFill>
+            </a:endParaRPr>
+          </a:p>
+        </p:txBody>
+      </p:sp>
+      <p:sp>
+        <p:nvSpPr>
+          <p:cNvPr id="9" name="Oval 8"/>
+          <p:cNvSpPr/>
+          <p:nvPr/>
+        </p:nvSpPr>
+        <p:spPr>
+          <a:xfrm>
+            <a:off x="9749859" y="3219137"/>
+            <a:ext cx="1504369" cy="548429"/>
+          </a:xfrm>
+          <a:prstGeom prst="ellipse">
+            <a:avLst/>
+          </a:prstGeom>
+          <a:solidFill>
+            <a:srgbClr val="57E768"/>
+          </a:solidFill>
+        </p:spPr>
+        <p:style>
+          <a:lnRef idx="2">
+            <a:schemeClr val="accent1">
+              <a:shade val="50000"/>
+            </a:schemeClr>
+          </a:lnRef>
+          <a:fillRef idx="1">
+            <a:schemeClr val="accent1"/>
+          </a:fillRef>
+          <a:effectRef idx="0">
+            <a:schemeClr val="accent1"/>
+          </a:effectRef>
+          <a:fontRef idx="minor">
+            <a:schemeClr val="lt1"/>
+          </a:fontRef>
+        </p:style>
+        <p:txBody>
+          <a:bodyPr rtlCol="0" anchor="ctr"/>
+          <a:lstStyle/>
+          <a:p>
+            <a:pPr algn="ctr"/>
+            <a:r>
+              <a:rPr lang="en-US" sz="1200" dirty="0" smtClean="0">
+                <a:solidFill>
+                  <a:schemeClr val="tx1"/>
+                </a:solidFill>
+              </a:rPr>
+              <a:t>Refinement Event</a:t>
+            </a:r>
+            <a:endParaRPr lang="en-US" sz="1200" dirty="0">
+              <a:solidFill>
+                <a:schemeClr val="tx1"/>
+              </a:solidFill>
+            </a:endParaRPr>
+          </a:p>
+        </p:txBody>
+      </p:sp>
+      <p:sp>
+        <p:nvSpPr>
+          <p:cNvPr id="10" name="Rounded Rectangle 9"/>
+          <p:cNvSpPr/>
+          <p:nvPr/>
+        </p:nvSpPr>
+        <p:spPr>
+          <a:xfrm>
+            <a:off x="9658685" y="1902798"/>
+            <a:ext cx="1527449" cy="654655"/>
+          </a:xfrm>
+          <a:prstGeom prst="roundRect">
+            <a:avLst/>
+          </a:prstGeom>
+          <a:solidFill>
+            <a:schemeClr val="accent5">
+              <a:lumMod val="40000"/>
+              <a:lumOff val="60000"/>
+            </a:schemeClr>
+          </a:solidFill>
+        </p:spPr>
+        <p:style>
+          <a:lnRef idx="2">
+            <a:schemeClr val="accent1">
+              <a:shade val="50000"/>
+            </a:schemeClr>
+          </a:lnRef>
+          <a:fillRef idx="1">
+            <a:schemeClr val="accent1"/>
+          </a:fillRef>
+          <a:effectRef idx="0">
+            <a:schemeClr val="accent1"/>
+          </a:effectRef>
+          <a:fontRef idx="minor">
+            <a:schemeClr val="lt1"/>
+          </a:fontRef>
+        </p:style>
+        <p:txBody>
+          <a:bodyPr rtlCol="0" anchor="ctr"/>
+          <a:lstStyle/>
+          <a:p>
+            <a:pPr algn="ctr"/>
+            <a:r>
+              <a:rPr lang="en-US" dirty="0" smtClean="0">
+                <a:solidFill>
+                  <a:schemeClr val="tx1"/>
+                </a:solidFill>
+              </a:rPr>
+              <a:t>Tool Selector</a:t>
+            </a:r>
+            <a:endParaRPr lang="en-US" dirty="0">
+              <a:solidFill>
+                <a:schemeClr val="tx1"/>
+              </a:solidFill>
+            </a:endParaRPr>
+          </a:p>
+        </p:txBody>
+      </p:sp>
+      <p:sp>
+        <p:nvSpPr>
+          <p:cNvPr id="12" name="Rounded Rectangle 11"/>
+          <p:cNvSpPr/>
+          <p:nvPr/>
+        </p:nvSpPr>
+        <p:spPr>
+          <a:xfrm>
+            <a:off x="4684615" y="1018586"/>
+            <a:ext cx="1908454" cy="466928"/>
+          </a:xfrm>
+          <a:prstGeom prst="roundRect">
+            <a:avLst/>
+          </a:prstGeom>
+          <a:solidFill>
+            <a:schemeClr val="accent5">
+              <a:lumMod val="40000"/>
+              <a:lumOff val="60000"/>
+            </a:schemeClr>
+          </a:solidFill>
+        </p:spPr>
+        <p:style>
+          <a:lnRef idx="2">
+            <a:schemeClr val="accent1">
+              <a:shade val="50000"/>
+            </a:schemeClr>
+          </a:lnRef>
+          <a:fillRef idx="1">
+            <a:schemeClr val="accent1"/>
+          </a:fillRef>
+          <a:effectRef idx="0">
+            <a:schemeClr val="accent1"/>
+          </a:effectRef>
+          <a:fontRef idx="minor">
+            <a:schemeClr val="lt1"/>
+          </a:fontRef>
+        </p:style>
+        <p:txBody>
+          <a:bodyPr rtlCol="0" anchor="ctr"/>
+          <a:lstStyle/>
+          <a:p>
+            <a:pPr algn="ctr"/>
+            <a:r>
+              <a:rPr lang="en-US" sz="1400" dirty="0" smtClean="0">
+                <a:solidFill>
+                  <a:schemeClr val="tx1"/>
+                </a:solidFill>
+              </a:rPr>
+              <a:t>Repo chooser</a:t>
+            </a:r>
+            <a:endParaRPr lang="en-US" sz="1400" dirty="0">
+              <a:solidFill>
+                <a:schemeClr val="tx1"/>
+              </a:solidFill>
+            </a:endParaRPr>
+          </a:p>
+        </p:txBody>
+      </p:sp>
+      <p:sp>
+        <p:nvSpPr>
+          <p:cNvPr id="13" name="Rectangle 12">
+            <a:extLst>
+              <a:ext uri="{FF2B5EF4-FFF2-40B4-BE49-F238E27FC236}">
+                <a16:creationId xmlns:a16="http://schemas.microsoft.com/office/drawing/2014/main" xmlns="" id="{7DE9B7FF-B378-85D9-9E71-9FA9E18F950A}"/>
+              </a:ext>
+            </a:extLst>
+          </p:cNvPr>
+          <p:cNvSpPr/>
+          <p:nvPr/>
+        </p:nvSpPr>
+        <p:spPr>
+          <a:xfrm>
+            <a:off x="766822" y="1935638"/>
+            <a:ext cx="847263" cy="302928"/>
+          </a:xfrm>
+          <a:prstGeom prst="rect">
+            <a:avLst/>
+          </a:prstGeom>
+          <a:solidFill>
+            <a:schemeClr val="accent6">
+              <a:lumMod val="40000"/>
+              <a:lumOff val="60000"/>
+            </a:schemeClr>
+          </a:solidFill>
+        </p:spPr>
+        <p:style>
+          <a:lnRef idx="2">
+            <a:schemeClr val="accent1">
+              <a:shade val="15000"/>
+            </a:schemeClr>
+          </a:lnRef>
+          <a:fillRef idx="1">
+            <a:schemeClr val="accent1"/>
+          </a:fillRef>
+          <a:effectRef idx="0">
+            <a:schemeClr val="accent1"/>
+          </a:effectRef>
+          <a:fontRef idx="minor">
+            <a:schemeClr val="lt1"/>
+          </a:fontRef>
+        </p:style>
+        <p:txBody>
+          <a:bodyPr rtlCol="0" anchor="ctr"/>
+          <a:lstStyle/>
+          <a:p>
+            <a:pPr algn="ctr"/>
+            <a:r>
+              <a:rPr lang="en-US" sz="1200" dirty="0">
+                <a:solidFill>
+                  <a:schemeClr val="tx1"/>
+                </a:solidFill>
+              </a:rPr>
+              <a:t>API Spec</a:t>
+            </a:r>
+          </a:p>
+        </p:txBody>
+      </p:sp>
+      <p:sp>
+        <p:nvSpPr>
+          <p:cNvPr id="14" name="Rectangle 13">
+            <a:extLst>
+              <a:ext uri="{FF2B5EF4-FFF2-40B4-BE49-F238E27FC236}">
+                <a16:creationId xmlns:a16="http://schemas.microsoft.com/office/drawing/2014/main" xmlns="" id="{09B0F973-2E9F-064A-D5F2-8D2F0F2E1C65}"/>
+              </a:ext>
+            </a:extLst>
+          </p:cNvPr>
+          <p:cNvSpPr/>
+          <p:nvPr/>
+        </p:nvSpPr>
+        <p:spPr>
+          <a:xfrm>
+            <a:off x="1726693" y="1902798"/>
+            <a:ext cx="870990" cy="478367"/>
+          </a:xfrm>
+          <a:prstGeom prst="rect">
+            <a:avLst/>
+          </a:prstGeom>
+          <a:solidFill>
+            <a:schemeClr val="accent6">
+              <a:lumMod val="40000"/>
+              <a:lumOff val="60000"/>
+            </a:schemeClr>
+          </a:solidFill>
+        </p:spPr>
+        <p:style>
+          <a:lnRef idx="2">
+            <a:schemeClr val="accent1">
+              <a:shade val="15000"/>
+            </a:schemeClr>
+          </a:lnRef>
+          <a:fillRef idx="1">
+            <a:schemeClr val="accent1"/>
+          </a:fillRef>
+          <a:effectRef idx="0">
+            <a:schemeClr val="accent1"/>
+          </a:effectRef>
+          <a:fontRef idx="minor">
+            <a:schemeClr val="lt1"/>
+          </a:fontRef>
+        </p:style>
+        <p:txBody>
+          <a:bodyPr rtlCol="0" anchor="ctr"/>
+          <a:lstStyle/>
+          <a:p>
+            <a:pPr algn="ctr"/>
+            <a:r>
+              <a:rPr lang="en-US" sz="1200" dirty="0">
+                <a:solidFill>
+                  <a:schemeClr val="tx1"/>
+                </a:solidFill>
+              </a:rPr>
+              <a:t>Release Notes</a:t>
+            </a:r>
+          </a:p>
+        </p:txBody>
+      </p:sp>
+      <p:sp>
+        <p:nvSpPr>
+          <p:cNvPr id="15" name="Rectangle 14">
+            <a:extLst>
+              <a:ext uri="{FF2B5EF4-FFF2-40B4-BE49-F238E27FC236}">
+                <a16:creationId xmlns:a16="http://schemas.microsoft.com/office/drawing/2014/main" xmlns="" id="{EEA94FFF-06D5-D7ED-73D3-9D7380A0EF45}"/>
+              </a:ext>
+            </a:extLst>
+          </p:cNvPr>
+          <p:cNvSpPr/>
+          <p:nvPr/>
+        </p:nvSpPr>
+        <p:spPr>
+          <a:xfrm>
+            <a:off x="651397" y="1196386"/>
+            <a:ext cx="870990" cy="478367"/>
+          </a:xfrm>
+          <a:prstGeom prst="rect">
+            <a:avLst/>
+          </a:prstGeom>
+          <a:solidFill>
+            <a:schemeClr val="accent6">
+              <a:lumMod val="40000"/>
+              <a:lumOff val="60000"/>
+            </a:schemeClr>
+          </a:solidFill>
+        </p:spPr>
+        <p:style>
+          <a:lnRef idx="2">
+            <a:schemeClr val="accent1">
+              <a:shade val="15000"/>
+            </a:schemeClr>
+          </a:lnRef>
+          <a:fillRef idx="1">
+            <a:schemeClr val="accent1"/>
+          </a:fillRef>
+          <a:effectRef idx="0">
+            <a:schemeClr val="accent1"/>
+          </a:effectRef>
+          <a:fontRef idx="minor">
+            <a:schemeClr val="lt1"/>
+          </a:fontRef>
+        </p:style>
+        <p:txBody>
+          <a:bodyPr rtlCol="0" anchor="ctr"/>
+          <a:lstStyle/>
+          <a:p>
+            <a:pPr algn="ctr"/>
+            <a:r>
+              <a:rPr lang="en-US" sz="1200" dirty="0">
+                <a:solidFill>
+                  <a:schemeClr val="tx1"/>
+                </a:solidFill>
+              </a:rPr>
+              <a:t>Examples</a:t>
+            </a:r>
+          </a:p>
+        </p:txBody>
+      </p:sp>
+      <p:sp>
+        <p:nvSpPr>
+          <p:cNvPr id="16" name="Rectangle 15">
+            <a:extLst>
+              <a:ext uri="{FF2B5EF4-FFF2-40B4-BE49-F238E27FC236}">
+                <a16:creationId xmlns:a16="http://schemas.microsoft.com/office/drawing/2014/main" xmlns="" id="{28DACC2A-06EC-35B2-C21F-D786FE50BEE0}"/>
+              </a:ext>
+            </a:extLst>
+          </p:cNvPr>
+          <p:cNvSpPr/>
+          <p:nvPr/>
+        </p:nvSpPr>
+        <p:spPr>
+          <a:xfrm>
+            <a:off x="1678951" y="1306144"/>
+            <a:ext cx="954962" cy="478367"/>
+          </a:xfrm>
+          <a:prstGeom prst="rect">
+            <a:avLst/>
+          </a:prstGeom>
+          <a:solidFill>
+            <a:schemeClr val="accent6">
+              <a:lumMod val="40000"/>
+              <a:lumOff val="60000"/>
+            </a:schemeClr>
+          </a:solidFill>
+        </p:spPr>
+        <p:style>
+          <a:lnRef idx="2">
+            <a:schemeClr val="accent1">
+              <a:shade val="15000"/>
+            </a:schemeClr>
+          </a:lnRef>
+          <a:fillRef idx="1">
+            <a:schemeClr val="accent1"/>
+          </a:fillRef>
+          <a:effectRef idx="0">
+            <a:schemeClr val="accent1"/>
+          </a:effectRef>
+          <a:fontRef idx="minor">
+            <a:schemeClr val="lt1"/>
+          </a:fontRef>
+        </p:style>
+        <p:txBody>
+          <a:bodyPr rtlCol="0" anchor="ctr"/>
+          <a:lstStyle/>
+          <a:p>
+            <a:pPr algn="ctr"/>
+            <a:r>
+              <a:rPr lang="en-US" sz="1200" dirty="0">
+                <a:solidFill>
+                  <a:schemeClr val="tx1"/>
+                </a:solidFill>
+              </a:rPr>
+              <a:t>Source code</a:t>
+            </a:r>
+          </a:p>
+        </p:txBody>
+      </p:sp>
+      <p:sp>
+        <p:nvSpPr>
+          <p:cNvPr id="17" name="Rectangle: Rounded Corners 1028">
+            <a:extLst>
+              <a:ext uri="{FF2B5EF4-FFF2-40B4-BE49-F238E27FC236}">
+                <a16:creationId xmlns:a16="http://schemas.microsoft.com/office/drawing/2014/main" xmlns="" id="{3714357A-DE1C-4750-96EF-B676E88C6C76}"/>
+              </a:ext>
+            </a:extLst>
+          </p:cNvPr>
+          <p:cNvSpPr/>
+          <p:nvPr/>
+        </p:nvSpPr>
+        <p:spPr>
+          <a:xfrm>
+            <a:off x="484612" y="1058741"/>
+            <a:ext cx="2287772" cy="1523266"/>
+          </a:xfrm>
+          <a:prstGeom prst="roundRect">
+            <a:avLst/>
+          </a:prstGeom>
+          <a:noFill/>
+        </p:spPr>
+        <p:style>
+          <a:lnRef idx="2">
+            <a:schemeClr val="accent1">
+              <a:shade val="15000"/>
+            </a:schemeClr>
+          </a:lnRef>
+          <a:fillRef idx="1">
+            <a:schemeClr val="accent1"/>
+          </a:fillRef>
+          <a:effectRef idx="0">
+            <a:schemeClr val="accent1"/>
+          </a:effectRef>
+          <a:fontRef idx="minor">
+            <a:schemeClr val="lt1"/>
+          </a:fontRef>
+        </p:style>
+        <p:txBody>
+          <a:bodyPr rtlCol="0" anchor="ctr"/>
+          <a:lstStyle/>
+          <a:p>
+            <a:pPr algn="ctr"/>
+            <a:endParaRPr lang="en-US"/>
+          </a:p>
+        </p:txBody>
+      </p:sp>
+      <p:sp>
+        <p:nvSpPr>
+          <p:cNvPr id="18" name="TextBox 17">
+            <a:extLst>
+              <a:ext uri="{FF2B5EF4-FFF2-40B4-BE49-F238E27FC236}">
+                <a16:creationId xmlns:a16="http://schemas.microsoft.com/office/drawing/2014/main" xmlns="" id="{C97EA28D-05BA-F0E7-6B03-42387EE7C271}"/>
+              </a:ext>
+            </a:extLst>
+          </p:cNvPr>
+          <p:cNvSpPr txBox="1"/>
+          <p:nvPr/>
+        </p:nvSpPr>
+        <p:spPr>
+          <a:xfrm>
+            <a:off x="974410" y="2196499"/>
+            <a:ext cx="736099" cy="369332"/>
+          </a:xfrm>
+          <a:prstGeom prst="rect">
+            <a:avLst/>
+          </a:prstGeom>
+          <a:noFill/>
+        </p:spPr>
+        <p:txBody>
+          <a:bodyPr wrap="none" rtlCol="0">
+            <a:spAutoFit/>
+          </a:bodyPr>
+          <a:lstStyle/>
+          <a:p>
+            <a:r>
+              <a:rPr lang="en-US" dirty="0"/>
+              <a:t>Repo</a:t>
+            </a:r>
+          </a:p>
+        </p:txBody>
+      </p:sp>
+      <p:grpSp>
+        <p:nvGrpSpPr>
+          <p:cNvPr id="19" name="Group 18">
+            <a:extLst>
+              <a:ext uri="{FF2B5EF4-FFF2-40B4-BE49-F238E27FC236}">
+                <a16:creationId xmlns:a16="http://schemas.microsoft.com/office/drawing/2014/main" xmlns="" id="{47AB85D2-6513-AECF-3B29-C882A3545E86}"/>
+              </a:ext>
+            </a:extLst>
+          </p:cNvPr>
+          <p:cNvGrpSpPr/>
+          <p:nvPr/>
+        </p:nvGrpSpPr>
+        <p:grpSpPr>
+          <a:xfrm>
+            <a:off x="618038" y="3418268"/>
+            <a:ext cx="633686" cy="493784"/>
+            <a:chOff x="4247706" y="4341784"/>
+            <a:chExt cx="1691729" cy="1256256"/>
+          </a:xfrm>
+        </p:grpSpPr>
+        <p:sp>
+          <p:nvSpPr>
+            <p:cNvPr id="20" name="Rectangle 19">
+              <a:extLst>
+                <a:ext uri="{FF2B5EF4-FFF2-40B4-BE49-F238E27FC236}">
+                  <a16:creationId xmlns:a16="http://schemas.microsoft.com/office/drawing/2014/main" xmlns="" id="{C6DF31CE-67A3-F110-DE0C-1867ED8B7CFF}"/>
+                </a:ext>
+              </a:extLst>
+            </p:cNvPr>
+            <p:cNvSpPr/>
+            <p:nvPr/>
+          </p:nvSpPr>
+          <p:spPr>
+            <a:xfrm>
+              <a:off x="5049881" y="4532808"/>
+              <a:ext cx="651998" cy="340146"/>
+            </a:xfrm>
+            <a:prstGeom prst="rect">
+              <a:avLst/>
+            </a:prstGeom>
+            <a:solidFill>
+              <a:schemeClr val="accent6">
+                <a:lumMod val="40000"/>
+                <a:lumOff val="60000"/>
+              </a:schemeClr>
+            </a:solidFill>
+          </p:spPr>
+          <p:style>
+            <a:lnRef idx="2">
+              <a:schemeClr val="accent1">
+                <a:shade val="15000"/>
+              </a:schemeClr>
+            </a:lnRef>
+            <a:fillRef idx="1">
+              <a:schemeClr val="accent1"/>
+            </a:fillRef>
+            <a:effectRef idx="0">
+              <a:schemeClr val="accent1"/>
+            </a:effectRef>
+            <a:fontRef idx="minor">
+              <a:schemeClr val="lt1"/>
+            </a:fontRef>
+          </p:style>
+          <p:txBody>
+            <a:bodyPr rtlCol="0" anchor="ctr"/>
+            <a:lstStyle/>
+            <a:p>
+              <a:pPr algn="ctr"/>
+              <a:endParaRPr lang="en-US" sz="1200" dirty="0">
+                <a:solidFill>
+                  <a:schemeClr val="tx1"/>
+                </a:solidFill>
+              </a:endParaRPr>
+            </a:p>
+          </p:txBody>
+        </p:sp>
+        <p:sp>
+          <p:nvSpPr>
+            <p:cNvPr id="21" name="Rectangle 20">
+              <a:extLst>
+                <a:ext uri="{FF2B5EF4-FFF2-40B4-BE49-F238E27FC236}">
+                  <a16:creationId xmlns:a16="http://schemas.microsoft.com/office/drawing/2014/main" xmlns="" id="{C5455C75-7C85-5134-D27B-106E784D7462}"/>
+                </a:ext>
+              </a:extLst>
+            </p:cNvPr>
+            <p:cNvSpPr/>
+            <p:nvPr/>
+          </p:nvSpPr>
+          <p:spPr>
+            <a:xfrm>
+              <a:off x="4482928" y="5136979"/>
+              <a:ext cx="651998" cy="340146"/>
+            </a:xfrm>
+            <a:prstGeom prst="rect">
+              <a:avLst/>
+            </a:prstGeom>
+            <a:solidFill>
+              <a:schemeClr val="accent6">
+                <a:lumMod val="40000"/>
+                <a:lumOff val="60000"/>
+              </a:schemeClr>
+            </a:solidFill>
+          </p:spPr>
+          <p:style>
+            <a:lnRef idx="2">
+              <a:schemeClr val="accent1">
+                <a:shade val="15000"/>
+              </a:schemeClr>
+            </a:lnRef>
+            <a:fillRef idx="1">
+              <a:schemeClr val="accent1"/>
+            </a:fillRef>
+            <a:effectRef idx="0">
+              <a:schemeClr val="accent1"/>
+            </a:effectRef>
+            <a:fontRef idx="minor">
+              <a:schemeClr val="lt1"/>
+            </a:fontRef>
+          </p:style>
+          <p:txBody>
+            <a:bodyPr rtlCol="0" anchor="ctr"/>
+            <a:lstStyle/>
+            <a:p>
+              <a:pPr algn="ctr"/>
+              <a:endParaRPr lang="en-US" sz="1200" dirty="0">
+                <a:solidFill>
+                  <a:schemeClr val="tx1"/>
+                </a:solidFill>
+              </a:endParaRPr>
+            </a:p>
+          </p:txBody>
+        </p:sp>
+        <p:sp>
+          <p:nvSpPr>
+            <p:cNvPr id="22" name="Rectangle 21">
+              <a:extLst>
+                <a:ext uri="{FF2B5EF4-FFF2-40B4-BE49-F238E27FC236}">
+                  <a16:creationId xmlns:a16="http://schemas.microsoft.com/office/drawing/2014/main" xmlns="" id="{1A83213E-3ECB-4664-3038-E9FCF5D367D2}"/>
+                </a:ext>
+              </a:extLst>
+            </p:cNvPr>
+            <p:cNvSpPr/>
+            <p:nvPr/>
+          </p:nvSpPr>
+          <p:spPr>
+            <a:xfrm>
+              <a:off x="4322795" y="4602739"/>
+              <a:ext cx="651998" cy="340146"/>
+            </a:xfrm>
+            <a:prstGeom prst="rect">
+              <a:avLst/>
+            </a:prstGeom>
+            <a:solidFill>
+              <a:schemeClr val="accent6">
+                <a:lumMod val="40000"/>
+                <a:lumOff val="60000"/>
+              </a:schemeClr>
+            </a:solidFill>
+          </p:spPr>
+          <p:style>
+            <a:lnRef idx="2">
+              <a:schemeClr val="accent1">
+                <a:shade val="15000"/>
+              </a:schemeClr>
+            </a:lnRef>
+            <a:fillRef idx="1">
+              <a:schemeClr val="accent1"/>
+            </a:fillRef>
+            <a:effectRef idx="0">
+              <a:schemeClr val="accent1"/>
+            </a:effectRef>
+            <a:fontRef idx="minor">
+              <a:schemeClr val="lt1"/>
+            </a:fontRef>
+          </p:style>
+          <p:txBody>
+            <a:bodyPr rtlCol="0" anchor="ctr"/>
+            <a:lstStyle/>
+            <a:p>
+              <a:pPr algn="ctr"/>
+              <a:endParaRPr lang="en-US" sz="1200" dirty="0">
+                <a:solidFill>
+                  <a:schemeClr val="tx1"/>
+                </a:solidFill>
+              </a:endParaRPr>
+            </a:p>
+          </p:txBody>
+        </p:sp>
+        <p:sp>
+          <p:nvSpPr>
+            <p:cNvPr id="23" name="Rectangle: Rounded Corners 1038">
+              <a:extLst>
+                <a:ext uri="{FF2B5EF4-FFF2-40B4-BE49-F238E27FC236}">
+                  <a16:creationId xmlns:a16="http://schemas.microsoft.com/office/drawing/2014/main" xmlns="" id="{DCC26DC1-D556-5ACE-8D2F-3290128C6A78}"/>
+                </a:ext>
+              </a:extLst>
+            </p:cNvPr>
+            <p:cNvSpPr/>
+            <p:nvPr/>
+          </p:nvSpPr>
+          <p:spPr>
+            <a:xfrm>
+              <a:off x="4247706" y="4341784"/>
+              <a:ext cx="1691729" cy="1256256"/>
+            </a:xfrm>
+            <a:prstGeom prst="roundRect">
+              <a:avLst/>
+            </a:prstGeom>
+            <a:noFill/>
+          </p:spPr>
+          <p:style>
+            <a:lnRef idx="2">
+              <a:schemeClr val="accent1">
+                <a:shade val="15000"/>
+              </a:schemeClr>
+            </a:lnRef>
+            <a:fillRef idx="1">
+              <a:schemeClr val="accent1"/>
+            </a:fillRef>
+            <a:effectRef idx="0">
+              <a:schemeClr val="accent1"/>
+            </a:effectRef>
+            <a:fontRef idx="minor">
+              <a:schemeClr val="lt1"/>
+            </a:fontRef>
+          </p:style>
+          <p:txBody>
+            <a:bodyPr rtlCol="0" anchor="ctr"/>
+            <a:lstStyle/>
+            <a:p>
+              <a:pPr algn="ctr"/>
+              <a:endParaRPr lang="en-US"/>
+            </a:p>
+          </p:txBody>
+        </p:sp>
+        <p:sp>
+          <p:nvSpPr>
+            <p:cNvPr id="24" name="Rectangle 23">
+              <a:extLst>
+                <a:ext uri="{FF2B5EF4-FFF2-40B4-BE49-F238E27FC236}">
+                  <a16:creationId xmlns:a16="http://schemas.microsoft.com/office/drawing/2014/main" xmlns="" id="{1C128A7A-CA7D-AE7D-4CD4-56776A216475}"/>
+                </a:ext>
+              </a:extLst>
+            </p:cNvPr>
+            <p:cNvSpPr/>
+            <p:nvPr/>
+          </p:nvSpPr>
+          <p:spPr>
+            <a:xfrm>
+              <a:off x="5222306" y="5038727"/>
+              <a:ext cx="626346" cy="340146"/>
+            </a:xfrm>
+            <a:prstGeom prst="rect">
+              <a:avLst/>
+            </a:prstGeom>
+            <a:solidFill>
+              <a:schemeClr val="accent6">
+                <a:lumMod val="40000"/>
+                <a:lumOff val="60000"/>
+              </a:schemeClr>
+            </a:solidFill>
+          </p:spPr>
+          <p:style>
+            <a:lnRef idx="2">
+              <a:schemeClr val="accent1">
+                <a:shade val="15000"/>
+              </a:schemeClr>
+            </a:lnRef>
+            <a:fillRef idx="1">
+              <a:schemeClr val="accent1"/>
+            </a:fillRef>
+            <a:effectRef idx="0">
+              <a:schemeClr val="accent1"/>
+            </a:effectRef>
+            <a:fontRef idx="minor">
+              <a:schemeClr val="lt1"/>
+            </a:fontRef>
+          </p:style>
+          <p:txBody>
+            <a:bodyPr rtlCol="0" anchor="ctr"/>
+            <a:lstStyle/>
+            <a:p>
+              <a:pPr algn="ctr"/>
+              <a:endParaRPr lang="en-US" sz="1200" dirty="0">
+                <a:solidFill>
+                  <a:schemeClr val="tx1"/>
+                </a:solidFill>
+              </a:endParaRPr>
+            </a:p>
+          </p:txBody>
+        </p:sp>
+      </p:grpSp>
+      <p:grpSp>
+        <p:nvGrpSpPr>
+          <p:cNvPr id="25" name="Group 24">
+            <a:extLst>
+              <a:ext uri="{FF2B5EF4-FFF2-40B4-BE49-F238E27FC236}">
+                <a16:creationId xmlns:a16="http://schemas.microsoft.com/office/drawing/2014/main" xmlns="" id="{47AB85D2-6513-AECF-3B29-C882A3545E86}"/>
+              </a:ext>
+            </a:extLst>
+          </p:cNvPr>
+          <p:cNvGrpSpPr/>
+          <p:nvPr/>
+        </p:nvGrpSpPr>
+        <p:grpSpPr>
+          <a:xfrm>
+            <a:off x="618038" y="2767272"/>
+            <a:ext cx="633686" cy="493784"/>
+            <a:chOff x="4247706" y="4341784"/>
+            <a:chExt cx="1691729" cy="1256256"/>
+          </a:xfrm>
+        </p:grpSpPr>
+        <p:sp>
+          <p:nvSpPr>
+            <p:cNvPr id="26" name="Rectangle 25">
+              <a:extLst>
+                <a:ext uri="{FF2B5EF4-FFF2-40B4-BE49-F238E27FC236}">
+                  <a16:creationId xmlns:a16="http://schemas.microsoft.com/office/drawing/2014/main" xmlns="" id="{C6DF31CE-67A3-F110-DE0C-1867ED8B7CFF}"/>
+                </a:ext>
+              </a:extLst>
+            </p:cNvPr>
+            <p:cNvSpPr/>
+            <p:nvPr/>
+          </p:nvSpPr>
+          <p:spPr>
+            <a:xfrm>
+              <a:off x="5049881" y="4532808"/>
+              <a:ext cx="651998" cy="340146"/>
+            </a:xfrm>
+            <a:prstGeom prst="rect">
+              <a:avLst/>
+            </a:prstGeom>
+            <a:solidFill>
+              <a:schemeClr val="accent6">
+                <a:lumMod val="40000"/>
+                <a:lumOff val="60000"/>
+              </a:schemeClr>
+            </a:solidFill>
+          </p:spPr>
+          <p:style>
+            <a:lnRef idx="2">
+              <a:schemeClr val="accent1">
+                <a:shade val="15000"/>
+              </a:schemeClr>
+            </a:lnRef>
+            <a:fillRef idx="1">
+              <a:schemeClr val="accent1"/>
+            </a:fillRef>
+            <a:effectRef idx="0">
+              <a:schemeClr val="accent1"/>
+            </a:effectRef>
+            <a:fontRef idx="minor">
+              <a:schemeClr val="lt1"/>
+            </a:fontRef>
+          </p:style>
+          <p:txBody>
+            <a:bodyPr rtlCol="0" anchor="ctr"/>
+            <a:lstStyle/>
+            <a:p>
+              <a:pPr algn="ctr"/>
+              <a:endParaRPr lang="en-US" sz="1200" dirty="0">
+                <a:solidFill>
+                  <a:schemeClr val="tx1"/>
+                </a:solidFill>
+              </a:endParaRPr>
+            </a:p>
+          </p:txBody>
+        </p:sp>
+        <p:sp>
+          <p:nvSpPr>
+            <p:cNvPr id="27" name="Rectangle 26">
+              <a:extLst>
+                <a:ext uri="{FF2B5EF4-FFF2-40B4-BE49-F238E27FC236}">
+                  <a16:creationId xmlns:a16="http://schemas.microsoft.com/office/drawing/2014/main" xmlns="" id="{C5455C75-7C85-5134-D27B-106E784D7462}"/>
+                </a:ext>
+              </a:extLst>
+            </p:cNvPr>
+            <p:cNvSpPr/>
+            <p:nvPr/>
+          </p:nvSpPr>
+          <p:spPr>
+            <a:xfrm>
+              <a:off x="4482928" y="5136979"/>
+              <a:ext cx="651998" cy="340146"/>
+            </a:xfrm>
+            <a:prstGeom prst="rect">
+              <a:avLst/>
+            </a:prstGeom>
+            <a:solidFill>
+              <a:schemeClr val="accent6">
+                <a:lumMod val="40000"/>
+                <a:lumOff val="60000"/>
+              </a:schemeClr>
+            </a:solidFill>
+          </p:spPr>
+          <p:style>
+            <a:lnRef idx="2">
+              <a:schemeClr val="accent1">
+                <a:shade val="15000"/>
+              </a:schemeClr>
+            </a:lnRef>
+            <a:fillRef idx="1">
+              <a:schemeClr val="accent1"/>
+            </a:fillRef>
+            <a:effectRef idx="0">
+              <a:schemeClr val="accent1"/>
+            </a:effectRef>
+            <a:fontRef idx="minor">
+              <a:schemeClr val="lt1"/>
+            </a:fontRef>
+          </p:style>
+          <p:txBody>
+            <a:bodyPr rtlCol="0" anchor="ctr"/>
+            <a:lstStyle/>
+            <a:p>
+              <a:pPr algn="ctr"/>
+              <a:endParaRPr lang="en-US" sz="1200" dirty="0">
+                <a:solidFill>
+                  <a:schemeClr val="tx1"/>
+                </a:solidFill>
+              </a:endParaRPr>
+            </a:p>
+          </p:txBody>
+        </p:sp>
+        <p:sp>
+          <p:nvSpPr>
+            <p:cNvPr id="28" name="Rectangle 27">
+              <a:extLst>
+                <a:ext uri="{FF2B5EF4-FFF2-40B4-BE49-F238E27FC236}">
+                  <a16:creationId xmlns:a16="http://schemas.microsoft.com/office/drawing/2014/main" xmlns="" id="{1A83213E-3ECB-4664-3038-E9FCF5D367D2}"/>
+                </a:ext>
+              </a:extLst>
+            </p:cNvPr>
+            <p:cNvSpPr/>
+            <p:nvPr/>
+          </p:nvSpPr>
+          <p:spPr>
+            <a:xfrm>
+              <a:off x="4322795" y="4602739"/>
+              <a:ext cx="651998" cy="340146"/>
+            </a:xfrm>
+            <a:prstGeom prst="rect">
+              <a:avLst/>
+            </a:prstGeom>
+            <a:solidFill>
+              <a:schemeClr val="accent6">
+                <a:lumMod val="40000"/>
+                <a:lumOff val="60000"/>
+              </a:schemeClr>
+            </a:solidFill>
+          </p:spPr>
+          <p:style>
+            <a:lnRef idx="2">
+              <a:schemeClr val="accent1">
+                <a:shade val="15000"/>
+              </a:schemeClr>
+            </a:lnRef>
+            <a:fillRef idx="1">
+              <a:schemeClr val="accent1"/>
+            </a:fillRef>
+            <a:effectRef idx="0">
+              <a:schemeClr val="accent1"/>
+            </a:effectRef>
+            <a:fontRef idx="minor">
+              <a:schemeClr val="lt1"/>
+            </a:fontRef>
+          </p:style>
+          <p:txBody>
+            <a:bodyPr rtlCol="0" anchor="ctr"/>
+            <a:lstStyle/>
+            <a:p>
+              <a:pPr algn="ctr"/>
+              <a:endParaRPr lang="en-US" sz="1200" dirty="0">
+                <a:solidFill>
+                  <a:schemeClr val="tx1"/>
+                </a:solidFill>
+              </a:endParaRPr>
+            </a:p>
+          </p:txBody>
+        </p:sp>
+        <p:sp>
+          <p:nvSpPr>
+            <p:cNvPr id="29" name="Rectangle: Rounded Corners 1038">
+              <a:extLst>
+                <a:ext uri="{FF2B5EF4-FFF2-40B4-BE49-F238E27FC236}">
+                  <a16:creationId xmlns:a16="http://schemas.microsoft.com/office/drawing/2014/main" xmlns="" id="{DCC26DC1-D556-5ACE-8D2F-3290128C6A78}"/>
+                </a:ext>
+              </a:extLst>
+            </p:cNvPr>
+            <p:cNvSpPr/>
+            <p:nvPr/>
+          </p:nvSpPr>
+          <p:spPr>
+            <a:xfrm>
+              <a:off x="4247706" y="4341784"/>
+              <a:ext cx="1691729" cy="1256256"/>
+            </a:xfrm>
+            <a:prstGeom prst="roundRect">
+              <a:avLst/>
+            </a:prstGeom>
+            <a:noFill/>
+          </p:spPr>
+          <p:style>
+            <a:lnRef idx="2">
+              <a:schemeClr val="accent1">
+                <a:shade val="15000"/>
+              </a:schemeClr>
+            </a:lnRef>
+            <a:fillRef idx="1">
+              <a:schemeClr val="accent1"/>
+            </a:fillRef>
+            <a:effectRef idx="0">
+              <a:schemeClr val="accent1"/>
+            </a:effectRef>
+            <a:fontRef idx="minor">
+              <a:schemeClr val="lt1"/>
+            </a:fontRef>
+          </p:style>
+          <p:txBody>
+            <a:bodyPr rtlCol="0" anchor="ctr"/>
+            <a:lstStyle/>
+            <a:p>
+              <a:pPr algn="ctr"/>
+              <a:endParaRPr lang="en-US"/>
+            </a:p>
+          </p:txBody>
+        </p:sp>
+        <p:sp>
+          <p:nvSpPr>
+            <p:cNvPr id="30" name="Rectangle 29">
+              <a:extLst>
+                <a:ext uri="{FF2B5EF4-FFF2-40B4-BE49-F238E27FC236}">
+                  <a16:creationId xmlns:a16="http://schemas.microsoft.com/office/drawing/2014/main" xmlns="" id="{1C128A7A-CA7D-AE7D-4CD4-56776A216475}"/>
+                </a:ext>
+              </a:extLst>
+            </p:cNvPr>
+            <p:cNvSpPr/>
+            <p:nvPr/>
+          </p:nvSpPr>
+          <p:spPr>
+            <a:xfrm>
+              <a:off x="5222306" y="5038727"/>
+              <a:ext cx="626346" cy="340146"/>
+            </a:xfrm>
+            <a:prstGeom prst="rect">
+              <a:avLst/>
+            </a:prstGeom>
+            <a:solidFill>
+              <a:schemeClr val="accent6">
+                <a:lumMod val="40000"/>
+                <a:lumOff val="60000"/>
+              </a:schemeClr>
+            </a:solidFill>
+          </p:spPr>
+          <p:style>
+            <a:lnRef idx="2">
+              <a:schemeClr val="accent1">
+                <a:shade val="15000"/>
+              </a:schemeClr>
+            </a:lnRef>
+            <a:fillRef idx="1">
+              <a:schemeClr val="accent1"/>
+            </a:fillRef>
+            <a:effectRef idx="0">
+              <a:schemeClr val="accent1"/>
+            </a:effectRef>
+            <a:fontRef idx="minor">
+              <a:schemeClr val="lt1"/>
+            </a:fontRef>
+          </p:style>
+          <p:txBody>
+            <a:bodyPr rtlCol="0" anchor="ctr"/>
+            <a:lstStyle/>
+            <a:p>
+              <a:pPr algn="ctr"/>
+              <a:endParaRPr lang="en-US" sz="1200" dirty="0">
+                <a:solidFill>
+                  <a:schemeClr val="tx1"/>
+                </a:solidFill>
+              </a:endParaRPr>
+            </a:p>
+          </p:txBody>
+        </p:sp>
+      </p:grpSp>
+      <p:sp>
+        <p:nvSpPr>
+          <p:cNvPr id="31" name="Rounded Rectangle 30"/>
+          <p:cNvSpPr/>
+          <p:nvPr/>
+        </p:nvSpPr>
+        <p:spPr>
+          <a:xfrm>
+            <a:off x="4684615" y="1708493"/>
+            <a:ext cx="1908454" cy="466928"/>
+          </a:xfrm>
+          <a:prstGeom prst="roundRect">
+            <a:avLst/>
+          </a:prstGeom>
+          <a:solidFill>
+            <a:schemeClr val="accent5">
+              <a:lumMod val="40000"/>
+              <a:lumOff val="60000"/>
+            </a:schemeClr>
+          </a:solidFill>
+        </p:spPr>
+        <p:style>
+          <a:lnRef idx="2">
+            <a:schemeClr val="accent1">
+              <a:shade val="50000"/>
+            </a:schemeClr>
+          </a:lnRef>
+          <a:fillRef idx="1">
+            <a:schemeClr val="accent1"/>
+          </a:fillRef>
+          <a:effectRef idx="0">
+            <a:schemeClr val="accent1"/>
+          </a:effectRef>
+          <a:fontRef idx="minor">
+            <a:schemeClr val="lt1"/>
+          </a:fontRef>
+        </p:style>
+        <p:txBody>
+          <a:bodyPr rtlCol="0" anchor="ctr"/>
+          <a:lstStyle/>
+          <a:p>
+            <a:pPr algn="ctr"/>
+            <a:r>
+              <a:rPr lang="en-US" sz="1400" dirty="0" smtClean="0">
+                <a:solidFill>
+                  <a:schemeClr val="tx1"/>
+                </a:solidFill>
+              </a:rPr>
+              <a:t>File fetcher</a:t>
+            </a:r>
+            <a:endParaRPr lang="en-US" sz="1400" dirty="0">
+              <a:solidFill>
+                <a:schemeClr val="tx1"/>
+              </a:solidFill>
+            </a:endParaRPr>
+          </a:p>
+        </p:txBody>
+      </p:sp>
+      <p:sp>
+        <p:nvSpPr>
+          <p:cNvPr id="32" name="Rounded Rectangle 31"/>
+          <p:cNvSpPr/>
+          <p:nvPr/>
+        </p:nvSpPr>
+        <p:spPr>
+          <a:xfrm>
+            <a:off x="4684615" y="2398400"/>
+            <a:ext cx="1908454" cy="466928"/>
+          </a:xfrm>
+          <a:prstGeom prst="roundRect">
+            <a:avLst/>
+          </a:prstGeom>
+          <a:solidFill>
+            <a:schemeClr val="accent5">
+              <a:lumMod val="40000"/>
+              <a:lumOff val="60000"/>
+            </a:schemeClr>
+          </a:solidFill>
+        </p:spPr>
+        <p:style>
+          <a:lnRef idx="2">
+            <a:schemeClr val="accent1">
+              <a:shade val="50000"/>
+            </a:schemeClr>
+          </a:lnRef>
+          <a:fillRef idx="1">
+            <a:schemeClr val="accent1"/>
+          </a:fillRef>
+          <a:effectRef idx="0">
+            <a:schemeClr val="accent1"/>
+          </a:effectRef>
+          <a:fontRef idx="minor">
+            <a:schemeClr val="lt1"/>
+          </a:fontRef>
+        </p:style>
+        <p:txBody>
+          <a:bodyPr rtlCol="0" anchor="ctr"/>
+          <a:lstStyle/>
+          <a:p>
+            <a:pPr algn="ctr"/>
+            <a:r>
+              <a:rPr lang="en-US" sz="1400" dirty="0" smtClean="0">
+                <a:solidFill>
+                  <a:schemeClr val="tx1"/>
+                </a:solidFill>
+              </a:rPr>
+              <a:t>Summarizer</a:t>
+            </a:r>
+            <a:endParaRPr lang="en-US" sz="1400" dirty="0">
+              <a:solidFill>
+                <a:schemeClr val="tx1"/>
+              </a:solidFill>
+            </a:endParaRPr>
+          </a:p>
+        </p:txBody>
+      </p:sp>
+      <p:sp>
+        <p:nvSpPr>
+          <p:cNvPr id="33" name="Rounded Rectangle 32"/>
+          <p:cNvSpPr/>
+          <p:nvPr/>
+        </p:nvSpPr>
+        <p:spPr>
+          <a:xfrm>
+            <a:off x="4684615" y="3088307"/>
+            <a:ext cx="1908454" cy="466928"/>
+          </a:xfrm>
+          <a:prstGeom prst="roundRect">
+            <a:avLst/>
+          </a:prstGeom>
+          <a:solidFill>
+            <a:schemeClr val="accent5">
+              <a:lumMod val="40000"/>
+              <a:lumOff val="60000"/>
+            </a:schemeClr>
+          </a:solidFill>
+        </p:spPr>
+        <p:style>
+          <a:lnRef idx="2">
+            <a:schemeClr val="accent1">
+              <a:shade val="50000"/>
+            </a:schemeClr>
+          </a:lnRef>
+          <a:fillRef idx="1">
+            <a:schemeClr val="accent1"/>
+          </a:fillRef>
+          <a:effectRef idx="0">
+            <a:schemeClr val="accent1"/>
+          </a:effectRef>
+          <a:fontRef idx="minor">
+            <a:schemeClr val="lt1"/>
+          </a:fontRef>
+        </p:style>
+        <p:txBody>
+          <a:bodyPr rtlCol="0" anchor="ctr"/>
+          <a:lstStyle/>
+          <a:p>
+            <a:pPr algn="ctr"/>
+            <a:r>
+              <a:rPr lang="en-US" sz="1400" dirty="0" smtClean="0">
+                <a:solidFill>
+                  <a:schemeClr val="tx1"/>
+                </a:solidFill>
+              </a:rPr>
+              <a:t>Distractor chunk filer</a:t>
+            </a:r>
+            <a:endParaRPr lang="en-US" sz="1400" dirty="0">
+              <a:solidFill>
+                <a:schemeClr val="tx1"/>
+              </a:solidFill>
+            </a:endParaRPr>
+          </a:p>
+        </p:txBody>
+      </p:sp>
+      <p:sp>
+        <p:nvSpPr>
+          <p:cNvPr id="34" name="Oval 33"/>
+          <p:cNvSpPr/>
+          <p:nvPr/>
+        </p:nvSpPr>
+        <p:spPr>
+          <a:xfrm>
+            <a:off x="7518983" y="935048"/>
+            <a:ext cx="1265094" cy="344639"/>
+          </a:xfrm>
+          <a:prstGeom prst="ellipse">
+            <a:avLst/>
+          </a:prstGeom>
+          <a:solidFill>
+            <a:srgbClr val="57E768"/>
+          </a:solidFill>
+        </p:spPr>
+        <p:style>
+          <a:lnRef idx="2">
+            <a:schemeClr val="accent1">
+              <a:shade val="50000"/>
+            </a:schemeClr>
+          </a:lnRef>
+          <a:fillRef idx="1">
+            <a:schemeClr val="accent1"/>
+          </a:fillRef>
+          <a:effectRef idx="0">
+            <a:schemeClr val="accent1"/>
+          </a:effectRef>
+          <a:fontRef idx="minor">
+            <a:schemeClr val="lt1"/>
+          </a:fontRef>
+        </p:style>
+        <p:txBody>
+          <a:bodyPr rtlCol="0" anchor="ctr"/>
+          <a:lstStyle/>
+          <a:p>
+            <a:pPr algn="ctr"/>
+            <a:r>
+              <a:rPr lang="en-US" sz="1200" dirty="0" smtClean="0">
+                <a:solidFill>
+                  <a:schemeClr val="tx1"/>
+                </a:solidFill>
+              </a:rPr>
+              <a:t>RC Event</a:t>
+            </a:r>
+            <a:endParaRPr lang="en-US" sz="1200" dirty="0">
+              <a:solidFill>
+                <a:schemeClr val="tx1"/>
+              </a:solidFill>
+            </a:endParaRPr>
+          </a:p>
+        </p:txBody>
+      </p:sp>
+      <p:sp>
+        <p:nvSpPr>
+          <p:cNvPr id="35" name="Oval 34"/>
+          <p:cNvSpPr/>
+          <p:nvPr/>
+        </p:nvSpPr>
+        <p:spPr>
+          <a:xfrm>
+            <a:off x="7535997" y="1551326"/>
+            <a:ext cx="1265095" cy="344639"/>
+          </a:xfrm>
+          <a:prstGeom prst="ellipse">
+            <a:avLst/>
+          </a:prstGeom>
+          <a:solidFill>
+            <a:srgbClr val="57E768"/>
+          </a:solidFill>
+        </p:spPr>
+        <p:style>
+          <a:lnRef idx="2">
+            <a:schemeClr val="accent1">
+              <a:shade val="50000"/>
+            </a:schemeClr>
+          </a:lnRef>
+          <a:fillRef idx="1">
+            <a:schemeClr val="accent1"/>
+          </a:fillRef>
+          <a:effectRef idx="0">
+            <a:schemeClr val="accent1"/>
+          </a:effectRef>
+          <a:fontRef idx="minor">
+            <a:schemeClr val="lt1"/>
+          </a:fontRef>
+        </p:style>
+        <p:txBody>
+          <a:bodyPr rtlCol="0" anchor="ctr"/>
+          <a:lstStyle/>
+          <a:p>
+            <a:pPr algn="ctr"/>
+            <a:r>
+              <a:rPr lang="en-US" sz="1200" dirty="0" smtClean="0">
+                <a:solidFill>
+                  <a:schemeClr val="tx1"/>
+                </a:solidFill>
+              </a:rPr>
+              <a:t>FF Event</a:t>
+            </a:r>
+            <a:endParaRPr lang="en-US" sz="1200" dirty="0">
+              <a:solidFill>
+                <a:schemeClr val="tx1"/>
+              </a:solidFill>
+            </a:endParaRPr>
+          </a:p>
+        </p:txBody>
+      </p:sp>
+      <p:sp>
+        <p:nvSpPr>
+          <p:cNvPr id="36" name="Oval 35"/>
+          <p:cNvSpPr/>
+          <p:nvPr/>
+        </p:nvSpPr>
+        <p:spPr>
+          <a:xfrm>
+            <a:off x="7480073" y="2190788"/>
+            <a:ext cx="1342915" cy="344639"/>
+          </a:xfrm>
+          <a:prstGeom prst="ellipse">
+            <a:avLst/>
+          </a:prstGeom>
+          <a:solidFill>
+            <a:srgbClr val="57E768"/>
+          </a:solidFill>
+        </p:spPr>
+        <p:style>
+          <a:lnRef idx="2">
+            <a:schemeClr val="accent1">
+              <a:shade val="50000"/>
+            </a:schemeClr>
+          </a:lnRef>
+          <a:fillRef idx="1">
+            <a:schemeClr val="accent1"/>
+          </a:fillRef>
+          <a:effectRef idx="0">
+            <a:schemeClr val="accent1"/>
+          </a:effectRef>
+          <a:fontRef idx="minor">
+            <a:schemeClr val="lt1"/>
+          </a:fontRef>
+        </p:style>
+        <p:txBody>
+          <a:bodyPr rtlCol="0" anchor="ctr"/>
+          <a:lstStyle/>
+          <a:p>
+            <a:pPr algn="ctr"/>
+            <a:r>
+              <a:rPr lang="en-US" sz="1200" dirty="0" smtClean="0">
+                <a:solidFill>
+                  <a:schemeClr val="tx1"/>
+                </a:solidFill>
+              </a:rPr>
+              <a:t>Sum Event</a:t>
+            </a:r>
+            <a:endParaRPr lang="en-US" sz="1200" dirty="0">
+              <a:solidFill>
+                <a:schemeClr val="tx1"/>
+              </a:solidFill>
+            </a:endParaRPr>
+          </a:p>
+        </p:txBody>
+      </p:sp>
+      <p:sp>
+        <p:nvSpPr>
+          <p:cNvPr id="37" name="Oval 36"/>
+          <p:cNvSpPr/>
+          <p:nvPr/>
+        </p:nvSpPr>
+        <p:spPr>
+          <a:xfrm>
+            <a:off x="7518983" y="2780434"/>
+            <a:ext cx="1342915" cy="344639"/>
+          </a:xfrm>
+          <a:prstGeom prst="ellipse">
+            <a:avLst/>
+          </a:prstGeom>
+          <a:solidFill>
+            <a:srgbClr val="57E768"/>
+          </a:solidFill>
+        </p:spPr>
+        <p:style>
+          <a:lnRef idx="2">
+            <a:schemeClr val="accent1">
+              <a:shade val="50000"/>
+            </a:schemeClr>
+          </a:lnRef>
+          <a:fillRef idx="1">
+            <a:schemeClr val="accent1"/>
+          </a:fillRef>
+          <a:effectRef idx="0">
+            <a:schemeClr val="accent1"/>
+          </a:effectRef>
+          <a:fontRef idx="minor">
+            <a:schemeClr val="lt1"/>
+          </a:fontRef>
+        </p:style>
+        <p:txBody>
+          <a:bodyPr rtlCol="0" anchor="ctr"/>
+          <a:lstStyle/>
+          <a:p>
+            <a:pPr algn="ctr"/>
+            <a:r>
+              <a:rPr lang="en-US" sz="1200" dirty="0" smtClean="0">
+                <a:solidFill>
+                  <a:schemeClr val="tx1"/>
+                </a:solidFill>
+              </a:rPr>
+              <a:t>DCF Event</a:t>
+            </a:r>
+            <a:endParaRPr lang="en-US" sz="1200" dirty="0">
+              <a:solidFill>
+                <a:schemeClr val="tx1"/>
+              </a:solidFill>
+            </a:endParaRPr>
+          </a:p>
+        </p:txBody>
+      </p:sp>
+      <p:sp>
+        <p:nvSpPr>
+          <p:cNvPr id="38" name="Oval 37"/>
+          <p:cNvSpPr/>
+          <p:nvPr/>
+        </p:nvSpPr>
+        <p:spPr>
+          <a:xfrm>
+            <a:off x="8918040" y="4155035"/>
+            <a:ext cx="1504369" cy="548429"/>
+          </a:xfrm>
+          <a:prstGeom prst="ellipse">
+            <a:avLst/>
+          </a:prstGeom>
+          <a:solidFill>
+            <a:srgbClr val="57E768"/>
+          </a:solidFill>
+        </p:spPr>
+        <p:style>
+          <a:lnRef idx="2">
+            <a:schemeClr val="accent1">
+              <a:shade val="50000"/>
+            </a:schemeClr>
+          </a:lnRef>
+          <a:fillRef idx="1">
+            <a:schemeClr val="accent1"/>
+          </a:fillRef>
+          <a:effectRef idx="0">
+            <a:schemeClr val="accent1"/>
+          </a:effectRef>
+          <a:fontRef idx="minor">
+            <a:schemeClr val="lt1"/>
+          </a:fontRef>
+        </p:style>
+        <p:txBody>
+          <a:bodyPr rtlCol="0" anchor="ctr"/>
+          <a:lstStyle/>
+          <a:p>
+            <a:pPr algn="ctr"/>
+            <a:r>
+              <a:rPr lang="en-US" sz="1200" dirty="0" smtClean="0">
+                <a:solidFill>
+                  <a:schemeClr val="tx1"/>
+                </a:solidFill>
+              </a:rPr>
+              <a:t>Context Good Event</a:t>
+            </a:r>
+            <a:endParaRPr lang="en-US" sz="1200" dirty="0">
+              <a:solidFill>
+                <a:schemeClr val="tx1"/>
+              </a:solidFill>
+            </a:endParaRPr>
+          </a:p>
+        </p:txBody>
+      </p:sp>
+      <p:sp>
+        <p:nvSpPr>
+          <p:cNvPr id="39" name="Freeform 38"/>
+          <p:cNvSpPr/>
+          <p:nvPr/>
+        </p:nvSpPr>
+        <p:spPr>
+          <a:xfrm>
+            <a:off x="8706255" y="2655651"/>
+            <a:ext cx="1342417" cy="885217"/>
+          </a:xfrm>
+          <a:custGeom>
+            <a:avLst/>
+            <a:gdLst>
+              <a:gd name="connsiteX0" fmla="*/ 0 w 1342417"/>
+              <a:gd name="connsiteY0" fmla="*/ 885217 h 885217"/>
+              <a:gd name="connsiteX1" fmla="*/ 972766 w 1342417"/>
+              <a:gd name="connsiteY1" fmla="*/ 535021 h 885217"/>
+              <a:gd name="connsiteX2" fmla="*/ 1342417 w 1342417"/>
+              <a:gd name="connsiteY2" fmla="*/ 0 h 885217"/>
+            </a:gdLst>
+            <a:ahLst/>
+            <a:cxnLst>
+              <a:cxn ang="0">
+                <a:pos x="connsiteX0" y="connsiteY0"/>
+              </a:cxn>
+              <a:cxn ang="0">
+                <a:pos x="connsiteX1" y="connsiteY1"/>
+              </a:cxn>
+              <a:cxn ang="0">
+                <a:pos x="connsiteX2" y="connsiteY2"/>
+              </a:cxn>
+            </a:cxnLst>
+            <a:rect l="l" t="t" r="r" b="b"/>
+            <a:pathLst>
+              <a:path w="1342417" h="885217">
+                <a:moveTo>
+                  <a:pt x="0" y="885217"/>
+                </a:moveTo>
+                <a:cubicBezTo>
+                  <a:pt x="374515" y="783887"/>
+                  <a:pt x="749030" y="682557"/>
+                  <a:pt x="972766" y="535021"/>
+                </a:cubicBezTo>
+                <a:cubicBezTo>
+                  <a:pt x="1196502" y="387485"/>
+                  <a:pt x="1269459" y="193742"/>
+                  <a:pt x="1342417" y="0"/>
+                </a:cubicBezTo>
+              </a:path>
+            </a:pathLst>
+          </a:custGeom>
+          <a:noFill/>
+          <a:ln>
+            <a:headEnd type="none" w="med" len="med"/>
+            <a:tailEnd type="triangle" w="med" len="med"/>
+          </a:ln>
+        </p:spPr>
+        <p:style>
+          <a:lnRef idx="2">
+            <a:schemeClr val="accent1">
+              <a:shade val="50000"/>
+            </a:schemeClr>
+          </a:lnRef>
+          <a:fillRef idx="1">
+            <a:schemeClr val="accent1"/>
+          </a:fillRef>
+          <a:effectRef idx="0">
+            <a:schemeClr val="accent1"/>
+          </a:effectRef>
+          <a:fontRef idx="minor">
+            <a:schemeClr val="lt1"/>
+          </a:fontRef>
+        </p:style>
+        <p:txBody>
+          <a:bodyPr rtlCol="0" anchor="ctr"/>
+          <a:lstStyle/>
+          <a:p>
+            <a:pPr algn="ctr"/>
+            <a:endParaRPr lang="en-US"/>
+          </a:p>
+        </p:txBody>
+      </p:sp>
+      <p:sp>
+        <p:nvSpPr>
+          <p:cNvPr id="41" name="Oval 40"/>
+          <p:cNvSpPr/>
+          <p:nvPr/>
+        </p:nvSpPr>
+        <p:spPr>
+          <a:xfrm>
+            <a:off x="5485468" y="3920945"/>
+            <a:ext cx="1763601" cy="344639"/>
+          </a:xfrm>
+          <a:prstGeom prst="ellipse">
+            <a:avLst/>
+          </a:prstGeom>
+          <a:solidFill>
+            <a:srgbClr val="57E768"/>
+          </a:solidFill>
+        </p:spPr>
+        <p:style>
+          <a:lnRef idx="2">
+            <a:schemeClr val="accent1">
+              <a:shade val="50000"/>
+            </a:schemeClr>
+          </a:lnRef>
+          <a:fillRef idx="1">
+            <a:schemeClr val="accent1"/>
+          </a:fillRef>
+          <a:effectRef idx="0">
+            <a:schemeClr val="accent1"/>
+          </a:effectRef>
+          <a:fontRef idx="minor">
+            <a:schemeClr val="lt1"/>
+          </a:fontRef>
+        </p:style>
+        <p:txBody>
+          <a:bodyPr rtlCol="0" anchor="ctr"/>
+          <a:lstStyle/>
+          <a:p>
+            <a:pPr algn="ctr"/>
+            <a:r>
+              <a:rPr lang="en-US" sz="1200" dirty="0" smtClean="0">
+                <a:solidFill>
+                  <a:schemeClr val="tx1"/>
+                </a:solidFill>
+              </a:rPr>
+              <a:t>Evaluate Event</a:t>
+            </a:r>
+            <a:endParaRPr lang="en-US" sz="1200" dirty="0">
+              <a:solidFill>
+                <a:schemeClr val="tx1"/>
+              </a:solidFill>
+            </a:endParaRPr>
+          </a:p>
+        </p:txBody>
+      </p:sp>
+      <p:sp>
+        <p:nvSpPr>
+          <p:cNvPr id="46" name="Freeform 45"/>
+          <p:cNvSpPr/>
+          <p:nvPr/>
+        </p:nvSpPr>
+        <p:spPr>
+          <a:xfrm>
+            <a:off x="6770451" y="1293398"/>
+            <a:ext cx="2811294" cy="652134"/>
+          </a:xfrm>
+          <a:custGeom>
+            <a:avLst/>
+            <a:gdLst>
+              <a:gd name="connsiteX0" fmla="*/ 2811294 w 2811294"/>
+              <a:gd name="connsiteY0" fmla="*/ 652134 h 652134"/>
+              <a:gd name="connsiteX1" fmla="*/ 1896894 w 2811294"/>
+              <a:gd name="connsiteY1" fmla="*/ 87930 h 652134"/>
+              <a:gd name="connsiteX2" fmla="*/ 0 w 2811294"/>
+              <a:gd name="connsiteY2" fmla="*/ 10108 h 652134"/>
+            </a:gdLst>
+            <a:ahLst/>
+            <a:cxnLst>
+              <a:cxn ang="0">
+                <a:pos x="connsiteX0" y="connsiteY0"/>
+              </a:cxn>
+              <a:cxn ang="0">
+                <a:pos x="connsiteX1" y="connsiteY1"/>
+              </a:cxn>
+              <a:cxn ang="0">
+                <a:pos x="connsiteX2" y="connsiteY2"/>
+              </a:cxn>
+            </a:cxnLst>
+            <a:rect l="l" t="t" r="r" b="b"/>
+            <a:pathLst>
+              <a:path w="2811294" h="652134">
+                <a:moveTo>
+                  <a:pt x="2811294" y="652134"/>
+                </a:moveTo>
+                <a:cubicBezTo>
+                  <a:pt x="2588368" y="423534"/>
+                  <a:pt x="2365443" y="194934"/>
+                  <a:pt x="1896894" y="87930"/>
+                </a:cubicBezTo>
+                <a:cubicBezTo>
+                  <a:pt x="1428345" y="-19074"/>
+                  <a:pt x="714172" y="-4483"/>
+                  <a:pt x="0" y="10108"/>
+                </a:cubicBezTo>
+              </a:path>
+            </a:pathLst>
+          </a:custGeom>
+          <a:noFill/>
+          <a:ln>
+            <a:headEnd type="none" w="med" len="med"/>
+            <a:tailEnd type="triangle" w="med" len="med"/>
+          </a:ln>
+        </p:spPr>
+        <p:style>
+          <a:lnRef idx="2">
+            <a:schemeClr val="accent1">
+              <a:shade val="50000"/>
+            </a:schemeClr>
+          </a:lnRef>
+          <a:fillRef idx="1">
+            <a:schemeClr val="accent1"/>
+          </a:fillRef>
+          <a:effectRef idx="0">
+            <a:schemeClr val="accent1"/>
+          </a:effectRef>
+          <a:fontRef idx="minor">
+            <a:schemeClr val="lt1"/>
+          </a:fontRef>
+        </p:style>
+        <p:txBody>
+          <a:bodyPr rtlCol="0" anchor="ctr"/>
+          <a:lstStyle/>
+          <a:p>
+            <a:pPr algn="ctr"/>
+            <a:endParaRPr lang="en-US"/>
+          </a:p>
+        </p:txBody>
+      </p:sp>
+      <p:sp>
+        <p:nvSpPr>
+          <p:cNvPr id="47" name="Freeform 46"/>
+          <p:cNvSpPr/>
+          <p:nvPr/>
+        </p:nvSpPr>
+        <p:spPr>
+          <a:xfrm>
+            <a:off x="6731540" y="1857258"/>
+            <a:ext cx="2811294" cy="263372"/>
+          </a:xfrm>
+          <a:custGeom>
+            <a:avLst/>
+            <a:gdLst>
+              <a:gd name="connsiteX0" fmla="*/ 2811294 w 2811294"/>
+              <a:gd name="connsiteY0" fmla="*/ 263372 h 263372"/>
+              <a:gd name="connsiteX1" fmla="*/ 807396 w 2811294"/>
+              <a:gd name="connsiteY1" fmla="*/ 29908 h 263372"/>
+              <a:gd name="connsiteX2" fmla="*/ 0 w 2811294"/>
+              <a:gd name="connsiteY2" fmla="*/ 10453 h 263372"/>
+            </a:gdLst>
+            <a:ahLst/>
+            <a:cxnLst>
+              <a:cxn ang="0">
+                <a:pos x="connsiteX0" y="connsiteY0"/>
+              </a:cxn>
+              <a:cxn ang="0">
+                <a:pos x="connsiteX1" y="connsiteY1"/>
+              </a:cxn>
+              <a:cxn ang="0">
+                <a:pos x="connsiteX2" y="connsiteY2"/>
+              </a:cxn>
+            </a:cxnLst>
+            <a:rect l="l" t="t" r="r" b="b"/>
+            <a:pathLst>
+              <a:path w="2811294" h="263372">
+                <a:moveTo>
+                  <a:pt x="2811294" y="263372"/>
+                </a:moveTo>
+                <a:lnTo>
+                  <a:pt x="807396" y="29908"/>
+                </a:lnTo>
+                <a:cubicBezTo>
+                  <a:pt x="338847" y="-12245"/>
+                  <a:pt x="169423" y="-896"/>
+                  <a:pt x="0" y="10453"/>
+                </a:cubicBezTo>
+              </a:path>
+            </a:pathLst>
+          </a:custGeom>
+          <a:noFill/>
+          <a:ln>
+            <a:headEnd type="none" w="med" len="med"/>
+            <a:tailEnd type="triangle" w="med" len="med"/>
+          </a:ln>
+        </p:spPr>
+        <p:style>
+          <a:lnRef idx="2">
+            <a:schemeClr val="accent1">
+              <a:shade val="50000"/>
+            </a:schemeClr>
+          </a:lnRef>
+          <a:fillRef idx="1">
+            <a:schemeClr val="accent1"/>
+          </a:fillRef>
+          <a:effectRef idx="0">
+            <a:schemeClr val="accent1"/>
+          </a:effectRef>
+          <a:fontRef idx="minor">
+            <a:schemeClr val="lt1"/>
+          </a:fontRef>
+        </p:style>
+        <p:txBody>
+          <a:bodyPr rtlCol="0" anchor="ctr"/>
+          <a:lstStyle/>
+          <a:p>
+            <a:pPr algn="ctr"/>
+            <a:endParaRPr lang="en-US"/>
+          </a:p>
+        </p:txBody>
+      </p:sp>
+      <p:sp>
+        <p:nvSpPr>
+          <p:cNvPr id="48" name="Freeform 47"/>
+          <p:cNvSpPr/>
+          <p:nvPr/>
+        </p:nvSpPr>
+        <p:spPr>
+          <a:xfrm>
+            <a:off x="6702357" y="2441643"/>
+            <a:ext cx="2908571" cy="194553"/>
+          </a:xfrm>
+          <a:custGeom>
+            <a:avLst/>
+            <a:gdLst>
+              <a:gd name="connsiteX0" fmla="*/ 2908571 w 2908571"/>
+              <a:gd name="connsiteY0" fmla="*/ 0 h 194553"/>
+              <a:gd name="connsiteX1" fmla="*/ 1741252 w 2908571"/>
+              <a:gd name="connsiteY1" fmla="*/ 145914 h 194553"/>
+              <a:gd name="connsiteX2" fmla="*/ 0 w 2908571"/>
+              <a:gd name="connsiteY2" fmla="*/ 194553 h 194553"/>
+            </a:gdLst>
+            <a:ahLst/>
+            <a:cxnLst>
+              <a:cxn ang="0">
+                <a:pos x="connsiteX0" y="connsiteY0"/>
+              </a:cxn>
+              <a:cxn ang="0">
+                <a:pos x="connsiteX1" y="connsiteY1"/>
+              </a:cxn>
+              <a:cxn ang="0">
+                <a:pos x="connsiteX2" y="connsiteY2"/>
+              </a:cxn>
+            </a:cxnLst>
+            <a:rect l="l" t="t" r="r" b="b"/>
+            <a:pathLst>
+              <a:path w="2908571" h="194553">
+                <a:moveTo>
+                  <a:pt x="2908571" y="0"/>
+                </a:moveTo>
+                <a:cubicBezTo>
+                  <a:pt x="2567292" y="56744"/>
+                  <a:pt x="2226014" y="113489"/>
+                  <a:pt x="1741252" y="145914"/>
+                </a:cubicBezTo>
+                <a:cubicBezTo>
+                  <a:pt x="1256490" y="178340"/>
+                  <a:pt x="628245" y="186446"/>
+                  <a:pt x="0" y="194553"/>
+                </a:cubicBezTo>
+              </a:path>
+            </a:pathLst>
+          </a:custGeom>
+          <a:noFill/>
+          <a:ln>
+            <a:headEnd type="none" w="med" len="med"/>
+            <a:tailEnd type="triangle" w="med" len="med"/>
+          </a:ln>
+        </p:spPr>
+        <p:style>
+          <a:lnRef idx="2">
+            <a:schemeClr val="accent1">
+              <a:shade val="50000"/>
+            </a:schemeClr>
+          </a:lnRef>
+          <a:fillRef idx="1">
+            <a:schemeClr val="accent1"/>
+          </a:fillRef>
+          <a:effectRef idx="0">
+            <a:schemeClr val="accent1"/>
+          </a:effectRef>
+          <a:fontRef idx="minor">
+            <a:schemeClr val="lt1"/>
+          </a:fontRef>
+        </p:style>
+        <p:txBody>
+          <a:bodyPr rtlCol="0" anchor="ctr"/>
+          <a:lstStyle/>
+          <a:p>
+            <a:pPr algn="ctr"/>
+            <a:endParaRPr lang="en-US"/>
+          </a:p>
+        </p:txBody>
+      </p:sp>
+      <p:sp>
+        <p:nvSpPr>
+          <p:cNvPr id="50" name="Freeform 49"/>
+          <p:cNvSpPr/>
+          <p:nvPr/>
+        </p:nvSpPr>
+        <p:spPr>
+          <a:xfrm>
+            <a:off x="6682902" y="2645923"/>
+            <a:ext cx="3005847" cy="680937"/>
+          </a:xfrm>
+          <a:custGeom>
+            <a:avLst/>
+            <a:gdLst>
+              <a:gd name="connsiteX0" fmla="*/ 3005847 w 3005847"/>
+              <a:gd name="connsiteY0" fmla="*/ 0 h 680937"/>
+              <a:gd name="connsiteX1" fmla="*/ 1974715 w 3005847"/>
+              <a:gd name="connsiteY1" fmla="*/ 505839 h 680937"/>
+              <a:gd name="connsiteX2" fmla="*/ 1361872 w 3005847"/>
+              <a:gd name="connsiteY2" fmla="*/ 564205 h 680937"/>
+              <a:gd name="connsiteX3" fmla="*/ 0 w 3005847"/>
+              <a:gd name="connsiteY3" fmla="*/ 680937 h 680937"/>
+              <a:gd name="connsiteX0" fmla="*/ 3005847 w 3005847"/>
+              <a:gd name="connsiteY0" fmla="*/ 0 h 680937"/>
+              <a:gd name="connsiteX1" fmla="*/ 1974715 w 3005847"/>
+              <a:gd name="connsiteY1" fmla="*/ 505839 h 680937"/>
+              <a:gd name="connsiteX2" fmla="*/ 1361872 w 3005847"/>
+              <a:gd name="connsiteY2" fmla="*/ 564205 h 680937"/>
+              <a:gd name="connsiteX3" fmla="*/ 0 w 3005847"/>
+              <a:gd name="connsiteY3" fmla="*/ 680937 h 680937"/>
+              <a:gd name="connsiteX0" fmla="*/ 3005847 w 3005847"/>
+              <a:gd name="connsiteY0" fmla="*/ 0 h 680937"/>
+              <a:gd name="connsiteX1" fmla="*/ 1361872 w 3005847"/>
+              <a:gd name="connsiteY1" fmla="*/ 564205 h 680937"/>
+              <a:gd name="connsiteX2" fmla="*/ 0 w 3005847"/>
+              <a:gd name="connsiteY2" fmla="*/ 680937 h 680937"/>
+              <a:gd name="connsiteX0" fmla="*/ 3005847 w 3005847"/>
+              <a:gd name="connsiteY0" fmla="*/ 0 h 680937"/>
+              <a:gd name="connsiteX1" fmla="*/ 1848255 w 3005847"/>
+              <a:gd name="connsiteY1" fmla="*/ 515567 h 680937"/>
+              <a:gd name="connsiteX2" fmla="*/ 0 w 3005847"/>
+              <a:gd name="connsiteY2" fmla="*/ 680937 h 680937"/>
+            </a:gdLst>
+            <a:ahLst/>
+            <a:cxnLst>
+              <a:cxn ang="0">
+                <a:pos x="connsiteX0" y="connsiteY0"/>
+              </a:cxn>
+              <a:cxn ang="0">
+                <a:pos x="connsiteX1" y="connsiteY1"/>
+              </a:cxn>
+              <a:cxn ang="0">
+                <a:pos x="connsiteX2" y="connsiteY2"/>
+              </a:cxn>
+            </a:cxnLst>
+            <a:rect l="l" t="t" r="r" b="b"/>
+            <a:pathLst>
+              <a:path w="3005847" h="680937">
+                <a:moveTo>
+                  <a:pt x="3005847" y="0"/>
+                </a:moveTo>
+                <a:cubicBezTo>
+                  <a:pt x="2663352" y="117543"/>
+                  <a:pt x="2349229" y="402078"/>
+                  <a:pt x="1848255" y="515567"/>
+                </a:cubicBezTo>
+                <a:cubicBezTo>
+                  <a:pt x="1347281" y="629056"/>
+                  <a:pt x="453957" y="642026"/>
+                  <a:pt x="0" y="680937"/>
+                </a:cubicBezTo>
+              </a:path>
+            </a:pathLst>
+          </a:custGeom>
+          <a:noFill/>
+          <a:ln>
+            <a:headEnd type="none" w="med" len="med"/>
+            <a:tailEnd type="triangle" w="med" len="med"/>
+          </a:ln>
+        </p:spPr>
+        <p:style>
+          <a:lnRef idx="2">
+            <a:schemeClr val="accent1">
+              <a:shade val="50000"/>
+            </a:schemeClr>
+          </a:lnRef>
+          <a:fillRef idx="1">
+            <a:schemeClr val="accent1"/>
+          </a:fillRef>
+          <a:effectRef idx="0">
+            <a:schemeClr val="accent1"/>
+          </a:effectRef>
+          <a:fontRef idx="minor">
+            <a:schemeClr val="lt1"/>
+          </a:fontRef>
+        </p:style>
+        <p:txBody>
+          <a:bodyPr rtlCol="0" anchor="ctr"/>
+          <a:lstStyle/>
+          <a:p>
+            <a:pPr algn="ctr"/>
+            <a:endParaRPr lang="en-US"/>
+          </a:p>
+        </p:txBody>
+      </p:sp>
+      <p:sp>
+        <p:nvSpPr>
+          <p:cNvPr id="51" name="Freeform 50"/>
+          <p:cNvSpPr/>
+          <p:nvPr/>
+        </p:nvSpPr>
+        <p:spPr>
+          <a:xfrm>
+            <a:off x="8278238" y="3939702"/>
+            <a:ext cx="1926077" cy="1274324"/>
+          </a:xfrm>
+          <a:custGeom>
+            <a:avLst/>
+            <a:gdLst>
+              <a:gd name="connsiteX0" fmla="*/ 0 w 1926077"/>
+              <a:gd name="connsiteY0" fmla="*/ 0 h 1274324"/>
+              <a:gd name="connsiteX1" fmla="*/ 729575 w 1926077"/>
+              <a:gd name="connsiteY1" fmla="*/ 914400 h 1274324"/>
+              <a:gd name="connsiteX2" fmla="*/ 1926077 w 1926077"/>
+              <a:gd name="connsiteY2" fmla="*/ 1274324 h 1274324"/>
+            </a:gdLst>
+            <a:ahLst/>
+            <a:cxnLst>
+              <a:cxn ang="0">
+                <a:pos x="connsiteX0" y="connsiteY0"/>
+              </a:cxn>
+              <a:cxn ang="0">
+                <a:pos x="connsiteX1" y="connsiteY1"/>
+              </a:cxn>
+              <a:cxn ang="0">
+                <a:pos x="connsiteX2" y="connsiteY2"/>
+              </a:cxn>
+            </a:cxnLst>
+            <a:rect l="l" t="t" r="r" b="b"/>
+            <a:pathLst>
+              <a:path w="1926077" h="1274324">
+                <a:moveTo>
+                  <a:pt x="0" y="0"/>
+                </a:moveTo>
+                <a:cubicBezTo>
+                  <a:pt x="204281" y="351006"/>
+                  <a:pt x="408562" y="702013"/>
+                  <a:pt x="729575" y="914400"/>
+                </a:cubicBezTo>
+                <a:cubicBezTo>
+                  <a:pt x="1050588" y="1126787"/>
+                  <a:pt x="1488332" y="1200555"/>
+                  <a:pt x="1926077" y="1274324"/>
+                </a:cubicBezTo>
+              </a:path>
+            </a:pathLst>
+          </a:custGeom>
+          <a:noFill/>
+          <a:ln>
+            <a:headEnd type="none" w="med" len="med"/>
+            <a:tailEnd type="triangle" w="med" len="med"/>
+          </a:ln>
+        </p:spPr>
+        <p:style>
+          <a:lnRef idx="2">
+            <a:schemeClr val="accent1">
+              <a:shade val="50000"/>
+            </a:schemeClr>
+          </a:lnRef>
+          <a:fillRef idx="1">
+            <a:schemeClr val="accent1"/>
+          </a:fillRef>
+          <a:effectRef idx="0">
+            <a:schemeClr val="accent1"/>
+          </a:effectRef>
+          <a:fontRef idx="minor">
+            <a:schemeClr val="lt1"/>
+          </a:fontRef>
+        </p:style>
+        <p:txBody>
+          <a:bodyPr rtlCol="0" anchor="ctr"/>
+          <a:lstStyle/>
+          <a:p>
+            <a:pPr algn="ctr"/>
+            <a:endParaRPr lang="en-US"/>
+          </a:p>
+        </p:txBody>
+      </p:sp>
+      <p:cxnSp>
+        <p:nvCxnSpPr>
+          <p:cNvPr id="53" name="Straight Arrow Connector 52"/>
+          <p:cNvCxnSpPr>
+            <a:stCxn id="7" idx="3"/>
+          </p:cNvCxnSpPr>
+          <p:nvPr/>
+        </p:nvCxnSpPr>
+        <p:spPr>
+          <a:xfrm>
+            <a:off x="2569975" y="5464624"/>
+            <a:ext cx="1048714" cy="0"/>
+          </a:xfrm>
+          <a:prstGeom prst="straightConnector1">
+            <a:avLst/>
+          </a:prstGeom>
+          <a:ln>
+            <a:tailEnd type="triangle"/>
+          </a:ln>
+        </p:spPr>
+        <p:style>
+          <a:lnRef idx="1">
+            <a:schemeClr val="accent1"/>
+          </a:lnRef>
+          <a:fillRef idx="0">
+            <a:schemeClr val="accent1"/>
+          </a:fillRef>
+          <a:effectRef idx="0">
+            <a:schemeClr val="accent1"/>
+          </a:effectRef>
+          <a:fontRef idx="minor">
+            <a:schemeClr val="tx1"/>
+          </a:fontRef>
+        </p:style>
+      </p:cxnSp>
+      <p:cxnSp>
+        <p:nvCxnSpPr>
+          <p:cNvPr id="55" name="Straight Arrow Connector 54"/>
+          <p:cNvCxnSpPr>
+            <a:endCxn id="41" idx="4"/>
+          </p:cNvCxnSpPr>
+          <p:nvPr/>
+        </p:nvCxnSpPr>
+        <p:spPr>
+          <a:xfrm flipV="1">
+            <a:off x="6367268" y="4265584"/>
+            <a:ext cx="1" cy="365710"/>
+          </a:xfrm>
+          <a:prstGeom prst="straightConnector1">
+            <a:avLst/>
+          </a:prstGeom>
+          <a:ln>
+            <a:tailEnd type="triangle"/>
+          </a:ln>
+        </p:spPr>
+        <p:style>
+          <a:lnRef idx="1">
+            <a:schemeClr val="accent1"/>
+          </a:lnRef>
+          <a:fillRef idx="0">
+            <a:schemeClr val="accent1"/>
+          </a:fillRef>
+          <a:effectRef idx="0">
+            <a:schemeClr val="accent1"/>
+          </a:effectRef>
+          <a:fontRef idx="minor">
+            <a:schemeClr val="tx1"/>
+          </a:fontRef>
+        </p:style>
+      </p:cxnSp>
+      <p:cxnSp>
+        <p:nvCxnSpPr>
+          <p:cNvPr id="58" name="Straight Arrow Connector 57"/>
+          <p:cNvCxnSpPr/>
+          <p:nvPr/>
+        </p:nvCxnSpPr>
+        <p:spPr>
+          <a:xfrm flipV="1">
+            <a:off x="4606607" y="3846678"/>
+            <a:ext cx="0" cy="567176"/>
+          </a:xfrm>
+          <a:prstGeom prst="straightConnector1">
+            <a:avLst/>
+          </a:prstGeom>
+          <a:ln>
+            <a:tailEnd type="triangle"/>
+          </a:ln>
+        </p:spPr>
+        <p:style>
+          <a:lnRef idx="1">
+            <a:schemeClr val="accent1"/>
+          </a:lnRef>
+          <a:fillRef idx="0">
+            <a:schemeClr val="accent1"/>
+          </a:fillRef>
+          <a:effectRef idx="0">
+            <a:schemeClr val="accent1"/>
+          </a:effectRef>
+          <a:fontRef idx="minor">
+            <a:schemeClr val="tx1"/>
+          </a:fontRef>
+        </p:style>
+      </p:cxnSp>
+      <p:cxnSp>
+        <p:nvCxnSpPr>
+          <p:cNvPr id="61" name="Straight Arrow Connector 60"/>
+          <p:cNvCxnSpPr/>
+          <p:nvPr/>
+        </p:nvCxnSpPr>
+        <p:spPr>
+          <a:xfrm>
+            <a:off x="4801160" y="3862073"/>
+            <a:ext cx="0" cy="536387"/>
+          </a:xfrm>
+          <a:prstGeom prst="straightConnector1">
+            <a:avLst/>
+          </a:prstGeom>
+          <a:ln>
+            <a:tailEnd type="triangle"/>
+          </a:ln>
+        </p:spPr>
+        <p:style>
+          <a:lnRef idx="1">
+            <a:schemeClr val="accent1"/>
+          </a:lnRef>
+          <a:fillRef idx="0">
+            <a:schemeClr val="accent1"/>
+          </a:fillRef>
+          <a:effectRef idx="0">
+            <a:schemeClr val="accent1"/>
+          </a:effectRef>
+          <a:fontRef idx="minor">
+            <a:schemeClr val="tx1"/>
+          </a:fontRef>
+        </p:style>
+      </p:cxnSp>
+      <p:cxnSp>
+        <p:nvCxnSpPr>
+          <p:cNvPr id="63" name="Straight Arrow Connector 62"/>
+          <p:cNvCxnSpPr/>
+          <p:nvPr/>
+        </p:nvCxnSpPr>
+        <p:spPr>
+          <a:xfrm flipH="1">
+            <a:off x="3094333" y="1485514"/>
+            <a:ext cx="976766" cy="0"/>
+          </a:xfrm>
+          <a:prstGeom prst="straightConnector1">
+            <a:avLst/>
+          </a:prstGeom>
+          <a:ln>
+            <a:tailEnd type="triangle"/>
+          </a:ln>
+        </p:spPr>
+        <p:style>
+          <a:lnRef idx="1">
+            <a:schemeClr val="accent1"/>
+          </a:lnRef>
+          <a:fillRef idx="0">
+            <a:schemeClr val="accent1"/>
+          </a:fillRef>
+          <a:effectRef idx="0">
+            <a:schemeClr val="accent1"/>
+          </a:effectRef>
+          <a:fontRef idx="minor">
+            <a:schemeClr val="tx1"/>
+          </a:fontRef>
+        </p:style>
+      </p:cxnSp>
+      <p:cxnSp>
+        <p:nvCxnSpPr>
+          <p:cNvPr id="65" name="Straight Arrow Connector 64"/>
+          <p:cNvCxnSpPr/>
+          <p:nvPr/>
+        </p:nvCxnSpPr>
+        <p:spPr>
+          <a:xfrm>
+            <a:off x="3094332" y="1784511"/>
+            <a:ext cx="1046002" cy="0"/>
+          </a:xfrm>
+          <a:prstGeom prst="straightConnector1">
+            <a:avLst/>
+          </a:prstGeom>
+          <a:ln>
+            <a:tailEnd type="triangle"/>
+          </a:ln>
+        </p:spPr>
+        <p:style>
+          <a:lnRef idx="1">
+            <a:schemeClr val="accent1"/>
+          </a:lnRef>
+          <a:fillRef idx="0">
+            <a:schemeClr val="accent1"/>
+          </a:fillRef>
+          <a:effectRef idx="0">
+            <a:schemeClr val="accent1"/>
+          </a:effectRef>
+          <a:fontRef idx="minor">
+            <a:schemeClr val="tx1"/>
+          </a:fontRef>
+        </p:style>
+      </p:cxnSp>
+      <p:sp>
+        <p:nvSpPr>
+          <p:cNvPr id="67" name="Rounded Rectangle 66"/>
+          <p:cNvSpPr/>
+          <p:nvPr/>
+        </p:nvSpPr>
+        <p:spPr>
+          <a:xfrm>
+            <a:off x="10357221" y="4992574"/>
+            <a:ext cx="1657825" cy="944099"/>
+          </a:xfrm>
+          <a:prstGeom prst="roundRect">
+            <a:avLst/>
+          </a:prstGeom>
+          <a:solidFill>
+            <a:schemeClr val="accent5">
+              <a:lumMod val="40000"/>
+              <a:lumOff val="60000"/>
+            </a:schemeClr>
+          </a:solidFill>
+        </p:spPr>
+        <p:style>
+          <a:lnRef idx="2">
+            <a:schemeClr val="accent1">
+              <a:shade val="50000"/>
+            </a:schemeClr>
+          </a:lnRef>
+          <a:fillRef idx="1">
+            <a:schemeClr val="accent1"/>
+          </a:fillRef>
+          <a:effectRef idx="0">
+            <a:schemeClr val="accent1"/>
+          </a:effectRef>
+          <a:fontRef idx="minor">
+            <a:schemeClr val="lt1"/>
+          </a:fontRef>
+        </p:style>
+        <p:txBody>
+          <a:bodyPr rtlCol="0" anchor="ctr"/>
+          <a:lstStyle/>
+          <a:p>
+            <a:pPr algn="ctr"/>
+            <a:r>
+              <a:rPr lang="en-US" dirty="0" smtClean="0">
+                <a:solidFill>
+                  <a:schemeClr val="tx1"/>
+                </a:solidFill>
+              </a:rPr>
+              <a:t>Assemble</a:t>
+            </a:r>
+          </a:p>
+          <a:p>
+            <a:pPr algn="ctr"/>
+            <a:r>
+              <a:rPr lang="en-US" dirty="0" smtClean="0">
+                <a:solidFill>
+                  <a:schemeClr val="tx1"/>
+                </a:solidFill>
+              </a:rPr>
+              <a:t>Final</a:t>
+            </a:r>
+          </a:p>
+          <a:p>
+            <a:pPr algn="ctr"/>
+            <a:r>
+              <a:rPr lang="en-US" dirty="0" smtClean="0">
+                <a:solidFill>
+                  <a:schemeClr val="tx1"/>
+                </a:solidFill>
+              </a:rPr>
+              <a:t>Prompt</a:t>
+            </a:r>
+            <a:endParaRPr lang="en-US" dirty="0">
+              <a:solidFill>
+                <a:schemeClr val="tx1"/>
+              </a:solidFill>
+            </a:endParaRPr>
+          </a:p>
+        </p:txBody>
+      </p:sp>
     </p:spTree>
     <p:extLst>
       <p:ext uri="{BB962C8B-B14F-4D97-AF65-F5344CB8AC3E}">
@@ -10823,6 +13848,278 @@
   <p:clrMapOvr>
     <a:masterClrMapping/>
   </p:clrMapOvr>
+  <p:timing>
+    <p:tnLst>
+      <p:par>
+        <p:cTn id="1" dur="indefinite" restart="never" nodeType="tmRoot">
+          <p:childTnLst>
+            <p:seq concurrent="1" nextAc="seek">
+              <p:cTn id="2" dur="indefinite" nodeType="mainSeq">
+                <p:childTnLst>
+                  <p:par>
+                    <p:cTn id="3" fill="hold">
+                      <p:stCondLst>
+                        <p:cond delay="indefinite"/>
+                      </p:stCondLst>
+                      <p:childTnLst>
+                        <p:par>
+                          <p:cTn id="4" fill="hold">
+                            <p:stCondLst>
+                              <p:cond delay="0"/>
+                            </p:stCondLst>
+                            <p:childTnLst>
+                              <p:par>
+                                <p:cTn id="5" presetID="1" presetClass="entr" presetSubtype="0" fill="hold" grpId="0" nodeType="clickEffect">
+                                  <p:stCondLst>
+                                    <p:cond delay="0"/>
+                                  </p:stCondLst>
+                                  <p:childTnLst>
+                                    <p:set>
+                                      <p:cBhvr>
+                                        <p:cTn id="6" dur="1" fill="hold">
+                                          <p:stCondLst>
+                                            <p:cond delay="0"/>
+                                          </p:stCondLst>
+                                        </p:cTn>
+                                        <p:tgtEl>
+                                          <p:spTgt spid="13"/>
+                                        </p:tgtEl>
+                                        <p:attrNameLst>
+                                          <p:attrName>style.visibility</p:attrName>
+                                        </p:attrNameLst>
+                                      </p:cBhvr>
+                                      <p:to>
+                                        <p:strVal val="visible"/>
+                                      </p:to>
+                                    </p:set>
+                                  </p:childTnLst>
+                                </p:cTn>
+                              </p:par>
+                              <p:par>
+                                <p:cTn id="7" presetID="1" presetClass="entr" presetSubtype="0" fill="hold" grpId="0" nodeType="withEffect">
+                                  <p:stCondLst>
+                                    <p:cond delay="0"/>
+                                  </p:stCondLst>
+                                  <p:childTnLst>
+                                    <p:set>
+                                      <p:cBhvr>
+                                        <p:cTn id="8" dur="1" fill="hold">
+                                          <p:stCondLst>
+                                            <p:cond delay="0"/>
+                                          </p:stCondLst>
+                                        </p:cTn>
+                                        <p:tgtEl>
+                                          <p:spTgt spid="14"/>
+                                        </p:tgtEl>
+                                        <p:attrNameLst>
+                                          <p:attrName>style.visibility</p:attrName>
+                                        </p:attrNameLst>
+                                      </p:cBhvr>
+                                      <p:to>
+                                        <p:strVal val="visible"/>
+                                      </p:to>
+                                    </p:set>
+                                  </p:childTnLst>
+                                </p:cTn>
+                              </p:par>
+                              <p:par>
+                                <p:cTn id="9" presetID="1" presetClass="entr" presetSubtype="0" fill="hold" grpId="0" nodeType="withEffect">
+                                  <p:stCondLst>
+                                    <p:cond delay="0"/>
+                                  </p:stCondLst>
+                                  <p:childTnLst>
+                                    <p:set>
+                                      <p:cBhvr>
+                                        <p:cTn id="10" dur="1" fill="hold">
+                                          <p:stCondLst>
+                                            <p:cond delay="0"/>
+                                          </p:stCondLst>
+                                        </p:cTn>
+                                        <p:tgtEl>
+                                          <p:spTgt spid="15"/>
+                                        </p:tgtEl>
+                                        <p:attrNameLst>
+                                          <p:attrName>style.visibility</p:attrName>
+                                        </p:attrNameLst>
+                                      </p:cBhvr>
+                                      <p:to>
+                                        <p:strVal val="visible"/>
+                                      </p:to>
+                                    </p:set>
+                                  </p:childTnLst>
+                                </p:cTn>
+                              </p:par>
+                              <p:par>
+                                <p:cTn id="11" presetID="1" presetClass="entr" presetSubtype="0" fill="hold" grpId="0" nodeType="withEffect">
+                                  <p:stCondLst>
+                                    <p:cond delay="0"/>
+                                  </p:stCondLst>
+                                  <p:childTnLst>
+                                    <p:set>
+                                      <p:cBhvr>
+                                        <p:cTn id="12" dur="1" fill="hold">
+                                          <p:stCondLst>
+                                            <p:cond delay="0"/>
+                                          </p:stCondLst>
+                                        </p:cTn>
+                                        <p:tgtEl>
+                                          <p:spTgt spid="16"/>
+                                        </p:tgtEl>
+                                        <p:attrNameLst>
+                                          <p:attrName>style.visibility</p:attrName>
+                                        </p:attrNameLst>
+                                      </p:cBhvr>
+                                      <p:to>
+                                        <p:strVal val="visible"/>
+                                      </p:to>
+                                    </p:set>
+                                  </p:childTnLst>
+                                </p:cTn>
+                              </p:par>
+                              <p:par>
+                                <p:cTn id="13" presetID="1" presetClass="entr" presetSubtype="0" fill="hold" grpId="0" nodeType="withEffect">
+                                  <p:stCondLst>
+                                    <p:cond delay="0"/>
+                                  </p:stCondLst>
+                                  <p:childTnLst>
+                                    <p:set>
+                                      <p:cBhvr>
+                                        <p:cTn id="14" dur="1" fill="hold">
+                                          <p:stCondLst>
+                                            <p:cond delay="0"/>
+                                          </p:stCondLst>
+                                        </p:cTn>
+                                        <p:tgtEl>
+                                          <p:spTgt spid="17"/>
+                                        </p:tgtEl>
+                                        <p:attrNameLst>
+                                          <p:attrName>style.visibility</p:attrName>
+                                        </p:attrNameLst>
+                                      </p:cBhvr>
+                                      <p:to>
+                                        <p:strVal val="visible"/>
+                                      </p:to>
+                                    </p:set>
+                                  </p:childTnLst>
+                                </p:cTn>
+                              </p:par>
+                              <p:par>
+                                <p:cTn id="15" presetID="1" presetClass="entr" presetSubtype="0" fill="hold" grpId="0" nodeType="withEffect">
+                                  <p:stCondLst>
+                                    <p:cond delay="0"/>
+                                  </p:stCondLst>
+                                  <p:childTnLst>
+                                    <p:set>
+                                      <p:cBhvr>
+                                        <p:cTn id="16" dur="1" fill="hold">
+                                          <p:stCondLst>
+                                            <p:cond delay="0"/>
+                                          </p:stCondLst>
+                                        </p:cTn>
+                                        <p:tgtEl>
+                                          <p:spTgt spid="18"/>
+                                        </p:tgtEl>
+                                        <p:attrNameLst>
+                                          <p:attrName>style.visibility</p:attrName>
+                                        </p:attrNameLst>
+                                      </p:cBhvr>
+                                      <p:to>
+                                        <p:strVal val="visible"/>
+                                      </p:to>
+                                    </p:set>
+                                  </p:childTnLst>
+                                </p:cTn>
+                              </p:par>
+                              <p:par>
+                                <p:cTn id="17" presetID="1" presetClass="entr" presetSubtype="0" fill="hold" nodeType="withEffect">
+                                  <p:stCondLst>
+                                    <p:cond delay="0"/>
+                                  </p:stCondLst>
+                                  <p:childTnLst>
+                                    <p:set>
+                                      <p:cBhvr>
+                                        <p:cTn id="18" dur="1" fill="hold">
+                                          <p:stCondLst>
+                                            <p:cond delay="0"/>
+                                          </p:stCondLst>
+                                        </p:cTn>
+                                        <p:tgtEl>
+                                          <p:spTgt spid="19"/>
+                                        </p:tgtEl>
+                                        <p:attrNameLst>
+                                          <p:attrName>style.visibility</p:attrName>
+                                        </p:attrNameLst>
+                                      </p:cBhvr>
+                                      <p:to>
+                                        <p:strVal val="visible"/>
+                                      </p:to>
+                                    </p:set>
+                                  </p:childTnLst>
+                                </p:cTn>
+                              </p:par>
+                              <p:par>
+                                <p:cTn id="19" presetID="1" presetClass="entr" presetSubtype="0" fill="hold" nodeType="withEffect">
+                                  <p:stCondLst>
+                                    <p:cond delay="0"/>
+                                  </p:stCondLst>
+                                  <p:childTnLst>
+                                    <p:set>
+                                      <p:cBhvr>
+                                        <p:cTn id="20" dur="1" fill="hold">
+                                          <p:stCondLst>
+                                            <p:cond delay="0"/>
+                                          </p:stCondLst>
+                                        </p:cTn>
+                                        <p:tgtEl>
+                                          <p:spTgt spid="25"/>
+                                        </p:tgtEl>
+                                        <p:attrNameLst>
+                                          <p:attrName>style.visibility</p:attrName>
+                                        </p:attrNameLst>
+                                      </p:cBhvr>
+                                      <p:to>
+                                        <p:strVal val="visible"/>
+                                      </p:to>
+                                    </p:set>
+                                  </p:childTnLst>
+                                </p:cTn>
+                              </p:par>
+                            </p:childTnLst>
+                          </p:cTn>
+                        </p:par>
+                      </p:childTnLst>
+                    </p:cTn>
+                  </p:par>
+                </p:childTnLst>
+              </p:cTn>
+              <p:prevCondLst>
+                <p:cond evt="onPrev" delay="0">
+                  <p:tgtEl>
+                    <p:sldTgt/>
+                  </p:tgtEl>
+                </p:cond>
+              </p:prevCondLst>
+              <p:nextCondLst>
+                <p:cond evt="onNext" delay="0">
+                  <p:tgtEl>
+                    <p:sldTgt/>
+                  </p:tgtEl>
+                </p:cond>
+              </p:nextCondLst>
+            </p:seq>
+          </p:childTnLst>
+        </p:cTn>
+      </p:par>
+    </p:tnLst>
+    <p:bldLst>
+      <p:bldP spid="13" grpId="0" animBg="1"/>
+      <p:bldP spid="14" grpId="0" animBg="1"/>
+      <p:bldP spid="15" grpId="0" animBg="1"/>
+      <p:bldP spid="16" grpId="0" animBg="1"/>
+      <p:bldP spid="17" grpId="0" animBg="1"/>
+      <p:bldP spid="18" grpId="0"/>
+    </p:bldLst>
+  </p:timing>
 </p:sld>
 </file>
 
@@ -10843,6 +14140,586 @@
           <a:chExt cx="0" cy="0"/>
         </a:xfrm>
       </p:grpSpPr>
+      <p:sp>
+        <p:nvSpPr>
+          <p:cNvPr id="2" name="TextBox 1">
+            <a:extLst>
+              <a:ext uri="{FF2B5EF4-FFF2-40B4-BE49-F238E27FC236}">
+                <a16:creationId xmlns:a16="http://schemas.microsoft.com/office/drawing/2014/main" xmlns="" id="{711B1A80-5DFC-75E4-1162-3B7510885B48}"/>
+              </a:ext>
+            </a:extLst>
+          </p:cNvPr>
+          <p:cNvSpPr txBox="1"/>
+          <p:nvPr/>
+        </p:nvSpPr>
+        <p:spPr>
+          <a:xfrm>
+            <a:off x="302261" y="261908"/>
+            <a:ext cx="2996269" cy="523220"/>
+          </a:xfrm>
+          <a:prstGeom prst="rect">
+            <a:avLst/>
+          </a:prstGeom>
+          <a:noFill/>
+        </p:spPr>
+        <p:txBody>
+          <a:bodyPr wrap="none" rtlCol="0">
+            <a:spAutoFit/>
+          </a:bodyPr>
+          <a:lstStyle/>
+          <a:p>
+            <a:r>
+              <a:rPr lang="en-US" sz="2800" u="sng" dirty="0" smtClean="0">
+                <a:solidFill>
+                  <a:schemeClr val="accent1">
+                    <a:lumMod val="75000"/>
+                  </a:schemeClr>
+                </a:solidFill>
+              </a:rPr>
+              <a:t>Working Example</a:t>
+            </a:r>
+            <a:endParaRPr lang="en-US" sz="2800" u="sng" dirty="0">
+              <a:solidFill>
+                <a:schemeClr val="accent1">
+                  <a:lumMod val="75000"/>
+                </a:schemeClr>
+              </a:solidFill>
+            </a:endParaRPr>
+          </a:p>
+        </p:txBody>
+      </p:sp>
+      <p:sp>
+        <p:nvSpPr>
+          <p:cNvPr id="3" name="Rectangle 2"/>
+          <p:cNvSpPr/>
+          <p:nvPr/>
+        </p:nvSpPr>
+        <p:spPr>
+          <a:xfrm>
+            <a:off x="110248" y="972766"/>
+            <a:ext cx="4383932" cy="5170646"/>
+          </a:xfrm>
+          <a:prstGeom prst="rect">
+            <a:avLst/>
+          </a:prstGeom>
+        </p:spPr>
+        <p:txBody>
+          <a:bodyPr wrap="square">
+            <a:spAutoFit/>
+          </a:bodyPr>
+          <a:lstStyle/>
+          <a:p>
+            <a:r>
+              <a:rPr lang="en-US" sz="1100" dirty="0"/>
+              <a:t>Question URL:</a:t>
+            </a:r>
+          </a:p>
+          <a:p>
+            <a:r>
+              <a:rPr lang="en-US" sz="1100" dirty="0"/>
+              <a:t>https://community.infineon.com/t5/AIROC-Bluetooth/cybt-213043-02-not-entering-sleep-mode/td-p/643512</a:t>
+            </a:r>
+          </a:p>
+          <a:p>
+            <a:endParaRPr lang="en-US" sz="1100" dirty="0"/>
+          </a:p>
+          <a:p>
+            <a:r>
+              <a:rPr lang="en-US" sz="1100" dirty="0"/>
+              <a:t>Community Forum Developer question:</a:t>
+            </a:r>
+          </a:p>
+          <a:p>
+            <a:r>
+              <a:rPr lang="en-US" sz="1100" dirty="0"/>
+              <a:t>Group: Home/Forums/</a:t>
+            </a:r>
+            <a:r>
+              <a:rPr lang="en-US" sz="1100" dirty="0" err="1"/>
+              <a:t>WirelessConnectivity</a:t>
+            </a:r>
+            <a:r>
+              <a:rPr lang="en-US" sz="1100" dirty="0"/>
+              <a:t>/AIROC Bluetooth</a:t>
+            </a:r>
+          </a:p>
+          <a:p>
+            <a:r>
+              <a:rPr lang="en-US" sz="1100" dirty="0"/>
+              <a:t>Topic: cybt-213043-02 not entering sleep mode</a:t>
+            </a:r>
+          </a:p>
+          <a:p>
+            <a:endParaRPr lang="en-US" sz="1100" dirty="0"/>
+          </a:p>
+          <a:p>
+            <a:r>
+              <a:rPr lang="en-US" sz="1100" dirty="0"/>
+              <a:t>Hi,</a:t>
+            </a:r>
+          </a:p>
+          <a:p>
+            <a:endParaRPr lang="en-US" sz="1100" dirty="0"/>
+          </a:p>
+          <a:p>
+            <a:r>
+              <a:rPr lang="en-US" sz="1100" dirty="0"/>
+              <a:t>I am using cybt-213043-02 </a:t>
+            </a:r>
+            <a:r>
+              <a:rPr lang="en-US" sz="1100" dirty="0" err="1"/>
+              <a:t>eval</a:t>
+            </a:r>
+            <a:r>
+              <a:rPr lang="en-US" sz="1100" dirty="0"/>
+              <a:t> board. I am running </a:t>
+            </a:r>
+            <a:endParaRPr lang="en-US" sz="1100" dirty="0" smtClean="0"/>
+          </a:p>
+          <a:p>
+            <a:r>
+              <a:rPr lang="en-US" sz="1100" dirty="0" smtClean="0"/>
+              <a:t>https</a:t>
+            </a:r>
+            <a:r>
+              <a:rPr lang="en-US" sz="1100" dirty="0"/>
+              <a:t>://github.com/Infineon/mtb-example-btsdk-low-power-20819 </a:t>
+            </a:r>
+            <a:endParaRPr lang="en-US" sz="1100" dirty="0" smtClean="0"/>
+          </a:p>
+          <a:p>
+            <a:r>
+              <a:rPr lang="en-US" sz="1100" dirty="0" smtClean="0"/>
+              <a:t>example </a:t>
+            </a:r>
+            <a:r>
+              <a:rPr lang="en-US" sz="1100" dirty="0"/>
+              <a:t>with a tweak that changes the </a:t>
+            </a:r>
+            <a:r>
+              <a:rPr lang="en-US" sz="1100" dirty="0" err="1"/>
+              <a:t>eval</a:t>
+            </a:r>
+            <a:r>
+              <a:rPr lang="en-US" sz="1100" dirty="0"/>
+              <a:t> board to cybt-213043-eval.</a:t>
+            </a:r>
+          </a:p>
+          <a:p>
+            <a:endParaRPr lang="en-US" sz="1100" dirty="0"/>
+          </a:p>
+          <a:p>
+            <a:r>
+              <a:rPr lang="en-US" sz="1100" dirty="0"/>
+              <a:t>I can see the output on the PUART when I press the user button and </a:t>
+            </a:r>
+            <a:endParaRPr lang="en-US" sz="1100" dirty="0" smtClean="0"/>
+          </a:p>
+          <a:p>
+            <a:r>
+              <a:rPr lang="en-US" sz="1100" dirty="0" smtClean="0"/>
+              <a:t>the </a:t>
+            </a:r>
+            <a:r>
+              <a:rPr lang="en-US" sz="1100" dirty="0" err="1"/>
+              <a:t>ble</a:t>
+            </a:r>
+            <a:r>
+              <a:rPr lang="en-US" sz="1100" dirty="0"/>
+              <a:t> works ok.</a:t>
+            </a:r>
+          </a:p>
+          <a:p>
+            <a:endParaRPr lang="en-US" sz="1100" dirty="0"/>
+          </a:p>
+          <a:p>
+            <a:r>
+              <a:rPr lang="en-US" sz="1100" dirty="0"/>
+              <a:t>However the board never enters sleep mode. I see a constant ~2.5mA </a:t>
+            </a:r>
+            <a:endParaRPr lang="en-US" sz="1100" dirty="0" smtClean="0"/>
+          </a:p>
+          <a:p>
+            <a:r>
+              <a:rPr lang="en-US" sz="1100" dirty="0" smtClean="0"/>
+              <a:t>usage </a:t>
+            </a:r>
+            <a:r>
+              <a:rPr lang="en-US" sz="1100" dirty="0"/>
+              <a:t>and the sleep permit handler is never called. Also sleep callback is never called.</a:t>
+            </a:r>
+          </a:p>
+          <a:p>
+            <a:endParaRPr lang="en-US" sz="1100" dirty="0"/>
+          </a:p>
+          <a:p>
+            <a:r>
+              <a:rPr lang="en-US" sz="1100" dirty="0"/>
+              <a:t>The HOST_WAKE and DEV_WAKE pins are floating. I have tried tying </a:t>
+            </a:r>
+            <a:endParaRPr lang="en-US" sz="1100" dirty="0" smtClean="0"/>
+          </a:p>
+          <a:p>
+            <a:r>
+              <a:rPr lang="en-US" sz="1100" dirty="0" smtClean="0"/>
+              <a:t>them </a:t>
+            </a:r>
+            <a:r>
+              <a:rPr lang="en-US" sz="1100" dirty="0"/>
+              <a:t>to either VCC or GND without effect. Is there some additional </a:t>
+            </a:r>
+            <a:endParaRPr lang="en-US" sz="1100" dirty="0" smtClean="0"/>
+          </a:p>
+          <a:p>
+            <a:r>
+              <a:rPr lang="en-US" sz="1100" dirty="0" smtClean="0"/>
+              <a:t>configuration </a:t>
+            </a:r>
+            <a:r>
+              <a:rPr lang="en-US" sz="1100" dirty="0"/>
+              <a:t>or </a:t>
+            </a:r>
+            <a:r>
+              <a:rPr lang="en-US" sz="1100" dirty="0" err="1"/>
+              <a:t>hw</a:t>
+            </a:r>
+            <a:r>
+              <a:rPr lang="en-US" sz="1100" dirty="0"/>
+              <a:t> requirement to trigger sleep mode.</a:t>
+            </a:r>
+          </a:p>
+          <a:p>
+            <a:endParaRPr lang="en-US" sz="1100" dirty="0"/>
+          </a:p>
+          <a:p>
+            <a:r>
+              <a:rPr lang="en-US" sz="1100" dirty="0"/>
+              <a:t>Thank you for response.</a:t>
+            </a:r>
+          </a:p>
+        </p:txBody>
+      </p:sp>
+      <p:pic>
+        <p:nvPicPr>
+          <p:cNvPr id="4" name="Picture 3"/>
+          <p:cNvPicPr>
+            <a:picLocks noChangeAspect="1"/>
+          </p:cNvPicPr>
+          <p:nvPr/>
+        </p:nvPicPr>
+        <p:blipFill>
+          <a:blip r:embed="rId2"/>
+          <a:stretch>
+            <a:fillRect/>
+          </a:stretch>
+        </p:blipFill>
+        <p:spPr>
+          <a:xfrm>
+            <a:off x="4493342" y="2198111"/>
+            <a:ext cx="3642042" cy="2088818"/>
+          </a:xfrm>
+          <a:prstGeom prst="rect">
+            <a:avLst/>
+          </a:prstGeom>
+          <a:ln>
+            <a:solidFill>
+              <a:srgbClr val="002060"/>
+            </a:solidFill>
+          </a:ln>
+        </p:spPr>
+      </p:pic>
+      <p:sp>
+        <p:nvSpPr>
+          <p:cNvPr id="5" name="TextBox 4"/>
+          <p:cNvSpPr txBox="1"/>
+          <p:nvPr/>
+        </p:nvSpPr>
+        <p:spPr>
+          <a:xfrm>
+            <a:off x="1644752" y="6132028"/>
+            <a:ext cx="1107996" cy="369332"/>
+          </a:xfrm>
+          <a:prstGeom prst="rect">
+            <a:avLst/>
+          </a:prstGeom>
+          <a:noFill/>
+        </p:spPr>
+        <p:txBody>
+          <a:bodyPr wrap="none" rtlCol="0">
+            <a:spAutoFit/>
+          </a:bodyPr>
+          <a:lstStyle/>
+          <a:p>
+            <a:r>
+              <a:rPr lang="en-US" dirty="0" smtClean="0">
+                <a:solidFill>
+                  <a:srgbClr val="002060"/>
+                </a:solidFill>
+              </a:rPr>
+              <a:t>Question</a:t>
+            </a:r>
+            <a:endParaRPr lang="en-US" dirty="0">
+              <a:solidFill>
+                <a:srgbClr val="002060"/>
+              </a:solidFill>
+            </a:endParaRPr>
+          </a:p>
+        </p:txBody>
+      </p:sp>
+      <p:sp>
+        <p:nvSpPr>
+          <p:cNvPr id="6" name="TextBox 5"/>
+          <p:cNvSpPr txBox="1"/>
+          <p:nvPr/>
+        </p:nvSpPr>
+        <p:spPr>
+          <a:xfrm>
+            <a:off x="5619503" y="4295979"/>
+            <a:ext cx="1620957" cy="369332"/>
+          </a:xfrm>
+          <a:prstGeom prst="rect">
+            <a:avLst/>
+          </a:prstGeom>
+          <a:noFill/>
+        </p:spPr>
+        <p:txBody>
+          <a:bodyPr wrap="none" rtlCol="0">
+            <a:spAutoFit/>
+          </a:bodyPr>
+          <a:lstStyle/>
+          <a:p>
+            <a:r>
+              <a:rPr lang="en-US" dirty="0" smtClean="0">
+                <a:solidFill>
+                  <a:srgbClr val="002060"/>
+                </a:solidFill>
+              </a:rPr>
+              <a:t>Relevant repo</a:t>
+            </a:r>
+            <a:endParaRPr lang="en-US" dirty="0">
+              <a:solidFill>
+                <a:srgbClr val="002060"/>
+              </a:solidFill>
+            </a:endParaRPr>
+          </a:p>
+        </p:txBody>
+      </p:sp>
+      <p:pic>
+        <p:nvPicPr>
+          <p:cNvPr id="7" name="Picture 6"/>
+          <p:cNvPicPr>
+            <a:picLocks noChangeAspect="1"/>
+          </p:cNvPicPr>
+          <p:nvPr/>
+        </p:nvPicPr>
+        <p:blipFill>
+          <a:blip r:embed="rId3"/>
+          <a:stretch>
+            <a:fillRect/>
+          </a:stretch>
+        </p:blipFill>
+        <p:spPr>
+          <a:xfrm>
+            <a:off x="6429982" y="523518"/>
+            <a:ext cx="5530222" cy="1187513"/>
+          </a:xfrm>
+          <a:prstGeom prst="rect">
+            <a:avLst/>
+          </a:prstGeom>
+        </p:spPr>
+      </p:pic>
+      <p:sp>
+        <p:nvSpPr>
+          <p:cNvPr id="8" name="TextBox 7"/>
+          <p:cNvSpPr txBox="1"/>
+          <p:nvPr/>
+        </p:nvSpPr>
+        <p:spPr>
+          <a:xfrm>
+            <a:off x="8134546" y="1711031"/>
+            <a:ext cx="2121093" cy="369332"/>
+          </a:xfrm>
+          <a:prstGeom prst="rect">
+            <a:avLst/>
+          </a:prstGeom>
+          <a:noFill/>
+        </p:spPr>
+        <p:txBody>
+          <a:bodyPr wrap="none" rtlCol="0">
+            <a:spAutoFit/>
+          </a:bodyPr>
+          <a:lstStyle/>
+          <a:p>
+            <a:r>
+              <a:rPr lang="en-US" dirty="0" smtClean="0">
+                <a:solidFill>
+                  <a:srgbClr val="002060"/>
+                </a:solidFill>
+              </a:rPr>
+              <a:t>Basic RAG answer</a:t>
+            </a:r>
+            <a:endParaRPr lang="en-US" dirty="0">
+              <a:solidFill>
+                <a:srgbClr val="002060"/>
+              </a:solidFill>
+            </a:endParaRPr>
+          </a:p>
+        </p:txBody>
+      </p:sp>
+      <p:sp>
+        <p:nvSpPr>
+          <p:cNvPr id="10" name="TextBox 9"/>
+          <p:cNvSpPr txBox="1"/>
+          <p:nvPr/>
+        </p:nvSpPr>
+        <p:spPr>
+          <a:xfrm>
+            <a:off x="7927454" y="4404678"/>
+            <a:ext cx="3954929" cy="369332"/>
+          </a:xfrm>
+          <a:prstGeom prst="rect">
+            <a:avLst/>
+          </a:prstGeom>
+          <a:noFill/>
+        </p:spPr>
+        <p:txBody>
+          <a:bodyPr wrap="none" rtlCol="0">
+            <a:spAutoFit/>
+          </a:bodyPr>
+          <a:lstStyle/>
+          <a:p>
+            <a:r>
+              <a:rPr lang="en-US" dirty="0" smtClean="0">
+                <a:solidFill>
+                  <a:srgbClr val="002060"/>
+                </a:solidFill>
+              </a:rPr>
+              <a:t>Answer with RAG context refinement</a:t>
+            </a:r>
+            <a:endParaRPr lang="en-US" dirty="0">
+              <a:solidFill>
+                <a:srgbClr val="002060"/>
+              </a:solidFill>
+            </a:endParaRPr>
+          </a:p>
+        </p:txBody>
+      </p:sp>
+      <p:pic>
+        <p:nvPicPr>
+          <p:cNvPr id="11" name="Picture 10"/>
+          <p:cNvPicPr>
+            <a:picLocks noChangeAspect="1"/>
+          </p:cNvPicPr>
+          <p:nvPr/>
+        </p:nvPicPr>
+        <p:blipFill>
+          <a:blip r:embed="rId4"/>
+          <a:stretch>
+            <a:fillRect/>
+          </a:stretch>
+        </p:blipFill>
+        <p:spPr>
+          <a:xfrm>
+            <a:off x="6966668" y="4783060"/>
+            <a:ext cx="5225332" cy="2074940"/>
+          </a:xfrm>
+          <a:prstGeom prst="rect">
+            <a:avLst/>
+          </a:prstGeom>
+        </p:spPr>
+      </p:pic>
+      <p:sp>
+        <p:nvSpPr>
+          <p:cNvPr id="12" name="Oval 11"/>
+          <p:cNvSpPr/>
+          <p:nvPr/>
+        </p:nvSpPr>
+        <p:spPr>
+          <a:xfrm>
+            <a:off x="9124545" y="6143412"/>
+            <a:ext cx="1799617" cy="510307"/>
+          </a:xfrm>
+          <a:prstGeom prst="ellipse">
+            <a:avLst/>
+          </a:prstGeom>
+          <a:noFill/>
+          <a:ln>
+            <a:solidFill>
+              <a:srgbClr val="FF0000"/>
+            </a:solidFill>
+          </a:ln>
+        </p:spPr>
+        <p:style>
+          <a:lnRef idx="2">
+            <a:schemeClr val="accent1">
+              <a:shade val="50000"/>
+            </a:schemeClr>
+          </a:lnRef>
+          <a:fillRef idx="1">
+            <a:schemeClr val="accent1"/>
+          </a:fillRef>
+          <a:effectRef idx="0">
+            <a:schemeClr val="accent1"/>
+          </a:effectRef>
+          <a:fontRef idx="minor">
+            <a:schemeClr val="lt1"/>
+          </a:fontRef>
+        </p:style>
+        <p:txBody>
+          <a:bodyPr rtlCol="0" anchor="ctr"/>
+          <a:lstStyle/>
+          <a:p>
+            <a:pPr algn="ctr"/>
+            <a:endParaRPr lang="en-US"/>
+          </a:p>
+        </p:txBody>
+      </p:sp>
+      <p:sp>
+        <p:nvSpPr>
+          <p:cNvPr id="13" name="Oval 12"/>
+          <p:cNvSpPr/>
+          <p:nvPr/>
+        </p:nvSpPr>
+        <p:spPr>
+          <a:xfrm>
+            <a:off x="302261" y="4885302"/>
+            <a:ext cx="2625765" cy="510307"/>
+          </a:xfrm>
+          <a:prstGeom prst="ellipse">
+            <a:avLst/>
+          </a:prstGeom>
+          <a:noFill/>
+          <a:ln>
+            <a:solidFill>
+              <a:srgbClr val="FF0000"/>
+            </a:solidFill>
+          </a:ln>
+        </p:spPr>
+        <p:style>
+          <a:lnRef idx="2">
+            <a:schemeClr val="accent1">
+              <a:shade val="50000"/>
+            </a:schemeClr>
+          </a:lnRef>
+          <a:fillRef idx="1">
+            <a:schemeClr val="accent1"/>
+          </a:fillRef>
+          <a:effectRef idx="0">
+            <a:schemeClr val="accent1"/>
+          </a:effectRef>
+          <a:fontRef idx="minor">
+            <a:schemeClr val="lt1"/>
+          </a:fontRef>
+        </p:style>
+        <p:txBody>
+          <a:bodyPr rtlCol="0" anchor="ctr"/>
+          <a:lstStyle/>
+          <a:p>
+            <a:pPr algn="ctr"/>
+            <a:endParaRPr lang="en-US"/>
+          </a:p>
+        </p:txBody>
+      </p:sp>
     </p:spTree>
     <p:extLst>
       <p:ext uri="{BB962C8B-B14F-4D97-AF65-F5344CB8AC3E}">
@@ -10908,7 +14785,7 @@
           <p:cNvPr id="4" name="TextBox 3">
             <a:extLst>
               <a:ext uri="{FF2B5EF4-FFF2-40B4-BE49-F238E27FC236}">
-                <a16:creationId xmlns:a16="http://schemas.microsoft.com/office/drawing/2014/main" id="{C9FF3A51-5321-A75D-DA04-2DED4272F352}"/>
+                <a16:creationId xmlns:a16="http://schemas.microsoft.com/office/drawing/2014/main" xmlns="" id="{C9FF3A51-5321-A75D-DA04-2DED4272F352}"/>
               </a:ext>
             </a:extLst>
           </p:cNvPr>
@@ -10946,7 +14823,7 @@
           <p:cNvPr id="5" name="TextBox 4">
             <a:extLst>
               <a:ext uri="{FF2B5EF4-FFF2-40B4-BE49-F238E27FC236}">
-                <a16:creationId xmlns:a16="http://schemas.microsoft.com/office/drawing/2014/main" id="{8AD9AB87-B69B-DFAC-5AF5-9188BB731F21}"/>
+                <a16:creationId xmlns:a16="http://schemas.microsoft.com/office/drawing/2014/main" xmlns="" id="{8AD9AB87-B69B-DFAC-5AF5-9188BB731F21}"/>
               </a:ext>
             </a:extLst>
           </p:cNvPr>
@@ -10993,7 +14870,7 @@
           <p:cNvPr id="6" name="TextBox 5">
             <a:extLst>
               <a:ext uri="{FF2B5EF4-FFF2-40B4-BE49-F238E27FC236}">
-                <a16:creationId xmlns:a16="http://schemas.microsoft.com/office/drawing/2014/main" id="{F503F7A2-D285-6817-258A-975F59A5B2B9}"/>
+                <a16:creationId xmlns:a16="http://schemas.microsoft.com/office/drawing/2014/main" xmlns="" id="{F503F7A2-D285-6817-258A-975F59A5B2B9}"/>
               </a:ext>
             </a:extLst>
           </p:cNvPr>
@@ -11040,7 +14917,7 @@
           <p:cNvPr id="7" name="TextBox 6">
             <a:extLst>
               <a:ext uri="{FF2B5EF4-FFF2-40B4-BE49-F238E27FC236}">
-                <a16:creationId xmlns:a16="http://schemas.microsoft.com/office/drawing/2014/main" id="{9CCB59BD-E2EA-EDF9-697B-8FA457FFBC7A}"/>
+                <a16:creationId xmlns:a16="http://schemas.microsoft.com/office/drawing/2014/main" xmlns="" id="{9CCB59BD-E2EA-EDF9-697B-8FA457FFBC7A}"/>
               </a:ext>
             </a:extLst>
           </p:cNvPr>
@@ -11087,7 +14964,7 @@
           <p:cNvPr id="8" name="TextBox 7">
             <a:extLst>
               <a:ext uri="{FF2B5EF4-FFF2-40B4-BE49-F238E27FC236}">
-                <a16:creationId xmlns:a16="http://schemas.microsoft.com/office/drawing/2014/main" id="{F949BE6A-3A9A-852F-A2ED-C11FB923EA3F}"/>
+                <a16:creationId xmlns:a16="http://schemas.microsoft.com/office/drawing/2014/main" xmlns="" id="{F949BE6A-3A9A-852F-A2ED-C11FB923EA3F}"/>
               </a:ext>
             </a:extLst>
           </p:cNvPr>
@@ -11125,7 +15002,7 @@
           <p:cNvPr id="10" name="TextBox 9">
             <a:extLst>
               <a:ext uri="{FF2B5EF4-FFF2-40B4-BE49-F238E27FC236}">
-                <a16:creationId xmlns:a16="http://schemas.microsoft.com/office/drawing/2014/main" id="{B02EB7D8-12CD-B832-EEA5-54A2043909BE}"/>
+                <a16:creationId xmlns:a16="http://schemas.microsoft.com/office/drawing/2014/main" xmlns="" id="{B02EB7D8-12CD-B832-EEA5-54A2043909BE}"/>
               </a:ext>
             </a:extLst>
           </p:cNvPr>
@@ -11163,7 +15040,7 @@
           <p:cNvPr id="11" name="TextBox 10">
             <a:extLst>
               <a:ext uri="{FF2B5EF4-FFF2-40B4-BE49-F238E27FC236}">
-                <a16:creationId xmlns:a16="http://schemas.microsoft.com/office/drawing/2014/main" id="{517A786D-FD70-8350-918D-7D376311368E}"/>
+                <a16:creationId xmlns:a16="http://schemas.microsoft.com/office/drawing/2014/main" xmlns="" id="{517A786D-FD70-8350-918D-7D376311368E}"/>
               </a:ext>
             </a:extLst>
           </p:cNvPr>
@@ -11201,7 +15078,7 @@
           <p:cNvPr id="12" name="TextBox 11">
             <a:extLst>
               <a:ext uri="{FF2B5EF4-FFF2-40B4-BE49-F238E27FC236}">
-                <a16:creationId xmlns:a16="http://schemas.microsoft.com/office/drawing/2014/main" id="{E5EBC5FF-3F57-C2E4-6A3E-C1A4EE05D77A}"/>
+                <a16:creationId xmlns:a16="http://schemas.microsoft.com/office/drawing/2014/main" xmlns="" id="{E5EBC5FF-3F57-C2E4-6A3E-C1A4EE05D77A}"/>
               </a:ext>
             </a:extLst>
           </p:cNvPr>
@@ -11248,7 +15125,7 @@
           <p:cNvPr id="13" name="TextBox 12">
             <a:extLst>
               <a:ext uri="{FF2B5EF4-FFF2-40B4-BE49-F238E27FC236}">
-                <a16:creationId xmlns:a16="http://schemas.microsoft.com/office/drawing/2014/main" id="{AB21377C-567C-98AE-D934-01725A1F908E}"/>
+                <a16:creationId xmlns:a16="http://schemas.microsoft.com/office/drawing/2014/main" xmlns="" id="{AB21377C-567C-98AE-D934-01725A1F908E}"/>
               </a:ext>
             </a:extLst>
           </p:cNvPr>
@@ -11286,7 +15163,7 @@
           <p:cNvPr id="2" name="TextBox 1">
             <a:extLst>
               <a:ext uri="{FF2B5EF4-FFF2-40B4-BE49-F238E27FC236}">
-                <a16:creationId xmlns:a16="http://schemas.microsoft.com/office/drawing/2014/main" id="{E270D7BA-9800-79D9-E9E4-382FBEE8A501}"/>
+                <a16:creationId xmlns:a16="http://schemas.microsoft.com/office/drawing/2014/main" xmlns="" id="{E270D7BA-9800-79D9-E9E4-382FBEE8A501}"/>
               </a:ext>
             </a:extLst>
           </p:cNvPr>
@@ -11342,7 +15219,7 @@
           <p:cNvPr id="3" name="Oval 2">
             <a:extLst>
               <a:ext uri="{FF2B5EF4-FFF2-40B4-BE49-F238E27FC236}">
-                <a16:creationId xmlns:a16="http://schemas.microsoft.com/office/drawing/2014/main" id="{6F978649-3BED-BE56-3569-905FD216BA6B}"/>
+                <a16:creationId xmlns:a16="http://schemas.microsoft.com/office/drawing/2014/main" xmlns="" id="{6F978649-3BED-BE56-3569-905FD216BA6B}"/>
               </a:ext>
             </a:extLst>
           </p:cNvPr>
@@ -11401,7 +15278,7 @@
           <p:cNvPr id="15" name="Straight Arrow Connector 14">
             <a:extLst>
               <a:ext uri="{FF2B5EF4-FFF2-40B4-BE49-F238E27FC236}">
-                <a16:creationId xmlns:a16="http://schemas.microsoft.com/office/drawing/2014/main" id="{EA1E7AE7-BF61-79D9-9A78-44324E45EA5B}"/>
+                <a16:creationId xmlns:a16="http://schemas.microsoft.com/office/drawing/2014/main" xmlns="" id="{EA1E7AE7-BF61-79D9-9A78-44324E45EA5B}"/>
               </a:ext>
             </a:extLst>
           </p:cNvPr>
@@ -11443,7 +15320,7 @@
           <p:cNvPr id="17" name="Straight Arrow Connector 16">
             <a:extLst>
               <a:ext uri="{FF2B5EF4-FFF2-40B4-BE49-F238E27FC236}">
-                <a16:creationId xmlns:a16="http://schemas.microsoft.com/office/drawing/2014/main" id="{B02AD414-92DA-6F6C-6E0A-5F66C70C0B06}"/>
+                <a16:creationId xmlns:a16="http://schemas.microsoft.com/office/drawing/2014/main" xmlns="" id="{B02AD414-92DA-6F6C-6E0A-5F66C70C0B06}"/>
               </a:ext>
             </a:extLst>
           </p:cNvPr>
@@ -11485,7 +15362,7 @@
           <p:cNvPr id="19" name="Straight Arrow Connector 18">
             <a:extLst>
               <a:ext uri="{FF2B5EF4-FFF2-40B4-BE49-F238E27FC236}">
-                <a16:creationId xmlns:a16="http://schemas.microsoft.com/office/drawing/2014/main" id="{B6E3F129-79D3-6F9A-4988-AA808257E783}"/>
+                <a16:creationId xmlns:a16="http://schemas.microsoft.com/office/drawing/2014/main" xmlns="" id="{B6E3F129-79D3-6F9A-4988-AA808257E783}"/>
               </a:ext>
             </a:extLst>
           </p:cNvPr>
@@ -11526,7 +15403,7 @@
           <p:cNvPr id="21" name="Straight Arrow Connector 20">
             <a:extLst>
               <a:ext uri="{FF2B5EF4-FFF2-40B4-BE49-F238E27FC236}">
-                <a16:creationId xmlns:a16="http://schemas.microsoft.com/office/drawing/2014/main" id="{A00A6EED-F5B0-D64D-06C5-DF923B35950A}"/>
+                <a16:creationId xmlns:a16="http://schemas.microsoft.com/office/drawing/2014/main" xmlns="" id="{A00A6EED-F5B0-D64D-06C5-DF923B35950A}"/>
               </a:ext>
             </a:extLst>
           </p:cNvPr>
@@ -11567,7 +15444,7 @@
           <p:cNvPr id="31" name="Straight Arrow Connector 30">
             <a:extLst>
               <a:ext uri="{FF2B5EF4-FFF2-40B4-BE49-F238E27FC236}">
-                <a16:creationId xmlns:a16="http://schemas.microsoft.com/office/drawing/2014/main" id="{FAA7FF4B-2293-C1D6-8B96-F44A993C385C}"/>
+                <a16:creationId xmlns:a16="http://schemas.microsoft.com/office/drawing/2014/main" xmlns="" id="{FAA7FF4B-2293-C1D6-8B96-F44A993C385C}"/>
               </a:ext>
             </a:extLst>
           </p:cNvPr>
@@ -11606,7 +15483,7 @@
           <p:cNvPr id="33" name="Straight Arrow Connector 32">
             <a:extLst>
               <a:ext uri="{FF2B5EF4-FFF2-40B4-BE49-F238E27FC236}">
-                <a16:creationId xmlns:a16="http://schemas.microsoft.com/office/drawing/2014/main" id="{5E38B088-171F-B484-02D4-AEE115A4BB50}"/>
+                <a16:creationId xmlns:a16="http://schemas.microsoft.com/office/drawing/2014/main" xmlns="" id="{5E38B088-171F-B484-02D4-AEE115A4BB50}"/>
               </a:ext>
             </a:extLst>
           </p:cNvPr>
@@ -11647,7 +15524,7 @@
           <p:cNvPr id="35" name="Freeform: Shape 34">
             <a:extLst>
               <a:ext uri="{FF2B5EF4-FFF2-40B4-BE49-F238E27FC236}">
-                <a16:creationId xmlns:a16="http://schemas.microsoft.com/office/drawing/2014/main" id="{D46CD3D2-79EE-7111-BF85-370A19A72FCB}"/>
+                <a16:creationId xmlns:a16="http://schemas.microsoft.com/office/drawing/2014/main" xmlns="" id="{D46CD3D2-79EE-7111-BF85-370A19A72FCB}"/>
               </a:ext>
             </a:extLst>
           </p:cNvPr>
@@ -11756,7 +15633,7 @@
           <p:cNvPr id="37" name="Straight Arrow Connector 36">
             <a:extLst>
               <a:ext uri="{FF2B5EF4-FFF2-40B4-BE49-F238E27FC236}">
-                <a16:creationId xmlns:a16="http://schemas.microsoft.com/office/drawing/2014/main" id="{F0E158DB-E90B-FF5E-5530-945EC656A527}"/>
+                <a16:creationId xmlns:a16="http://schemas.microsoft.com/office/drawing/2014/main" xmlns="" id="{F0E158DB-E90B-FF5E-5530-945EC656A527}"/>
               </a:ext>
             </a:extLst>
           </p:cNvPr>
@@ -11797,7 +15674,7 @@
           <p:cNvPr id="41" name="Straight Arrow Connector 40">
             <a:extLst>
               <a:ext uri="{FF2B5EF4-FFF2-40B4-BE49-F238E27FC236}">
-                <a16:creationId xmlns:a16="http://schemas.microsoft.com/office/drawing/2014/main" id="{B893F311-5EEE-6FCB-FB28-BD14B88D3446}"/>
+                <a16:creationId xmlns:a16="http://schemas.microsoft.com/office/drawing/2014/main" xmlns="" id="{B893F311-5EEE-6FCB-FB28-BD14B88D3446}"/>
               </a:ext>
             </a:extLst>
           </p:cNvPr>
@@ -11838,7 +15715,7 @@
           <p:cNvPr id="47" name="Straight Arrow Connector 46">
             <a:extLst>
               <a:ext uri="{FF2B5EF4-FFF2-40B4-BE49-F238E27FC236}">
-                <a16:creationId xmlns:a16="http://schemas.microsoft.com/office/drawing/2014/main" id="{08D162BC-743E-1AAF-4F16-C442E6BF7385}"/>
+                <a16:creationId xmlns:a16="http://schemas.microsoft.com/office/drawing/2014/main" xmlns="" id="{08D162BC-743E-1AAF-4F16-C442E6BF7385}"/>
               </a:ext>
             </a:extLst>
           </p:cNvPr>
@@ -11879,7 +15756,7 @@
           <p:cNvPr id="49" name="Straight Arrow Connector 48">
             <a:extLst>
               <a:ext uri="{FF2B5EF4-FFF2-40B4-BE49-F238E27FC236}">
-                <a16:creationId xmlns:a16="http://schemas.microsoft.com/office/drawing/2014/main" id="{2E05318E-FEC5-D6CC-84FB-80F67A1413F0}"/>
+                <a16:creationId xmlns:a16="http://schemas.microsoft.com/office/drawing/2014/main" xmlns="" id="{2E05318E-FEC5-D6CC-84FB-80F67A1413F0}"/>
               </a:ext>
             </a:extLst>
           </p:cNvPr>
@@ -11921,7 +15798,7 @@
           <p:cNvPr id="51" name="Straight Arrow Connector 50">
             <a:extLst>
               <a:ext uri="{FF2B5EF4-FFF2-40B4-BE49-F238E27FC236}">
-                <a16:creationId xmlns:a16="http://schemas.microsoft.com/office/drawing/2014/main" id="{A9096C41-1CEB-8C0C-CA2C-76A1EE03F123}"/>
+                <a16:creationId xmlns:a16="http://schemas.microsoft.com/office/drawing/2014/main" xmlns="" id="{A9096C41-1CEB-8C0C-CA2C-76A1EE03F123}"/>
               </a:ext>
             </a:extLst>
           </p:cNvPr>
@@ -11963,7 +15840,7 @@
           <p:cNvPr id="55" name="Straight Arrow Connector 54">
             <a:extLst>
               <a:ext uri="{FF2B5EF4-FFF2-40B4-BE49-F238E27FC236}">
-                <a16:creationId xmlns:a16="http://schemas.microsoft.com/office/drawing/2014/main" id="{BA8F84D9-CC7F-D4AC-D5B0-EC39BC0F2555}"/>
+                <a16:creationId xmlns:a16="http://schemas.microsoft.com/office/drawing/2014/main" xmlns="" id="{BA8F84D9-CC7F-D4AC-D5B0-EC39BC0F2555}"/>
               </a:ext>
             </a:extLst>
           </p:cNvPr>
@@ -12005,7 +15882,7 @@
           <p:cNvPr id="59" name="Straight Arrow Connector 58">
             <a:extLst>
               <a:ext uri="{FF2B5EF4-FFF2-40B4-BE49-F238E27FC236}">
-                <a16:creationId xmlns:a16="http://schemas.microsoft.com/office/drawing/2014/main" id="{25844060-6594-E0AB-BE76-E9DAFDFA09D5}"/>
+                <a16:creationId xmlns:a16="http://schemas.microsoft.com/office/drawing/2014/main" xmlns="" id="{25844060-6594-E0AB-BE76-E9DAFDFA09D5}"/>
               </a:ext>
             </a:extLst>
           </p:cNvPr>
@@ -12047,7 +15924,7 @@
           <p:cNvPr id="61" name="Oval 60">
             <a:extLst>
               <a:ext uri="{FF2B5EF4-FFF2-40B4-BE49-F238E27FC236}">
-                <a16:creationId xmlns:a16="http://schemas.microsoft.com/office/drawing/2014/main" id="{02E969FF-E2F8-2D10-9D2A-806F8341E7BD}"/>
+                <a16:creationId xmlns:a16="http://schemas.microsoft.com/office/drawing/2014/main" xmlns="" id="{02E969FF-E2F8-2D10-9D2A-806F8341E7BD}"/>
               </a:ext>
             </a:extLst>
           </p:cNvPr>
@@ -12117,7 +15994,7 @@
           <p:cNvPr id="18" name="Straight Arrow Connector 17">
             <a:extLst>
               <a:ext uri="{FF2B5EF4-FFF2-40B4-BE49-F238E27FC236}">
-                <a16:creationId xmlns:a16="http://schemas.microsoft.com/office/drawing/2014/main" id="{BAFECE93-3A5F-47DB-DEF6-BCDE1FA4985F}"/>
+                <a16:creationId xmlns:a16="http://schemas.microsoft.com/office/drawing/2014/main" xmlns="" id="{BAFECE93-3A5F-47DB-DEF6-BCDE1FA4985F}"/>
               </a:ext>
             </a:extLst>
           </p:cNvPr>
@@ -12156,7 +16033,7 @@
           <p:cNvPr id="20" name="TextBox 19">
             <a:extLst>
               <a:ext uri="{FF2B5EF4-FFF2-40B4-BE49-F238E27FC236}">
-                <a16:creationId xmlns:a16="http://schemas.microsoft.com/office/drawing/2014/main" id="{E4A6F6C1-9C79-D420-922A-1B65A47DD5B1}"/>
+                <a16:creationId xmlns:a16="http://schemas.microsoft.com/office/drawing/2014/main" xmlns="" id="{E4A6F6C1-9C79-D420-922A-1B65A47DD5B1}"/>
               </a:ext>
             </a:extLst>
           </p:cNvPr>

--- a/docs/rag-context-refinement-agent-presentation.pptx
+++ b/docs/rag-context-refinement-agent-presentation.pptx
@@ -579,7 +579,7 @@
           <p:cNvPr id="2" name="Title 1">
             <a:extLst>
               <a:ext uri="{FF2B5EF4-FFF2-40B4-BE49-F238E27FC236}">
-                <a16:creationId xmlns:a16="http://schemas.microsoft.com/office/drawing/2014/main" xmlns="" id="{044A60CC-949B-FAB0-25BE-81D158CA6D9D}"/>
+                <a16:creationId xmlns="" xmlns:a16="http://schemas.microsoft.com/office/drawing/2014/main" id="{044A60CC-949B-FAB0-25BE-81D158CA6D9D}"/>
               </a:ext>
             </a:extLst>
           </p:cNvPr>
@@ -616,7 +616,7 @@
           <p:cNvPr id="3" name="Subtitle 2">
             <a:extLst>
               <a:ext uri="{FF2B5EF4-FFF2-40B4-BE49-F238E27FC236}">
-                <a16:creationId xmlns:a16="http://schemas.microsoft.com/office/drawing/2014/main" xmlns="" id="{EF1D289B-AB3C-0FB2-2718-6246BEC6C6CD}"/>
+                <a16:creationId xmlns="" xmlns:a16="http://schemas.microsoft.com/office/drawing/2014/main" id="{EF1D289B-AB3C-0FB2-2718-6246BEC6C6CD}"/>
               </a:ext>
             </a:extLst>
           </p:cNvPr>
@@ -686,7 +686,7 @@
           <p:cNvPr id="4" name="Date Placeholder 3">
             <a:extLst>
               <a:ext uri="{FF2B5EF4-FFF2-40B4-BE49-F238E27FC236}">
-                <a16:creationId xmlns:a16="http://schemas.microsoft.com/office/drawing/2014/main" xmlns="" id="{07D598FE-A990-4A13-BC58-FD382D85B8F2}"/>
+                <a16:creationId xmlns="" xmlns:a16="http://schemas.microsoft.com/office/drawing/2014/main" id="{07D598FE-A990-4A13-BC58-FD382D85B8F2}"/>
               </a:ext>
             </a:extLst>
           </p:cNvPr>
@@ -715,7 +715,7 @@
           <p:cNvPr id="5" name="Footer Placeholder 4">
             <a:extLst>
               <a:ext uri="{FF2B5EF4-FFF2-40B4-BE49-F238E27FC236}">
-                <a16:creationId xmlns:a16="http://schemas.microsoft.com/office/drawing/2014/main" xmlns="" id="{9DBDD0E0-FADA-2B40-B985-325D179E909C}"/>
+                <a16:creationId xmlns="" xmlns:a16="http://schemas.microsoft.com/office/drawing/2014/main" id="{9DBDD0E0-FADA-2B40-B985-325D179E909C}"/>
               </a:ext>
             </a:extLst>
           </p:cNvPr>
@@ -740,7 +740,7 @@
           <p:cNvPr id="6" name="Slide Number Placeholder 5">
             <a:extLst>
               <a:ext uri="{FF2B5EF4-FFF2-40B4-BE49-F238E27FC236}">
-                <a16:creationId xmlns:a16="http://schemas.microsoft.com/office/drawing/2014/main" xmlns="" id="{088BA687-6633-364F-49F8-76AE05805325}"/>
+                <a16:creationId xmlns="" xmlns:a16="http://schemas.microsoft.com/office/drawing/2014/main" id="{088BA687-6633-364F-49F8-76AE05805325}"/>
               </a:ext>
             </a:extLst>
           </p:cNvPr>
@@ -799,7 +799,7 @@
           <p:cNvPr id="2" name="Title 1">
             <a:extLst>
               <a:ext uri="{FF2B5EF4-FFF2-40B4-BE49-F238E27FC236}">
-                <a16:creationId xmlns:a16="http://schemas.microsoft.com/office/drawing/2014/main" xmlns="" id="{515678E7-FCA9-45F2-FCC5-793AB41D4F47}"/>
+                <a16:creationId xmlns="" xmlns:a16="http://schemas.microsoft.com/office/drawing/2014/main" id="{515678E7-FCA9-45F2-FCC5-793AB41D4F47}"/>
               </a:ext>
             </a:extLst>
           </p:cNvPr>
@@ -827,7 +827,7 @@
           <p:cNvPr id="3" name="Vertical Text Placeholder 2">
             <a:extLst>
               <a:ext uri="{FF2B5EF4-FFF2-40B4-BE49-F238E27FC236}">
-                <a16:creationId xmlns:a16="http://schemas.microsoft.com/office/drawing/2014/main" xmlns="" id="{34A096D9-6EF0-3F83-BEA5-43C842A9954F}"/>
+                <a16:creationId xmlns="" xmlns:a16="http://schemas.microsoft.com/office/drawing/2014/main" id="{34A096D9-6EF0-3F83-BEA5-43C842A9954F}"/>
               </a:ext>
             </a:extLst>
           </p:cNvPr>
@@ -884,7 +884,7 @@
           <p:cNvPr id="4" name="Date Placeholder 3">
             <a:extLst>
               <a:ext uri="{FF2B5EF4-FFF2-40B4-BE49-F238E27FC236}">
-                <a16:creationId xmlns:a16="http://schemas.microsoft.com/office/drawing/2014/main" xmlns="" id="{F3D85A56-0D2F-D33F-82B1-600551CCAE0C}"/>
+                <a16:creationId xmlns="" xmlns:a16="http://schemas.microsoft.com/office/drawing/2014/main" id="{F3D85A56-0D2F-D33F-82B1-600551CCAE0C}"/>
               </a:ext>
             </a:extLst>
           </p:cNvPr>
@@ -913,7 +913,7 @@
           <p:cNvPr id="5" name="Footer Placeholder 4">
             <a:extLst>
               <a:ext uri="{FF2B5EF4-FFF2-40B4-BE49-F238E27FC236}">
-                <a16:creationId xmlns:a16="http://schemas.microsoft.com/office/drawing/2014/main" xmlns="" id="{2D94697D-77C4-7461-C232-85DB25EA3400}"/>
+                <a16:creationId xmlns="" xmlns:a16="http://schemas.microsoft.com/office/drawing/2014/main" id="{2D94697D-77C4-7461-C232-85DB25EA3400}"/>
               </a:ext>
             </a:extLst>
           </p:cNvPr>
@@ -938,7 +938,7 @@
           <p:cNvPr id="6" name="Slide Number Placeholder 5">
             <a:extLst>
               <a:ext uri="{FF2B5EF4-FFF2-40B4-BE49-F238E27FC236}">
-                <a16:creationId xmlns:a16="http://schemas.microsoft.com/office/drawing/2014/main" xmlns="" id="{9AE9DC1C-FB82-0FC6-D6F7-2878690F75F5}"/>
+                <a16:creationId xmlns="" xmlns:a16="http://schemas.microsoft.com/office/drawing/2014/main" id="{9AE9DC1C-FB82-0FC6-D6F7-2878690F75F5}"/>
               </a:ext>
             </a:extLst>
           </p:cNvPr>
@@ -997,7 +997,7 @@
           <p:cNvPr id="2" name="Vertical Title 1">
             <a:extLst>
               <a:ext uri="{FF2B5EF4-FFF2-40B4-BE49-F238E27FC236}">
-                <a16:creationId xmlns:a16="http://schemas.microsoft.com/office/drawing/2014/main" xmlns="" id="{F3F621A4-62DE-CF24-CCA1-5B66AE37D5E0}"/>
+                <a16:creationId xmlns="" xmlns:a16="http://schemas.microsoft.com/office/drawing/2014/main" id="{F3F621A4-62DE-CF24-CCA1-5B66AE37D5E0}"/>
               </a:ext>
             </a:extLst>
           </p:cNvPr>
@@ -1030,7 +1030,7 @@
           <p:cNvPr id="3" name="Vertical Text Placeholder 2">
             <a:extLst>
               <a:ext uri="{FF2B5EF4-FFF2-40B4-BE49-F238E27FC236}">
-                <a16:creationId xmlns:a16="http://schemas.microsoft.com/office/drawing/2014/main" xmlns="" id="{E8A25FF5-5364-23AA-B746-C36898B8250C}"/>
+                <a16:creationId xmlns="" xmlns:a16="http://schemas.microsoft.com/office/drawing/2014/main" id="{E8A25FF5-5364-23AA-B746-C36898B8250C}"/>
               </a:ext>
             </a:extLst>
           </p:cNvPr>
@@ -1092,7 +1092,7 @@
           <p:cNvPr id="4" name="Date Placeholder 3">
             <a:extLst>
               <a:ext uri="{FF2B5EF4-FFF2-40B4-BE49-F238E27FC236}">
-                <a16:creationId xmlns:a16="http://schemas.microsoft.com/office/drawing/2014/main" xmlns="" id="{426F0EDC-0375-776F-7FE5-F2AF48C9FE51}"/>
+                <a16:creationId xmlns="" xmlns:a16="http://schemas.microsoft.com/office/drawing/2014/main" id="{426F0EDC-0375-776F-7FE5-F2AF48C9FE51}"/>
               </a:ext>
             </a:extLst>
           </p:cNvPr>
@@ -1121,7 +1121,7 @@
           <p:cNvPr id="5" name="Footer Placeholder 4">
             <a:extLst>
               <a:ext uri="{FF2B5EF4-FFF2-40B4-BE49-F238E27FC236}">
-                <a16:creationId xmlns:a16="http://schemas.microsoft.com/office/drawing/2014/main" xmlns="" id="{0962B6B3-087D-97F1-7C8E-318294504045}"/>
+                <a16:creationId xmlns="" xmlns:a16="http://schemas.microsoft.com/office/drawing/2014/main" id="{0962B6B3-087D-97F1-7C8E-318294504045}"/>
               </a:ext>
             </a:extLst>
           </p:cNvPr>
@@ -1146,7 +1146,7 @@
           <p:cNvPr id="6" name="Slide Number Placeholder 5">
             <a:extLst>
               <a:ext uri="{FF2B5EF4-FFF2-40B4-BE49-F238E27FC236}">
-                <a16:creationId xmlns:a16="http://schemas.microsoft.com/office/drawing/2014/main" xmlns="" id="{7B35D3FB-4C11-B1FE-10C2-12606A94D343}"/>
+                <a16:creationId xmlns="" xmlns:a16="http://schemas.microsoft.com/office/drawing/2014/main" id="{7B35D3FB-4C11-B1FE-10C2-12606A94D343}"/>
               </a:ext>
             </a:extLst>
           </p:cNvPr>
@@ -1205,7 +1205,7 @@
           <p:cNvPr id="2" name="Title 1">
             <a:extLst>
               <a:ext uri="{FF2B5EF4-FFF2-40B4-BE49-F238E27FC236}">
-                <a16:creationId xmlns:a16="http://schemas.microsoft.com/office/drawing/2014/main" xmlns="" id="{CD579E76-94DA-FC4D-F768-7E239F93BFD1}"/>
+                <a16:creationId xmlns="" xmlns:a16="http://schemas.microsoft.com/office/drawing/2014/main" id="{CD579E76-94DA-FC4D-F768-7E239F93BFD1}"/>
               </a:ext>
             </a:extLst>
           </p:cNvPr>
@@ -1233,7 +1233,7 @@
           <p:cNvPr id="3" name="Content Placeholder 2">
             <a:extLst>
               <a:ext uri="{FF2B5EF4-FFF2-40B4-BE49-F238E27FC236}">
-                <a16:creationId xmlns:a16="http://schemas.microsoft.com/office/drawing/2014/main" xmlns="" id="{AC07A661-79E1-A591-2252-A66C76E186E2}"/>
+                <a16:creationId xmlns="" xmlns:a16="http://schemas.microsoft.com/office/drawing/2014/main" id="{AC07A661-79E1-A591-2252-A66C76E186E2}"/>
               </a:ext>
             </a:extLst>
           </p:cNvPr>
@@ -1290,7 +1290,7 @@
           <p:cNvPr id="4" name="Date Placeholder 3">
             <a:extLst>
               <a:ext uri="{FF2B5EF4-FFF2-40B4-BE49-F238E27FC236}">
-                <a16:creationId xmlns:a16="http://schemas.microsoft.com/office/drawing/2014/main" xmlns="" id="{45C35C6D-86F4-D91A-9382-6E8008494036}"/>
+                <a16:creationId xmlns="" xmlns:a16="http://schemas.microsoft.com/office/drawing/2014/main" id="{45C35C6D-86F4-D91A-9382-6E8008494036}"/>
               </a:ext>
             </a:extLst>
           </p:cNvPr>
@@ -1319,7 +1319,7 @@
           <p:cNvPr id="5" name="Footer Placeholder 4">
             <a:extLst>
               <a:ext uri="{FF2B5EF4-FFF2-40B4-BE49-F238E27FC236}">
-                <a16:creationId xmlns:a16="http://schemas.microsoft.com/office/drawing/2014/main" xmlns="" id="{C7645B3C-0F2C-3C73-8673-77AF3CB1D4BB}"/>
+                <a16:creationId xmlns="" xmlns:a16="http://schemas.microsoft.com/office/drawing/2014/main" id="{C7645B3C-0F2C-3C73-8673-77AF3CB1D4BB}"/>
               </a:ext>
             </a:extLst>
           </p:cNvPr>
@@ -1344,7 +1344,7 @@
           <p:cNvPr id="6" name="Slide Number Placeholder 5">
             <a:extLst>
               <a:ext uri="{FF2B5EF4-FFF2-40B4-BE49-F238E27FC236}">
-                <a16:creationId xmlns:a16="http://schemas.microsoft.com/office/drawing/2014/main" xmlns="" id="{8AE89C1D-6EE3-F581-D778-E8D30DC30A43}"/>
+                <a16:creationId xmlns="" xmlns:a16="http://schemas.microsoft.com/office/drawing/2014/main" id="{8AE89C1D-6EE3-F581-D778-E8D30DC30A43}"/>
               </a:ext>
             </a:extLst>
           </p:cNvPr>
@@ -1403,7 +1403,7 @@
           <p:cNvPr id="2" name="Title 1">
             <a:extLst>
               <a:ext uri="{FF2B5EF4-FFF2-40B4-BE49-F238E27FC236}">
-                <a16:creationId xmlns:a16="http://schemas.microsoft.com/office/drawing/2014/main" xmlns="" id="{A80739E8-07E7-C866-6CBA-01855558250F}"/>
+                <a16:creationId xmlns="" xmlns:a16="http://schemas.microsoft.com/office/drawing/2014/main" id="{A80739E8-07E7-C866-6CBA-01855558250F}"/>
               </a:ext>
             </a:extLst>
           </p:cNvPr>
@@ -1440,7 +1440,7 @@
           <p:cNvPr id="3" name="Text Placeholder 2">
             <a:extLst>
               <a:ext uri="{FF2B5EF4-FFF2-40B4-BE49-F238E27FC236}">
-                <a16:creationId xmlns:a16="http://schemas.microsoft.com/office/drawing/2014/main" xmlns="" id="{74351F24-62FB-7572-F7AD-9970A9BDE478}"/>
+                <a16:creationId xmlns="" xmlns:a16="http://schemas.microsoft.com/office/drawing/2014/main" id="{74351F24-62FB-7572-F7AD-9970A9BDE478}"/>
               </a:ext>
             </a:extLst>
           </p:cNvPr>
@@ -1565,7 +1565,7 @@
           <p:cNvPr id="4" name="Date Placeholder 3">
             <a:extLst>
               <a:ext uri="{FF2B5EF4-FFF2-40B4-BE49-F238E27FC236}">
-                <a16:creationId xmlns:a16="http://schemas.microsoft.com/office/drawing/2014/main" xmlns="" id="{E74445B0-8A6F-6FD4-6971-54F570305ACB}"/>
+                <a16:creationId xmlns="" xmlns:a16="http://schemas.microsoft.com/office/drawing/2014/main" id="{E74445B0-8A6F-6FD4-6971-54F570305ACB}"/>
               </a:ext>
             </a:extLst>
           </p:cNvPr>
@@ -1594,7 +1594,7 @@
           <p:cNvPr id="5" name="Footer Placeholder 4">
             <a:extLst>
               <a:ext uri="{FF2B5EF4-FFF2-40B4-BE49-F238E27FC236}">
-                <a16:creationId xmlns:a16="http://schemas.microsoft.com/office/drawing/2014/main" xmlns="" id="{E3304506-752A-2589-4EA8-C3F48EE5300C}"/>
+                <a16:creationId xmlns="" xmlns:a16="http://schemas.microsoft.com/office/drawing/2014/main" id="{E3304506-752A-2589-4EA8-C3F48EE5300C}"/>
               </a:ext>
             </a:extLst>
           </p:cNvPr>
@@ -1619,7 +1619,7 @@
           <p:cNvPr id="6" name="Slide Number Placeholder 5">
             <a:extLst>
               <a:ext uri="{FF2B5EF4-FFF2-40B4-BE49-F238E27FC236}">
-                <a16:creationId xmlns:a16="http://schemas.microsoft.com/office/drawing/2014/main" xmlns="" id="{184DF55F-4F32-5BB1-9DDD-CA26824905EF}"/>
+                <a16:creationId xmlns="" xmlns:a16="http://schemas.microsoft.com/office/drawing/2014/main" id="{184DF55F-4F32-5BB1-9DDD-CA26824905EF}"/>
               </a:ext>
             </a:extLst>
           </p:cNvPr>
@@ -1678,7 +1678,7 @@
           <p:cNvPr id="2" name="Title 1">
             <a:extLst>
               <a:ext uri="{FF2B5EF4-FFF2-40B4-BE49-F238E27FC236}">
-                <a16:creationId xmlns:a16="http://schemas.microsoft.com/office/drawing/2014/main" xmlns="" id="{99CFE652-BE61-DD21-1027-FADC3724C4AD}"/>
+                <a16:creationId xmlns="" xmlns:a16="http://schemas.microsoft.com/office/drawing/2014/main" id="{99CFE652-BE61-DD21-1027-FADC3724C4AD}"/>
               </a:ext>
             </a:extLst>
           </p:cNvPr>
@@ -1706,7 +1706,7 @@
           <p:cNvPr id="3" name="Content Placeholder 2">
             <a:extLst>
               <a:ext uri="{FF2B5EF4-FFF2-40B4-BE49-F238E27FC236}">
-                <a16:creationId xmlns:a16="http://schemas.microsoft.com/office/drawing/2014/main" xmlns="" id="{4D21250C-2C76-92E1-7B48-D1545444D852}"/>
+                <a16:creationId xmlns="" xmlns:a16="http://schemas.microsoft.com/office/drawing/2014/main" id="{4D21250C-2C76-92E1-7B48-D1545444D852}"/>
               </a:ext>
             </a:extLst>
           </p:cNvPr>
@@ -1768,7 +1768,7 @@
           <p:cNvPr id="4" name="Content Placeholder 3">
             <a:extLst>
               <a:ext uri="{FF2B5EF4-FFF2-40B4-BE49-F238E27FC236}">
-                <a16:creationId xmlns:a16="http://schemas.microsoft.com/office/drawing/2014/main" xmlns="" id="{D323F3FC-7FAC-2E58-2629-554BA9727BCB}"/>
+                <a16:creationId xmlns="" xmlns:a16="http://schemas.microsoft.com/office/drawing/2014/main" id="{D323F3FC-7FAC-2E58-2629-554BA9727BCB}"/>
               </a:ext>
             </a:extLst>
           </p:cNvPr>
@@ -1830,7 +1830,7 @@
           <p:cNvPr id="5" name="Date Placeholder 4">
             <a:extLst>
               <a:ext uri="{FF2B5EF4-FFF2-40B4-BE49-F238E27FC236}">
-                <a16:creationId xmlns:a16="http://schemas.microsoft.com/office/drawing/2014/main" xmlns="" id="{A919E9C9-B7AE-3A3A-4D8C-B7CA38C0458E}"/>
+                <a16:creationId xmlns="" xmlns:a16="http://schemas.microsoft.com/office/drawing/2014/main" id="{A919E9C9-B7AE-3A3A-4D8C-B7CA38C0458E}"/>
               </a:ext>
             </a:extLst>
           </p:cNvPr>
@@ -1859,7 +1859,7 @@
           <p:cNvPr id="6" name="Footer Placeholder 5">
             <a:extLst>
               <a:ext uri="{FF2B5EF4-FFF2-40B4-BE49-F238E27FC236}">
-                <a16:creationId xmlns:a16="http://schemas.microsoft.com/office/drawing/2014/main" xmlns="" id="{7478412B-1833-AEEF-1D1F-84E757F208AD}"/>
+                <a16:creationId xmlns="" xmlns:a16="http://schemas.microsoft.com/office/drawing/2014/main" id="{7478412B-1833-AEEF-1D1F-84E757F208AD}"/>
               </a:ext>
             </a:extLst>
           </p:cNvPr>
@@ -1884,7 +1884,7 @@
           <p:cNvPr id="7" name="Slide Number Placeholder 6">
             <a:extLst>
               <a:ext uri="{FF2B5EF4-FFF2-40B4-BE49-F238E27FC236}">
-                <a16:creationId xmlns:a16="http://schemas.microsoft.com/office/drawing/2014/main" xmlns="" id="{FEA61BED-9C8A-B8C8-B44A-3F9DE6D9DFBE}"/>
+                <a16:creationId xmlns="" xmlns:a16="http://schemas.microsoft.com/office/drawing/2014/main" id="{FEA61BED-9C8A-B8C8-B44A-3F9DE6D9DFBE}"/>
               </a:ext>
             </a:extLst>
           </p:cNvPr>
@@ -1943,7 +1943,7 @@
           <p:cNvPr id="2" name="Title 1">
             <a:extLst>
               <a:ext uri="{FF2B5EF4-FFF2-40B4-BE49-F238E27FC236}">
-                <a16:creationId xmlns:a16="http://schemas.microsoft.com/office/drawing/2014/main" xmlns="" id="{FE2CF521-30CB-5F72-EE3F-A0CF434E7BF0}"/>
+                <a16:creationId xmlns="" xmlns:a16="http://schemas.microsoft.com/office/drawing/2014/main" id="{FE2CF521-30CB-5F72-EE3F-A0CF434E7BF0}"/>
               </a:ext>
             </a:extLst>
           </p:cNvPr>
@@ -1976,7 +1976,7 @@
           <p:cNvPr id="3" name="Text Placeholder 2">
             <a:extLst>
               <a:ext uri="{FF2B5EF4-FFF2-40B4-BE49-F238E27FC236}">
-                <a16:creationId xmlns:a16="http://schemas.microsoft.com/office/drawing/2014/main" xmlns="" id="{1C68B6C3-63F0-0809-A78C-7AC8B0EB64C1}"/>
+                <a16:creationId xmlns="" xmlns:a16="http://schemas.microsoft.com/office/drawing/2014/main" id="{1C68B6C3-63F0-0809-A78C-7AC8B0EB64C1}"/>
               </a:ext>
             </a:extLst>
           </p:cNvPr>
@@ -2047,7 +2047,7 @@
           <p:cNvPr id="4" name="Content Placeholder 3">
             <a:extLst>
               <a:ext uri="{FF2B5EF4-FFF2-40B4-BE49-F238E27FC236}">
-                <a16:creationId xmlns:a16="http://schemas.microsoft.com/office/drawing/2014/main" xmlns="" id="{AB76C20F-17CE-F413-86A6-88DD4BA8E28F}"/>
+                <a16:creationId xmlns="" xmlns:a16="http://schemas.microsoft.com/office/drawing/2014/main" id="{AB76C20F-17CE-F413-86A6-88DD4BA8E28F}"/>
               </a:ext>
             </a:extLst>
           </p:cNvPr>
@@ -2109,7 +2109,7 @@
           <p:cNvPr id="5" name="Text Placeholder 4">
             <a:extLst>
               <a:ext uri="{FF2B5EF4-FFF2-40B4-BE49-F238E27FC236}">
-                <a16:creationId xmlns:a16="http://schemas.microsoft.com/office/drawing/2014/main" xmlns="" id="{B5819689-0E16-E3DA-AC75-0AECA9AFB09E}"/>
+                <a16:creationId xmlns="" xmlns:a16="http://schemas.microsoft.com/office/drawing/2014/main" id="{B5819689-0E16-E3DA-AC75-0AECA9AFB09E}"/>
               </a:ext>
             </a:extLst>
           </p:cNvPr>
@@ -2180,7 +2180,7 @@
           <p:cNvPr id="6" name="Content Placeholder 5">
             <a:extLst>
               <a:ext uri="{FF2B5EF4-FFF2-40B4-BE49-F238E27FC236}">
-                <a16:creationId xmlns:a16="http://schemas.microsoft.com/office/drawing/2014/main" xmlns="" id="{5DA67D62-6845-535F-2531-FC3A4D2E8F9E}"/>
+                <a16:creationId xmlns="" xmlns:a16="http://schemas.microsoft.com/office/drawing/2014/main" id="{5DA67D62-6845-535F-2531-FC3A4D2E8F9E}"/>
               </a:ext>
             </a:extLst>
           </p:cNvPr>
@@ -2242,7 +2242,7 @@
           <p:cNvPr id="7" name="Date Placeholder 6">
             <a:extLst>
               <a:ext uri="{FF2B5EF4-FFF2-40B4-BE49-F238E27FC236}">
-                <a16:creationId xmlns:a16="http://schemas.microsoft.com/office/drawing/2014/main" xmlns="" id="{C07D53AB-8A1B-45D2-4A3E-BD22CE0F622D}"/>
+                <a16:creationId xmlns="" xmlns:a16="http://schemas.microsoft.com/office/drawing/2014/main" id="{C07D53AB-8A1B-45D2-4A3E-BD22CE0F622D}"/>
               </a:ext>
             </a:extLst>
           </p:cNvPr>
@@ -2271,7 +2271,7 @@
           <p:cNvPr id="8" name="Footer Placeholder 7">
             <a:extLst>
               <a:ext uri="{FF2B5EF4-FFF2-40B4-BE49-F238E27FC236}">
-                <a16:creationId xmlns:a16="http://schemas.microsoft.com/office/drawing/2014/main" xmlns="" id="{6962B04F-4DF7-D5F9-6B93-25EA4608F76E}"/>
+                <a16:creationId xmlns="" xmlns:a16="http://schemas.microsoft.com/office/drawing/2014/main" id="{6962B04F-4DF7-D5F9-6B93-25EA4608F76E}"/>
               </a:ext>
             </a:extLst>
           </p:cNvPr>
@@ -2296,7 +2296,7 @@
           <p:cNvPr id="9" name="Slide Number Placeholder 8">
             <a:extLst>
               <a:ext uri="{FF2B5EF4-FFF2-40B4-BE49-F238E27FC236}">
-                <a16:creationId xmlns:a16="http://schemas.microsoft.com/office/drawing/2014/main" xmlns="" id="{038218CB-F96C-5C40-980A-4195C10E80C5}"/>
+                <a16:creationId xmlns="" xmlns:a16="http://schemas.microsoft.com/office/drawing/2014/main" id="{038218CB-F96C-5C40-980A-4195C10E80C5}"/>
               </a:ext>
             </a:extLst>
           </p:cNvPr>
@@ -2355,7 +2355,7 @@
           <p:cNvPr id="2" name="Title 1">
             <a:extLst>
               <a:ext uri="{FF2B5EF4-FFF2-40B4-BE49-F238E27FC236}">
-                <a16:creationId xmlns:a16="http://schemas.microsoft.com/office/drawing/2014/main" xmlns="" id="{E687237E-3B97-E963-A9D0-10477AD2C592}"/>
+                <a16:creationId xmlns="" xmlns:a16="http://schemas.microsoft.com/office/drawing/2014/main" id="{E687237E-3B97-E963-A9D0-10477AD2C592}"/>
               </a:ext>
             </a:extLst>
           </p:cNvPr>
@@ -2383,7 +2383,7 @@
           <p:cNvPr id="3" name="Date Placeholder 2">
             <a:extLst>
               <a:ext uri="{FF2B5EF4-FFF2-40B4-BE49-F238E27FC236}">
-                <a16:creationId xmlns:a16="http://schemas.microsoft.com/office/drawing/2014/main" xmlns="" id="{6724D184-2393-A282-C53B-A45F6258E331}"/>
+                <a16:creationId xmlns="" xmlns:a16="http://schemas.microsoft.com/office/drawing/2014/main" id="{6724D184-2393-A282-C53B-A45F6258E331}"/>
               </a:ext>
             </a:extLst>
           </p:cNvPr>
@@ -2412,7 +2412,7 @@
           <p:cNvPr id="4" name="Footer Placeholder 3">
             <a:extLst>
               <a:ext uri="{FF2B5EF4-FFF2-40B4-BE49-F238E27FC236}">
-                <a16:creationId xmlns:a16="http://schemas.microsoft.com/office/drawing/2014/main" xmlns="" id="{02334108-5476-06BB-C061-FAD8C55CA6ED}"/>
+                <a16:creationId xmlns="" xmlns:a16="http://schemas.microsoft.com/office/drawing/2014/main" id="{02334108-5476-06BB-C061-FAD8C55CA6ED}"/>
               </a:ext>
             </a:extLst>
           </p:cNvPr>
@@ -2437,7 +2437,7 @@
           <p:cNvPr id="5" name="Slide Number Placeholder 4">
             <a:extLst>
               <a:ext uri="{FF2B5EF4-FFF2-40B4-BE49-F238E27FC236}">
-                <a16:creationId xmlns:a16="http://schemas.microsoft.com/office/drawing/2014/main" xmlns="" id="{5A19C6D1-BF4A-ABDA-51A2-3B63E648E0A6}"/>
+                <a16:creationId xmlns="" xmlns:a16="http://schemas.microsoft.com/office/drawing/2014/main" id="{5A19C6D1-BF4A-ABDA-51A2-3B63E648E0A6}"/>
               </a:ext>
             </a:extLst>
           </p:cNvPr>
@@ -2496,7 +2496,7 @@
           <p:cNvPr id="2" name="Date Placeholder 1">
             <a:extLst>
               <a:ext uri="{FF2B5EF4-FFF2-40B4-BE49-F238E27FC236}">
-                <a16:creationId xmlns:a16="http://schemas.microsoft.com/office/drawing/2014/main" xmlns="" id="{743FA7E0-3B38-4B35-206C-1F28EEBA0896}"/>
+                <a16:creationId xmlns="" xmlns:a16="http://schemas.microsoft.com/office/drawing/2014/main" id="{743FA7E0-3B38-4B35-206C-1F28EEBA0896}"/>
               </a:ext>
             </a:extLst>
           </p:cNvPr>
@@ -2525,7 +2525,7 @@
           <p:cNvPr id="3" name="Footer Placeholder 2">
             <a:extLst>
               <a:ext uri="{FF2B5EF4-FFF2-40B4-BE49-F238E27FC236}">
-                <a16:creationId xmlns:a16="http://schemas.microsoft.com/office/drawing/2014/main" xmlns="" id="{20CE74B5-D777-9108-A20D-EB6B14F05253}"/>
+                <a16:creationId xmlns="" xmlns:a16="http://schemas.microsoft.com/office/drawing/2014/main" id="{20CE74B5-D777-9108-A20D-EB6B14F05253}"/>
               </a:ext>
             </a:extLst>
           </p:cNvPr>
@@ -2550,7 +2550,7 @@
           <p:cNvPr id="4" name="Slide Number Placeholder 3">
             <a:extLst>
               <a:ext uri="{FF2B5EF4-FFF2-40B4-BE49-F238E27FC236}">
-                <a16:creationId xmlns:a16="http://schemas.microsoft.com/office/drawing/2014/main" xmlns="" id="{60EAF355-97F1-024D-F0D8-C1CABBAF287F}"/>
+                <a16:creationId xmlns="" xmlns:a16="http://schemas.microsoft.com/office/drawing/2014/main" id="{60EAF355-97F1-024D-F0D8-C1CABBAF287F}"/>
               </a:ext>
             </a:extLst>
           </p:cNvPr>
@@ -2609,7 +2609,7 @@
           <p:cNvPr id="2" name="Title 1">
             <a:extLst>
               <a:ext uri="{FF2B5EF4-FFF2-40B4-BE49-F238E27FC236}">
-                <a16:creationId xmlns:a16="http://schemas.microsoft.com/office/drawing/2014/main" xmlns="" id="{CA8FD936-D79A-CEED-E278-12CE6429BC25}"/>
+                <a16:creationId xmlns="" xmlns:a16="http://schemas.microsoft.com/office/drawing/2014/main" id="{CA8FD936-D79A-CEED-E278-12CE6429BC25}"/>
               </a:ext>
             </a:extLst>
           </p:cNvPr>
@@ -2646,7 +2646,7 @@
           <p:cNvPr id="3" name="Content Placeholder 2">
             <a:extLst>
               <a:ext uri="{FF2B5EF4-FFF2-40B4-BE49-F238E27FC236}">
-                <a16:creationId xmlns:a16="http://schemas.microsoft.com/office/drawing/2014/main" xmlns="" id="{E6E01AF3-2890-0293-3907-4B19BEFF3435}"/>
+                <a16:creationId xmlns="" xmlns:a16="http://schemas.microsoft.com/office/drawing/2014/main" id="{E6E01AF3-2890-0293-3907-4B19BEFF3435}"/>
               </a:ext>
             </a:extLst>
           </p:cNvPr>
@@ -2736,7 +2736,7 @@
           <p:cNvPr id="4" name="Text Placeholder 3">
             <a:extLst>
               <a:ext uri="{FF2B5EF4-FFF2-40B4-BE49-F238E27FC236}">
-                <a16:creationId xmlns:a16="http://schemas.microsoft.com/office/drawing/2014/main" xmlns="" id="{979F58B8-CB50-E240-E42B-866799AB9BBF}"/>
+                <a16:creationId xmlns="" xmlns:a16="http://schemas.microsoft.com/office/drawing/2014/main" id="{979F58B8-CB50-E240-E42B-866799AB9BBF}"/>
               </a:ext>
             </a:extLst>
           </p:cNvPr>
@@ -2807,7 +2807,7 @@
           <p:cNvPr id="5" name="Date Placeholder 4">
             <a:extLst>
               <a:ext uri="{FF2B5EF4-FFF2-40B4-BE49-F238E27FC236}">
-                <a16:creationId xmlns:a16="http://schemas.microsoft.com/office/drawing/2014/main" xmlns="" id="{4EDA7513-68D3-00F6-0D2C-78B588076CA2}"/>
+                <a16:creationId xmlns="" xmlns:a16="http://schemas.microsoft.com/office/drawing/2014/main" id="{4EDA7513-68D3-00F6-0D2C-78B588076CA2}"/>
               </a:ext>
             </a:extLst>
           </p:cNvPr>
@@ -2836,7 +2836,7 @@
           <p:cNvPr id="6" name="Footer Placeholder 5">
             <a:extLst>
               <a:ext uri="{FF2B5EF4-FFF2-40B4-BE49-F238E27FC236}">
-                <a16:creationId xmlns:a16="http://schemas.microsoft.com/office/drawing/2014/main" xmlns="" id="{FCD6E9E3-BA6B-B520-F715-2DC49ED4D8B7}"/>
+                <a16:creationId xmlns="" xmlns:a16="http://schemas.microsoft.com/office/drawing/2014/main" id="{FCD6E9E3-BA6B-B520-F715-2DC49ED4D8B7}"/>
               </a:ext>
             </a:extLst>
           </p:cNvPr>
@@ -2861,7 +2861,7 @@
           <p:cNvPr id="7" name="Slide Number Placeholder 6">
             <a:extLst>
               <a:ext uri="{FF2B5EF4-FFF2-40B4-BE49-F238E27FC236}">
-                <a16:creationId xmlns:a16="http://schemas.microsoft.com/office/drawing/2014/main" xmlns="" id="{6E3AD2C5-E2FF-F64F-B217-D3BD96CA40D7}"/>
+                <a16:creationId xmlns="" xmlns:a16="http://schemas.microsoft.com/office/drawing/2014/main" id="{6E3AD2C5-E2FF-F64F-B217-D3BD96CA40D7}"/>
               </a:ext>
             </a:extLst>
           </p:cNvPr>
@@ -2920,7 +2920,7 @@
           <p:cNvPr id="2" name="Title 1">
             <a:extLst>
               <a:ext uri="{FF2B5EF4-FFF2-40B4-BE49-F238E27FC236}">
-                <a16:creationId xmlns:a16="http://schemas.microsoft.com/office/drawing/2014/main" xmlns="" id="{81614B80-2B45-14DD-DF7A-DCA7030C549B}"/>
+                <a16:creationId xmlns="" xmlns:a16="http://schemas.microsoft.com/office/drawing/2014/main" id="{81614B80-2B45-14DD-DF7A-DCA7030C549B}"/>
               </a:ext>
             </a:extLst>
           </p:cNvPr>
@@ -2957,7 +2957,7 @@
           <p:cNvPr id="3" name="Picture Placeholder 2">
             <a:extLst>
               <a:ext uri="{FF2B5EF4-FFF2-40B4-BE49-F238E27FC236}">
-                <a16:creationId xmlns:a16="http://schemas.microsoft.com/office/drawing/2014/main" xmlns="" id="{F34F7F5C-5D9F-4078-A5AB-305BF43A7CA1}"/>
+                <a16:creationId xmlns="" xmlns:a16="http://schemas.microsoft.com/office/drawing/2014/main" id="{F34F7F5C-5D9F-4078-A5AB-305BF43A7CA1}"/>
               </a:ext>
             </a:extLst>
           </p:cNvPr>
@@ -3024,7 +3024,7 @@
           <p:cNvPr id="4" name="Text Placeholder 3">
             <a:extLst>
               <a:ext uri="{FF2B5EF4-FFF2-40B4-BE49-F238E27FC236}">
-                <a16:creationId xmlns:a16="http://schemas.microsoft.com/office/drawing/2014/main" xmlns="" id="{3D5FE103-8713-C860-39DC-F0302386CAF5}"/>
+                <a16:creationId xmlns="" xmlns:a16="http://schemas.microsoft.com/office/drawing/2014/main" id="{3D5FE103-8713-C860-39DC-F0302386CAF5}"/>
               </a:ext>
             </a:extLst>
           </p:cNvPr>
@@ -3095,7 +3095,7 @@
           <p:cNvPr id="5" name="Date Placeholder 4">
             <a:extLst>
               <a:ext uri="{FF2B5EF4-FFF2-40B4-BE49-F238E27FC236}">
-                <a16:creationId xmlns:a16="http://schemas.microsoft.com/office/drawing/2014/main" xmlns="" id="{0B2E9422-D0A2-F591-2F3A-AA1245174F4A}"/>
+                <a16:creationId xmlns="" xmlns:a16="http://schemas.microsoft.com/office/drawing/2014/main" id="{0B2E9422-D0A2-F591-2F3A-AA1245174F4A}"/>
               </a:ext>
             </a:extLst>
           </p:cNvPr>
@@ -3124,7 +3124,7 @@
           <p:cNvPr id="6" name="Footer Placeholder 5">
             <a:extLst>
               <a:ext uri="{FF2B5EF4-FFF2-40B4-BE49-F238E27FC236}">
-                <a16:creationId xmlns:a16="http://schemas.microsoft.com/office/drawing/2014/main" xmlns="" id="{1BBE4B71-0A2A-8E1F-761A-4754944E15B4}"/>
+                <a16:creationId xmlns="" xmlns:a16="http://schemas.microsoft.com/office/drawing/2014/main" id="{1BBE4B71-0A2A-8E1F-761A-4754944E15B4}"/>
               </a:ext>
             </a:extLst>
           </p:cNvPr>
@@ -3149,7 +3149,7 @@
           <p:cNvPr id="7" name="Slide Number Placeholder 6">
             <a:extLst>
               <a:ext uri="{FF2B5EF4-FFF2-40B4-BE49-F238E27FC236}">
-                <a16:creationId xmlns:a16="http://schemas.microsoft.com/office/drawing/2014/main" xmlns="" id="{1A04ABFC-639C-1B62-B267-C88702C54540}"/>
+                <a16:creationId xmlns="" xmlns:a16="http://schemas.microsoft.com/office/drawing/2014/main" id="{1A04ABFC-639C-1B62-B267-C88702C54540}"/>
               </a:ext>
             </a:extLst>
           </p:cNvPr>
@@ -3213,7 +3213,7 @@
           <p:cNvPr id="2" name="Title Placeholder 1">
             <a:extLst>
               <a:ext uri="{FF2B5EF4-FFF2-40B4-BE49-F238E27FC236}">
-                <a16:creationId xmlns:a16="http://schemas.microsoft.com/office/drawing/2014/main" xmlns="" id="{43904868-A1E0-A412-E2A0-C297B69A4AD1}"/>
+                <a16:creationId xmlns="" xmlns:a16="http://schemas.microsoft.com/office/drawing/2014/main" id="{43904868-A1E0-A412-E2A0-C297B69A4AD1}"/>
               </a:ext>
             </a:extLst>
           </p:cNvPr>
@@ -3251,7 +3251,7 @@
           <p:cNvPr id="3" name="Text Placeholder 2">
             <a:extLst>
               <a:ext uri="{FF2B5EF4-FFF2-40B4-BE49-F238E27FC236}">
-                <a16:creationId xmlns:a16="http://schemas.microsoft.com/office/drawing/2014/main" xmlns="" id="{8E7155D5-7675-D22E-87A6-800376A3CC89}"/>
+                <a16:creationId xmlns="" xmlns:a16="http://schemas.microsoft.com/office/drawing/2014/main" id="{8E7155D5-7675-D22E-87A6-800376A3CC89}"/>
               </a:ext>
             </a:extLst>
           </p:cNvPr>
@@ -3318,7 +3318,7 @@
           <p:cNvPr id="4" name="Date Placeholder 3">
             <a:extLst>
               <a:ext uri="{FF2B5EF4-FFF2-40B4-BE49-F238E27FC236}">
-                <a16:creationId xmlns:a16="http://schemas.microsoft.com/office/drawing/2014/main" xmlns="" id="{BAE1F880-972B-156A-4CB7-48B6E5265EEF}"/>
+                <a16:creationId xmlns="" xmlns:a16="http://schemas.microsoft.com/office/drawing/2014/main" id="{BAE1F880-972B-156A-4CB7-48B6E5265EEF}"/>
               </a:ext>
             </a:extLst>
           </p:cNvPr>
@@ -3365,7 +3365,7 @@
           <p:cNvPr id="5" name="Footer Placeholder 4">
             <a:extLst>
               <a:ext uri="{FF2B5EF4-FFF2-40B4-BE49-F238E27FC236}">
-                <a16:creationId xmlns:a16="http://schemas.microsoft.com/office/drawing/2014/main" xmlns="" id="{457D7A9A-D858-9131-2F26-E6EB0D0A3EE9}"/>
+                <a16:creationId xmlns="" xmlns:a16="http://schemas.microsoft.com/office/drawing/2014/main" id="{457D7A9A-D858-9131-2F26-E6EB0D0A3EE9}"/>
               </a:ext>
             </a:extLst>
           </p:cNvPr>
@@ -3408,7 +3408,7 @@
           <p:cNvPr id="6" name="Slide Number Placeholder 5">
             <a:extLst>
               <a:ext uri="{FF2B5EF4-FFF2-40B4-BE49-F238E27FC236}">
-                <a16:creationId xmlns:a16="http://schemas.microsoft.com/office/drawing/2014/main" xmlns="" id="{A8F495AF-950A-612E-B43B-D0424E1A6BA5}"/>
+                <a16:creationId xmlns="" xmlns:a16="http://schemas.microsoft.com/office/drawing/2014/main" id="{A8F495AF-950A-612E-B43B-D0424E1A6BA5}"/>
               </a:ext>
             </a:extLst>
           </p:cNvPr>
@@ -3776,7 +3776,7 @@
           <p:cNvPr id="4" name="TextBox 3">
             <a:extLst>
               <a:ext uri="{FF2B5EF4-FFF2-40B4-BE49-F238E27FC236}">
-                <a16:creationId xmlns:a16="http://schemas.microsoft.com/office/drawing/2014/main" xmlns="" id="{5B36B212-5413-1E7F-3843-1B549A0D1CCC}"/>
+                <a16:creationId xmlns="" xmlns:a16="http://schemas.microsoft.com/office/drawing/2014/main" id="{5B36B212-5413-1E7F-3843-1B549A0D1CCC}"/>
               </a:ext>
             </a:extLst>
           </p:cNvPr>
@@ -3786,7 +3786,7 @@
         <p:spPr>
           <a:xfrm>
             <a:off x="1015409" y="1174897"/>
-            <a:ext cx="9262472" cy="830997"/>
+            <a:ext cx="9605515" cy="830997"/>
           </a:xfrm>
           <a:prstGeom prst="rect">
             <a:avLst/>
@@ -3807,7 +3807,17 @@
                 <a:latin typeface="Arial" panose="020B0604020202020204" pitchFamily="34" charset="0"/>
                 <a:cs typeface="Arial" panose="020B0604020202020204" pitchFamily="34" charset="0"/>
               </a:rPr>
-              <a:t>RAG  </a:t>
+              <a:t>RAG </a:t>
+            </a:r>
+            <a:r>
+              <a:rPr lang="en-US" sz="4800" dirty="0" smtClean="0">
+                <a:solidFill>
+                  <a:srgbClr val="002060"/>
+                </a:solidFill>
+                <a:latin typeface="Arial" panose="020B0604020202020204" pitchFamily="34" charset="0"/>
+                <a:cs typeface="Arial" panose="020B0604020202020204" pitchFamily="34" charset="0"/>
+              </a:rPr>
+              <a:t>   </a:t>
             </a:r>
             <a:r>
               <a:rPr lang="en-US" sz="4800" i="1" dirty="0">
@@ -3837,7 +3847,7 @@
           <p:cNvPr id="6" name="TextBox 5">
             <a:extLst>
               <a:ext uri="{FF2B5EF4-FFF2-40B4-BE49-F238E27FC236}">
-                <a16:creationId xmlns:a16="http://schemas.microsoft.com/office/drawing/2014/main" xmlns="" id="{58D32EBE-F1D4-8EB9-98E8-A83FF3CE8ADC}"/>
+                <a16:creationId xmlns="" xmlns:a16="http://schemas.microsoft.com/office/drawing/2014/main" id="{58D32EBE-F1D4-8EB9-98E8-A83FF3CE8ADC}"/>
               </a:ext>
             </a:extLst>
           </p:cNvPr>
@@ -3878,7 +3888,7 @@
           <p:cNvPr id="7" name="TextBox 6">
             <a:extLst>
               <a:ext uri="{FF2B5EF4-FFF2-40B4-BE49-F238E27FC236}">
-                <a16:creationId xmlns:a16="http://schemas.microsoft.com/office/drawing/2014/main" xmlns="" id="{61AD4731-252C-404B-2FAC-49036BE17955}"/>
+                <a16:creationId xmlns="" xmlns:a16="http://schemas.microsoft.com/office/drawing/2014/main" id="{61AD4731-252C-404B-2FAC-49036BE17955}"/>
               </a:ext>
             </a:extLst>
           </p:cNvPr>
@@ -3955,6 +3965,13 @@
   <p:clrMapOvr>
     <a:masterClrMapping/>
   </p:clrMapOvr>
+  <p:timing>
+    <p:tnLst>
+      <p:par>
+        <p:cTn id="1" dur="indefinite" restart="never" nodeType="tmRoot"/>
+      </p:par>
+    </p:tnLst>
+  </p:timing>
 </p:sld>
 </file>
 
@@ -4010,7 +4027,7 @@
           <p:cNvPr id="2" name="TextBox 1">
             <a:extLst>
               <a:ext uri="{FF2B5EF4-FFF2-40B4-BE49-F238E27FC236}">
-                <a16:creationId xmlns:a16="http://schemas.microsoft.com/office/drawing/2014/main" xmlns="" id="{7893D577-6434-E13A-3D1D-9BBB02B98930}"/>
+                <a16:creationId xmlns="" xmlns:a16="http://schemas.microsoft.com/office/drawing/2014/main" id="{7893D577-6434-E13A-3D1D-9BBB02B98930}"/>
               </a:ext>
             </a:extLst>
           </p:cNvPr>
@@ -4042,7 +4059,7 @@
           <p:cNvPr id="4" name="Picture 3">
             <a:extLst>
               <a:ext uri="{FF2B5EF4-FFF2-40B4-BE49-F238E27FC236}">
-                <a16:creationId xmlns:a16="http://schemas.microsoft.com/office/drawing/2014/main" xmlns="" id="{DB2BBBC4-D0A3-AABC-AEE6-FBA941B976C1}"/>
+                <a16:creationId xmlns="" xmlns:a16="http://schemas.microsoft.com/office/drawing/2014/main" id="{DB2BBBC4-D0A3-AABC-AEE6-FBA941B976C1}"/>
               </a:ext>
             </a:extLst>
           </p:cNvPr>
@@ -4072,7 +4089,7 @@
           <p:cNvPr id="6" name="Straight Arrow Connector 5">
             <a:extLst>
               <a:ext uri="{FF2B5EF4-FFF2-40B4-BE49-F238E27FC236}">
-                <a16:creationId xmlns:a16="http://schemas.microsoft.com/office/drawing/2014/main" xmlns="" id="{FCB3DF47-B0EC-BE80-BDE8-1DB2264EA464}"/>
+                <a16:creationId xmlns="" xmlns:a16="http://schemas.microsoft.com/office/drawing/2014/main" id="{FCB3DF47-B0EC-BE80-BDE8-1DB2264EA464}"/>
               </a:ext>
             </a:extLst>
           </p:cNvPr>
@@ -4113,7 +4130,7 @@
           <p:cNvPr id="8" name="TextBox 7">
             <a:extLst>
               <a:ext uri="{FF2B5EF4-FFF2-40B4-BE49-F238E27FC236}">
-                <a16:creationId xmlns:a16="http://schemas.microsoft.com/office/drawing/2014/main" xmlns="" id="{310B956C-EC04-A9CD-4974-09C1CDC69DEB}"/>
+                <a16:creationId xmlns="" xmlns:a16="http://schemas.microsoft.com/office/drawing/2014/main" id="{310B956C-EC04-A9CD-4974-09C1CDC69DEB}"/>
               </a:ext>
             </a:extLst>
           </p:cNvPr>
@@ -4148,7 +4165,7 @@
           <p:cNvPr id="9" name="Rectangle 8">
             <a:extLst>
               <a:ext uri="{FF2B5EF4-FFF2-40B4-BE49-F238E27FC236}">
-                <a16:creationId xmlns:a16="http://schemas.microsoft.com/office/drawing/2014/main" xmlns="" id="{2D009532-1EEA-BB00-B1D9-B81C92F13593}"/>
+                <a16:creationId xmlns="" xmlns:a16="http://schemas.microsoft.com/office/drawing/2014/main" id="{2D009532-1EEA-BB00-B1D9-B81C92F13593}"/>
               </a:ext>
             </a:extLst>
           </p:cNvPr>
@@ -4204,7 +4221,7 @@
           <p:cNvPr id="10" name="Rectangle 9">
             <a:extLst>
               <a:ext uri="{FF2B5EF4-FFF2-40B4-BE49-F238E27FC236}">
-                <a16:creationId xmlns:a16="http://schemas.microsoft.com/office/drawing/2014/main" xmlns="" id="{8B75A8E1-B07C-6867-861B-1E2C3514F676}"/>
+                <a16:creationId xmlns="" xmlns:a16="http://schemas.microsoft.com/office/drawing/2014/main" id="{8B75A8E1-B07C-6867-861B-1E2C3514F676}"/>
               </a:ext>
             </a:extLst>
           </p:cNvPr>
@@ -4260,7 +4277,7 @@
           <p:cNvPr id="11" name="Rectangle 10">
             <a:extLst>
               <a:ext uri="{FF2B5EF4-FFF2-40B4-BE49-F238E27FC236}">
-                <a16:creationId xmlns:a16="http://schemas.microsoft.com/office/drawing/2014/main" xmlns="" id="{4D7DE552-AF83-C250-B682-0052D37EFDEA}"/>
+                <a16:creationId xmlns="" xmlns:a16="http://schemas.microsoft.com/office/drawing/2014/main" id="{4D7DE552-AF83-C250-B682-0052D37EFDEA}"/>
               </a:ext>
             </a:extLst>
           </p:cNvPr>
@@ -4316,7 +4333,7 @@
           <p:cNvPr id="12" name="Rectangle 11">
             <a:extLst>
               <a:ext uri="{FF2B5EF4-FFF2-40B4-BE49-F238E27FC236}">
-                <a16:creationId xmlns:a16="http://schemas.microsoft.com/office/drawing/2014/main" xmlns="" id="{BAACBC14-8A49-465A-7B32-2C5B20B05D31}"/>
+                <a16:creationId xmlns="" xmlns:a16="http://schemas.microsoft.com/office/drawing/2014/main" id="{BAACBC14-8A49-465A-7B32-2C5B20B05D31}"/>
               </a:ext>
             </a:extLst>
           </p:cNvPr>
@@ -4365,7 +4382,7 @@
           <p:cNvPr id="13" name="Rectangle 12">
             <a:extLst>
               <a:ext uri="{FF2B5EF4-FFF2-40B4-BE49-F238E27FC236}">
-                <a16:creationId xmlns:a16="http://schemas.microsoft.com/office/drawing/2014/main" xmlns="" id="{81ECA3B4-CB0F-D732-EF52-77629B334E00}"/>
+                <a16:creationId xmlns="" xmlns:a16="http://schemas.microsoft.com/office/drawing/2014/main" id="{81ECA3B4-CB0F-D732-EF52-77629B334E00}"/>
               </a:ext>
             </a:extLst>
           </p:cNvPr>
@@ -4414,7 +4431,7 @@
           <p:cNvPr id="14" name="Rectangle 13">
             <a:extLst>
               <a:ext uri="{FF2B5EF4-FFF2-40B4-BE49-F238E27FC236}">
-                <a16:creationId xmlns:a16="http://schemas.microsoft.com/office/drawing/2014/main" xmlns="" id="{1D5ED463-B01B-0CCF-46CC-C85ACA9465A3}"/>
+                <a16:creationId xmlns="" xmlns:a16="http://schemas.microsoft.com/office/drawing/2014/main" id="{1D5ED463-B01B-0CCF-46CC-C85ACA9465A3}"/>
               </a:ext>
             </a:extLst>
           </p:cNvPr>
@@ -4463,7 +4480,7 @@
           <p:cNvPr id="15" name="Rectangle 14">
             <a:extLst>
               <a:ext uri="{FF2B5EF4-FFF2-40B4-BE49-F238E27FC236}">
-                <a16:creationId xmlns:a16="http://schemas.microsoft.com/office/drawing/2014/main" xmlns="" id="{E849B9DF-D5C6-B6D9-E48F-C39DB9C79697}"/>
+                <a16:creationId xmlns="" xmlns:a16="http://schemas.microsoft.com/office/drawing/2014/main" id="{E849B9DF-D5C6-B6D9-E48F-C39DB9C79697}"/>
               </a:ext>
             </a:extLst>
           </p:cNvPr>
@@ -4512,7 +4529,7 @@
           <p:cNvPr id="16" name="Rectangle 15">
             <a:extLst>
               <a:ext uri="{FF2B5EF4-FFF2-40B4-BE49-F238E27FC236}">
-                <a16:creationId xmlns:a16="http://schemas.microsoft.com/office/drawing/2014/main" xmlns="" id="{9A684E5D-E250-A19F-18FB-823A43633B93}"/>
+                <a16:creationId xmlns="" xmlns:a16="http://schemas.microsoft.com/office/drawing/2014/main" id="{9A684E5D-E250-A19F-18FB-823A43633B93}"/>
               </a:ext>
             </a:extLst>
           </p:cNvPr>
@@ -4561,7 +4578,7 @@
           <p:cNvPr id="17" name="Rectangle 16">
             <a:extLst>
               <a:ext uri="{FF2B5EF4-FFF2-40B4-BE49-F238E27FC236}">
-                <a16:creationId xmlns:a16="http://schemas.microsoft.com/office/drawing/2014/main" xmlns="" id="{613FD0D1-B217-C6A8-30E3-179A0BF9D17C}"/>
+                <a16:creationId xmlns="" xmlns:a16="http://schemas.microsoft.com/office/drawing/2014/main" id="{613FD0D1-B217-C6A8-30E3-179A0BF9D17C}"/>
               </a:ext>
             </a:extLst>
           </p:cNvPr>
@@ -4610,7 +4627,7 @@
           <p:cNvPr id="18" name="Rectangle 17">
             <a:extLst>
               <a:ext uri="{FF2B5EF4-FFF2-40B4-BE49-F238E27FC236}">
-                <a16:creationId xmlns:a16="http://schemas.microsoft.com/office/drawing/2014/main" xmlns="" id="{F8726049-3B07-812F-059E-6F6D8EEC73E4}"/>
+                <a16:creationId xmlns="" xmlns:a16="http://schemas.microsoft.com/office/drawing/2014/main" id="{F8726049-3B07-812F-059E-6F6D8EEC73E4}"/>
               </a:ext>
             </a:extLst>
           </p:cNvPr>
@@ -4659,7 +4676,7 @@
           <p:cNvPr id="19" name="Rectangle 18">
             <a:extLst>
               <a:ext uri="{FF2B5EF4-FFF2-40B4-BE49-F238E27FC236}">
-                <a16:creationId xmlns:a16="http://schemas.microsoft.com/office/drawing/2014/main" xmlns="" id="{7B205523-0A56-B93A-A664-354A8F0077E9}"/>
+                <a16:creationId xmlns="" xmlns:a16="http://schemas.microsoft.com/office/drawing/2014/main" id="{7B205523-0A56-B93A-A664-354A8F0077E9}"/>
               </a:ext>
             </a:extLst>
           </p:cNvPr>
@@ -4708,7 +4725,7 @@
           <p:cNvPr id="20" name="Rectangle 19">
             <a:extLst>
               <a:ext uri="{FF2B5EF4-FFF2-40B4-BE49-F238E27FC236}">
-                <a16:creationId xmlns:a16="http://schemas.microsoft.com/office/drawing/2014/main" xmlns="" id="{30414525-F474-BB02-F22B-D0E00F012C08}"/>
+                <a16:creationId xmlns="" xmlns:a16="http://schemas.microsoft.com/office/drawing/2014/main" id="{30414525-F474-BB02-F22B-D0E00F012C08}"/>
               </a:ext>
             </a:extLst>
           </p:cNvPr>
@@ -4757,7 +4774,7 @@
           <p:cNvPr id="25" name="Picture 24">
             <a:extLst>
               <a:ext uri="{FF2B5EF4-FFF2-40B4-BE49-F238E27FC236}">
-                <a16:creationId xmlns:a16="http://schemas.microsoft.com/office/drawing/2014/main" xmlns="" id="{6459F8D5-DC78-6A34-7685-96161D08A34B}"/>
+                <a16:creationId xmlns="" xmlns:a16="http://schemas.microsoft.com/office/drawing/2014/main" id="{6459F8D5-DC78-6A34-7685-96161D08A34B}"/>
               </a:ext>
             </a:extLst>
           </p:cNvPr>
@@ -4787,7 +4804,7 @@
           <p:cNvPr id="26" name="Straight Arrow Connector 25">
             <a:extLst>
               <a:ext uri="{FF2B5EF4-FFF2-40B4-BE49-F238E27FC236}">
-                <a16:creationId xmlns:a16="http://schemas.microsoft.com/office/drawing/2014/main" xmlns="" id="{EB967500-CCBD-FAE1-7005-54426B704657}"/>
+                <a16:creationId xmlns="" xmlns:a16="http://schemas.microsoft.com/office/drawing/2014/main" id="{EB967500-CCBD-FAE1-7005-54426B704657}"/>
               </a:ext>
             </a:extLst>
           </p:cNvPr>
@@ -4828,7 +4845,7 @@
           <p:cNvPr id="28" name="Rectangle 27">
             <a:extLst>
               <a:ext uri="{FF2B5EF4-FFF2-40B4-BE49-F238E27FC236}">
-                <a16:creationId xmlns:a16="http://schemas.microsoft.com/office/drawing/2014/main" xmlns="" id="{7DE9B7FF-B378-85D9-9E71-9FA9E18F950A}"/>
+                <a16:creationId xmlns="" xmlns:a16="http://schemas.microsoft.com/office/drawing/2014/main" id="{7DE9B7FF-B378-85D9-9E71-9FA9E18F950A}"/>
               </a:ext>
             </a:extLst>
           </p:cNvPr>
@@ -4887,7 +4904,7 @@
           <p:cNvPr id="29" name="Rectangle 28">
             <a:extLst>
               <a:ext uri="{FF2B5EF4-FFF2-40B4-BE49-F238E27FC236}">
-                <a16:creationId xmlns:a16="http://schemas.microsoft.com/office/drawing/2014/main" xmlns="" id="{09B0F973-2E9F-064A-D5F2-8D2F0F2E1C65}"/>
+                <a16:creationId xmlns="" xmlns:a16="http://schemas.microsoft.com/office/drawing/2014/main" id="{09B0F973-2E9F-064A-D5F2-8D2F0F2E1C65}"/>
               </a:ext>
             </a:extLst>
           </p:cNvPr>
@@ -4946,7 +4963,7 @@
           <p:cNvPr id="30" name="Rectangle 29">
             <a:extLst>
               <a:ext uri="{FF2B5EF4-FFF2-40B4-BE49-F238E27FC236}">
-                <a16:creationId xmlns:a16="http://schemas.microsoft.com/office/drawing/2014/main" xmlns="" id="{EEA94FFF-06D5-D7ED-73D3-9D7380A0EF45}"/>
+                <a16:creationId xmlns="" xmlns:a16="http://schemas.microsoft.com/office/drawing/2014/main" id="{EEA94FFF-06D5-D7ED-73D3-9D7380A0EF45}"/>
               </a:ext>
             </a:extLst>
           </p:cNvPr>
@@ -5005,7 +5022,7 @@
           <p:cNvPr id="31" name="Rectangle 30">
             <a:extLst>
               <a:ext uri="{FF2B5EF4-FFF2-40B4-BE49-F238E27FC236}">
-                <a16:creationId xmlns:a16="http://schemas.microsoft.com/office/drawing/2014/main" xmlns="" id="{28DACC2A-06EC-35B2-C21F-D786FE50BEE0}"/>
+                <a16:creationId xmlns="" xmlns:a16="http://schemas.microsoft.com/office/drawing/2014/main" id="{28DACC2A-06EC-35B2-C21F-D786FE50BEE0}"/>
               </a:ext>
             </a:extLst>
           </p:cNvPr>
@@ -5064,7 +5081,7 @@
           <p:cNvPr id="1029" name="Rectangle: Rounded Corners 1028">
             <a:extLst>
               <a:ext uri="{FF2B5EF4-FFF2-40B4-BE49-F238E27FC236}">
-                <a16:creationId xmlns:a16="http://schemas.microsoft.com/office/drawing/2014/main" xmlns="" id="{3714357A-DE1C-4750-96EF-B676E88C6C76}"/>
+                <a16:creationId xmlns="" xmlns:a16="http://schemas.microsoft.com/office/drawing/2014/main" id="{3714357A-DE1C-4750-96EF-B676E88C6C76}"/>
               </a:ext>
             </a:extLst>
           </p:cNvPr>
@@ -5111,7 +5128,7 @@
           <p:cNvPr id="1030" name="TextBox 1029">
             <a:extLst>
               <a:ext uri="{FF2B5EF4-FFF2-40B4-BE49-F238E27FC236}">
-                <a16:creationId xmlns:a16="http://schemas.microsoft.com/office/drawing/2014/main" xmlns="" id="{C97EA28D-05BA-F0E7-6B03-42387EE7C271}"/>
+                <a16:creationId xmlns="" xmlns:a16="http://schemas.microsoft.com/office/drawing/2014/main" id="{C97EA28D-05BA-F0E7-6B03-42387EE7C271}"/>
               </a:ext>
             </a:extLst>
           </p:cNvPr>
@@ -5146,7 +5163,7 @@
           <p:cNvPr id="1034" name="Group 1033">
             <a:extLst>
               <a:ext uri="{FF2B5EF4-FFF2-40B4-BE49-F238E27FC236}">
-                <a16:creationId xmlns:a16="http://schemas.microsoft.com/office/drawing/2014/main" xmlns="" id="{A7CF4C8A-E0A8-7315-F8D4-84215B3C21DB}"/>
+                <a16:creationId xmlns="" xmlns:a16="http://schemas.microsoft.com/office/drawing/2014/main" id="{A7CF4C8A-E0A8-7315-F8D4-84215B3C21DB}"/>
               </a:ext>
             </a:extLst>
           </p:cNvPr>
@@ -5166,7 +5183,7 @@
             <p:cNvPr id="1024" name="Rectangle 1023">
               <a:extLst>
                 <a:ext uri="{FF2B5EF4-FFF2-40B4-BE49-F238E27FC236}">
-                  <a16:creationId xmlns:a16="http://schemas.microsoft.com/office/drawing/2014/main" xmlns="" id="{7CDD599A-5EAD-86E9-6195-3DE594FFCBF8}"/>
+                  <a16:creationId xmlns="" xmlns:a16="http://schemas.microsoft.com/office/drawing/2014/main" id="{7CDD599A-5EAD-86E9-6195-3DE594FFCBF8}"/>
                 </a:ext>
               </a:extLst>
             </p:cNvPr>
@@ -5222,7 +5239,7 @@
             <p:cNvPr id="1025" name="Rectangle 1024">
               <a:extLst>
                 <a:ext uri="{FF2B5EF4-FFF2-40B4-BE49-F238E27FC236}">
-                  <a16:creationId xmlns:a16="http://schemas.microsoft.com/office/drawing/2014/main" xmlns="" id="{FA815FD6-BDBA-4E46-38CF-5AB843814988}"/>
+                  <a16:creationId xmlns="" xmlns:a16="http://schemas.microsoft.com/office/drawing/2014/main" id="{FA815FD6-BDBA-4E46-38CF-5AB843814988}"/>
                 </a:ext>
               </a:extLst>
             </p:cNvPr>
@@ -5278,7 +5295,7 @@
             <p:cNvPr id="1027" name="Rectangle 1026">
               <a:extLst>
                 <a:ext uri="{FF2B5EF4-FFF2-40B4-BE49-F238E27FC236}">
-                  <a16:creationId xmlns:a16="http://schemas.microsoft.com/office/drawing/2014/main" xmlns="" id="{DBE389C4-DB04-FF86-7715-81018AC659BE}"/>
+                  <a16:creationId xmlns="" xmlns:a16="http://schemas.microsoft.com/office/drawing/2014/main" id="{DBE389C4-DB04-FF86-7715-81018AC659BE}"/>
                 </a:ext>
               </a:extLst>
             </p:cNvPr>
@@ -5334,7 +5351,7 @@
             <p:cNvPr id="1031" name="Rectangle: Rounded Corners 1030">
               <a:extLst>
                 <a:ext uri="{FF2B5EF4-FFF2-40B4-BE49-F238E27FC236}">
-                  <a16:creationId xmlns:a16="http://schemas.microsoft.com/office/drawing/2014/main" xmlns="" id="{55F75CD2-FFD8-9853-354F-B937CB6A3F3C}"/>
+                  <a16:creationId xmlns="" xmlns:a16="http://schemas.microsoft.com/office/drawing/2014/main" id="{55F75CD2-FFD8-9853-354F-B937CB6A3F3C}"/>
                 </a:ext>
               </a:extLst>
             </p:cNvPr>
@@ -5381,7 +5398,7 @@
             <p:cNvPr id="1032" name="Rectangle 1031">
               <a:extLst>
                 <a:ext uri="{FF2B5EF4-FFF2-40B4-BE49-F238E27FC236}">
-                  <a16:creationId xmlns:a16="http://schemas.microsoft.com/office/drawing/2014/main" xmlns="" id="{155114D1-97C9-219F-DB08-114471FD62C9}"/>
+                  <a16:creationId xmlns="" xmlns:a16="http://schemas.microsoft.com/office/drawing/2014/main" id="{155114D1-97C9-219F-DB08-114471FD62C9}"/>
                 </a:ext>
               </a:extLst>
             </p:cNvPr>
@@ -5438,7 +5455,7 @@
           <p:cNvPr id="1035" name="Group 1034">
             <a:extLst>
               <a:ext uri="{FF2B5EF4-FFF2-40B4-BE49-F238E27FC236}">
-                <a16:creationId xmlns:a16="http://schemas.microsoft.com/office/drawing/2014/main" xmlns="" id="{47AB85D2-6513-AECF-3B29-C882A3545E86}"/>
+                <a16:creationId xmlns="" xmlns:a16="http://schemas.microsoft.com/office/drawing/2014/main" id="{47AB85D2-6513-AECF-3B29-C882A3545E86}"/>
               </a:ext>
             </a:extLst>
           </p:cNvPr>
@@ -5458,7 +5475,7 @@
             <p:cNvPr id="1036" name="Rectangle 1035">
               <a:extLst>
                 <a:ext uri="{FF2B5EF4-FFF2-40B4-BE49-F238E27FC236}">
-                  <a16:creationId xmlns:a16="http://schemas.microsoft.com/office/drawing/2014/main" xmlns="" id="{C6DF31CE-67A3-F110-DE0C-1867ED8B7CFF}"/>
+                  <a16:creationId xmlns="" xmlns:a16="http://schemas.microsoft.com/office/drawing/2014/main" id="{C6DF31CE-67A3-F110-DE0C-1867ED8B7CFF}"/>
                 </a:ext>
               </a:extLst>
             </p:cNvPr>
@@ -5514,7 +5531,7 @@
             <p:cNvPr id="1037" name="Rectangle 1036">
               <a:extLst>
                 <a:ext uri="{FF2B5EF4-FFF2-40B4-BE49-F238E27FC236}">
-                  <a16:creationId xmlns:a16="http://schemas.microsoft.com/office/drawing/2014/main" xmlns="" id="{C5455C75-7C85-5134-D27B-106E784D7462}"/>
+                  <a16:creationId xmlns="" xmlns:a16="http://schemas.microsoft.com/office/drawing/2014/main" id="{C5455C75-7C85-5134-D27B-106E784D7462}"/>
                 </a:ext>
               </a:extLst>
             </p:cNvPr>
@@ -5570,7 +5587,7 @@
             <p:cNvPr id="1038" name="Rectangle 1037">
               <a:extLst>
                 <a:ext uri="{FF2B5EF4-FFF2-40B4-BE49-F238E27FC236}">
-                  <a16:creationId xmlns:a16="http://schemas.microsoft.com/office/drawing/2014/main" xmlns="" id="{1A83213E-3ECB-4664-3038-E9FCF5D367D2}"/>
+                  <a16:creationId xmlns="" xmlns:a16="http://schemas.microsoft.com/office/drawing/2014/main" id="{1A83213E-3ECB-4664-3038-E9FCF5D367D2}"/>
                 </a:ext>
               </a:extLst>
             </p:cNvPr>
@@ -5626,7 +5643,7 @@
             <p:cNvPr id="1039" name="Rectangle: Rounded Corners 1038">
               <a:extLst>
                 <a:ext uri="{FF2B5EF4-FFF2-40B4-BE49-F238E27FC236}">
-                  <a16:creationId xmlns:a16="http://schemas.microsoft.com/office/drawing/2014/main" xmlns="" id="{DCC26DC1-D556-5ACE-8D2F-3290128C6A78}"/>
+                  <a16:creationId xmlns="" xmlns:a16="http://schemas.microsoft.com/office/drawing/2014/main" id="{DCC26DC1-D556-5ACE-8D2F-3290128C6A78}"/>
                 </a:ext>
               </a:extLst>
             </p:cNvPr>
@@ -5673,7 +5690,7 @@
             <p:cNvPr id="1040" name="Rectangle 1039">
               <a:extLst>
                 <a:ext uri="{FF2B5EF4-FFF2-40B4-BE49-F238E27FC236}">
-                  <a16:creationId xmlns:a16="http://schemas.microsoft.com/office/drawing/2014/main" xmlns="" id="{1C128A7A-CA7D-AE7D-4CD4-56776A216475}"/>
+                  <a16:creationId xmlns="" xmlns:a16="http://schemas.microsoft.com/office/drawing/2014/main" id="{1C128A7A-CA7D-AE7D-4CD4-56776A216475}"/>
                 </a:ext>
               </a:extLst>
             </p:cNvPr>
@@ -5730,7 +5747,7 @@
           <p:cNvPr id="1041" name="Group 1040">
             <a:extLst>
               <a:ext uri="{FF2B5EF4-FFF2-40B4-BE49-F238E27FC236}">
-                <a16:creationId xmlns:a16="http://schemas.microsoft.com/office/drawing/2014/main" xmlns="" id="{C92D21BE-CAA9-7ABA-4911-095582AB1C41}"/>
+                <a16:creationId xmlns="" xmlns:a16="http://schemas.microsoft.com/office/drawing/2014/main" id="{C92D21BE-CAA9-7ABA-4911-095582AB1C41}"/>
               </a:ext>
             </a:extLst>
           </p:cNvPr>
@@ -5750,7 +5767,7 @@
             <p:cNvPr id="1042" name="Rectangle 1041">
               <a:extLst>
                 <a:ext uri="{FF2B5EF4-FFF2-40B4-BE49-F238E27FC236}">
-                  <a16:creationId xmlns:a16="http://schemas.microsoft.com/office/drawing/2014/main" xmlns="" id="{A0149E90-D4B6-5084-5F39-43DD12E4456C}"/>
+                  <a16:creationId xmlns="" xmlns:a16="http://schemas.microsoft.com/office/drawing/2014/main" id="{A0149E90-D4B6-5084-5F39-43DD12E4456C}"/>
                 </a:ext>
               </a:extLst>
             </p:cNvPr>
@@ -5806,7 +5823,7 @@
             <p:cNvPr id="1043" name="Rectangle 1042">
               <a:extLst>
                 <a:ext uri="{FF2B5EF4-FFF2-40B4-BE49-F238E27FC236}">
-                  <a16:creationId xmlns:a16="http://schemas.microsoft.com/office/drawing/2014/main" xmlns="" id="{EFCA5CFE-65DB-610F-08BD-9481D28A695E}"/>
+                  <a16:creationId xmlns="" xmlns:a16="http://schemas.microsoft.com/office/drawing/2014/main" id="{EFCA5CFE-65DB-610F-08BD-9481D28A695E}"/>
                 </a:ext>
               </a:extLst>
             </p:cNvPr>
@@ -5862,7 +5879,7 @@
             <p:cNvPr id="1044" name="Rectangle 1043">
               <a:extLst>
                 <a:ext uri="{FF2B5EF4-FFF2-40B4-BE49-F238E27FC236}">
-                  <a16:creationId xmlns:a16="http://schemas.microsoft.com/office/drawing/2014/main" xmlns="" id="{D23FD52F-9AA5-361A-4FED-993AFA786B03}"/>
+                  <a16:creationId xmlns="" xmlns:a16="http://schemas.microsoft.com/office/drawing/2014/main" id="{D23FD52F-9AA5-361A-4FED-993AFA786B03}"/>
                 </a:ext>
               </a:extLst>
             </p:cNvPr>
@@ -5918,7 +5935,7 @@
             <p:cNvPr id="1045" name="Rectangle: Rounded Corners 1044">
               <a:extLst>
                 <a:ext uri="{FF2B5EF4-FFF2-40B4-BE49-F238E27FC236}">
-                  <a16:creationId xmlns:a16="http://schemas.microsoft.com/office/drawing/2014/main" xmlns="" id="{8EB82F4E-AE75-5C26-465C-D7FBF50B9C36}"/>
+                  <a16:creationId xmlns="" xmlns:a16="http://schemas.microsoft.com/office/drawing/2014/main" id="{8EB82F4E-AE75-5C26-465C-D7FBF50B9C36}"/>
                 </a:ext>
               </a:extLst>
             </p:cNvPr>
@@ -5965,7 +5982,7 @@
             <p:cNvPr id="1046" name="Rectangle 1045">
               <a:extLst>
                 <a:ext uri="{FF2B5EF4-FFF2-40B4-BE49-F238E27FC236}">
-                  <a16:creationId xmlns:a16="http://schemas.microsoft.com/office/drawing/2014/main" xmlns="" id="{B694CEE0-2CD5-CD75-F5C6-547B72EF5FF5}"/>
+                  <a16:creationId xmlns="" xmlns:a16="http://schemas.microsoft.com/office/drawing/2014/main" id="{B694CEE0-2CD5-CD75-F5C6-547B72EF5FF5}"/>
                 </a:ext>
               </a:extLst>
             </p:cNvPr>
@@ -6022,7 +6039,7 @@
           <p:cNvPr id="1047" name="Group 1046">
             <a:extLst>
               <a:ext uri="{FF2B5EF4-FFF2-40B4-BE49-F238E27FC236}">
-                <a16:creationId xmlns:a16="http://schemas.microsoft.com/office/drawing/2014/main" xmlns="" id="{096EECEA-3E4A-F1D6-1A73-853C637BBCF2}"/>
+                <a16:creationId xmlns="" xmlns:a16="http://schemas.microsoft.com/office/drawing/2014/main" id="{096EECEA-3E4A-F1D6-1A73-853C637BBCF2}"/>
               </a:ext>
             </a:extLst>
           </p:cNvPr>
@@ -6042,7 +6059,7 @@
             <p:cNvPr id="1048" name="Rectangle 1047">
               <a:extLst>
                 <a:ext uri="{FF2B5EF4-FFF2-40B4-BE49-F238E27FC236}">
-                  <a16:creationId xmlns:a16="http://schemas.microsoft.com/office/drawing/2014/main" xmlns="" id="{C49F2BE0-3EC5-3AC4-15FB-FBEE2C802F4F}"/>
+                  <a16:creationId xmlns="" xmlns:a16="http://schemas.microsoft.com/office/drawing/2014/main" id="{C49F2BE0-3EC5-3AC4-15FB-FBEE2C802F4F}"/>
                 </a:ext>
               </a:extLst>
             </p:cNvPr>
@@ -6098,7 +6115,7 @@
             <p:cNvPr id="1049" name="Rectangle 1048">
               <a:extLst>
                 <a:ext uri="{FF2B5EF4-FFF2-40B4-BE49-F238E27FC236}">
-                  <a16:creationId xmlns:a16="http://schemas.microsoft.com/office/drawing/2014/main" xmlns="" id="{C270BB8A-EA9C-5419-DB86-7E23E7D3ABD3}"/>
+                  <a16:creationId xmlns="" xmlns:a16="http://schemas.microsoft.com/office/drawing/2014/main" id="{C270BB8A-EA9C-5419-DB86-7E23E7D3ABD3}"/>
                 </a:ext>
               </a:extLst>
             </p:cNvPr>
@@ -6154,7 +6171,7 @@
             <p:cNvPr id="1050" name="Rectangle 1049">
               <a:extLst>
                 <a:ext uri="{FF2B5EF4-FFF2-40B4-BE49-F238E27FC236}">
-                  <a16:creationId xmlns:a16="http://schemas.microsoft.com/office/drawing/2014/main" xmlns="" id="{BCFE052A-FC4D-E69B-ED05-B79E9DC69788}"/>
+                  <a16:creationId xmlns="" xmlns:a16="http://schemas.microsoft.com/office/drawing/2014/main" id="{BCFE052A-FC4D-E69B-ED05-B79E9DC69788}"/>
                 </a:ext>
               </a:extLst>
             </p:cNvPr>
@@ -6210,7 +6227,7 @@
             <p:cNvPr id="1051" name="Rectangle: Rounded Corners 1050">
               <a:extLst>
                 <a:ext uri="{FF2B5EF4-FFF2-40B4-BE49-F238E27FC236}">
-                  <a16:creationId xmlns:a16="http://schemas.microsoft.com/office/drawing/2014/main" xmlns="" id="{0E75C5D3-9BAD-D20A-416C-A6BFD5BA3C77}"/>
+                  <a16:creationId xmlns="" xmlns:a16="http://schemas.microsoft.com/office/drawing/2014/main" id="{0E75C5D3-9BAD-D20A-416C-A6BFD5BA3C77}"/>
                 </a:ext>
               </a:extLst>
             </p:cNvPr>
@@ -6257,7 +6274,7 @@
             <p:cNvPr id="1052" name="Rectangle 1051">
               <a:extLst>
                 <a:ext uri="{FF2B5EF4-FFF2-40B4-BE49-F238E27FC236}">
-                  <a16:creationId xmlns:a16="http://schemas.microsoft.com/office/drawing/2014/main" xmlns="" id="{EF578E29-BA55-7791-EA67-203CAF3DF356}"/>
+                  <a16:creationId xmlns="" xmlns:a16="http://schemas.microsoft.com/office/drawing/2014/main" id="{EF578E29-BA55-7791-EA67-203CAF3DF356}"/>
                 </a:ext>
               </a:extLst>
             </p:cNvPr>
@@ -6314,7 +6331,7 @@
           <p:cNvPr id="1053" name="Group 1052">
             <a:extLst>
               <a:ext uri="{FF2B5EF4-FFF2-40B4-BE49-F238E27FC236}">
-                <a16:creationId xmlns:a16="http://schemas.microsoft.com/office/drawing/2014/main" xmlns="" id="{6C542CC6-0CD9-4EFF-1D2A-30664AE8CB91}"/>
+                <a16:creationId xmlns="" xmlns:a16="http://schemas.microsoft.com/office/drawing/2014/main" id="{6C542CC6-0CD9-4EFF-1D2A-30664AE8CB91}"/>
               </a:ext>
             </a:extLst>
           </p:cNvPr>
@@ -6334,7 +6351,7 @@
             <p:cNvPr id="1054" name="Rectangle 1053">
               <a:extLst>
                 <a:ext uri="{FF2B5EF4-FFF2-40B4-BE49-F238E27FC236}">
-                  <a16:creationId xmlns:a16="http://schemas.microsoft.com/office/drawing/2014/main" xmlns="" id="{2819D0EC-E390-6D48-D1F9-C0084DCCA3F1}"/>
+                  <a16:creationId xmlns="" xmlns:a16="http://schemas.microsoft.com/office/drawing/2014/main" id="{2819D0EC-E390-6D48-D1F9-C0084DCCA3F1}"/>
                 </a:ext>
               </a:extLst>
             </p:cNvPr>
@@ -6390,7 +6407,7 @@
             <p:cNvPr id="1055" name="Rectangle 1054">
               <a:extLst>
                 <a:ext uri="{FF2B5EF4-FFF2-40B4-BE49-F238E27FC236}">
-                  <a16:creationId xmlns:a16="http://schemas.microsoft.com/office/drawing/2014/main" xmlns="" id="{39ECCC86-67C9-9760-C501-C02520242647}"/>
+                  <a16:creationId xmlns="" xmlns:a16="http://schemas.microsoft.com/office/drawing/2014/main" id="{39ECCC86-67C9-9760-C501-C02520242647}"/>
                 </a:ext>
               </a:extLst>
             </p:cNvPr>
@@ -6446,7 +6463,7 @@
             <p:cNvPr id="1056" name="Rectangle 1055">
               <a:extLst>
                 <a:ext uri="{FF2B5EF4-FFF2-40B4-BE49-F238E27FC236}">
-                  <a16:creationId xmlns:a16="http://schemas.microsoft.com/office/drawing/2014/main" xmlns="" id="{EC364F46-953F-8F0A-8F84-6011BB871742}"/>
+                  <a16:creationId xmlns="" xmlns:a16="http://schemas.microsoft.com/office/drawing/2014/main" id="{EC364F46-953F-8F0A-8F84-6011BB871742}"/>
                 </a:ext>
               </a:extLst>
             </p:cNvPr>
@@ -6502,7 +6519,7 @@
             <p:cNvPr id="1057" name="Rectangle: Rounded Corners 1056">
               <a:extLst>
                 <a:ext uri="{FF2B5EF4-FFF2-40B4-BE49-F238E27FC236}">
-                  <a16:creationId xmlns:a16="http://schemas.microsoft.com/office/drawing/2014/main" xmlns="" id="{87EC690B-CA07-DF05-C2D6-A34AEDFB127A}"/>
+                  <a16:creationId xmlns="" xmlns:a16="http://schemas.microsoft.com/office/drawing/2014/main" id="{87EC690B-CA07-DF05-C2D6-A34AEDFB127A}"/>
                 </a:ext>
               </a:extLst>
             </p:cNvPr>
@@ -6549,7 +6566,7 @@
             <p:cNvPr id="1058" name="Rectangle 1057">
               <a:extLst>
                 <a:ext uri="{FF2B5EF4-FFF2-40B4-BE49-F238E27FC236}">
-                  <a16:creationId xmlns:a16="http://schemas.microsoft.com/office/drawing/2014/main" xmlns="" id="{D918F3E9-B9CD-DEBD-995F-ECF21F7BE4C0}"/>
+                  <a16:creationId xmlns="" xmlns:a16="http://schemas.microsoft.com/office/drawing/2014/main" id="{D918F3E9-B9CD-DEBD-995F-ECF21F7BE4C0}"/>
                 </a:ext>
               </a:extLst>
             </p:cNvPr>
@@ -6606,7 +6623,7 @@
           <p:cNvPr id="1059" name="Group 1058">
             <a:extLst>
               <a:ext uri="{FF2B5EF4-FFF2-40B4-BE49-F238E27FC236}">
-                <a16:creationId xmlns:a16="http://schemas.microsoft.com/office/drawing/2014/main" xmlns="" id="{684B893D-2859-6B58-3B18-A2AB5955A6C3}"/>
+                <a16:creationId xmlns="" xmlns:a16="http://schemas.microsoft.com/office/drawing/2014/main" id="{684B893D-2859-6B58-3B18-A2AB5955A6C3}"/>
               </a:ext>
             </a:extLst>
           </p:cNvPr>
@@ -6626,7 +6643,7 @@
             <p:cNvPr id="1060" name="Rectangle 1059">
               <a:extLst>
                 <a:ext uri="{FF2B5EF4-FFF2-40B4-BE49-F238E27FC236}">
-                  <a16:creationId xmlns:a16="http://schemas.microsoft.com/office/drawing/2014/main" xmlns="" id="{807E5712-0DF5-BE11-C19C-7DDC8F02FE83}"/>
+                  <a16:creationId xmlns="" xmlns:a16="http://schemas.microsoft.com/office/drawing/2014/main" id="{807E5712-0DF5-BE11-C19C-7DDC8F02FE83}"/>
                 </a:ext>
               </a:extLst>
             </p:cNvPr>
@@ -6682,7 +6699,7 @@
             <p:cNvPr id="1061" name="Rectangle 1060">
               <a:extLst>
                 <a:ext uri="{FF2B5EF4-FFF2-40B4-BE49-F238E27FC236}">
-                  <a16:creationId xmlns:a16="http://schemas.microsoft.com/office/drawing/2014/main" xmlns="" id="{CB38C0FA-54CB-1F76-E4DA-03499B19F432}"/>
+                  <a16:creationId xmlns="" xmlns:a16="http://schemas.microsoft.com/office/drawing/2014/main" id="{CB38C0FA-54CB-1F76-E4DA-03499B19F432}"/>
                 </a:ext>
               </a:extLst>
             </p:cNvPr>
@@ -6738,7 +6755,7 @@
             <p:cNvPr id="1062" name="Rectangle 1061">
               <a:extLst>
                 <a:ext uri="{FF2B5EF4-FFF2-40B4-BE49-F238E27FC236}">
-                  <a16:creationId xmlns:a16="http://schemas.microsoft.com/office/drawing/2014/main" xmlns="" id="{60849827-2B80-CB1D-805A-941305DB504E}"/>
+                  <a16:creationId xmlns="" xmlns:a16="http://schemas.microsoft.com/office/drawing/2014/main" id="{60849827-2B80-CB1D-805A-941305DB504E}"/>
                 </a:ext>
               </a:extLst>
             </p:cNvPr>
@@ -6794,7 +6811,7 @@
             <p:cNvPr id="1063" name="Rectangle: Rounded Corners 1062">
               <a:extLst>
                 <a:ext uri="{FF2B5EF4-FFF2-40B4-BE49-F238E27FC236}">
-                  <a16:creationId xmlns:a16="http://schemas.microsoft.com/office/drawing/2014/main" xmlns="" id="{0491A199-251A-217A-69FB-294006F51AF7}"/>
+                  <a16:creationId xmlns="" xmlns:a16="http://schemas.microsoft.com/office/drawing/2014/main" id="{0491A199-251A-217A-69FB-294006F51AF7}"/>
                 </a:ext>
               </a:extLst>
             </p:cNvPr>
@@ -6841,7 +6858,7 @@
             <p:cNvPr id="1064" name="Rectangle 1063">
               <a:extLst>
                 <a:ext uri="{FF2B5EF4-FFF2-40B4-BE49-F238E27FC236}">
-                  <a16:creationId xmlns:a16="http://schemas.microsoft.com/office/drawing/2014/main" xmlns="" id="{E060063C-FF9D-CAD4-4F1A-606A19527FCE}"/>
+                  <a16:creationId xmlns="" xmlns:a16="http://schemas.microsoft.com/office/drawing/2014/main" id="{E060063C-FF9D-CAD4-4F1A-606A19527FCE}"/>
                 </a:ext>
               </a:extLst>
             </p:cNvPr>
@@ -6898,7 +6915,7 @@
           <p:cNvPr id="1065" name="TextBox 1064">
             <a:extLst>
               <a:ext uri="{FF2B5EF4-FFF2-40B4-BE49-F238E27FC236}">
-                <a16:creationId xmlns:a16="http://schemas.microsoft.com/office/drawing/2014/main" xmlns="" id="{2FEBBF37-EF20-597D-D8E7-65996B2012D1}"/>
+                <a16:creationId xmlns="" xmlns:a16="http://schemas.microsoft.com/office/drawing/2014/main" id="{2FEBBF37-EF20-597D-D8E7-65996B2012D1}"/>
               </a:ext>
             </a:extLst>
           </p:cNvPr>
@@ -6937,7 +6954,7 @@
           <p:cNvPr id="1066" name="Straight Arrow Connector 1065">
             <a:extLst>
               <a:ext uri="{FF2B5EF4-FFF2-40B4-BE49-F238E27FC236}">
-                <a16:creationId xmlns:a16="http://schemas.microsoft.com/office/drawing/2014/main" xmlns="" id="{1C10DD5B-9685-7E76-65D3-6C999AE87B85}"/>
+                <a16:creationId xmlns="" xmlns:a16="http://schemas.microsoft.com/office/drawing/2014/main" id="{1C10DD5B-9685-7E76-65D3-6C999AE87B85}"/>
               </a:ext>
             </a:extLst>
           </p:cNvPr>
@@ -6978,7 +6995,7 @@
           <p:cNvPr id="1069" name="TextBox 1068">
             <a:extLst>
               <a:ext uri="{FF2B5EF4-FFF2-40B4-BE49-F238E27FC236}">
-                <a16:creationId xmlns:a16="http://schemas.microsoft.com/office/drawing/2014/main" xmlns="" id="{8A7B7448-6BA7-33B9-A859-675F88502D29}"/>
+                <a16:creationId xmlns="" xmlns:a16="http://schemas.microsoft.com/office/drawing/2014/main" id="{8A7B7448-6BA7-33B9-A859-675F88502D29}"/>
               </a:ext>
             </a:extLst>
           </p:cNvPr>
@@ -7019,7 +7036,7 @@
           <p:cNvPr id="1070" name="TextBox 1069">
             <a:extLst>
               <a:ext uri="{FF2B5EF4-FFF2-40B4-BE49-F238E27FC236}">
-                <a16:creationId xmlns:a16="http://schemas.microsoft.com/office/drawing/2014/main" xmlns="" id="{9C3ED87D-433D-48F3-8183-AFD0A9719B19}"/>
+                <a16:creationId xmlns="" xmlns:a16="http://schemas.microsoft.com/office/drawing/2014/main" id="{9C3ED87D-433D-48F3-8183-AFD0A9719B19}"/>
               </a:ext>
             </a:extLst>
           </p:cNvPr>
@@ -7060,7 +7077,7 @@
           <p:cNvPr id="1071" name="TextBox 1070">
             <a:extLst>
               <a:ext uri="{FF2B5EF4-FFF2-40B4-BE49-F238E27FC236}">
-                <a16:creationId xmlns:a16="http://schemas.microsoft.com/office/drawing/2014/main" xmlns="" id="{08A2536E-3B61-4FA4-46A9-2FAB0A0683A7}"/>
+                <a16:creationId xmlns="" xmlns:a16="http://schemas.microsoft.com/office/drawing/2014/main" id="{08A2536E-3B61-4FA4-46A9-2FAB0A0683A7}"/>
               </a:ext>
             </a:extLst>
           </p:cNvPr>
@@ -7101,7 +7118,7 @@
           <p:cNvPr id="1074" name="TextBox 1073">
             <a:extLst>
               <a:ext uri="{FF2B5EF4-FFF2-40B4-BE49-F238E27FC236}">
-                <a16:creationId xmlns:a16="http://schemas.microsoft.com/office/drawing/2014/main" xmlns="" id="{D7A67576-9619-7994-EC6D-2C0DEB46157B}"/>
+                <a16:creationId xmlns="" xmlns:a16="http://schemas.microsoft.com/office/drawing/2014/main" id="{D7A67576-9619-7994-EC6D-2C0DEB46157B}"/>
               </a:ext>
             </a:extLst>
           </p:cNvPr>
@@ -7651,7 +7668,7 @@
           <p:cNvPr id="47" name="Rectangle: Rounded Corners 46">
             <a:extLst>
               <a:ext uri="{FF2B5EF4-FFF2-40B4-BE49-F238E27FC236}">
-                <a16:creationId xmlns:a16="http://schemas.microsoft.com/office/drawing/2014/main" xmlns="" id="{3F821FBC-49B0-BD42-9415-D8EBBB81935C}"/>
+                <a16:creationId xmlns="" xmlns:a16="http://schemas.microsoft.com/office/drawing/2014/main" id="{3F821FBC-49B0-BD42-9415-D8EBBB81935C}"/>
               </a:ext>
             </a:extLst>
           </p:cNvPr>
@@ -7703,7 +7720,7 @@
           <p:cNvPr id="4" name="TextBox 3">
             <a:extLst>
               <a:ext uri="{FF2B5EF4-FFF2-40B4-BE49-F238E27FC236}">
-                <a16:creationId xmlns:a16="http://schemas.microsoft.com/office/drawing/2014/main" xmlns="" id="{C9FF3A51-5321-A75D-DA04-2DED4272F352}"/>
+                <a16:creationId xmlns="" xmlns:a16="http://schemas.microsoft.com/office/drawing/2014/main" id="{C9FF3A51-5321-A75D-DA04-2DED4272F352}"/>
               </a:ext>
             </a:extLst>
           </p:cNvPr>
@@ -7741,7 +7758,7 @@
           <p:cNvPr id="5" name="TextBox 4">
             <a:extLst>
               <a:ext uri="{FF2B5EF4-FFF2-40B4-BE49-F238E27FC236}">
-                <a16:creationId xmlns:a16="http://schemas.microsoft.com/office/drawing/2014/main" xmlns="" id="{8AD9AB87-B69B-DFAC-5AF5-9188BB731F21}"/>
+                <a16:creationId xmlns="" xmlns:a16="http://schemas.microsoft.com/office/drawing/2014/main" id="{8AD9AB87-B69B-DFAC-5AF5-9188BB731F21}"/>
               </a:ext>
             </a:extLst>
           </p:cNvPr>
@@ -7788,7 +7805,7 @@
           <p:cNvPr id="6" name="TextBox 5">
             <a:extLst>
               <a:ext uri="{FF2B5EF4-FFF2-40B4-BE49-F238E27FC236}">
-                <a16:creationId xmlns:a16="http://schemas.microsoft.com/office/drawing/2014/main" xmlns="" id="{F503F7A2-D285-6817-258A-975F59A5B2B9}"/>
+                <a16:creationId xmlns="" xmlns:a16="http://schemas.microsoft.com/office/drawing/2014/main" id="{F503F7A2-D285-6817-258A-975F59A5B2B9}"/>
               </a:ext>
             </a:extLst>
           </p:cNvPr>
@@ -7835,7 +7852,7 @@
           <p:cNvPr id="7" name="TextBox 6">
             <a:extLst>
               <a:ext uri="{FF2B5EF4-FFF2-40B4-BE49-F238E27FC236}">
-                <a16:creationId xmlns:a16="http://schemas.microsoft.com/office/drawing/2014/main" xmlns="" id="{9CCB59BD-E2EA-EDF9-697B-8FA457FFBC7A}"/>
+                <a16:creationId xmlns="" xmlns:a16="http://schemas.microsoft.com/office/drawing/2014/main" id="{9CCB59BD-E2EA-EDF9-697B-8FA457FFBC7A}"/>
               </a:ext>
             </a:extLst>
           </p:cNvPr>
@@ -7882,7 +7899,7 @@
           <p:cNvPr id="8" name="TextBox 7">
             <a:extLst>
               <a:ext uri="{FF2B5EF4-FFF2-40B4-BE49-F238E27FC236}">
-                <a16:creationId xmlns:a16="http://schemas.microsoft.com/office/drawing/2014/main" xmlns="" id="{F949BE6A-3A9A-852F-A2ED-C11FB923EA3F}"/>
+                <a16:creationId xmlns="" xmlns:a16="http://schemas.microsoft.com/office/drawing/2014/main" id="{F949BE6A-3A9A-852F-A2ED-C11FB923EA3F}"/>
               </a:ext>
             </a:extLst>
           </p:cNvPr>
@@ -7920,7 +7937,7 @@
           <p:cNvPr id="11" name="TextBox 10">
             <a:extLst>
               <a:ext uri="{FF2B5EF4-FFF2-40B4-BE49-F238E27FC236}">
-                <a16:creationId xmlns:a16="http://schemas.microsoft.com/office/drawing/2014/main" xmlns="" id="{517A786D-FD70-8350-918D-7D376311368E}"/>
+                <a16:creationId xmlns="" xmlns:a16="http://schemas.microsoft.com/office/drawing/2014/main" id="{517A786D-FD70-8350-918D-7D376311368E}"/>
               </a:ext>
             </a:extLst>
           </p:cNvPr>
@@ -7972,7 +7989,7 @@
           <p:cNvPr id="12" name="TextBox 11">
             <a:extLst>
               <a:ext uri="{FF2B5EF4-FFF2-40B4-BE49-F238E27FC236}">
-                <a16:creationId xmlns:a16="http://schemas.microsoft.com/office/drawing/2014/main" xmlns="" id="{E5EBC5FF-3F57-C2E4-6A3E-C1A4EE05D77A}"/>
+                <a16:creationId xmlns="" xmlns:a16="http://schemas.microsoft.com/office/drawing/2014/main" id="{E5EBC5FF-3F57-C2E4-6A3E-C1A4EE05D77A}"/>
               </a:ext>
             </a:extLst>
           </p:cNvPr>
@@ -8019,7 +8036,7 @@
           <p:cNvPr id="13" name="TextBox 12">
             <a:extLst>
               <a:ext uri="{FF2B5EF4-FFF2-40B4-BE49-F238E27FC236}">
-                <a16:creationId xmlns:a16="http://schemas.microsoft.com/office/drawing/2014/main" xmlns="" id="{AB21377C-567C-98AE-D934-01725A1F908E}"/>
+                <a16:creationId xmlns="" xmlns:a16="http://schemas.microsoft.com/office/drawing/2014/main" id="{AB21377C-567C-98AE-D934-01725A1F908E}"/>
               </a:ext>
             </a:extLst>
           </p:cNvPr>
@@ -8057,7 +8074,7 @@
           <p:cNvPr id="15" name="Straight Arrow Connector 14">
             <a:extLst>
               <a:ext uri="{FF2B5EF4-FFF2-40B4-BE49-F238E27FC236}">
-                <a16:creationId xmlns:a16="http://schemas.microsoft.com/office/drawing/2014/main" xmlns="" id="{EA1E7AE7-BF61-79D9-9A78-44324E45EA5B}"/>
+                <a16:creationId xmlns="" xmlns:a16="http://schemas.microsoft.com/office/drawing/2014/main" id="{EA1E7AE7-BF61-79D9-9A78-44324E45EA5B}"/>
               </a:ext>
             </a:extLst>
           </p:cNvPr>
@@ -8099,7 +8116,7 @@
           <p:cNvPr id="17" name="Straight Arrow Connector 16">
             <a:extLst>
               <a:ext uri="{FF2B5EF4-FFF2-40B4-BE49-F238E27FC236}">
-                <a16:creationId xmlns:a16="http://schemas.microsoft.com/office/drawing/2014/main" xmlns="" id="{B02AD414-92DA-6F6C-6E0A-5F66C70C0B06}"/>
+                <a16:creationId xmlns="" xmlns:a16="http://schemas.microsoft.com/office/drawing/2014/main" id="{B02AD414-92DA-6F6C-6E0A-5F66C70C0B06}"/>
               </a:ext>
             </a:extLst>
           </p:cNvPr>
@@ -8141,7 +8158,7 @@
           <p:cNvPr id="19" name="Straight Arrow Connector 18">
             <a:extLst>
               <a:ext uri="{FF2B5EF4-FFF2-40B4-BE49-F238E27FC236}">
-                <a16:creationId xmlns:a16="http://schemas.microsoft.com/office/drawing/2014/main" xmlns="" id="{B6E3F129-79D3-6F9A-4988-AA808257E783}"/>
+                <a16:creationId xmlns="" xmlns:a16="http://schemas.microsoft.com/office/drawing/2014/main" id="{B6E3F129-79D3-6F9A-4988-AA808257E783}"/>
               </a:ext>
             </a:extLst>
           </p:cNvPr>
@@ -8182,7 +8199,7 @@
           <p:cNvPr id="21" name="Straight Arrow Connector 20">
             <a:extLst>
               <a:ext uri="{FF2B5EF4-FFF2-40B4-BE49-F238E27FC236}">
-                <a16:creationId xmlns:a16="http://schemas.microsoft.com/office/drawing/2014/main" xmlns="" id="{A00A6EED-F5B0-D64D-06C5-DF923B35950A}"/>
+                <a16:creationId xmlns="" xmlns:a16="http://schemas.microsoft.com/office/drawing/2014/main" id="{A00A6EED-F5B0-D64D-06C5-DF923B35950A}"/>
               </a:ext>
             </a:extLst>
           </p:cNvPr>
@@ -8223,7 +8240,7 @@
           <p:cNvPr id="49" name="Straight Arrow Connector 48">
             <a:extLst>
               <a:ext uri="{FF2B5EF4-FFF2-40B4-BE49-F238E27FC236}">
-                <a16:creationId xmlns:a16="http://schemas.microsoft.com/office/drawing/2014/main" xmlns="" id="{2E05318E-FEC5-D6CC-84FB-80F67A1413F0}"/>
+                <a16:creationId xmlns="" xmlns:a16="http://schemas.microsoft.com/office/drawing/2014/main" id="{2E05318E-FEC5-D6CC-84FB-80F67A1413F0}"/>
               </a:ext>
             </a:extLst>
           </p:cNvPr>
@@ -8264,7 +8281,7 @@
           <p:cNvPr id="51" name="Straight Arrow Connector 50">
             <a:extLst>
               <a:ext uri="{FF2B5EF4-FFF2-40B4-BE49-F238E27FC236}">
-                <a16:creationId xmlns:a16="http://schemas.microsoft.com/office/drawing/2014/main" xmlns="" id="{A9096C41-1CEB-8C0C-CA2C-76A1EE03F123}"/>
+                <a16:creationId xmlns="" xmlns:a16="http://schemas.microsoft.com/office/drawing/2014/main" id="{A9096C41-1CEB-8C0C-CA2C-76A1EE03F123}"/>
               </a:ext>
             </a:extLst>
           </p:cNvPr>
@@ -8306,7 +8323,7 @@
           <p:cNvPr id="55" name="Straight Arrow Connector 54">
             <a:extLst>
               <a:ext uri="{FF2B5EF4-FFF2-40B4-BE49-F238E27FC236}">
-                <a16:creationId xmlns:a16="http://schemas.microsoft.com/office/drawing/2014/main" xmlns="" id="{BA8F84D9-CC7F-D4AC-D5B0-EC39BC0F2555}"/>
+                <a16:creationId xmlns="" xmlns:a16="http://schemas.microsoft.com/office/drawing/2014/main" id="{BA8F84D9-CC7F-D4AC-D5B0-EC39BC0F2555}"/>
               </a:ext>
             </a:extLst>
           </p:cNvPr>
@@ -8348,7 +8365,7 @@
           <p:cNvPr id="22" name="Straight Arrow Connector 21">
             <a:extLst>
               <a:ext uri="{FF2B5EF4-FFF2-40B4-BE49-F238E27FC236}">
-                <a16:creationId xmlns:a16="http://schemas.microsoft.com/office/drawing/2014/main" xmlns="" id="{2292A5AA-34C7-5BDC-9CF0-C554F2D1AEBB}"/>
+                <a16:creationId xmlns="" xmlns:a16="http://schemas.microsoft.com/office/drawing/2014/main" id="{2292A5AA-34C7-5BDC-9CF0-C554F2D1AEBB}"/>
               </a:ext>
             </a:extLst>
           </p:cNvPr>
@@ -8390,7 +8407,7 @@
           <p:cNvPr id="24" name="Oval 23">
             <a:extLst>
               <a:ext uri="{FF2B5EF4-FFF2-40B4-BE49-F238E27FC236}">
-                <a16:creationId xmlns:a16="http://schemas.microsoft.com/office/drawing/2014/main" xmlns="" id="{7AA5DA45-1E41-6040-140D-F15E652299CB}"/>
+                <a16:creationId xmlns="" xmlns:a16="http://schemas.microsoft.com/office/drawing/2014/main" id="{7AA5DA45-1E41-6040-140D-F15E652299CB}"/>
               </a:ext>
             </a:extLst>
           </p:cNvPr>
@@ -8457,7 +8474,7 @@
           <p:cNvPr id="2" name="TextBox 1">
             <a:extLst>
               <a:ext uri="{FF2B5EF4-FFF2-40B4-BE49-F238E27FC236}">
-                <a16:creationId xmlns:a16="http://schemas.microsoft.com/office/drawing/2014/main" xmlns="" id="{711B1A80-5DFC-75E4-1162-3B7510885B48}"/>
+                <a16:creationId xmlns="" xmlns:a16="http://schemas.microsoft.com/office/drawing/2014/main" id="{711B1A80-5DFC-75E4-1162-3B7510885B48}"/>
               </a:ext>
             </a:extLst>
           </p:cNvPr>
@@ -8498,7 +8515,7 @@
           <p:cNvPr id="9" name="Group 8">
             <a:extLst>
               <a:ext uri="{FF2B5EF4-FFF2-40B4-BE49-F238E27FC236}">
-                <a16:creationId xmlns:a16="http://schemas.microsoft.com/office/drawing/2014/main" xmlns="" id="{8A060E19-E064-94CA-A10E-289F5F713C36}"/>
+                <a16:creationId xmlns="" xmlns:a16="http://schemas.microsoft.com/office/drawing/2014/main" id="{8A060E19-E064-94CA-A10E-289F5F713C36}"/>
               </a:ext>
             </a:extLst>
           </p:cNvPr>
@@ -8518,7 +8535,7 @@
             <p:cNvPr id="10" name="Rectangle 9">
               <a:extLst>
                 <a:ext uri="{FF2B5EF4-FFF2-40B4-BE49-F238E27FC236}">
-                  <a16:creationId xmlns:a16="http://schemas.microsoft.com/office/drawing/2014/main" xmlns="" id="{889F1AC4-C43C-53CC-E1C8-FF609C96CE6F}"/>
+                  <a16:creationId xmlns="" xmlns:a16="http://schemas.microsoft.com/office/drawing/2014/main" id="{889F1AC4-C43C-53CC-E1C8-FF609C96CE6F}"/>
                 </a:ext>
               </a:extLst>
             </p:cNvPr>
@@ -8574,7 +8591,7 @@
             <p:cNvPr id="14" name="Rectangle 13">
               <a:extLst>
                 <a:ext uri="{FF2B5EF4-FFF2-40B4-BE49-F238E27FC236}">
-                  <a16:creationId xmlns:a16="http://schemas.microsoft.com/office/drawing/2014/main" xmlns="" id="{FEEDE045-EFF9-02FA-A431-7B2069638B41}"/>
+                  <a16:creationId xmlns="" xmlns:a16="http://schemas.microsoft.com/office/drawing/2014/main" id="{FEEDE045-EFF9-02FA-A431-7B2069638B41}"/>
                 </a:ext>
               </a:extLst>
             </p:cNvPr>
@@ -8630,7 +8647,7 @@
             <p:cNvPr id="16" name="Rectangle 15">
               <a:extLst>
                 <a:ext uri="{FF2B5EF4-FFF2-40B4-BE49-F238E27FC236}">
-                  <a16:creationId xmlns:a16="http://schemas.microsoft.com/office/drawing/2014/main" xmlns="" id="{6F3A9F8A-A8B6-BEE8-E2A3-CFE0172B659F}"/>
+                  <a16:creationId xmlns="" xmlns:a16="http://schemas.microsoft.com/office/drawing/2014/main" id="{6F3A9F8A-A8B6-BEE8-E2A3-CFE0172B659F}"/>
                 </a:ext>
               </a:extLst>
             </p:cNvPr>
@@ -8686,7 +8703,7 @@
             <p:cNvPr id="18" name="Rectangle: Rounded Corners 17">
               <a:extLst>
                 <a:ext uri="{FF2B5EF4-FFF2-40B4-BE49-F238E27FC236}">
-                  <a16:creationId xmlns:a16="http://schemas.microsoft.com/office/drawing/2014/main" xmlns="" id="{A95B332E-2CF2-D987-503C-7C847FA25240}"/>
+                  <a16:creationId xmlns="" xmlns:a16="http://schemas.microsoft.com/office/drawing/2014/main" id="{A95B332E-2CF2-D987-503C-7C847FA25240}"/>
                 </a:ext>
               </a:extLst>
             </p:cNvPr>
@@ -8733,7 +8750,7 @@
             <p:cNvPr id="23" name="Rectangle 22">
               <a:extLst>
                 <a:ext uri="{FF2B5EF4-FFF2-40B4-BE49-F238E27FC236}">
-                  <a16:creationId xmlns:a16="http://schemas.microsoft.com/office/drawing/2014/main" xmlns="" id="{9876E9B4-8E4C-46FE-AA3D-6ABF9D1BA634}"/>
+                  <a16:creationId xmlns="" xmlns:a16="http://schemas.microsoft.com/office/drawing/2014/main" id="{9876E9B4-8E4C-46FE-AA3D-6ABF9D1BA634}"/>
                 </a:ext>
               </a:extLst>
             </p:cNvPr>
@@ -8790,7 +8807,7 @@
           <p:cNvPr id="25" name="TextBox 24">
             <a:extLst>
               <a:ext uri="{FF2B5EF4-FFF2-40B4-BE49-F238E27FC236}">
-                <a16:creationId xmlns:a16="http://schemas.microsoft.com/office/drawing/2014/main" xmlns="" id="{74E7B956-8C4B-EE5B-922C-4E398D0F7A5E}"/>
+                <a16:creationId xmlns="" xmlns:a16="http://schemas.microsoft.com/office/drawing/2014/main" id="{74E7B956-8C4B-EE5B-922C-4E398D0F7A5E}"/>
               </a:ext>
             </a:extLst>
           </p:cNvPr>
@@ -8828,7 +8845,7 @@
           <p:cNvPr id="29" name="TextBox 28">
             <a:extLst>
               <a:ext uri="{FF2B5EF4-FFF2-40B4-BE49-F238E27FC236}">
-                <a16:creationId xmlns:a16="http://schemas.microsoft.com/office/drawing/2014/main" xmlns="" id="{C30A1BAF-22F5-19EC-4F42-EAD1AFB1733B}"/>
+                <a16:creationId xmlns="" xmlns:a16="http://schemas.microsoft.com/office/drawing/2014/main" id="{C30A1BAF-22F5-19EC-4F42-EAD1AFB1733B}"/>
               </a:ext>
             </a:extLst>
           </p:cNvPr>
@@ -8866,7 +8883,7 @@
           <p:cNvPr id="35" name="TextBox 34">
             <a:extLst>
               <a:ext uri="{FF2B5EF4-FFF2-40B4-BE49-F238E27FC236}">
-                <a16:creationId xmlns:a16="http://schemas.microsoft.com/office/drawing/2014/main" xmlns="" id="{1082210E-105E-267D-0209-0AA18AAAF7EC}"/>
+                <a16:creationId xmlns="" xmlns:a16="http://schemas.microsoft.com/office/drawing/2014/main" id="{1082210E-105E-267D-0209-0AA18AAAF7EC}"/>
               </a:ext>
             </a:extLst>
           </p:cNvPr>
@@ -8923,7 +8940,7 @@
           <p:cNvPr id="48" name="TextBox 47">
             <a:extLst>
               <a:ext uri="{FF2B5EF4-FFF2-40B4-BE49-F238E27FC236}">
-                <a16:creationId xmlns:a16="http://schemas.microsoft.com/office/drawing/2014/main" xmlns="" id="{53A8FD36-6AF5-8FF6-1FCE-6308801B5361}"/>
+                <a16:creationId xmlns="" xmlns:a16="http://schemas.microsoft.com/office/drawing/2014/main" id="{53A8FD36-6AF5-8FF6-1FCE-6308801B5361}"/>
               </a:ext>
             </a:extLst>
           </p:cNvPr>
@@ -8966,6 +8983,13 @@
   <p:clrMapOvr>
     <a:masterClrMapping/>
   </p:clrMapOvr>
+  <p:timing>
+    <p:tnLst>
+      <p:par>
+        <p:cTn id="1" dur="indefinite" restart="never" nodeType="tmRoot"/>
+      </p:par>
+    </p:tnLst>
+  </p:timing>
 </p:sld>
 </file>
 
@@ -8991,7 +9015,7 @@
           <p:cNvPr id="34" name="Rectangle: Rounded Corners 33">
             <a:extLst>
               <a:ext uri="{FF2B5EF4-FFF2-40B4-BE49-F238E27FC236}">
-                <a16:creationId xmlns:a16="http://schemas.microsoft.com/office/drawing/2014/main" xmlns="" id="{E23B2844-8087-E524-B81D-0E44C8777311}"/>
+                <a16:creationId xmlns="" xmlns:a16="http://schemas.microsoft.com/office/drawing/2014/main" id="{E23B2844-8087-E524-B81D-0E44C8777311}"/>
               </a:ext>
             </a:extLst>
           </p:cNvPr>
@@ -9040,7 +9064,7 @@
           <p:cNvPr id="47" name="Rectangle: Rounded Corners 46">
             <a:extLst>
               <a:ext uri="{FF2B5EF4-FFF2-40B4-BE49-F238E27FC236}">
-                <a16:creationId xmlns:a16="http://schemas.microsoft.com/office/drawing/2014/main" xmlns="" id="{3F821FBC-49B0-BD42-9415-D8EBBB81935C}"/>
+                <a16:creationId xmlns="" xmlns:a16="http://schemas.microsoft.com/office/drawing/2014/main" id="{3F821FBC-49B0-BD42-9415-D8EBBB81935C}"/>
               </a:ext>
             </a:extLst>
           </p:cNvPr>
@@ -9092,7 +9116,7 @@
           <p:cNvPr id="4" name="TextBox 3">
             <a:extLst>
               <a:ext uri="{FF2B5EF4-FFF2-40B4-BE49-F238E27FC236}">
-                <a16:creationId xmlns:a16="http://schemas.microsoft.com/office/drawing/2014/main" xmlns="" id="{C9FF3A51-5321-A75D-DA04-2DED4272F352}"/>
+                <a16:creationId xmlns="" xmlns:a16="http://schemas.microsoft.com/office/drawing/2014/main" id="{C9FF3A51-5321-A75D-DA04-2DED4272F352}"/>
               </a:ext>
             </a:extLst>
           </p:cNvPr>
@@ -9130,7 +9154,7 @@
           <p:cNvPr id="5" name="TextBox 4">
             <a:extLst>
               <a:ext uri="{FF2B5EF4-FFF2-40B4-BE49-F238E27FC236}">
-                <a16:creationId xmlns:a16="http://schemas.microsoft.com/office/drawing/2014/main" xmlns="" id="{8AD9AB87-B69B-DFAC-5AF5-9188BB731F21}"/>
+                <a16:creationId xmlns="" xmlns:a16="http://schemas.microsoft.com/office/drawing/2014/main" id="{8AD9AB87-B69B-DFAC-5AF5-9188BB731F21}"/>
               </a:ext>
             </a:extLst>
           </p:cNvPr>
@@ -9177,7 +9201,7 @@
           <p:cNvPr id="6" name="TextBox 5">
             <a:extLst>
               <a:ext uri="{FF2B5EF4-FFF2-40B4-BE49-F238E27FC236}">
-                <a16:creationId xmlns:a16="http://schemas.microsoft.com/office/drawing/2014/main" xmlns="" id="{F503F7A2-D285-6817-258A-975F59A5B2B9}"/>
+                <a16:creationId xmlns="" xmlns:a16="http://schemas.microsoft.com/office/drawing/2014/main" id="{F503F7A2-D285-6817-258A-975F59A5B2B9}"/>
               </a:ext>
             </a:extLst>
           </p:cNvPr>
@@ -9224,7 +9248,7 @@
           <p:cNvPr id="7" name="TextBox 6">
             <a:extLst>
               <a:ext uri="{FF2B5EF4-FFF2-40B4-BE49-F238E27FC236}">
-                <a16:creationId xmlns:a16="http://schemas.microsoft.com/office/drawing/2014/main" xmlns="" id="{9CCB59BD-E2EA-EDF9-697B-8FA457FFBC7A}"/>
+                <a16:creationId xmlns="" xmlns:a16="http://schemas.microsoft.com/office/drawing/2014/main" id="{9CCB59BD-E2EA-EDF9-697B-8FA457FFBC7A}"/>
               </a:ext>
             </a:extLst>
           </p:cNvPr>
@@ -9271,7 +9295,7 @@
           <p:cNvPr id="8" name="TextBox 7">
             <a:extLst>
               <a:ext uri="{FF2B5EF4-FFF2-40B4-BE49-F238E27FC236}">
-                <a16:creationId xmlns:a16="http://schemas.microsoft.com/office/drawing/2014/main" xmlns="" id="{F949BE6A-3A9A-852F-A2ED-C11FB923EA3F}"/>
+                <a16:creationId xmlns="" xmlns:a16="http://schemas.microsoft.com/office/drawing/2014/main" id="{F949BE6A-3A9A-852F-A2ED-C11FB923EA3F}"/>
               </a:ext>
             </a:extLst>
           </p:cNvPr>
@@ -9309,7 +9333,7 @@
           <p:cNvPr id="11" name="TextBox 10">
             <a:extLst>
               <a:ext uri="{FF2B5EF4-FFF2-40B4-BE49-F238E27FC236}">
-                <a16:creationId xmlns:a16="http://schemas.microsoft.com/office/drawing/2014/main" xmlns="" id="{517A786D-FD70-8350-918D-7D376311368E}"/>
+                <a16:creationId xmlns="" xmlns:a16="http://schemas.microsoft.com/office/drawing/2014/main" id="{517A786D-FD70-8350-918D-7D376311368E}"/>
               </a:ext>
             </a:extLst>
           </p:cNvPr>
@@ -9361,7 +9385,7 @@
           <p:cNvPr id="12" name="TextBox 11">
             <a:extLst>
               <a:ext uri="{FF2B5EF4-FFF2-40B4-BE49-F238E27FC236}">
-                <a16:creationId xmlns:a16="http://schemas.microsoft.com/office/drawing/2014/main" xmlns="" id="{E5EBC5FF-3F57-C2E4-6A3E-C1A4EE05D77A}"/>
+                <a16:creationId xmlns="" xmlns:a16="http://schemas.microsoft.com/office/drawing/2014/main" id="{E5EBC5FF-3F57-C2E4-6A3E-C1A4EE05D77A}"/>
               </a:ext>
             </a:extLst>
           </p:cNvPr>
@@ -9408,7 +9432,7 @@
           <p:cNvPr id="13" name="TextBox 12">
             <a:extLst>
               <a:ext uri="{FF2B5EF4-FFF2-40B4-BE49-F238E27FC236}">
-                <a16:creationId xmlns:a16="http://schemas.microsoft.com/office/drawing/2014/main" xmlns="" id="{AB21377C-567C-98AE-D934-01725A1F908E}"/>
+                <a16:creationId xmlns="" xmlns:a16="http://schemas.microsoft.com/office/drawing/2014/main" id="{AB21377C-567C-98AE-D934-01725A1F908E}"/>
               </a:ext>
             </a:extLst>
           </p:cNvPr>
@@ -9446,7 +9470,7 @@
           <p:cNvPr id="15" name="Straight Arrow Connector 14">
             <a:extLst>
               <a:ext uri="{FF2B5EF4-FFF2-40B4-BE49-F238E27FC236}">
-                <a16:creationId xmlns:a16="http://schemas.microsoft.com/office/drawing/2014/main" xmlns="" id="{EA1E7AE7-BF61-79D9-9A78-44324E45EA5B}"/>
+                <a16:creationId xmlns="" xmlns:a16="http://schemas.microsoft.com/office/drawing/2014/main" id="{EA1E7AE7-BF61-79D9-9A78-44324E45EA5B}"/>
               </a:ext>
             </a:extLst>
           </p:cNvPr>
@@ -9488,7 +9512,7 @@
           <p:cNvPr id="17" name="Straight Arrow Connector 16">
             <a:extLst>
               <a:ext uri="{FF2B5EF4-FFF2-40B4-BE49-F238E27FC236}">
-                <a16:creationId xmlns:a16="http://schemas.microsoft.com/office/drawing/2014/main" xmlns="" id="{B02AD414-92DA-6F6C-6E0A-5F66C70C0B06}"/>
+                <a16:creationId xmlns="" xmlns:a16="http://schemas.microsoft.com/office/drawing/2014/main" id="{B02AD414-92DA-6F6C-6E0A-5F66C70C0B06}"/>
               </a:ext>
             </a:extLst>
           </p:cNvPr>
@@ -9530,7 +9554,7 @@
           <p:cNvPr id="19" name="Straight Arrow Connector 18">
             <a:extLst>
               <a:ext uri="{FF2B5EF4-FFF2-40B4-BE49-F238E27FC236}">
-                <a16:creationId xmlns:a16="http://schemas.microsoft.com/office/drawing/2014/main" xmlns="" id="{B6E3F129-79D3-6F9A-4988-AA808257E783}"/>
+                <a16:creationId xmlns="" xmlns:a16="http://schemas.microsoft.com/office/drawing/2014/main" id="{B6E3F129-79D3-6F9A-4988-AA808257E783}"/>
               </a:ext>
             </a:extLst>
           </p:cNvPr>
@@ -9571,7 +9595,7 @@
           <p:cNvPr id="21" name="Straight Arrow Connector 20">
             <a:extLst>
               <a:ext uri="{FF2B5EF4-FFF2-40B4-BE49-F238E27FC236}">
-                <a16:creationId xmlns:a16="http://schemas.microsoft.com/office/drawing/2014/main" xmlns="" id="{A00A6EED-F5B0-D64D-06C5-DF923B35950A}"/>
+                <a16:creationId xmlns="" xmlns:a16="http://schemas.microsoft.com/office/drawing/2014/main" id="{A00A6EED-F5B0-D64D-06C5-DF923B35950A}"/>
               </a:ext>
             </a:extLst>
           </p:cNvPr>
@@ -9612,7 +9636,7 @@
           <p:cNvPr id="51" name="Straight Arrow Connector 50">
             <a:extLst>
               <a:ext uri="{FF2B5EF4-FFF2-40B4-BE49-F238E27FC236}">
-                <a16:creationId xmlns:a16="http://schemas.microsoft.com/office/drawing/2014/main" xmlns="" id="{A9096C41-1CEB-8C0C-CA2C-76A1EE03F123}"/>
+                <a16:creationId xmlns="" xmlns:a16="http://schemas.microsoft.com/office/drawing/2014/main" id="{A9096C41-1CEB-8C0C-CA2C-76A1EE03F123}"/>
               </a:ext>
             </a:extLst>
           </p:cNvPr>
@@ -9654,7 +9678,7 @@
           <p:cNvPr id="55" name="Straight Arrow Connector 54">
             <a:extLst>
               <a:ext uri="{FF2B5EF4-FFF2-40B4-BE49-F238E27FC236}">
-                <a16:creationId xmlns:a16="http://schemas.microsoft.com/office/drawing/2014/main" xmlns="" id="{BA8F84D9-CC7F-D4AC-D5B0-EC39BC0F2555}"/>
+                <a16:creationId xmlns="" xmlns:a16="http://schemas.microsoft.com/office/drawing/2014/main" id="{BA8F84D9-CC7F-D4AC-D5B0-EC39BC0F2555}"/>
               </a:ext>
             </a:extLst>
           </p:cNvPr>
@@ -9696,7 +9720,7 @@
           <p:cNvPr id="22" name="Straight Arrow Connector 21">
             <a:extLst>
               <a:ext uri="{FF2B5EF4-FFF2-40B4-BE49-F238E27FC236}">
-                <a16:creationId xmlns:a16="http://schemas.microsoft.com/office/drawing/2014/main" xmlns="" id="{2292A5AA-34C7-5BDC-9CF0-C554F2D1AEBB}"/>
+                <a16:creationId xmlns="" xmlns:a16="http://schemas.microsoft.com/office/drawing/2014/main" id="{2292A5AA-34C7-5BDC-9CF0-C554F2D1AEBB}"/>
               </a:ext>
             </a:extLst>
           </p:cNvPr>
@@ -9738,7 +9762,7 @@
           <p:cNvPr id="24" name="Oval 23">
             <a:extLst>
               <a:ext uri="{FF2B5EF4-FFF2-40B4-BE49-F238E27FC236}">
-                <a16:creationId xmlns:a16="http://schemas.microsoft.com/office/drawing/2014/main" xmlns="" id="{7AA5DA45-1E41-6040-140D-F15E652299CB}"/>
+                <a16:creationId xmlns="" xmlns:a16="http://schemas.microsoft.com/office/drawing/2014/main" id="{7AA5DA45-1E41-6040-140D-F15E652299CB}"/>
               </a:ext>
             </a:extLst>
           </p:cNvPr>
@@ -9805,7 +9829,7 @@
           <p:cNvPr id="2" name="TextBox 1">
             <a:extLst>
               <a:ext uri="{FF2B5EF4-FFF2-40B4-BE49-F238E27FC236}">
-                <a16:creationId xmlns:a16="http://schemas.microsoft.com/office/drawing/2014/main" xmlns="" id="{711B1A80-5DFC-75E4-1162-3B7510885B48}"/>
+                <a16:creationId xmlns="" xmlns:a16="http://schemas.microsoft.com/office/drawing/2014/main" id="{711B1A80-5DFC-75E4-1162-3B7510885B48}"/>
               </a:ext>
             </a:extLst>
           </p:cNvPr>
@@ -9846,7 +9870,7 @@
           <p:cNvPr id="9" name="Group 8">
             <a:extLst>
               <a:ext uri="{FF2B5EF4-FFF2-40B4-BE49-F238E27FC236}">
-                <a16:creationId xmlns:a16="http://schemas.microsoft.com/office/drawing/2014/main" xmlns="" id="{8A060E19-E064-94CA-A10E-289F5F713C36}"/>
+                <a16:creationId xmlns="" xmlns:a16="http://schemas.microsoft.com/office/drawing/2014/main" id="{8A060E19-E064-94CA-A10E-289F5F713C36}"/>
               </a:ext>
             </a:extLst>
           </p:cNvPr>
@@ -9866,7 +9890,7 @@
             <p:cNvPr id="10" name="Rectangle 9">
               <a:extLst>
                 <a:ext uri="{FF2B5EF4-FFF2-40B4-BE49-F238E27FC236}">
-                  <a16:creationId xmlns:a16="http://schemas.microsoft.com/office/drawing/2014/main" xmlns="" id="{889F1AC4-C43C-53CC-E1C8-FF609C96CE6F}"/>
+                  <a16:creationId xmlns="" xmlns:a16="http://schemas.microsoft.com/office/drawing/2014/main" id="{889F1AC4-C43C-53CC-E1C8-FF609C96CE6F}"/>
                 </a:ext>
               </a:extLst>
             </p:cNvPr>
@@ -9922,7 +9946,7 @@
             <p:cNvPr id="14" name="Rectangle 13">
               <a:extLst>
                 <a:ext uri="{FF2B5EF4-FFF2-40B4-BE49-F238E27FC236}">
-                  <a16:creationId xmlns:a16="http://schemas.microsoft.com/office/drawing/2014/main" xmlns="" id="{FEEDE045-EFF9-02FA-A431-7B2069638B41}"/>
+                  <a16:creationId xmlns="" xmlns:a16="http://schemas.microsoft.com/office/drawing/2014/main" id="{FEEDE045-EFF9-02FA-A431-7B2069638B41}"/>
                 </a:ext>
               </a:extLst>
             </p:cNvPr>
@@ -9978,7 +10002,7 @@
             <p:cNvPr id="16" name="Rectangle 15">
               <a:extLst>
                 <a:ext uri="{FF2B5EF4-FFF2-40B4-BE49-F238E27FC236}">
-                  <a16:creationId xmlns:a16="http://schemas.microsoft.com/office/drawing/2014/main" xmlns="" id="{6F3A9F8A-A8B6-BEE8-E2A3-CFE0172B659F}"/>
+                  <a16:creationId xmlns="" xmlns:a16="http://schemas.microsoft.com/office/drawing/2014/main" id="{6F3A9F8A-A8B6-BEE8-E2A3-CFE0172B659F}"/>
                 </a:ext>
               </a:extLst>
             </p:cNvPr>
@@ -10034,7 +10058,7 @@
             <p:cNvPr id="18" name="Rectangle: Rounded Corners 17">
               <a:extLst>
                 <a:ext uri="{FF2B5EF4-FFF2-40B4-BE49-F238E27FC236}">
-                  <a16:creationId xmlns:a16="http://schemas.microsoft.com/office/drawing/2014/main" xmlns="" id="{A95B332E-2CF2-D987-503C-7C847FA25240}"/>
+                  <a16:creationId xmlns="" xmlns:a16="http://schemas.microsoft.com/office/drawing/2014/main" id="{A95B332E-2CF2-D987-503C-7C847FA25240}"/>
                 </a:ext>
               </a:extLst>
             </p:cNvPr>
@@ -10081,7 +10105,7 @@
             <p:cNvPr id="23" name="Rectangle 22">
               <a:extLst>
                 <a:ext uri="{FF2B5EF4-FFF2-40B4-BE49-F238E27FC236}">
-                  <a16:creationId xmlns:a16="http://schemas.microsoft.com/office/drawing/2014/main" xmlns="" id="{9876E9B4-8E4C-46FE-AA3D-6ABF9D1BA634}"/>
+                  <a16:creationId xmlns="" xmlns:a16="http://schemas.microsoft.com/office/drawing/2014/main" id="{9876E9B4-8E4C-46FE-AA3D-6ABF9D1BA634}"/>
                 </a:ext>
               </a:extLst>
             </p:cNvPr>
@@ -10138,7 +10162,7 @@
           <p:cNvPr id="25" name="TextBox 24">
             <a:extLst>
               <a:ext uri="{FF2B5EF4-FFF2-40B4-BE49-F238E27FC236}">
-                <a16:creationId xmlns:a16="http://schemas.microsoft.com/office/drawing/2014/main" xmlns="" id="{74E7B956-8C4B-EE5B-922C-4E398D0F7A5E}"/>
+                <a16:creationId xmlns="" xmlns:a16="http://schemas.microsoft.com/office/drawing/2014/main" id="{74E7B956-8C4B-EE5B-922C-4E398D0F7A5E}"/>
               </a:ext>
             </a:extLst>
           </p:cNvPr>
@@ -10176,7 +10200,7 @@
           <p:cNvPr id="29" name="TextBox 28">
             <a:extLst>
               <a:ext uri="{FF2B5EF4-FFF2-40B4-BE49-F238E27FC236}">
-                <a16:creationId xmlns:a16="http://schemas.microsoft.com/office/drawing/2014/main" xmlns="" id="{C30A1BAF-22F5-19EC-4F42-EAD1AFB1733B}"/>
+                <a16:creationId xmlns="" xmlns:a16="http://schemas.microsoft.com/office/drawing/2014/main" id="{C30A1BAF-22F5-19EC-4F42-EAD1AFB1733B}"/>
               </a:ext>
             </a:extLst>
           </p:cNvPr>
@@ -10214,7 +10238,7 @@
           <p:cNvPr id="35" name="TextBox 34">
             <a:extLst>
               <a:ext uri="{FF2B5EF4-FFF2-40B4-BE49-F238E27FC236}">
-                <a16:creationId xmlns:a16="http://schemas.microsoft.com/office/drawing/2014/main" xmlns="" id="{1082210E-105E-267D-0209-0AA18AAAF7EC}"/>
+                <a16:creationId xmlns="" xmlns:a16="http://schemas.microsoft.com/office/drawing/2014/main" id="{1082210E-105E-267D-0209-0AA18AAAF7EC}"/>
               </a:ext>
             </a:extLst>
           </p:cNvPr>
@@ -10271,7 +10295,7 @@
           <p:cNvPr id="3" name="Oval 2">
             <a:extLst>
               <a:ext uri="{FF2B5EF4-FFF2-40B4-BE49-F238E27FC236}">
-                <a16:creationId xmlns:a16="http://schemas.microsoft.com/office/drawing/2014/main" xmlns="" id="{17865320-5D75-3028-6096-3F8094DF655E}"/>
+                <a16:creationId xmlns="" xmlns:a16="http://schemas.microsoft.com/office/drawing/2014/main" id="{17865320-5D75-3028-6096-3F8094DF655E}"/>
               </a:ext>
             </a:extLst>
           </p:cNvPr>
@@ -10330,7 +10354,7 @@
           <p:cNvPr id="20" name="Straight Arrow Connector 19">
             <a:extLst>
               <a:ext uri="{FF2B5EF4-FFF2-40B4-BE49-F238E27FC236}">
-                <a16:creationId xmlns:a16="http://schemas.microsoft.com/office/drawing/2014/main" xmlns="" id="{BDDD73D9-D590-7740-CCF3-DD9EA3D6C44C}"/>
+                <a16:creationId xmlns="" xmlns:a16="http://schemas.microsoft.com/office/drawing/2014/main" id="{BDDD73D9-D590-7740-CCF3-DD9EA3D6C44C}"/>
               </a:ext>
             </a:extLst>
           </p:cNvPr>
@@ -10371,7 +10395,7 @@
           <p:cNvPr id="26" name="Straight Arrow Connector 25">
             <a:extLst>
               <a:ext uri="{FF2B5EF4-FFF2-40B4-BE49-F238E27FC236}">
-                <a16:creationId xmlns:a16="http://schemas.microsoft.com/office/drawing/2014/main" xmlns="" id="{5F8D3279-8285-63E3-F540-2F9182A5C97D}"/>
+                <a16:creationId xmlns="" xmlns:a16="http://schemas.microsoft.com/office/drawing/2014/main" id="{5F8D3279-8285-63E3-F540-2F9182A5C97D}"/>
               </a:ext>
             </a:extLst>
           </p:cNvPr>
@@ -10412,7 +10436,7 @@
           <p:cNvPr id="27" name="Freeform: Shape 26">
             <a:extLst>
               <a:ext uri="{FF2B5EF4-FFF2-40B4-BE49-F238E27FC236}">
-                <a16:creationId xmlns:a16="http://schemas.microsoft.com/office/drawing/2014/main" xmlns="" id="{C592BCD1-9ACE-D281-939F-400D2873C2CC}"/>
+                <a16:creationId xmlns="" xmlns:a16="http://schemas.microsoft.com/office/drawing/2014/main" id="{C592BCD1-9ACE-D281-939F-400D2873C2CC}"/>
               </a:ext>
             </a:extLst>
           </p:cNvPr>
@@ -10531,7 +10555,7 @@
           <p:cNvPr id="28" name="Straight Arrow Connector 27">
             <a:extLst>
               <a:ext uri="{FF2B5EF4-FFF2-40B4-BE49-F238E27FC236}">
-                <a16:creationId xmlns:a16="http://schemas.microsoft.com/office/drawing/2014/main" xmlns="" id="{B6387863-B079-074E-5D52-F75993D4DFEC}"/>
+                <a16:creationId xmlns="" xmlns:a16="http://schemas.microsoft.com/office/drawing/2014/main" id="{B6387863-B079-074E-5D52-F75993D4DFEC}"/>
               </a:ext>
             </a:extLst>
           </p:cNvPr>
@@ -10572,7 +10596,7 @@
           <p:cNvPr id="30" name="Straight Arrow Connector 29">
             <a:extLst>
               <a:ext uri="{FF2B5EF4-FFF2-40B4-BE49-F238E27FC236}">
-                <a16:creationId xmlns:a16="http://schemas.microsoft.com/office/drawing/2014/main" xmlns="" id="{3A032AAE-BA84-AEF0-3FF5-DB9364010714}"/>
+                <a16:creationId xmlns="" xmlns:a16="http://schemas.microsoft.com/office/drawing/2014/main" id="{3A032AAE-BA84-AEF0-3FF5-DB9364010714}"/>
               </a:ext>
             </a:extLst>
           </p:cNvPr>
@@ -10613,7 +10637,7 @@
           <p:cNvPr id="31" name="Straight Arrow Connector 30">
             <a:extLst>
               <a:ext uri="{FF2B5EF4-FFF2-40B4-BE49-F238E27FC236}">
-                <a16:creationId xmlns:a16="http://schemas.microsoft.com/office/drawing/2014/main" xmlns="" id="{253C744D-9ABA-1A2D-F376-F8969157C169}"/>
+                <a16:creationId xmlns="" xmlns:a16="http://schemas.microsoft.com/office/drawing/2014/main" id="{253C744D-9ABA-1A2D-F376-F8969157C169}"/>
               </a:ext>
             </a:extLst>
           </p:cNvPr>
@@ -10654,7 +10678,7 @@
           <p:cNvPr id="32" name="Straight Arrow Connector 31">
             <a:extLst>
               <a:ext uri="{FF2B5EF4-FFF2-40B4-BE49-F238E27FC236}">
-                <a16:creationId xmlns:a16="http://schemas.microsoft.com/office/drawing/2014/main" xmlns="" id="{A7BAE900-5583-10E3-624F-902944319085}"/>
+                <a16:creationId xmlns="" xmlns:a16="http://schemas.microsoft.com/office/drawing/2014/main" id="{A7BAE900-5583-10E3-624F-902944319085}"/>
               </a:ext>
             </a:extLst>
           </p:cNvPr>
@@ -10696,7 +10720,7 @@
           <p:cNvPr id="33" name="TextBox 32">
             <a:extLst>
               <a:ext uri="{FF2B5EF4-FFF2-40B4-BE49-F238E27FC236}">
-                <a16:creationId xmlns:a16="http://schemas.microsoft.com/office/drawing/2014/main" xmlns="" id="{6E7A59B7-2849-1BEC-D951-A77F3A68F9E6}"/>
+                <a16:creationId xmlns="" xmlns:a16="http://schemas.microsoft.com/office/drawing/2014/main" id="{6E7A59B7-2849-1BEC-D951-A77F3A68F9E6}"/>
               </a:ext>
             </a:extLst>
           </p:cNvPr>
@@ -10752,7 +10776,7 @@
           <p:cNvPr id="37" name="Straight Arrow Connector 36">
             <a:extLst>
               <a:ext uri="{FF2B5EF4-FFF2-40B4-BE49-F238E27FC236}">
-                <a16:creationId xmlns:a16="http://schemas.microsoft.com/office/drawing/2014/main" xmlns="" id="{1A8BC8E6-237C-EB7C-630C-70CB253F73B0}"/>
+                <a16:creationId xmlns="" xmlns:a16="http://schemas.microsoft.com/office/drawing/2014/main" id="{1A8BC8E6-237C-EB7C-630C-70CB253F73B0}"/>
               </a:ext>
             </a:extLst>
           </p:cNvPr>
@@ -10798,6 +10822,13 @@
   <p:clrMapOvr>
     <a:masterClrMapping/>
   </p:clrMapOvr>
+  <p:timing>
+    <p:tnLst>
+      <p:par>
+        <p:cTn id="1" dur="indefinite" restart="never" nodeType="tmRoot"/>
+      </p:par>
+    </p:tnLst>
+  </p:timing>
 </p:sld>
 </file>
 
@@ -11155,7 +11186,7 @@
           <p:cNvPr id="2" name="TextBox 1">
             <a:extLst>
               <a:ext uri="{FF2B5EF4-FFF2-40B4-BE49-F238E27FC236}">
-                <a16:creationId xmlns:a16="http://schemas.microsoft.com/office/drawing/2014/main" xmlns="" id="{711B1A80-5DFC-75E4-1162-3B7510885B48}"/>
+                <a16:creationId xmlns="" xmlns:a16="http://schemas.microsoft.com/office/drawing/2014/main" id="{711B1A80-5DFC-75E4-1162-3B7510885B48}"/>
               </a:ext>
             </a:extLst>
           </p:cNvPr>
@@ -11203,7 +11234,7 @@
           <p:cNvPr id="3" name="Rectangle: Rounded Corners 33">
             <a:extLst>
               <a:ext uri="{FF2B5EF4-FFF2-40B4-BE49-F238E27FC236}">
-                <a16:creationId xmlns:a16="http://schemas.microsoft.com/office/drawing/2014/main" xmlns="" id="{E23B2844-8087-E524-B81D-0E44C8777311}"/>
+                <a16:creationId xmlns="" xmlns:a16="http://schemas.microsoft.com/office/drawing/2014/main" id="{E23B2844-8087-E524-B81D-0E44C8777311}"/>
               </a:ext>
             </a:extLst>
           </p:cNvPr>
@@ -11252,7 +11283,7 @@
           <p:cNvPr id="4" name="TextBox 3">
             <a:extLst>
               <a:ext uri="{FF2B5EF4-FFF2-40B4-BE49-F238E27FC236}">
-                <a16:creationId xmlns:a16="http://schemas.microsoft.com/office/drawing/2014/main" xmlns="" id="{6E7A59B7-2849-1BEC-D951-A77F3A68F9E6}"/>
+                <a16:creationId xmlns="" xmlns:a16="http://schemas.microsoft.com/office/drawing/2014/main" id="{6E7A59B7-2849-1BEC-D951-A77F3A68F9E6}"/>
               </a:ext>
             </a:extLst>
           </p:cNvPr>
@@ -11637,7 +11668,7 @@
           <p:cNvPr id="13" name="Rectangle 12">
             <a:extLst>
               <a:ext uri="{FF2B5EF4-FFF2-40B4-BE49-F238E27FC236}">
-                <a16:creationId xmlns:a16="http://schemas.microsoft.com/office/drawing/2014/main" xmlns="" id="{7DE9B7FF-B378-85D9-9E71-9FA9E18F950A}"/>
+                <a16:creationId xmlns="" xmlns:a16="http://schemas.microsoft.com/office/drawing/2014/main" id="{7DE9B7FF-B378-85D9-9E71-9FA9E18F950A}"/>
               </a:ext>
             </a:extLst>
           </p:cNvPr>
@@ -11696,7 +11727,7 @@
           <p:cNvPr id="14" name="Rectangle 13">
             <a:extLst>
               <a:ext uri="{FF2B5EF4-FFF2-40B4-BE49-F238E27FC236}">
-                <a16:creationId xmlns:a16="http://schemas.microsoft.com/office/drawing/2014/main" xmlns="" id="{09B0F973-2E9F-064A-D5F2-8D2F0F2E1C65}"/>
+                <a16:creationId xmlns="" xmlns:a16="http://schemas.microsoft.com/office/drawing/2014/main" id="{09B0F973-2E9F-064A-D5F2-8D2F0F2E1C65}"/>
               </a:ext>
             </a:extLst>
           </p:cNvPr>
@@ -11755,7 +11786,7 @@
           <p:cNvPr id="15" name="Rectangle 14">
             <a:extLst>
               <a:ext uri="{FF2B5EF4-FFF2-40B4-BE49-F238E27FC236}">
-                <a16:creationId xmlns:a16="http://schemas.microsoft.com/office/drawing/2014/main" xmlns="" id="{EEA94FFF-06D5-D7ED-73D3-9D7380A0EF45}"/>
+                <a16:creationId xmlns="" xmlns:a16="http://schemas.microsoft.com/office/drawing/2014/main" id="{EEA94FFF-06D5-D7ED-73D3-9D7380A0EF45}"/>
               </a:ext>
             </a:extLst>
           </p:cNvPr>
@@ -11814,7 +11845,7 @@
           <p:cNvPr id="16" name="Rectangle 15">
             <a:extLst>
               <a:ext uri="{FF2B5EF4-FFF2-40B4-BE49-F238E27FC236}">
-                <a16:creationId xmlns:a16="http://schemas.microsoft.com/office/drawing/2014/main" xmlns="" id="{28DACC2A-06EC-35B2-C21F-D786FE50BEE0}"/>
+                <a16:creationId xmlns="" xmlns:a16="http://schemas.microsoft.com/office/drawing/2014/main" id="{28DACC2A-06EC-35B2-C21F-D786FE50BEE0}"/>
               </a:ext>
             </a:extLst>
           </p:cNvPr>
@@ -11873,7 +11904,7 @@
           <p:cNvPr id="17" name="Rectangle: Rounded Corners 1028">
             <a:extLst>
               <a:ext uri="{FF2B5EF4-FFF2-40B4-BE49-F238E27FC236}">
-                <a16:creationId xmlns:a16="http://schemas.microsoft.com/office/drawing/2014/main" xmlns="" id="{3714357A-DE1C-4750-96EF-B676E88C6C76}"/>
+                <a16:creationId xmlns="" xmlns:a16="http://schemas.microsoft.com/office/drawing/2014/main" id="{3714357A-DE1C-4750-96EF-B676E88C6C76}"/>
               </a:ext>
             </a:extLst>
           </p:cNvPr>
@@ -11920,7 +11951,7 @@
           <p:cNvPr id="18" name="TextBox 17">
             <a:extLst>
               <a:ext uri="{FF2B5EF4-FFF2-40B4-BE49-F238E27FC236}">
-                <a16:creationId xmlns:a16="http://schemas.microsoft.com/office/drawing/2014/main" xmlns="" id="{C97EA28D-05BA-F0E7-6B03-42387EE7C271}"/>
+                <a16:creationId xmlns="" xmlns:a16="http://schemas.microsoft.com/office/drawing/2014/main" id="{C97EA28D-05BA-F0E7-6B03-42387EE7C271}"/>
               </a:ext>
             </a:extLst>
           </p:cNvPr>
@@ -11955,7 +11986,7 @@
           <p:cNvPr id="19" name="Group 18">
             <a:extLst>
               <a:ext uri="{FF2B5EF4-FFF2-40B4-BE49-F238E27FC236}">
-                <a16:creationId xmlns:a16="http://schemas.microsoft.com/office/drawing/2014/main" xmlns="" id="{47AB85D2-6513-AECF-3B29-C882A3545E86}"/>
+                <a16:creationId xmlns="" xmlns:a16="http://schemas.microsoft.com/office/drawing/2014/main" id="{47AB85D2-6513-AECF-3B29-C882A3545E86}"/>
               </a:ext>
             </a:extLst>
           </p:cNvPr>
@@ -11975,7 +12006,7 @@
             <p:cNvPr id="20" name="Rectangle 19">
               <a:extLst>
                 <a:ext uri="{FF2B5EF4-FFF2-40B4-BE49-F238E27FC236}">
-                  <a16:creationId xmlns:a16="http://schemas.microsoft.com/office/drawing/2014/main" xmlns="" id="{C6DF31CE-67A3-F110-DE0C-1867ED8B7CFF}"/>
+                  <a16:creationId xmlns="" xmlns:a16="http://schemas.microsoft.com/office/drawing/2014/main" id="{C6DF31CE-67A3-F110-DE0C-1867ED8B7CFF}"/>
                 </a:ext>
               </a:extLst>
             </p:cNvPr>
@@ -12031,7 +12062,7 @@
             <p:cNvPr id="21" name="Rectangle 20">
               <a:extLst>
                 <a:ext uri="{FF2B5EF4-FFF2-40B4-BE49-F238E27FC236}">
-                  <a16:creationId xmlns:a16="http://schemas.microsoft.com/office/drawing/2014/main" xmlns="" id="{C5455C75-7C85-5134-D27B-106E784D7462}"/>
+                  <a16:creationId xmlns="" xmlns:a16="http://schemas.microsoft.com/office/drawing/2014/main" id="{C5455C75-7C85-5134-D27B-106E784D7462}"/>
                 </a:ext>
               </a:extLst>
             </p:cNvPr>
@@ -12087,7 +12118,7 @@
             <p:cNvPr id="22" name="Rectangle 21">
               <a:extLst>
                 <a:ext uri="{FF2B5EF4-FFF2-40B4-BE49-F238E27FC236}">
-                  <a16:creationId xmlns:a16="http://schemas.microsoft.com/office/drawing/2014/main" xmlns="" id="{1A83213E-3ECB-4664-3038-E9FCF5D367D2}"/>
+                  <a16:creationId xmlns="" xmlns:a16="http://schemas.microsoft.com/office/drawing/2014/main" id="{1A83213E-3ECB-4664-3038-E9FCF5D367D2}"/>
                 </a:ext>
               </a:extLst>
             </p:cNvPr>
@@ -12143,7 +12174,7 @@
             <p:cNvPr id="23" name="Rectangle: Rounded Corners 1038">
               <a:extLst>
                 <a:ext uri="{FF2B5EF4-FFF2-40B4-BE49-F238E27FC236}">
-                  <a16:creationId xmlns:a16="http://schemas.microsoft.com/office/drawing/2014/main" xmlns="" id="{DCC26DC1-D556-5ACE-8D2F-3290128C6A78}"/>
+                  <a16:creationId xmlns="" xmlns:a16="http://schemas.microsoft.com/office/drawing/2014/main" id="{DCC26DC1-D556-5ACE-8D2F-3290128C6A78}"/>
                 </a:ext>
               </a:extLst>
             </p:cNvPr>
@@ -12190,7 +12221,7 @@
             <p:cNvPr id="24" name="Rectangle 23">
               <a:extLst>
                 <a:ext uri="{FF2B5EF4-FFF2-40B4-BE49-F238E27FC236}">
-                  <a16:creationId xmlns:a16="http://schemas.microsoft.com/office/drawing/2014/main" xmlns="" id="{1C128A7A-CA7D-AE7D-4CD4-56776A216475}"/>
+                  <a16:creationId xmlns="" xmlns:a16="http://schemas.microsoft.com/office/drawing/2014/main" id="{1C128A7A-CA7D-AE7D-4CD4-56776A216475}"/>
                 </a:ext>
               </a:extLst>
             </p:cNvPr>
@@ -12247,7 +12278,7 @@
           <p:cNvPr id="25" name="Group 24">
             <a:extLst>
               <a:ext uri="{FF2B5EF4-FFF2-40B4-BE49-F238E27FC236}">
-                <a16:creationId xmlns:a16="http://schemas.microsoft.com/office/drawing/2014/main" xmlns="" id="{47AB85D2-6513-AECF-3B29-C882A3545E86}"/>
+                <a16:creationId xmlns="" xmlns:a16="http://schemas.microsoft.com/office/drawing/2014/main" id="{47AB85D2-6513-AECF-3B29-C882A3545E86}"/>
               </a:ext>
             </a:extLst>
           </p:cNvPr>
@@ -12267,7 +12298,7 @@
             <p:cNvPr id="26" name="Rectangle 25">
               <a:extLst>
                 <a:ext uri="{FF2B5EF4-FFF2-40B4-BE49-F238E27FC236}">
-                  <a16:creationId xmlns:a16="http://schemas.microsoft.com/office/drawing/2014/main" xmlns="" id="{C6DF31CE-67A3-F110-DE0C-1867ED8B7CFF}"/>
+                  <a16:creationId xmlns="" xmlns:a16="http://schemas.microsoft.com/office/drawing/2014/main" id="{C6DF31CE-67A3-F110-DE0C-1867ED8B7CFF}"/>
                 </a:ext>
               </a:extLst>
             </p:cNvPr>
@@ -12323,7 +12354,7 @@
             <p:cNvPr id="27" name="Rectangle 26">
               <a:extLst>
                 <a:ext uri="{FF2B5EF4-FFF2-40B4-BE49-F238E27FC236}">
-                  <a16:creationId xmlns:a16="http://schemas.microsoft.com/office/drawing/2014/main" xmlns="" id="{C5455C75-7C85-5134-D27B-106E784D7462}"/>
+                  <a16:creationId xmlns="" xmlns:a16="http://schemas.microsoft.com/office/drawing/2014/main" id="{C5455C75-7C85-5134-D27B-106E784D7462}"/>
                 </a:ext>
               </a:extLst>
             </p:cNvPr>
@@ -12379,7 +12410,7 @@
             <p:cNvPr id="28" name="Rectangle 27">
               <a:extLst>
                 <a:ext uri="{FF2B5EF4-FFF2-40B4-BE49-F238E27FC236}">
-                  <a16:creationId xmlns:a16="http://schemas.microsoft.com/office/drawing/2014/main" xmlns="" id="{1A83213E-3ECB-4664-3038-E9FCF5D367D2}"/>
+                  <a16:creationId xmlns="" xmlns:a16="http://schemas.microsoft.com/office/drawing/2014/main" id="{1A83213E-3ECB-4664-3038-E9FCF5D367D2}"/>
                 </a:ext>
               </a:extLst>
             </p:cNvPr>
@@ -12435,7 +12466,7 @@
             <p:cNvPr id="29" name="Rectangle: Rounded Corners 1038">
               <a:extLst>
                 <a:ext uri="{FF2B5EF4-FFF2-40B4-BE49-F238E27FC236}">
-                  <a16:creationId xmlns:a16="http://schemas.microsoft.com/office/drawing/2014/main" xmlns="" id="{DCC26DC1-D556-5ACE-8D2F-3290128C6A78}"/>
+                  <a16:creationId xmlns="" xmlns:a16="http://schemas.microsoft.com/office/drawing/2014/main" id="{DCC26DC1-D556-5ACE-8D2F-3290128C6A78}"/>
                 </a:ext>
               </a:extLst>
             </p:cNvPr>
@@ -12482,7 +12513,7 @@
             <p:cNvPr id="30" name="Rectangle 29">
               <a:extLst>
                 <a:ext uri="{FF2B5EF4-FFF2-40B4-BE49-F238E27FC236}">
-                  <a16:creationId xmlns:a16="http://schemas.microsoft.com/office/drawing/2014/main" xmlns="" id="{1C128A7A-CA7D-AE7D-4CD4-56776A216475}"/>
+                  <a16:creationId xmlns="" xmlns:a16="http://schemas.microsoft.com/office/drawing/2014/main" id="{1C128A7A-CA7D-AE7D-4CD4-56776A216475}"/>
                 </a:ext>
               </a:extLst>
             </p:cNvPr>
@@ -13593,41 +13624,6 @@
       </p:cxnSp>
       <p:cxnSp>
         <p:nvCxnSpPr>
-          <p:cNvPr id="55" name="Straight Arrow Connector 54"/>
-          <p:cNvCxnSpPr>
-            <a:endCxn id="41" idx="4"/>
-          </p:cNvCxnSpPr>
-          <p:nvPr/>
-        </p:nvCxnSpPr>
-        <p:spPr>
-          <a:xfrm flipV="1">
-            <a:off x="6367268" y="4265584"/>
-            <a:ext cx="1" cy="365710"/>
-          </a:xfrm>
-          <a:prstGeom prst="straightConnector1">
-            <a:avLst/>
-          </a:prstGeom>
-          <a:ln>
-            <a:tailEnd type="triangle"/>
-          </a:ln>
-        </p:spPr>
-        <p:style>
-          <a:lnRef idx="1">
-            <a:schemeClr val="accent1"/>
-          </a:lnRef>
-          <a:fillRef idx="0">
-            <a:schemeClr val="accent1"/>
-          </a:fillRef>
-          <a:effectRef idx="0">
-            <a:schemeClr val="accent1"/>
-          </a:effectRef>
-          <a:fontRef idx="minor">
-            <a:schemeClr val="tx1"/>
-          </a:fontRef>
-        </p:style>
-      </p:cxnSp>
-      <p:cxnSp>
-        <p:nvCxnSpPr>
           <p:cNvPr id="58" name="Straight Arrow Connector 57"/>
           <p:cNvCxnSpPr/>
           <p:nvPr/>
@@ -13851,274 +13847,9 @@
   <p:timing>
     <p:tnLst>
       <p:par>
-        <p:cTn id="1" dur="indefinite" restart="never" nodeType="tmRoot">
-          <p:childTnLst>
-            <p:seq concurrent="1" nextAc="seek">
-              <p:cTn id="2" dur="indefinite" nodeType="mainSeq">
-                <p:childTnLst>
-                  <p:par>
-                    <p:cTn id="3" fill="hold">
-                      <p:stCondLst>
-                        <p:cond delay="indefinite"/>
-                      </p:stCondLst>
-                      <p:childTnLst>
-                        <p:par>
-                          <p:cTn id="4" fill="hold">
-                            <p:stCondLst>
-                              <p:cond delay="0"/>
-                            </p:stCondLst>
-                            <p:childTnLst>
-                              <p:par>
-                                <p:cTn id="5" presetID="1" presetClass="entr" presetSubtype="0" fill="hold" grpId="0" nodeType="clickEffect">
-                                  <p:stCondLst>
-                                    <p:cond delay="0"/>
-                                  </p:stCondLst>
-                                  <p:childTnLst>
-                                    <p:set>
-                                      <p:cBhvr>
-                                        <p:cTn id="6" dur="1" fill="hold">
-                                          <p:stCondLst>
-                                            <p:cond delay="0"/>
-                                          </p:stCondLst>
-                                        </p:cTn>
-                                        <p:tgtEl>
-                                          <p:spTgt spid="13"/>
-                                        </p:tgtEl>
-                                        <p:attrNameLst>
-                                          <p:attrName>style.visibility</p:attrName>
-                                        </p:attrNameLst>
-                                      </p:cBhvr>
-                                      <p:to>
-                                        <p:strVal val="visible"/>
-                                      </p:to>
-                                    </p:set>
-                                  </p:childTnLst>
-                                </p:cTn>
-                              </p:par>
-                              <p:par>
-                                <p:cTn id="7" presetID="1" presetClass="entr" presetSubtype="0" fill="hold" grpId="0" nodeType="withEffect">
-                                  <p:stCondLst>
-                                    <p:cond delay="0"/>
-                                  </p:stCondLst>
-                                  <p:childTnLst>
-                                    <p:set>
-                                      <p:cBhvr>
-                                        <p:cTn id="8" dur="1" fill="hold">
-                                          <p:stCondLst>
-                                            <p:cond delay="0"/>
-                                          </p:stCondLst>
-                                        </p:cTn>
-                                        <p:tgtEl>
-                                          <p:spTgt spid="14"/>
-                                        </p:tgtEl>
-                                        <p:attrNameLst>
-                                          <p:attrName>style.visibility</p:attrName>
-                                        </p:attrNameLst>
-                                      </p:cBhvr>
-                                      <p:to>
-                                        <p:strVal val="visible"/>
-                                      </p:to>
-                                    </p:set>
-                                  </p:childTnLst>
-                                </p:cTn>
-                              </p:par>
-                              <p:par>
-                                <p:cTn id="9" presetID="1" presetClass="entr" presetSubtype="0" fill="hold" grpId="0" nodeType="withEffect">
-                                  <p:stCondLst>
-                                    <p:cond delay="0"/>
-                                  </p:stCondLst>
-                                  <p:childTnLst>
-                                    <p:set>
-                                      <p:cBhvr>
-                                        <p:cTn id="10" dur="1" fill="hold">
-                                          <p:stCondLst>
-                                            <p:cond delay="0"/>
-                                          </p:stCondLst>
-                                        </p:cTn>
-                                        <p:tgtEl>
-                                          <p:spTgt spid="15"/>
-                                        </p:tgtEl>
-                                        <p:attrNameLst>
-                                          <p:attrName>style.visibility</p:attrName>
-                                        </p:attrNameLst>
-                                      </p:cBhvr>
-                                      <p:to>
-                                        <p:strVal val="visible"/>
-                                      </p:to>
-                                    </p:set>
-                                  </p:childTnLst>
-                                </p:cTn>
-                              </p:par>
-                              <p:par>
-                                <p:cTn id="11" presetID="1" presetClass="entr" presetSubtype="0" fill="hold" grpId="0" nodeType="withEffect">
-                                  <p:stCondLst>
-                                    <p:cond delay="0"/>
-                                  </p:stCondLst>
-                                  <p:childTnLst>
-                                    <p:set>
-                                      <p:cBhvr>
-                                        <p:cTn id="12" dur="1" fill="hold">
-                                          <p:stCondLst>
-                                            <p:cond delay="0"/>
-                                          </p:stCondLst>
-                                        </p:cTn>
-                                        <p:tgtEl>
-                                          <p:spTgt spid="16"/>
-                                        </p:tgtEl>
-                                        <p:attrNameLst>
-                                          <p:attrName>style.visibility</p:attrName>
-                                        </p:attrNameLst>
-                                      </p:cBhvr>
-                                      <p:to>
-                                        <p:strVal val="visible"/>
-                                      </p:to>
-                                    </p:set>
-                                  </p:childTnLst>
-                                </p:cTn>
-                              </p:par>
-                              <p:par>
-                                <p:cTn id="13" presetID="1" presetClass="entr" presetSubtype="0" fill="hold" grpId="0" nodeType="withEffect">
-                                  <p:stCondLst>
-                                    <p:cond delay="0"/>
-                                  </p:stCondLst>
-                                  <p:childTnLst>
-                                    <p:set>
-                                      <p:cBhvr>
-                                        <p:cTn id="14" dur="1" fill="hold">
-                                          <p:stCondLst>
-                                            <p:cond delay="0"/>
-                                          </p:stCondLst>
-                                        </p:cTn>
-                                        <p:tgtEl>
-                                          <p:spTgt spid="17"/>
-                                        </p:tgtEl>
-                                        <p:attrNameLst>
-                                          <p:attrName>style.visibility</p:attrName>
-                                        </p:attrNameLst>
-                                      </p:cBhvr>
-                                      <p:to>
-                                        <p:strVal val="visible"/>
-                                      </p:to>
-                                    </p:set>
-                                  </p:childTnLst>
-                                </p:cTn>
-                              </p:par>
-                              <p:par>
-                                <p:cTn id="15" presetID="1" presetClass="entr" presetSubtype="0" fill="hold" grpId="0" nodeType="withEffect">
-                                  <p:stCondLst>
-                                    <p:cond delay="0"/>
-                                  </p:stCondLst>
-                                  <p:childTnLst>
-                                    <p:set>
-                                      <p:cBhvr>
-                                        <p:cTn id="16" dur="1" fill="hold">
-                                          <p:stCondLst>
-                                            <p:cond delay="0"/>
-                                          </p:stCondLst>
-                                        </p:cTn>
-                                        <p:tgtEl>
-                                          <p:spTgt spid="18"/>
-                                        </p:tgtEl>
-                                        <p:attrNameLst>
-                                          <p:attrName>style.visibility</p:attrName>
-                                        </p:attrNameLst>
-                                      </p:cBhvr>
-                                      <p:to>
-                                        <p:strVal val="visible"/>
-                                      </p:to>
-                                    </p:set>
-                                  </p:childTnLst>
-                                </p:cTn>
-                              </p:par>
-                              <p:par>
-                                <p:cTn id="17" presetID="1" presetClass="entr" presetSubtype="0" fill="hold" nodeType="withEffect">
-                                  <p:stCondLst>
-                                    <p:cond delay="0"/>
-                                  </p:stCondLst>
-                                  <p:childTnLst>
-                                    <p:set>
-                                      <p:cBhvr>
-                                        <p:cTn id="18" dur="1" fill="hold">
-                                          <p:stCondLst>
-                                            <p:cond delay="0"/>
-                                          </p:stCondLst>
-                                        </p:cTn>
-                                        <p:tgtEl>
-                                          <p:spTgt spid="19"/>
-                                        </p:tgtEl>
-                                        <p:attrNameLst>
-                                          <p:attrName>style.visibility</p:attrName>
-                                        </p:attrNameLst>
-                                      </p:cBhvr>
-                                      <p:to>
-                                        <p:strVal val="visible"/>
-                                      </p:to>
-                                    </p:set>
-                                  </p:childTnLst>
-                                </p:cTn>
-                              </p:par>
-                              <p:par>
-                                <p:cTn id="19" presetID="1" presetClass="entr" presetSubtype="0" fill="hold" nodeType="withEffect">
-                                  <p:stCondLst>
-                                    <p:cond delay="0"/>
-                                  </p:stCondLst>
-                                  <p:childTnLst>
-                                    <p:set>
-                                      <p:cBhvr>
-                                        <p:cTn id="20" dur="1" fill="hold">
-                                          <p:stCondLst>
-                                            <p:cond delay="0"/>
-                                          </p:stCondLst>
-                                        </p:cTn>
-                                        <p:tgtEl>
-                                          <p:spTgt spid="25"/>
-                                        </p:tgtEl>
-                                        <p:attrNameLst>
-                                          <p:attrName>style.visibility</p:attrName>
-                                        </p:attrNameLst>
-                                      </p:cBhvr>
-                                      <p:to>
-                                        <p:strVal val="visible"/>
-                                      </p:to>
-                                    </p:set>
-                                  </p:childTnLst>
-                                </p:cTn>
-                              </p:par>
-                            </p:childTnLst>
-                          </p:cTn>
-                        </p:par>
-                      </p:childTnLst>
-                    </p:cTn>
-                  </p:par>
-                </p:childTnLst>
-              </p:cTn>
-              <p:prevCondLst>
-                <p:cond evt="onPrev" delay="0">
-                  <p:tgtEl>
-                    <p:sldTgt/>
-                  </p:tgtEl>
-                </p:cond>
-              </p:prevCondLst>
-              <p:nextCondLst>
-                <p:cond evt="onNext" delay="0">
-                  <p:tgtEl>
-                    <p:sldTgt/>
-                  </p:tgtEl>
-                </p:cond>
-              </p:nextCondLst>
-            </p:seq>
-          </p:childTnLst>
-        </p:cTn>
+        <p:cTn id="1" dur="indefinite" restart="never" nodeType="tmRoot"/>
       </p:par>
     </p:tnLst>
-    <p:bldLst>
-      <p:bldP spid="13" grpId="0" animBg="1"/>
-      <p:bldP spid="14" grpId="0" animBg="1"/>
-      <p:bldP spid="15" grpId="0" animBg="1"/>
-      <p:bldP spid="16" grpId="0" animBg="1"/>
-      <p:bldP spid="17" grpId="0" animBg="1"/>
-      <p:bldP spid="18" grpId="0"/>
-    </p:bldLst>
   </p:timing>
 </p:sld>
 </file>
@@ -14145,7 +13876,7 @@
           <p:cNvPr id="2" name="TextBox 1">
             <a:extLst>
               <a:ext uri="{FF2B5EF4-FFF2-40B4-BE49-F238E27FC236}">
-                <a16:creationId xmlns:a16="http://schemas.microsoft.com/office/drawing/2014/main" xmlns="" id="{711B1A80-5DFC-75E4-1162-3B7510885B48}"/>
+                <a16:creationId xmlns="" xmlns:a16="http://schemas.microsoft.com/office/drawing/2014/main" id="{711B1A80-5DFC-75E4-1162-3B7510885B48}"/>
               </a:ext>
             </a:extLst>
           </p:cNvPr>
@@ -14730,6 +14461,13 @@
   <p:clrMapOvr>
     <a:masterClrMapping/>
   </p:clrMapOvr>
+  <p:timing>
+    <p:tnLst>
+      <p:par>
+        <p:cTn id="1" dur="indefinite" restart="never" nodeType="tmRoot"/>
+      </p:par>
+    </p:tnLst>
+  </p:timing>
 </p:sld>
 </file>
 
@@ -14750,6 +14488,80 @@
           <a:chExt cx="0" cy="0"/>
         </a:xfrm>
       </p:grpSpPr>
+      <p:sp>
+        <p:nvSpPr>
+          <p:cNvPr id="2" name="TextBox 1">
+            <a:extLst>
+              <a:ext uri="{FF2B5EF4-FFF2-40B4-BE49-F238E27FC236}">
+                <a16:creationId xmlns="" xmlns:a16="http://schemas.microsoft.com/office/drawing/2014/main" id="{711B1A80-5DFC-75E4-1162-3B7510885B48}"/>
+              </a:ext>
+            </a:extLst>
+          </p:cNvPr>
+          <p:cNvSpPr txBox="1"/>
+          <p:nvPr/>
+        </p:nvSpPr>
+        <p:spPr>
+          <a:xfrm>
+            <a:off x="302261" y="261908"/>
+            <a:ext cx="2377510" cy="523220"/>
+          </a:xfrm>
+          <a:prstGeom prst="rect">
+            <a:avLst/>
+          </a:prstGeom>
+          <a:noFill/>
+        </p:spPr>
+        <p:txBody>
+          <a:bodyPr wrap="none" rtlCol="0">
+            <a:spAutoFit/>
+          </a:bodyPr>
+          <a:lstStyle/>
+          <a:p>
+            <a:r>
+              <a:rPr lang="en-US" sz="2800" u="sng" dirty="0" smtClean="0">
+                <a:solidFill>
+                  <a:schemeClr val="accent1">
+                    <a:lumMod val="75000"/>
+                  </a:schemeClr>
+                </a:solidFill>
+              </a:rPr>
+              <a:t>Demo - Video</a:t>
+            </a:r>
+            <a:endParaRPr lang="en-US" sz="2800" u="sng" dirty="0">
+              <a:solidFill>
+                <a:schemeClr val="accent1">
+                  <a:lumMod val="75000"/>
+                </a:schemeClr>
+              </a:solidFill>
+            </a:endParaRPr>
+          </a:p>
+        </p:txBody>
+      </p:sp>
+      <p:pic>
+        <p:nvPicPr>
+          <p:cNvPr id="3" name="Picture 2">
+            <a:hlinkClick r:id="rId2" action="ppaction://hlinkfile"/>
+          </p:cNvPr>
+          <p:cNvPicPr>
+            <a:picLocks noChangeAspect="1"/>
+          </p:cNvPicPr>
+          <p:nvPr/>
+        </p:nvPicPr>
+        <p:blipFill>
+          <a:blip r:embed="rId3"/>
+          <a:stretch>
+            <a:fillRect/>
+          </a:stretch>
+        </p:blipFill>
+        <p:spPr>
+          <a:xfrm>
+            <a:off x="2679771" y="677551"/>
+            <a:ext cx="7496457" cy="5783148"/>
+          </a:xfrm>
+          <a:prstGeom prst="rect">
+            <a:avLst/>
+          </a:prstGeom>
+        </p:spPr>
+      </p:pic>
     </p:spTree>
     <p:extLst>
       <p:ext uri="{BB962C8B-B14F-4D97-AF65-F5344CB8AC3E}">
@@ -14760,6 +14572,13 @@
   <p:clrMapOvr>
     <a:masterClrMapping/>
   </p:clrMapOvr>
+  <p:timing>
+    <p:tnLst>
+      <p:par>
+        <p:cTn id="1" dur="indefinite" restart="never" nodeType="tmRoot"/>
+      </p:par>
+    </p:tnLst>
+  </p:timing>
 </p:sld>
 </file>
 
@@ -14785,7 +14604,7 @@
           <p:cNvPr id="4" name="TextBox 3">
             <a:extLst>
               <a:ext uri="{FF2B5EF4-FFF2-40B4-BE49-F238E27FC236}">
-                <a16:creationId xmlns:a16="http://schemas.microsoft.com/office/drawing/2014/main" xmlns="" id="{C9FF3A51-5321-A75D-DA04-2DED4272F352}"/>
+                <a16:creationId xmlns="" xmlns:a16="http://schemas.microsoft.com/office/drawing/2014/main" id="{C9FF3A51-5321-A75D-DA04-2DED4272F352}"/>
               </a:ext>
             </a:extLst>
           </p:cNvPr>
@@ -14823,7 +14642,7 @@
           <p:cNvPr id="5" name="TextBox 4">
             <a:extLst>
               <a:ext uri="{FF2B5EF4-FFF2-40B4-BE49-F238E27FC236}">
-                <a16:creationId xmlns:a16="http://schemas.microsoft.com/office/drawing/2014/main" xmlns="" id="{8AD9AB87-B69B-DFAC-5AF5-9188BB731F21}"/>
+                <a16:creationId xmlns="" xmlns:a16="http://schemas.microsoft.com/office/drawing/2014/main" id="{8AD9AB87-B69B-DFAC-5AF5-9188BB731F21}"/>
               </a:ext>
             </a:extLst>
           </p:cNvPr>
@@ -14870,7 +14689,7 @@
           <p:cNvPr id="6" name="TextBox 5">
             <a:extLst>
               <a:ext uri="{FF2B5EF4-FFF2-40B4-BE49-F238E27FC236}">
-                <a16:creationId xmlns:a16="http://schemas.microsoft.com/office/drawing/2014/main" xmlns="" id="{F503F7A2-D285-6817-258A-975F59A5B2B9}"/>
+                <a16:creationId xmlns="" xmlns:a16="http://schemas.microsoft.com/office/drawing/2014/main" id="{F503F7A2-D285-6817-258A-975F59A5B2B9}"/>
               </a:ext>
             </a:extLst>
           </p:cNvPr>
@@ -14917,7 +14736,7 @@
           <p:cNvPr id="7" name="TextBox 6">
             <a:extLst>
               <a:ext uri="{FF2B5EF4-FFF2-40B4-BE49-F238E27FC236}">
-                <a16:creationId xmlns:a16="http://schemas.microsoft.com/office/drawing/2014/main" xmlns="" id="{9CCB59BD-E2EA-EDF9-697B-8FA457FFBC7A}"/>
+                <a16:creationId xmlns="" xmlns:a16="http://schemas.microsoft.com/office/drawing/2014/main" id="{9CCB59BD-E2EA-EDF9-697B-8FA457FFBC7A}"/>
               </a:ext>
             </a:extLst>
           </p:cNvPr>
@@ -14964,7 +14783,7 @@
           <p:cNvPr id="8" name="TextBox 7">
             <a:extLst>
               <a:ext uri="{FF2B5EF4-FFF2-40B4-BE49-F238E27FC236}">
-                <a16:creationId xmlns:a16="http://schemas.microsoft.com/office/drawing/2014/main" xmlns="" id="{F949BE6A-3A9A-852F-A2ED-C11FB923EA3F}"/>
+                <a16:creationId xmlns="" xmlns:a16="http://schemas.microsoft.com/office/drawing/2014/main" id="{F949BE6A-3A9A-852F-A2ED-C11FB923EA3F}"/>
               </a:ext>
             </a:extLst>
           </p:cNvPr>
@@ -15002,7 +14821,7 @@
           <p:cNvPr id="10" name="TextBox 9">
             <a:extLst>
               <a:ext uri="{FF2B5EF4-FFF2-40B4-BE49-F238E27FC236}">
-                <a16:creationId xmlns:a16="http://schemas.microsoft.com/office/drawing/2014/main" xmlns="" id="{B02EB7D8-12CD-B832-EEA5-54A2043909BE}"/>
+                <a16:creationId xmlns="" xmlns:a16="http://schemas.microsoft.com/office/drawing/2014/main" id="{B02EB7D8-12CD-B832-EEA5-54A2043909BE}"/>
               </a:ext>
             </a:extLst>
           </p:cNvPr>
@@ -15040,7 +14859,7 @@
           <p:cNvPr id="11" name="TextBox 10">
             <a:extLst>
               <a:ext uri="{FF2B5EF4-FFF2-40B4-BE49-F238E27FC236}">
-                <a16:creationId xmlns:a16="http://schemas.microsoft.com/office/drawing/2014/main" xmlns="" id="{517A786D-FD70-8350-918D-7D376311368E}"/>
+                <a16:creationId xmlns="" xmlns:a16="http://schemas.microsoft.com/office/drawing/2014/main" id="{517A786D-FD70-8350-918D-7D376311368E}"/>
               </a:ext>
             </a:extLst>
           </p:cNvPr>
@@ -15078,7 +14897,7 @@
           <p:cNvPr id="12" name="TextBox 11">
             <a:extLst>
               <a:ext uri="{FF2B5EF4-FFF2-40B4-BE49-F238E27FC236}">
-                <a16:creationId xmlns:a16="http://schemas.microsoft.com/office/drawing/2014/main" xmlns="" id="{E5EBC5FF-3F57-C2E4-6A3E-C1A4EE05D77A}"/>
+                <a16:creationId xmlns="" xmlns:a16="http://schemas.microsoft.com/office/drawing/2014/main" id="{E5EBC5FF-3F57-C2E4-6A3E-C1A4EE05D77A}"/>
               </a:ext>
             </a:extLst>
           </p:cNvPr>
@@ -15125,7 +14944,7 @@
           <p:cNvPr id="13" name="TextBox 12">
             <a:extLst>
               <a:ext uri="{FF2B5EF4-FFF2-40B4-BE49-F238E27FC236}">
-                <a16:creationId xmlns:a16="http://schemas.microsoft.com/office/drawing/2014/main" xmlns="" id="{AB21377C-567C-98AE-D934-01725A1F908E}"/>
+                <a16:creationId xmlns="" xmlns:a16="http://schemas.microsoft.com/office/drawing/2014/main" id="{AB21377C-567C-98AE-D934-01725A1F908E}"/>
               </a:ext>
             </a:extLst>
           </p:cNvPr>
@@ -15163,7 +14982,7 @@
           <p:cNvPr id="2" name="TextBox 1">
             <a:extLst>
               <a:ext uri="{FF2B5EF4-FFF2-40B4-BE49-F238E27FC236}">
-                <a16:creationId xmlns:a16="http://schemas.microsoft.com/office/drawing/2014/main" xmlns="" id="{E270D7BA-9800-79D9-E9E4-382FBEE8A501}"/>
+                <a16:creationId xmlns="" xmlns:a16="http://schemas.microsoft.com/office/drawing/2014/main" id="{E270D7BA-9800-79D9-E9E4-382FBEE8A501}"/>
               </a:ext>
             </a:extLst>
           </p:cNvPr>
@@ -15219,7 +15038,7 @@
           <p:cNvPr id="3" name="Oval 2">
             <a:extLst>
               <a:ext uri="{FF2B5EF4-FFF2-40B4-BE49-F238E27FC236}">
-                <a16:creationId xmlns:a16="http://schemas.microsoft.com/office/drawing/2014/main" xmlns="" id="{6F978649-3BED-BE56-3569-905FD216BA6B}"/>
+                <a16:creationId xmlns="" xmlns:a16="http://schemas.microsoft.com/office/drawing/2014/main" id="{6F978649-3BED-BE56-3569-905FD216BA6B}"/>
               </a:ext>
             </a:extLst>
           </p:cNvPr>
@@ -15278,7 +15097,7 @@
           <p:cNvPr id="15" name="Straight Arrow Connector 14">
             <a:extLst>
               <a:ext uri="{FF2B5EF4-FFF2-40B4-BE49-F238E27FC236}">
-                <a16:creationId xmlns:a16="http://schemas.microsoft.com/office/drawing/2014/main" xmlns="" id="{EA1E7AE7-BF61-79D9-9A78-44324E45EA5B}"/>
+                <a16:creationId xmlns="" xmlns:a16="http://schemas.microsoft.com/office/drawing/2014/main" id="{EA1E7AE7-BF61-79D9-9A78-44324E45EA5B}"/>
               </a:ext>
             </a:extLst>
           </p:cNvPr>
@@ -15320,7 +15139,7 @@
           <p:cNvPr id="17" name="Straight Arrow Connector 16">
             <a:extLst>
               <a:ext uri="{FF2B5EF4-FFF2-40B4-BE49-F238E27FC236}">
-                <a16:creationId xmlns:a16="http://schemas.microsoft.com/office/drawing/2014/main" xmlns="" id="{B02AD414-92DA-6F6C-6E0A-5F66C70C0B06}"/>
+                <a16:creationId xmlns="" xmlns:a16="http://schemas.microsoft.com/office/drawing/2014/main" id="{B02AD414-92DA-6F6C-6E0A-5F66C70C0B06}"/>
               </a:ext>
             </a:extLst>
           </p:cNvPr>
@@ -15362,7 +15181,7 @@
           <p:cNvPr id="19" name="Straight Arrow Connector 18">
             <a:extLst>
               <a:ext uri="{FF2B5EF4-FFF2-40B4-BE49-F238E27FC236}">
-                <a16:creationId xmlns:a16="http://schemas.microsoft.com/office/drawing/2014/main" xmlns="" id="{B6E3F129-79D3-6F9A-4988-AA808257E783}"/>
+                <a16:creationId xmlns="" xmlns:a16="http://schemas.microsoft.com/office/drawing/2014/main" id="{B6E3F129-79D3-6F9A-4988-AA808257E783}"/>
               </a:ext>
             </a:extLst>
           </p:cNvPr>
@@ -15403,7 +15222,7 @@
           <p:cNvPr id="21" name="Straight Arrow Connector 20">
             <a:extLst>
               <a:ext uri="{FF2B5EF4-FFF2-40B4-BE49-F238E27FC236}">
-                <a16:creationId xmlns:a16="http://schemas.microsoft.com/office/drawing/2014/main" xmlns="" id="{A00A6EED-F5B0-D64D-06C5-DF923B35950A}"/>
+                <a16:creationId xmlns="" xmlns:a16="http://schemas.microsoft.com/office/drawing/2014/main" id="{A00A6EED-F5B0-D64D-06C5-DF923B35950A}"/>
               </a:ext>
             </a:extLst>
           </p:cNvPr>
@@ -15444,7 +15263,7 @@
           <p:cNvPr id="31" name="Straight Arrow Connector 30">
             <a:extLst>
               <a:ext uri="{FF2B5EF4-FFF2-40B4-BE49-F238E27FC236}">
-                <a16:creationId xmlns:a16="http://schemas.microsoft.com/office/drawing/2014/main" xmlns="" id="{FAA7FF4B-2293-C1D6-8B96-F44A993C385C}"/>
+                <a16:creationId xmlns="" xmlns:a16="http://schemas.microsoft.com/office/drawing/2014/main" id="{FAA7FF4B-2293-C1D6-8B96-F44A993C385C}"/>
               </a:ext>
             </a:extLst>
           </p:cNvPr>
@@ -15483,7 +15302,7 @@
           <p:cNvPr id="33" name="Straight Arrow Connector 32">
             <a:extLst>
               <a:ext uri="{FF2B5EF4-FFF2-40B4-BE49-F238E27FC236}">
-                <a16:creationId xmlns:a16="http://schemas.microsoft.com/office/drawing/2014/main" xmlns="" id="{5E38B088-171F-B484-02D4-AEE115A4BB50}"/>
+                <a16:creationId xmlns="" xmlns:a16="http://schemas.microsoft.com/office/drawing/2014/main" id="{5E38B088-171F-B484-02D4-AEE115A4BB50}"/>
               </a:ext>
             </a:extLst>
           </p:cNvPr>
@@ -15524,7 +15343,7 @@
           <p:cNvPr id="35" name="Freeform: Shape 34">
             <a:extLst>
               <a:ext uri="{FF2B5EF4-FFF2-40B4-BE49-F238E27FC236}">
-                <a16:creationId xmlns:a16="http://schemas.microsoft.com/office/drawing/2014/main" xmlns="" id="{D46CD3D2-79EE-7111-BF85-370A19A72FCB}"/>
+                <a16:creationId xmlns="" xmlns:a16="http://schemas.microsoft.com/office/drawing/2014/main" id="{D46CD3D2-79EE-7111-BF85-370A19A72FCB}"/>
               </a:ext>
             </a:extLst>
           </p:cNvPr>
@@ -15633,7 +15452,7 @@
           <p:cNvPr id="37" name="Straight Arrow Connector 36">
             <a:extLst>
               <a:ext uri="{FF2B5EF4-FFF2-40B4-BE49-F238E27FC236}">
-                <a16:creationId xmlns:a16="http://schemas.microsoft.com/office/drawing/2014/main" xmlns="" id="{F0E158DB-E90B-FF5E-5530-945EC656A527}"/>
+                <a16:creationId xmlns="" xmlns:a16="http://schemas.microsoft.com/office/drawing/2014/main" id="{F0E158DB-E90B-FF5E-5530-945EC656A527}"/>
               </a:ext>
             </a:extLst>
           </p:cNvPr>
@@ -15674,7 +15493,7 @@
           <p:cNvPr id="41" name="Straight Arrow Connector 40">
             <a:extLst>
               <a:ext uri="{FF2B5EF4-FFF2-40B4-BE49-F238E27FC236}">
-                <a16:creationId xmlns:a16="http://schemas.microsoft.com/office/drawing/2014/main" xmlns="" id="{B893F311-5EEE-6FCB-FB28-BD14B88D3446}"/>
+                <a16:creationId xmlns="" xmlns:a16="http://schemas.microsoft.com/office/drawing/2014/main" id="{B893F311-5EEE-6FCB-FB28-BD14B88D3446}"/>
               </a:ext>
             </a:extLst>
           </p:cNvPr>
@@ -15715,7 +15534,7 @@
           <p:cNvPr id="47" name="Straight Arrow Connector 46">
             <a:extLst>
               <a:ext uri="{FF2B5EF4-FFF2-40B4-BE49-F238E27FC236}">
-                <a16:creationId xmlns:a16="http://schemas.microsoft.com/office/drawing/2014/main" xmlns="" id="{08D162BC-743E-1AAF-4F16-C442E6BF7385}"/>
+                <a16:creationId xmlns="" xmlns:a16="http://schemas.microsoft.com/office/drawing/2014/main" id="{08D162BC-743E-1AAF-4F16-C442E6BF7385}"/>
               </a:ext>
             </a:extLst>
           </p:cNvPr>
@@ -15756,7 +15575,7 @@
           <p:cNvPr id="49" name="Straight Arrow Connector 48">
             <a:extLst>
               <a:ext uri="{FF2B5EF4-FFF2-40B4-BE49-F238E27FC236}">
-                <a16:creationId xmlns:a16="http://schemas.microsoft.com/office/drawing/2014/main" xmlns="" id="{2E05318E-FEC5-D6CC-84FB-80F67A1413F0}"/>
+                <a16:creationId xmlns="" xmlns:a16="http://schemas.microsoft.com/office/drawing/2014/main" id="{2E05318E-FEC5-D6CC-84FB-80F67A1413F0}"/>
               </a:ext>
             </a:extLst>
           </p:cNvPr>
@@ -15798,7 +15617,7 @@
           <p:cNvPr id="51" name="Straight Arrow Connector 50">
             <a:extLst>
               <a:ext uri="{FF2B5EF4-FFF2-40B4-BE49-F238E27FC236}">
-                <a16:creationId xmlns:a16="http://schemas.microsoft.com/office/drawing/2014/main" xmlns="" id="{A9096C41-1CEB-8C0C-CA2C-76A1EE03F123}"/>
+                <a16:creationId xmlns="" xmlns:a16="http://schemas.microsoft.com/office/drawing/2014/main" id="{A9096C41-1CEB-8C0C-CA2C-76A1EE03F123}"/>
               </a:ext>
             </a:extLst>
           </p:cNvPr>
@@ -15840,7 +15659,7 @@
           <p:cNvPr id="55" name="Straight Arrow Connector 54">
             <a:extLst>
               <a:ext uri="{FF2B5EF4-FFF2-40B4-BE49-F238E27FC236}">
-                <a16:creationId xmlns:a16="http://schemas.microsoft.com/office/drawing/2014/main" xmlns="" id="{BA8F84D9-CC7F-D4AC-D5B0-EC39BC0F2555}"/>
+                <a16:creationId xmlns="" xmlns:a16="http://schemas.microsoft.com/office/drawing/2014/main" id="{BA8F84D9-CC7F-D4AC-D5B0-EC39BC0F2555}"/>
               </a:ext>
             </a:extLst>
           </p:cNvPr>
@@ -15882,7 +15701,7 @@
           <p:cNvPr id="59" name="Straight Arrow Connector 58">
             <a:extLst>
               <a:ext uri="{FF2B5EF4-FFF2-40B4-BE49-F238E27FC236}">
-                <a16:creationId xmlns:a16="http://schemas.microsoft.com/office/drawing/2014/main" xmlns="" id="{25844060-6594-E0AB-BE76-E9DAFDFA09D5}"/>
+                <a16:creationId xmlns="" xmlns:a16="http://schemas.microsoft.com/office/drawing/2014/main" id="{25844060-6594-E0AB-BE76-E9DAFDFA09D5}"/>
               </a:ext>
             </a:extLst>
           </p:cNvPr>
@@ -15924,7 +15743,7 @@
           <p:cNvPr id="61" name="Oval 60">
             <a:extLst>
               <a:ext uri="{FF2B5EF4-FFF2-40B4-BE49-F238E27FC236}">
-                <a16:creationId xmlns:a16="http://schemas.microsoft.com/office/drawing/2014/main" xmlns="" id="{02E969FF-E2F8-2D10-9D2A-806F8341E7BD}"/>
+                <a16:creationId xmlns="" xmlns:a16="http://schemas.microsoft.com/office/drawing/2014/main" id="{02E969FF-E2F8-2D10-9D2A-806F8341E7BD}"/>
               </a:ext>
             </a:extLst>
           </p:cNvPr>
@@ -15994,7 +15813,7 @@
           <p:cNvPr id="18" name="Straight Arrow Connector 17">
             <a:extLst>
               <a:ext uri="{FF2B5EF4-FFF2-40B4-BE49-F238E27FC236}">
-                <a16:creationId xmlns:a16="http://schemas.microsoft.com/office/drawing/2014/main" xmlns="" id="{BAFECE93-3A5F-47DB-DEF6-BCDE1FA4985F}"/>
+                <a16:creationId xmlns="" xmlns:a16="http://schemas.microsoft.com/office/drawing/2014/main" id="{BAFECE93-3A5F-47DB-DEF6-BCDE1FA4985F}"/>
               </a:ext>
             </a:extLst>
           </p:cNvPr>
@@ -16033,7 +15852,7 @@
           <p:cNvPr id="20" name="TextBox 19">
             <a:extLst>
               <a:ext uri="{FF2B5EF4-FFF2-40B4-BE49-F238E27FC236}">
-                <a16:creationId xmlns:a16="http://schemas.microsoft.com/office/drawing/2014/main" xmlns="" id="{E4A6F6C1-9C79-D420-922A-1B65A47DD5B1}"/>
+                <a16:creationId xmlns="" xmlns:a16="http://schemas.microsoft.com/office/drawing/2014/main" id="{E4A6F6C1-9C79-D420-922A-1B65A47DD5B1}"/>
               </a:ext>
             </a:extLst>
           </p:cNvPr>
@@ -16079,6 +15898,13 @@
   <p:clrMapOvr>
     <a:masterClrMapping/>
   </p:clrMapOvr>
+  <p:timing>
+    <p:tnLst>
+      <p:par>
+        <p:cTn id="1" dur="indefinite" restart="never" nodeType="tmRoot"/>
+      </p:par>
+    </p:tnLst>
+  </p:timing>
 </p:sld>
 </file>
 
